--- a/Tutorials/whatiswot/13-Thing_Description/13-Thing_Description.pptx
+++ b/Tutorials/whatiswot/13-Thing_Description/13-Thing_Description.pptx
@@ -5,7 +5,7 @@
     <p:sldMasterId id="2147483660" r:id="rId1"/>
   </p:sldMasterIdLst>
   <p:notesMasterIdLst>
-    <p:notesMasterId r:id="rId32"/>
+    <p:notesMasterId r:id="rId31"/>
   </p:notesMasterIdLst>
   <p:sldIdLst>
     <p:sldId id="355" r:id="rId2"/>
@@ -31,13 +31,12 @@
     <p:sldId id="394" r:id="rId22"/>
     <p:sldId id="395" r:id="rId23"/>
     <p:sldId id="396" r:id="rId24"/>
-    <p:sldId id="397" r:id="rId25"/>
-    <p:sldId id="398" r:id="rId26"/>
-    <p:sldId id="399" r:id="rId27"/>
-    <p:sldId id="400" r:id="rId28"/>
-    <p:sldId id="401" r:id="rId29"/>
-    <p:sldId id="381" r:id="rId30"/>
-    <p:sldId id="382" r:id="rId31"/>
+    <p:sldId id="398" r:id="rId25"/>
+    <p:sldId id="399" r:id="rId26"/>
+    <p:sldId id="400" r:id="rId27"/>
+    <p:sldId id="401" r:id="rId28"/>
+    <p:sldId id="381" r:id="rId29"/>
+    <p:sldId id="382" r:id="rId30"/>
   </p:sldIdLst>
   <p:sldSz cx="12192000" cy="6858000"/>
   <p:notesSz cx="6858000" cy="9144000"/>
@@ -237,7 +236,7 @@
           <a:p>
             <a:fld id="{FD65C6DA-5C8D-412A-A384-5B74A29C9C75}" type="datetimeFigureOut">
               <a:rPr lang="en-US" smtClean="0"/>
-              <a:t>9/29/23</a:t>
+              <a:t>10/16/23</a:t>
             </a:fld>
             <a:endParaRPr lang="en-US"/>
           </a:p>
@@ -550,7 +549,7 @@
           <a:p>
             <a:r>
               <a:rPr lang="en-US" noProof="0" dirty="0"/>
-              <a:t>Previously, we introduced Thing and Thing Description. In this video, we will explain Thing Description with a code example. </a:t>
+              <a:t>Previously, we introduced Thing and Thing Description. In this video, we will explain Thing Description with code snippets. </a:t>
             </a:r>
             <a:endParaRPr lang="tr-TR" dirty="0"/>
           </a:p>
@@ -1428,7 +1427,17 @@
           <a:p>
             <a:r>
               <a:rPr lang="en-GB" dirty="0"/>
-              <a:t>with the “@context” keyword we can define the context of the TD document. It is a mandatory keyword, and It specifies the vocabulary or schema that should be used to interpret the TD.</a:t>
+              <a:t>with the “@context” keyword we can define the context of the TD document. It is a mandatory keyword, and </a:t>
+            </a:r>
+            <a:r>
+              <a:rPr lang="en-GB" b="0" i="0" u="none" strike="noStrike" dirty="0">
+                <a:solidFill>
+                  <a:srgbClr val="E6EDF3"/>
+                </a:solidFill>
+                <a:effectLst/>
+                <a:latin typeface="-apple-system"/>
+              </a:rPr>
+              <a:t>It contains the vocabulary needed to fully interpret a TD document.</a:t>
             </a:r>
             <a:endParaRPr lang="en-US" dirty="0"/>
           </a:p>
@@ -1847,7 +1856,17 @@
             </a:r>
             <a:r>
               <a:rPr lang="en-GB" dirty="0"/>
-              <a:t>” defines a set of Security Schemas that provide security mechanisms, and it is mandatory. We will introduce details of the security definitions and schemas in the following videos.</a:t>
+              <a:t>”</a:t>
+            </a:r>
+            <a:r>
+              <a:rPr lang="en-GB" b="0" i="0" u="none" strike="noStrike" dirty="0">
+                <a:solidFill>
+                  <a:srgbClr val="E6EDF3"/>
+                </a:solidFill>
+                <a:effectLst/>
+                <a:latin typeface="-apple-system"/>
+              </a:rPr>
+              <a:t> define the security mechanisms present in the Thing and security allows to express which ones are picked. We will go into more detail in the upcoming videos.</a:t>
             </a:r>
             <a:endParaRPr lang="en-US" dirty="0"/>
           </a:p>
@@ -1935,16 +1954,10 @@
           <a:p>
             <a:r>
               <a:rPr lang="en-GB" dirty="0"/>
-              <a:t>The “security” keyword is a set of security definition names, chosen from those defined in ”</a:t>
+              <a:t>And these are the interaction affordances. They consist of a set of capabilities and functionality exposed by a Thing that can be controlled and interacted with by a Consumer.  We can list them as properties, actions, and events. </a:t>
             </a:r>
-            <a:r>
-              <a:rPr lang="en-GB" dirty="0" err="1"/>
-              <a:t>securityDefinitions</a:t>
-            </a:r>
-            <a:r>
-              <a:rPr lang="en-GB" dirty="0"/>
-              <a:t>” and it is mandatory. These must all be satisfied with access to resources.</a:t>
-            </a:r>
+          </a:p>
+          <a:p>
             <a:endParaRPr lang="en-US" dirty="0"/>
           </a:p>
         </p:txBody>
@@ -2030,12 +2043,9 @@
           <a:lstStyle/>
           <a:p>
             <a:r>
-              <a:rPr lang="en-GB" dirty="0"/>
-              <a:t>And these are the interaction affordances. They consist of a set of capabilities and functionality exposed by a Thing that can be controlled and interacted with by a Consumer, and they are optional. We can list them as properties, actions, and events. </a:t>
+              <a:rPr lang="en-US" dirty="0"/>
+              <a:t>We will explain these affordances in detail in the next video but now let's look at their functionality. </a:t>
             </a:r>
-          </a:p>
-          <a:p>
-            <a:endParaRPr lang="en-US" dirty="0"/>
           </a:p>
         </p:txBody>
       </p:sp>
@@ -2065,7 +2075,7 @@
     </p:spTree>
     <p:extLst>
       <p:ext uri="{BB962C8B-B14F-4D97-AF65-F5344CB8AC3E}">
-        <p14:creationId xmlns:p14="http://schemas.microsoft.com/office/powerpoint/2010/main" val="3241019092"/>
+        <p14:creationId xmlns:p14="http://schemas.microsoft.com/office/powerpoint/2010/main" val="1987365962"/>
       </p:ext>
     </p:extLst>
   </p:cSld>
@@ -2120,9 +2130,24 @@
           <a:lstStyle/>
           <a:p>
             <a:r>
-              <a:rPr lang="en-US" dirty="0"/>
-              <a:t>We will explain these affordances in detail in the next video but now let's look at their functionality. </a:t>
+              <a:rPr lang="en-GB" sz="4000" b="0" i="0" u="none" strike="noStrike">
+                <a:solidFill>
+                  <a:srgbClr val="E6EDF3"/>
+                </a:solidFill>
+                <a:effectLst/>
+                <a:latin typeface="-apple-system"/>
+              </a:rPr>
+              <a:t>The sensing and control parameters of the Thing are represented with the properties keyword in a TD.</a:t>
             </a:r>
+            <a:r>
+              <a:rPr lang="en-GB" sz="2800"/>
+              <a:t> </a:t>
+            </a:r>
+            <a:r>
+              <a:rPr lang="en-GB" sz="2800" dirty="0"/>
+              <a:t>Such as the state of the coffee machine, how much water or beans are left in the machine or how full is the bin. </a:t>
+            </a:r>
+            <a:endParaRPr lang="en-US" sz="2800" dirty="0"/>
           </a:p>
         </p:txBody>
       </p:sp>
@@ -2152,7 +2177,7 @@
     </p:spTree>
     <p:extLst>
       <p:ext uri="{BB962C8B-B14F-4D97-AF65-F5344CB8AC3E}">
-        <p14:creationId xmlns:p14="http://schemas.microsoft.com/office/powerpoint/2010/main" val="1987365962"/>
+        <p14:creationId xmlns:p14="http://schemas.microsoft.com/office/powerpoint/2010/main" val="480662230"/>
       </p:ext>
     </p:extLst>
   </p:cSld>
@@ -2208,94 +2233,6 @@
           <a:p>
             <a:r>
               <a:rPr lang="en-GB" dirty="0"/>
-              <a:t>Properties are used for sensing and controlling parameters in TD. Such as the state of the coffee machine, how much water or beans are left in the machine or how full is the bin.</a:t>
-            </a:r>
-            <a:endParaRPr lang="en-US" dirty="0"/>
-          </a:p>
-        </p:txBody>
-      </p:sp>
-      <p:sp>
-        <p:nvSpPr>
-          <p:cNvPr id="4" name="Slide Number Placeholder 3"/>
-          <p:cNvSpPr>
-            <a:spLocks noGrp="1"/>
-          </p:cNvSpPr>
-          <p:nvPr>
-            <p:ph type="sldNum" sz="quarter" idx="5"/>
-          </p:nvPr>
-        </p:nvSpPr>
-        <p:spPr/>
-        <p:txBody>
-          <a:bodyPr/>
-          <a:lstStyle/>
-          <a:p>
-            <a:fld id="{F02165D8-144D-4958-A83E-0D86045592C5}" type="slidenum">
-              <a:rPr lang="en-US" smtClean="0"/>
-              <a:t>26</a:t>
-            </a:fld>
-            <a:endParaRPr lang="en-US"/>
-          </a:p>
-        </p:txBody>
-      </p:sp>
-    </p:spTree>
-    <p:extLst>
-      <p:ext uri="{BB962C8B-B14F-4D97-AF65-F5344CB8AC3E}">
-        <p14:creationId xmlns:p14="http://schemas.microsoft.com/office/powerpoint/2010/main" val="480662230"/>
-      </p:ext>
-    </p:extLst>
-  </p:cSld>
-  <p:clrMapOvr>
-    <a:masterClrMapping/>
-  </p:clrMapOvr>
-</p:notes>
-</file>
-
-<file path=ppt/notesSlides/notesSlide27.xml><?xml version="1.0" encoding="utf-8"?>
-<p:notes xmlns:a="http://schemas.openxmlformats.org/drawingml/2006/main" xmlns:r="http://schemas.openxmlformats.org/officeDocument/2006/relationships" xmlns:p="http://schemas.openxmlformats.org/presentationml/2006/main">
-  <p:cSld>
-    <p:spTree>
-      <p:nvGrpSpPr>
-        <p:cNvPr id="1" name=""/>
-        <p:cNvGrpSpPr/>
-        <p:nvPr/>
-      </p:nvGrpSpPr>
-      <p:grpSpPr>
-        <a:xfrm>
-          <a:off x="0" y="0"/>
-          <a:ext cx="0" cy="0"/>
-          <a:chOff x="0" y="0"/>
-          <a:chExt cx="0" cy="0"/>
-        </a:xfrm>
-      </p:grpSpPr>
-      <p:sp>
-        <p:nvSpPr>
-          <p:cNvPr id="2" name="Slide Image Placeholder 1"/>
-          <p:cNvSpPr>
-            <a:spLocks noGrp="1" noRot="1" noChangeAspect="1"/>
-          </p:cNvSpPr>
-          <p:nvPr>
-            <p:ph type="sldImg"/>
-          </p:nvPr>
-        </p:nvSpPr>
-        <p:spPr/>
-      </p:sp>
-      <p:sp>
-        <p:nvSpPr>
-          <p:cNvPr id="3" name="Notes Placeholder 2"/>
-          <p:cNvSpPr>
-            <a:spLocks noGrp="1"/>
-          </p:cNvSpPr>
-          <p:nvPr>
-            <p:ph type="body" idx="1"/>
-          </p:nvPr>
-        </p:nvSpPr>
-        <p:spPr/>
-        <p:txBody>
-          <a:bodyPr/>
-          <a:lstStyle/>
-          <a:p>
-            <a:r>
-              <a:rPr lang="en-GB" dirty="0"/>
               <a:t>Actions are used to interact with a Thing. It consists of actions that can be invoked by the Consumer. For instance, in “</a:t>
             </a:r>
             <a:r>
@@ -2306,7 +2243,7 @@
                 <a:latin typeface="Consolas" panose="020B0609020204030204" pitchFamily="49" charset="0"/>
                 <a:cs typeface="Consolas" panose="020B0609020204030204" pitchFamily="49" charset="0"/>
               </a:rPr>
-              <a:t>CoffeeOfMyChoice</a:t>
+              <a:t>BrewMyCoffee</a:t>
             </a:r>
             <a:r>
               <a:rPr lang="en-US" sz="1200" dirty="0">
@@ -2316,84 +2253,36 @@
                 <a:latin typeface="Consolas" panose="020B0609020204030204" pitchFamily="49" charset="0"/>
                 <a:cs typeface="Consolas" panose="020B0609020204030204" pitchFamily="49" charset="0"/>
               </a:rPr>
-              <a:t>” to choose the coffee type and the sugar amount you can choose </a:t>
+              <a:t>”  brew the coffee of your choice and </a:t>
             </a:r>
             <a:r>
-              <a:rPr lang="en-GB" b="0" dirty="0">
+              <a:rPr lang="en-GB" b="0" i="0" u="none" strike="noStrike" dirty="0">
                 <a:solidFill>
-                  <a:srgbClr val="CE9178"/>
+                  <a:srgbClr val="E6EDF3"/>
                 </a:solidFill>
                 <a:effectLst/>
-                <a:latin typeface="Menlo" panose="020B0609030804020204" pitchFamily="49" charset="0"/>
+                <a:latin typeface="-apple-system"/>
               </a:rPr>
-              <a:t>espresso</a:t>
+              <a:t>it can also take input parameters like </a:t>
             </a:r>
             <a:r>
-              <a:rPr lang="en-GB" b="0" dirty="0">
+              <a:rPr lang="en-US" sz="1200" dirty="0">
                 <a:solidFill>
-                  <a:srgbClr val="D4D4D4"/>
+                  <a:schemeClr val="tx2"/>
                 </a:solidFill>
-                <a:effectLst/>
-                <a:latin typeface="Menlo" panose="020B0609030804020204" pitchFamily="49" charset="0"/>
+                <a:latin typeface="Consolas" panose="020B0609020204030204" pitchFamily="49" charset="0"/>
+                <a:cs typeface="Consolas" panose="020B0609020204030204" pitchFamily="49" charset="0"/>
               </a:rPr>
-              <a:t>, </a:t>
+              <a:t>coffee type and sugar amount. </a:t>
             </a:r>
-            <a:r>
-              <a:rPr lang="en-GB" b="0" dirty="0">
-                <a:solidFill>
-                  <a:srgbClr val="CE9178"/>
-                </a:solidFill>
-                <a:effectLst/>
-                <a:latin typeface="Menlo" panose="020B0609030804020204" pitchFamily="49" charset="0"/>
-              </a:rPr>
-              <a:t>americano</a:t>
-            </a:r>
-            <a:r>
-              <a:rPr lang="en-GB" b="0" dirty="0">
-                <a:solidFill>
-                  <a:srgbClr val="D4D4D4"/>
-                </a:solidFill>
-                <a:effectLst/>
-                <a:latin typeface="Menlo" panose="020B0609030804020204" pitchFamily="49" charset="0"/>
-              </a:rPr>
-              <a:t>, </a:t>
-            </a:r>
-            <a:r>
-              <a:rPr lang="en-GB" b="0" dirty="0">
-                <a:solidFill>
-                  <a:srgbClr val="CE9178"/>
-                </a:solidFill>
-                <a:effectLst/>
-                <a:latin typeface="Menlo" panose="020B0609030804020204" pitchFamily="49" charset="0"/>
-              </a:rPr>
-              <a:t>latte</a:t>
-            </a:r>
-            <a:r>
-              <a:rPr lang="en-GB" b="0" dirty="0">
-                <a:solidFill>
-                  <a:srgbClr val="D4D4D4"/>
-                </a:solidFill>
-                <a:effectLst/>
-                <a:latin typeface="Menlo" panose="020B0609030804020204" pitchFamily="49" charset="0"/>
-              </a:rPr>
-              <a:t>, or </a:t>
-            </a:r>
-            <a:r>
-              <a:rPr lang="en-GB" b="0" dirty="0">
-                <a:solidFill>
-                  <a:srgbClr val="CE9178"/>
-                </a:solidFill>
-                <a:effectLst/>
-                <a:latin typeface="Menlo" panose="020B0609030804020204" pitchFamily="49" charset="0"/>
-              </a:rPr>
-              <a:t>cappuccino with either low, medium, or high sugar levels.</a:t>
-            </a:r>
-            <a:endParaRPr lang="en-GB" b="0" dirty="0">
+          </a:p>
+          <a:p>
+            <a:endParaRPr lang="en-US" sz="1200" dirty="0">
               <a:solidFill>
-                <a:srgbClr val="D4D4D4"/>
+                <a:schemeClr val="tx2"/>
               </a:solidFill>
-              <a:effectLst/>
-              <a:latin typeface="Menlo" panose="020B0609030804020204" pitchFamily="49" charset="0"/>
+              <a:latin typeface="Consolas" panose="020B0609020204030204" pitchFamily="49" charset="0"/>
+              <a:cs typeface="Consolas" panose="020B0609020204030204" pitchFamily="49" charset="0"/>
             </a:endParaRPr>
           </a:p>
           <a:p>
@@ -2445,7 +2334,7 @@
                 <a:latin typeface="Consolas" panose="020B0609020204030204" pitchFamily="49" charset="0"/>
                 <a:cs typeface="Consolas" panose="020B0609020204030204" pitchFamily="49" charset="0"/>
               </a:rPr>
-              <a:t>” turns of the machine.</a:t>
+              <a:t>” turns off the machine.</a:t>
             </a:r>
             <a:endParaRPr lang="en-US" dirty="0"/>
           </a:p>
@@ -2468,7 +2357,7 @@
           <a:p>
             <a:fld id="{F02165D8-144D-4958-A83E-0D86045592C5}" type="slidenum">
               <a:rPr lang="en-US" smtClean="0"/>
-              <a:t>27</a:t>
+              <a:t>26</a:t>
             </a:fld>
             <a:endParaRPr lang="en-US"/>
           </a:p>
@@ -2487,7 +2376,7 @@
 </p:notes>
 </file>
 
-<file path=ppt/notesSlides/notesSlide28.xml><?xml version="1.0" encoding="utf-8"?>
+<file path=ppt/notesSlides/notesSlide27.xml><?xml version="1.0" encoding="utf-8"?>
 <p:notes xmlns:a="http://schemas.openxmlformats.org/drawingml/2006/main" xmlns:r="http://schemas.openxmlformats.org/officeDocument/2006/relationships" xmlns:p="http://schemas.openxmlformats.org/presentationml/2006/main">
   <p:cSld>
     <p:spTree>
@@ -2556,7 +2445,7 @@
           <a:p>
             <a:fld id="{F02165D8-144D-4958-A83E-0D86045592C5}" type="slidenum">
               <a:rPr lang="en-US" smtClean="0"/>
-              <a:t>28</a:t>
+              <a:t>27</a:t>
             </a:fld>
             <a:endParaRPr lang="en-US"/>
           </a:p>
@@ -2575,7 +2464,7 @@
 </p:notes>
 </file>
 
-<file path=ppt/notesSlides/notesSlide29.xml><?xml version="1.0" encoding="utf-8"?>
+<file path=ppt/notesSlides/notesSlide28.xml><?xml version="1.0" encoding="utf-8"?>
 <p:notes xmlns:a="http://schemas.openxmlformats.org/drawingml/2006/main" xmlns:r="http://schemas.openxmlformats.org/officeDocument/2006/relationships" xmlns:p="http://schemas.openxmlformats.org/presentationml/2006/main">
   <p:cSld>
     <p:spTree>
@@ -2644,6 +2533,90 @@
             <a:fld id="{838D45EA-097A-449E-8E80-C10F8140ABDB}" type="slidenum">
               <a:rPr lang="en-US" smtClean="0"/>
               <a:pPr/>
+              <a:t>28</a:t>
+            </a:fld>
+            <a:endParaRPr lang="en-US"/>
+          </a:p>
+        </p:txBody>
+      </p:sp>
+    </p:spTree>
+    <p:extLst>
+      <p:ext uri="{BB962C8B-B14F-4D97-AF65-F5344CB8AC3E}">
+        <p14:creationId xmlns:p14="http://schemas.microsoft.com/office/powerpoint/2010/main" val="3359729754"/>
+      </p:ext>
+    </p:extLst>
+  </p:cSld>
+  <p:clrMapOvr>
+    <a:masterClrMapping/>
+  </p:clrMapOvr>
+</p:notes>
+</file>
+
+<file path=ppt/notesSlides/notesSlide29.xml><?xml version="1.0" encoding="utf-8"?>
+<p:notes xmlns:a="http://schemas.openxmlformats.org/drawingml/2006/main" xmlns:r="http://schemas.openxmlformats.org/officeDocument/2006/relationships" xmlns:p="http://schemas.openxmlformats.org/presentationml/2006/main">
+  <p:cSld>
+    <p:spTree>
+      <p:nvGrpSpPr>
+        <p:cNvPr id="1" name=""/>
+        <p:cNvGrpSpPr/>
+        <p:nvPr/>
+      </p:nvGrpSpPr>
+      <p:grpSpPr>
+        <a:xfrm>
+          <a:off x="0" y="0"/>
+          <a:ext cx="0" cy="0"/>
+          <a:chOff x="0" y="0"/>
+          <a:chExt cx="0" cy="0"/>
+        </a:xfrm>
+      </p:grpSpPr>
+      <p:sp>
+        <p:nvSpPr>
+          <p:cNvPr id="2" name="Slide Image Placeholder 1"/>
+          <p:cNvSpPr>
+            <a:spLocks noGrp="1" noRot="1" noChangeAspect="1"/>
+          </p:cNvSpPr>
+          <p:nvPr>
+            <p:ph type="sldImg"/>
+          </p:nvPr>
+        </p:nvSpPr>
+        <p:spPr/>
+      </p:sp>
+      <p:sp>
+        <p:nvSpPr>
+          <p:cNvPr id="3" name="Notes Placeholder 2"/>
+          <p:cNvSpPr>
+            <a:spLocks noGrp="1"/>
+          </p:cNvSpPr>
+          <p:nvPr>
+            <p:ph type="body" idx="1"/>
+          </p:nvPr>
+        </p:nvSpPr>
+        <p:spPr/>
+        <p:txBody>
+          <a:bodyPr/>
+          <a:lstStyle/>
+          <a:p>
+            <a:endParaRPr lang="en-US"/>
+          </a:p>
+        </p:txBody>
+      </p:sp>
+      <p:sp>
+        <p:nvSpPr>
+          <p:cNvPr id="4" name="Slide Number Placeholder 3"/>
+          <p:cNvSpPr>
+            <a:spLocks noGrp="1"/>
+          </p:cNvSpPr>
+          <p:nvPr>
+            <p:ph type="sldNum" sz="quarter" idx="5"/>
+          </p:nvPr>
+        </p:nvSpPr>
+        <p:spPr/>
+        <p:txBody>
+          <a:bodyPr/>
+          <a:lstStyle/>
+          <a:p>
+            <a:fld id="{050711E8-F1A4-440D-86C4-AD090AA3185A}" type="slidenum">
+              <a:rPr lang="en-US" smtClean="0"/>
               <a:t>29</a:t>
             </a:fld>
             <a:endParaRPr lang="en-US"/>
@@ -2653,7 +2626,7 @@
     </p:spTree>
     <p:extLst>
       <p:ext uri="{BB962C8B-B14F-4D97-AF65-F5344CB8AC3E}">
-        <p14:creationId xmlns:p14="http://schemas.microsoft.com/office/powerpoint/2010/main" val="3359729754"/>
+        <p14:creationId xmlns:p14="http://schemas.microsoft.com/office/powerpoint/2010/main" val="1311220089"/>
       </p:ext>
     </p:extLst>
   </p:cSld>
@@ -2817,90 +2790,6 @@
     <p:extLst>
       <p:ext uri="{BB962C8B-B14F-4D97-AF65-F5344CB8AC3E}">
         <p14:creationId xmlns:p14="http://schemas.microsoft.com/office/powerpoint/2010/main" val="3250227027"/>
-      </p:ext>
-    </p:extLst>
-  </p:cSld>
-  <p:clrMapOvr>
-    <a:masterClrMapping/>
-  </p:clrMapOvr>
-</p:notes>
-</file>
-
-<file path=ppt/notesSlides/notesSlide30.xml><?xml version="1.0" encoding="utf-8"?>
-<p:notes xmlns:a="http://schemas.openxmlformats.org/drawingml/2006/main" xmlns:r="http://schemas.openxmlformats.org/officeDocument/2006/relationships" xmlns:p="http://schemas.openxmlformats.org/presentationml/2006/main">
-  <p:cSld>
-    <p:spTree>
-      <p:nvGrpSpPr>
-        <p:cNvPr id="1" name=""/>
-        <p:cNvGrpSpPr/>
-        <p:nvPr/>
-      </p:nvGrpSpPr>
-      <p:grpSpPr>
-        <a:xfrm>
-          <a:off x="0" y="0"/>
-          <a:ext cx="0" cy="0"/>
-          <a:chOff x="0" y="0"/>
-          <a:chExt cx="0" cy="0"/>
-        </a:xfrm>
-      </p:grpSpPr>
-      <p:sp>
-        <p:nvSpPr>
-          <p:cNvPr id="2" name="Slide Image Placeholder 1"/>
-          <p:cNvSpPr>
-            <a:spLocks noGrp="1" noRot="1" noChangeAspect="1"/>
-          </p:cNvSpPr>
-          <p:nvPr>
-            <p:ph type="sldImg"/>
-          </p:nvPr>
-        </p:nvSpPr>
-        <p:spPr/>
-      </p:sp>
-      <p:sp>
-        <p:nvSpPr>
-          <p:cNvPr id="3" name="Notes Placeholder 2"/>
-          <p:cNvSpPr>
-            <a:spLocks noGrp="1"/>
-          </p:cNvSpPr>
-          <p:nvPr>
-            <p:ph type="body" idx="1"/>
-          </p:nvPr>
-        </p:nvSpPr>
-        <p:spPr/>
-        <p:txBody>
-          <a:bodyPr/>
-          <a:lstStyle/>
-          <a:p>
-            <a:endParaRPr lang="en-US"/>
-          </a:p>
-        </p:txBody>
-      </p:sp>
-      <p:sp>
-        <p:nvSpPr>
-          <p:cNvPr id="4" name="Slide Number Placeholder 3"/>
-          <p:cNvSpPr>
-            <a:spLocks noGrp="1"/>
-          </p:cNvSpPr>
-          <p:nvPr>
-            <p:ph type="sldNum" sz="quarter" idx="5"/>
-          </p:nvPr>
-        </p:nvSpPr>
-        <p:spPr/>
-        <p:txBody>
-          <a:bodyPr/>
-          <a:lstStyle/>
-          <a:p>
-            <a:fld id="{050711E8-F1A4-440D-86C4-AD090AA3185A}" type="slidenum">
-              <a:rPr lang="en-US" smtClean="0"/>
-              <a:t>30</a:t>
-            </a:fld>
-            <a:endParaRPr lang="en-US"/>
-          </a:p>
-        </p:txBody>
-      </p:sp>
-    </p:spTree>
-    <p:extLst>
-      <p:ext uri="{BB962C8B-B14F-4D97-AF65-F5344CB8AC3E}">
-        <p14:creationId xmlns:p14="http://schemas.microsoft.com/office/powerpoint/2010/main" val="1311220089"/>
       </p:ext>
     </p:extLst>
   </p:cSld>
@@ -4011,7 +3900,7 @@
           <a:p>
             <a:fld id="{D154F9CB-E3D7-441A-A1FF-5C1CDFA7D5B3}" type="datetimeFigureOut">
               <a:rPr lang="en-US" smtClean="0"/>
-              <a:t>9/29/23</a:t>
+              <a:t>10/16/23</a:t>
             </a:fld>
             <a:endParaRPr lang="en-US"/>
           </a:p>
@@ -4181,7 +4070,7 @@
           <a:p>
             <a:fld id="{D154F9CB-E3D7-441A-A1FF-5C1CDFA7D5B3}" type="datetimeFigureOut">
               <a:rPr lang="en-US" smtClean="0"/>
-              <a:t>9/29/23</a:t>
+              <a:t>10/16/23</a:t>
             </a:fld>
             <a:endParaRPr lang="en-US"/>
           </a:p>
@@ -4361,7 +4250,7 @@
           <a:p>
             <a:fld id="{D154F9CB-E3D7-441A-A1FF-5C1CDFA7D5B3}" type="datetimeFigureOut">
               <a:rPr lang="en-US" smtClean="0"/>
-              <a:t>9/29/23</a:t>
+              <a:t>10/16/23</a:t>
             </a:fld>
             <a:endParaRPr lang="en-US"/>
           </a:p>
@@ -4531,7 +4420,7 @@
           <a:p>
             <a:fld id="{D154F9CB-E3D7-441A-A1FF-5C1CDFA7D5B3}" type="datetimeFigureOut">
               <a:rPr lang="en-US" smtClean="0"/>
-              <a:t>9/29/23</a:t>
+              <a:t>10/16/23</a:t>
             </a:fld>
             <a:endParaRPr lang="en-US"/>
           </a:p>
@@ -4777,7 +4666,7 @@
           <a:p>
             <a:fld id="{D154F9CB-E3D7-441A-A1FF-5C1CDFA7D5B3}" type="datetimeFigureOut">
               <a:rPr lang="en-US" smtClean="0"/>
-              <a:t>9/29/23</a:t>
+              <a:t>10/16/23</a:t>
             </a:fld>
             <a:endParaRPr lang="en-US"/>
           </a:p>
@@ -5009,7 +4898,7 @@
           <a:p>
             <a:fld id="{D154F9CB-E3D7-441A-A1FF-5C1CDFA7D5B3}" type="datetimeFigureOut">
               <a:rPr lang="en-US" smtClean="0"/>
-              <a:t>9/29/23</a:t>
+              <a:t>10/16/23</a:t>
             </a:fld>
             <a:endParaRPr lang="en-US"/>
           </a:p>
@@ -5376,7 +5265,7 @@
           <a:p>
             <a:fld id="{D154F9CB-E3D7-441A-A1FF-5C1CDFA7D5B3}" type="datetimeFigureOut">
               <a:rPr lang="en-US" smtClean="0"/>
-              <a:t>9/29/23</a:t>
+              <a:t>10/16/23</a:t>
             </a:fld>
             <a:endParaRPr lang="en-US"/>
           </a:p>
@@ -5494,7 +5383,7 @@
           <a:p>
             <a:fld id="{D154F9CB-E3D7-441A-A1FF-5C1CDFA7D5B3}" type="datetimeFigureOut">
               <a:rPr lang="en-US" smtClean="0"/>
-              <a:t>9/29/23</a:t>
+              <a:t>10/16/23</a:t>
             </a:fld>
             <a:endParaRPr lang="en-US"/>
           </a:p>
@@ -5589,7 +5478,7 @@
           <a:p>
             <a:fld id="{D154F9CB-E3D7-441A-A1FF-5C1CDFA7D5B3}" type="datetimeFigureOut">
               <a:rPr lang="en-US" smtClean="0"/>
-              <a:t>9/29/23</a:t>
+              <a:t>10/16/23</a:t>
             </a:fld>
             <a:endParaRPr lang="en-US"/>
           </a:p>
@@ -5866,7 +5755,7 @@
           <a:p>
             <a:fld id="{D154F9CB-E3D7-441A-A1FF-5C1CDFA7D5B3}" type="datetimeFigureOut">
               <a:rPr lang="en-US" smtClean="0"/>
-              <a:t>9/29/23</a:t>
+              <a:t>10/16/23</a:t>
             </a:fld>
             <a:endParaRPr lang="en-US"/>
           </a:p>
@@ -6122,7 +6011,7 @@
           <a:p>
             <a:fld id="{D154F9CB-E3D7-441A-A1FF-5C1CDFA7D5B3}" type="datetimeFigureOut">
               <a:rPr lang="en-US" smtClean="0"/>
-              <a:t>9/29/23</a:t>
+              <a:t>10/16/23</a:t>
             </a:fld>
             <a:endParaRPr lang="en-US"/>
           </a:p>
@@ -6340,7 +6229,7 @@
           <a:p>
             <a:fld id="{D154F9CB-E3D7-441A-A1FF-5C1CDFA7D5B3}" type="datetimeFigureOut">
               <a:rPr lang="en-US" smtClean="0"/>
-              <a:t>9/29/23</a:t>
+              <a:t>10/16/23</a:t>
             </a:fld>
             <a:endParaRPr lang="en-US"/>
           </a:p>
@@ -21247,296 +21136,424 @@
           </a:p>
         </p:txBody>
       </p:sp>
-      <p:sp>
-        <p:nvSpPr>
-          <p:cNvPr id="4" name="TextBox 3">
+      <p:grpSp>
+        <p:nvGrpSpPr>
+          <p:cNvPr id="3" name="Group 2">
             <a:extLst>
               <a:ext uri="{FF2B5EF4-FFF2-40B4-BE49-F238E27FC236}">
-                <a16:creationId xmlns:a16="http://schemas.microsoft.com/office/drawing/2014/main" id="{15E1AAAC-2ECC-765F-547E-7C6EBCAD150F}"/>
+                <a16:creationId xmlns:a16="http://schemas.microsoft.com/office/drawing/2014/main" id="{B370A1B7-5AA8-EDD3-E70E-FA83D4CAA9A2}"/>
               </a:ext>
             </a:extLst>
           </p:cNvPr>
-          <p:cNvSpPr txBox="1"/>
+          <p:cNvGrpSpPr/>
           <p:nvPr/>
-        </p:nvSpPr>
-        <p:spPr>
+        </p:nvGrpSpPr>
+        <p:grpSpPr>
           <a:xfrm>
-            <a:off x="12910722" y="2274838"/>
-            <a:ext cx="5257106" cy="2308324"/>
+            <a:off x="13095560" y="2000821"/>
+            <a:ext cx="5257106" cy="2856358"/>
+            <a:chOff x="3467447" y="1804193"/>
+            <a:chExt cx="5257106" cy="2856358"/>
           </a:xfrm>
-          <a:prstGeom prst="rect">
-            <a:avLst/>
-          </a:prstGeom>
-          <a:noFill/>
-        </p:spPr>
-        <p:txBody>
-          <a:bodyPr wrap="square">
-            <a:spAutoFit/>
-          </a:bodyPr>
-          <a:lstStyle/>
-          <a:p>
-            <a:pPr marL="0" indent="0">
-              <a:buNone/>
-            </a:pPr>
-            <a:r>
-              <a:rPr lang="en-US" sz="2400" dirty="0">
-                <a:solidFill>
-                  <a:srgbClr val="CACACA"/>
-                </a:solidFill>
-                <a:latin typeface="Consolas" panose="020B0609020204030204" pitchFamily="49" charset="0"/>
-                <a:cs typeface="Consolas" panose="020B0609020204030204" pitchFamily="49" charset="0"/>
-              </a:rPr>
-              <a:t> </a:t>
-            </a:r>
-            <a:r>
-              <a:rPr lang="en-US" sz="2400" dirty="0">
-                <a:solidFill>
-                  <a:schemeClr val="accent5"/>
-                </a:solidFill>
-                <a:latin typeface="Consolas" panose="020B0609020204030204" pitchFamily="49" charset="0"/>
-                <a:cs typeface="Consolas" panose="020B0609020204030204" pitchFamily="49" charset="0"/>
-              </a:rPr>
-              <a:t>"</a:t>
-            </a:r>
-            <a:r>
-              <a:rPr lang="en-US" sz="2400" dirty="0" err="1">
-                <a:solidFill>
-                  <a:schemeClr val="accent5"/>
-                </a:solidFill>
-                <a:latin typeface="Consolas" panose="020B0609020204030204" pitchFamily="49" charset="0"/>
-                <a:cs typeface="Consolas" panose="020B0609020204030204" pitchFamily="49" charset="0"/>
-              </a:rPr>
-              <a:t>securityDefinitions</a:t>
-            </a:r>
-            <a:r>
-              <a:rPr lang="en-US" sz="2400" dirty="0">
-                <a:solidFill>
-                  <a:schemeClr val="accent5"/>
-                </a:solidFill>
-                <a:latin typeface="Consolas" panose="020B0609020204030204" pitchFamily="49" charset="0"/>
-                <a:cs typeface="Consolas" panose="020B0609020204030204" pitchFamily="49" charset="0"/>
-              </a:rPr>
-              <a:t>"</a:t>
-            </a:r>
-            <a:r>
-              <a:rPr lang="en-US" sz="2400" dirty="0">
-                <a:solidFill>
-                  <a:schemeClr val="accent1"/>
-                </a:solidFill>
-                <a:latin typeface="Consolas" panose="020B0609020204030204" pitchFamily="49" charset="0"/>
-                <a:cs typeface="Consolas" panose="020B0609020204030204" pitchFamily="49" charset="0"/>
-              </a:rPr>
-              <a:t>: {        </a:t>
-            </a:r>
-          </a:p>
-          <a:p>
-            <a:pPr marL="0" indent="0">
-              <a:buNone/>
-            </a:pPr>
-            <a:r>
-              <a:rPr lang="en-US" sz="2400" dirty="0">
-                <a:solidFill>
-                  <a:srgbClr val="CACACA"/>
-                </a:solidFill>
-                <a:latin typeface="Consolas" panose="020B0609020204030204" pitchFamily="49" charset="0"/>
-                <a:cs typeface="Consolas" panose="020B0609020204030204" pitchFamily="49" charset="0"/>
-              </a:rPr>
-              <a:t>     </a:t>
-            </a:r>
-            <a:r>
-              <a:rPr lang="en-US" sz="2400" dirty="0">
-                <a:solidFill>
-                  <a:schemeClr val="accent5"/>
-                </a:solidFill>
-                <a:latin typeface="Consolas" panose="020B0609020204030204" pitchFamily="49" charset="0"/>
-                <a:cs typeface="Consolas" panose="020B0609020204030204" pitchFamily="49" charset="0"/>
-              </a:rPr>
-              <a:t>"</a:t>
-            </a:r>
-            <a:r>
-              <a:rPr lang="en-US" sz="2400" dirty="0" err="1">
-                <a:solidFill>
-                  <a:schemeClr val="accent5"/>
-                </a:solidFill>
-                <a:latin typeface="Consolas" panose="020B0609020204030204" pitchFamily="49" charset="0"/>
-                <a:cs typeface="Consolas" panose="020B0609020204030204" pitchFamily="49" charset="0"/>
-              </a:rPr>
-              <a:t>basic_sc</a:t>
-            </a:r>
-            <a:r>
-              <a:rPr lang="en-US" sz="2400" dirty="0">
-                <a:solidFill>
-                  <a:schemeClr val="accent5"/>
-                </a:solidFill>
-                <a:latin typeface="Consolas" panose="020B0609020204030204" pitchFamily="49" charset="0"/>
-                <a:cs typeface="Consolas" panose="020B0609020204030204" pitchFamily="49" charset="0"/>
-              </a:rPr>
-              <a:t>"</a:t>
-            </a:r>
-            <a:r>
-              <a:rPr lang="en-US" sz="2400" dirty="0">
-                <a:solidFill>
-                  <a:schemeClr val="accent1"/>
-                </a:solidFill>
-                <a:latin typeface="Consolas" panose="020B0609020204030204" pitchFamily="49" charset="0"/>
-                <a:cs typeface="Consolas" panose="020B0609020204030204" pitchFamily="49" charset="0"/>
-              </a:rPr>
-              <a:t>: {</a:t>
-            </a:r>
-          </a:p>
-          <a:p>
-            <a:pPr marL="0" indent="0">
-              <a:buNone/>
-            </a:pPr>
-            <a:r>
-              <a:rPr lang="en-US" sz="2400" dirty="0">
-                <a:solidFill>
-                  <a:schemeClr val="accent1"/>
-                </a:solidFill>
-                <a:latin typeface="Consolas" panose="020B0609020204030204" pitchFamily="49" charset="0"/>
-                <a:cs typeface="Consolas" panose="020B0609020204030204" pitchFamily="49" charset="0"/>
-              </a:rPr>
-              <a:t>         </a:t>
-            </a:r>
-            <a:r>
-              <a:rPr lang="en-US" sz="2400" dirty="0">
-                <a:solidFill>
-                  <a:schemeClr val="accent5"/>
-                </a:solidFill>
-                <a:latin typeface="Consolas" panose="020B0609020204030204" pitchFamily="49" charset="0"/>
-                <a:cs typeface="Consolas" panose="020B0609020204030204" pitchFamily="49" charset="0"/>
-              </a:rPr>
-              <a:t>"scheme"</a:t>
-            </a:r>
-            <a:r>
-              <a:rPr lang="en-US" sz="2400" dirty="0">
-                <a:solidFill>
-                  <a:schemeClr val="accent1"/>
-                </a:solidFill>
-                <a:latin typeface="Consolas" panose="020B0609020204030204" pitchFamily="49" charset="0"/>
-                <a:cs typeface="Consolas" panose="020B0609020204030204" pitchFamily="49" charset="0"/>
-              </a:rPr>
-              <a:t>:</a:t>
-            </a:r>
-            <a:r>
-              <a:rPr lang="en-US" sz="2400" dirty="0">
-                <a:solidFill>
-                  <a:srgbClr val="CACACA"/>
-                </a:solidFill>
-                <a:latin typeface="Consolas" panose="020B0609020204030204" pitchFamily="49" charset="0"/>
-                <a:cs typeface="Consolas" panose="020B0609020204030204" pitchFamily="49" charset="0"/>
-              </a:rPr>
-              <a:t> </a:t>
-            </a:r>
-            <a:r>
-              <a:rPr lang="en-US" sz="2400" dirty="0">
-                <a:solidFill>
-                  <a:schemeClr val="accent2"/>
-                </a:solidFill>
-                <a:latin typeface="Consolas" panose="020B0609020204030204" pitchFamily="49" charset="0"/>
-                <a:cs typeface="Consolas" panose="020B0609020204030204" pitchFamily="49" charset="0"/>
-              </a:rPr>
-              <a:t>"basic"</a:t>
-            </a:r>
-            <a:r>
-              <a:rPr lang="en-US" sz="2400" dirty="0">
-                <a:solidFill>
-                  <a:schemeClr val="accent1"/>
-                </a:solidFill>
-                <a:latin typeface="Consolas" panose="020B0609020204030204" pitchFamily="49" charset="0"/>
-                <a:cs typeface="Consolas" panose="020B0609020204030204" pitchFamily="49" charset="0"/>
-              </a:rPr>
-              <a:t>,</a:t>
-            </a:r>
-          </a:p>
-          <a:p>
-            <a:pPr marL="0" indent="0">
-              <a:buNone/>
-            </a:pPr>
-            <a:r>
-              <a:rPr lang="en-US" sz="2400" dirty="0">
-                <a:solidFill>
-                  <a:srgbClr val="CACACA"/>
-                </a:solidFill>
-                <a:latin typeface="Consolas" panose="020B0609020204030204" pitchFamily="49" charset="0"/>
-                <a:cs typeface="Consolas" panose="020B0609020204030204" pitchFamily="49" charset="0"/>
-              </a:rPr>
-              <a:t>         </a:t>
-            </a:r>
-            <a:r>
-              <a:rPr lang="en-US" sz="2400" dirty="0">
-                <a:solidFill>
-                  <a:schemeClr val="accent5"/>
-                </a:solidFill>
-                <a:latin typeface="Consolas" panose="020B0609020204030204" pitchFamily="49" charset="0"/>
-                <a:cs typeface="Consolas" panose="020B0609020204030204" pitchFamily="49" charset="0"/>
-              </a:rPr>
-              <a:t>"in"</a:t>
-            </a:r>
-            <a:r>
-              <a:rPr lang="en-US" sz="2400" dirty="0">
-                <a:solidFill>
-                  <a:schemeClr val="accent1"/>
-                </a:solidFill>
-                <a:latin typeface="Consolas" panose="020B0609020204030204" pitchFamily="49" charset="0"/>
-                <a:cs typeface="Consolas" panose="020B0609020204030204" pitchFamily="49" charset="0"/>
-              </a:rPr>
-              <a:t>:</a:t>
-            </a:r>
-            <a:r>
-              <a:rPr lang="en-US" sz="2400" dirty="0">
-                <a:solidFill>
-                  <a:srgbClr val="CACACA"/>
-                </a:solidFill>
-                <a:latin typeface="Consolas" panose="020B0609020204030204" pitchFamily="49" charset="0"/>
-                <a:cs typeface="Consolas" panose="020B0609020204030204" pitchFamily="49" charset="0"/>
-              </a:rPr>
-              <a:t> </a:t>
-            </a:r>
-            <a:r>
-              <a:rPr lang="en-US" sz="2400" dirty="0">
-                <a:solidFill>
-                  <a:schemeClr val="accent2"/>
-                </a:solidFill>
-                <a:latin typeface="Consolas" panose="020B0609020204030204" pitchFamily="49" charset="0"/>
-                <a:cs typeface="Consolas" panose="020B0609020204030204" pitchFamily="49" charset="0"/>
-              </a:rPr>
-              <a:t>"header”</a:t>
-            </a:r>
-          </a:p>
-          <a:p>
-            <a:pPr marL="0" indent="0">
-              <a:buNone/>
-            </a:pPr>
-            <a:r>
-              <a:rPr lang="en-US" sz="2400" dirty="0">
-                <a:solidFill>
-                  <a:schemeClr val="accent1"/>
-                </a:solidFill>
-                <a:latin typeface="Consolas" panose="020B0609020204030204" pitchFamily="49" charset="0"/>
-                <a:cs typeface="Consolas" panose="020B0609020204030204" pitchFamily="49" charset="0"/>
-              </a:rPr>
-              <a:t>         }</a:t>
-            </a:r>
-          </a:p>
-          <a:p>
-            <a:pPr marL="0" indent="0">
-              <a:buNone/>
-            </a:pPr>
-            <a:r>
-              <a:rPr lang="en-US" sz="2400" dirty="0">
-                <a:solidFill>
-                  <a:schemeClr val="accent1"/>
-                </a:solidFill>
-                <a:latin typeface="Consolas" panose="020B0609020204030204" pitchFamily="49" charset="0"/>
-                <a:cs typeface="Consolas" panose="020B0609020204030204" pitchFamily="49" charset="0"/>
-              </a:rPr>
-              <a:t>     },</a:t>
-            </a:r>
-            <a:endParaRPr lang="en-US" sz="2400" dirty="0"/>
-          </a:p>
-        </p:txBody>
-      </p:sp>
+        </p:grpSpPr>
+        <p:sp>
+          <p:nvSpPr>
+            <p:cNvPr id="5" name="TextBox 4">
+              <a:extLst>
+                <a:ext uri="{FF2B5EF4-FFF2-40B4-BE49-F238E27FC236}">
+                  <a16:creationId xmlns:a16="http://schemas.microsoft.com/office/drawing/2014/main" id="{5B708E7A-7F82-3D66-72C4-AD5B5E06859F}"/>
+                </a:ext>
+              </a:extLst>
+            </p:cNvPr>
+            <p:cNvSpPr txBox="1"/>
+            <p:nvPr/>
+          </p:nvSpPr>
+          <p:spPr>
+            <a:xfrm>
+              <a:off x="3467447" y="1804193"/>
+              <a:ext cx="5257106" cy="2308324"/>
+            </a:xfrm>
+            <a:prstGeom prst="rect">
+              <a:avLst/>
+            </a:prstGeom>
+            <a:noFill/>
+          </p:spPr>
+          <p:txBody>
+            <a:bodyPr wrap="square">
+              <a:spAutoFit/>
+            </a:bodyPr>
+            <a:lstStyle/>
+            <a:p>
+              <a:pPr marL="0" indent="0">
+                <a:buNone/>
+              </a:pPr>
+              <a:r>
+                <a:rPr lang="en-US" sz="2400" dirty="0">
+                  <a:solidFill>
+                    <a:srgbClr val="CACACA"/>
+                  </a:solidFill>
+                  <a:latin typeface="Consolas" panose="020B0609020204030204" pitchFamily="49" charset="0"/>
+                  <a:cs typeface="Consolas" panose="020B0609020204030204" pitchFamily="49" charset="0"/>
+                </a:rPr>
+                <a:t> </a:t>
+              </a:r>
+              <a:r>
+                <a:rPr lang="en-US" sz="2400" dirty="0">
+                  <a:solidFill>
+                    <a:schemeClr val="accent5"/>
+                  </a:solidFill>
+                  <a:latin typeface="Consolas" panose="020B0609020204030204" pitchFamily="49" charset="0"/>
+                  <a:cs typeface="Consolas" panose="020B0609020204030204" pitchFamily="49" charset="0"/>
+                </a:rPr>
+                <a:t>"</a:t>
+              </a:r>
+              <a:r>
+                <a:rPr lang="en-US" sz="2400" dirty="0" err="1">
+                  <a:solidFill>
+                    <a:schemeClr val="accent5"/>
+                  </a:solidFill>
+                  <a:latin typeface="Consolas" panose="020B0609020204030204" pitchFamily="49" charset="0"/>
+                  <a:cs typeface="Consolas" panose="020B0609020204030204" pitchFamily="49" charset="0"/>
+                </a:rPr>
+                <a:t>securityDefinitions</a:t>
+              </a:r>
+              <a:r>
+                <a:rPr lang="en-US" sz="2400" dirty="0">
+                  <a:solidFill>
+                    <a:schemeClr val="accent5"/>
+                  </a:solidFill>
+                  <a:latin typeface="Consolas" panose="020B0609020204030204" pitchFamily="49" charset="0"/>
+                  <a:cs typeface="Consolas" panose="020B0609020204030204" pitchFamily="49" charset="0"/>
+                </a:rPr>
+                <a:t>"</a:t>
+              </a:r>
+              <a:r>
+                <a:rPr lang="en-US" sz="2400" dirty="0">
+                  <a:solidFill>
+                    <a:schemeClr val="accent1"/>
+                  </a:solidFill>
+                  <a:latin typeface="Consolas" panose="020B0609020204030204" pitchFamily="49" charset="0"/>
+                  <a:cs typeface="Consolas" panose="020B0609020204030204" pitchFamily="49" charset="0"/>
+                </a:rPr>
+                <a:t>: {        </a:t>
+              </a:r>
+            </a:p>
+            <a:p>
+              <a:pPr marL="0" indent="0">
+                <a:buNone/>
+              </a:pPr>
+              <a:r>
+                <a:rPr lang="en-US" sz="2400" dirty="0">
+                  <a:solidFill>
+                    <a:srgbClr val="CACACA"/>
+                  </a:solidFill>
+                  <a:latin typeface="Consolas" panose="020B0609020204030204" pitchFamily="49" charset="0"/>
+                  <a:cs typeface="Consolas" panose="020B0609020204030204" pitchFamily="49" charset="0"/>
+                </a:rPr>
+                <a:t>     </a:t>
+              </a:r>
+              <a:r>
+                <a:rPr lang="en-US" sz="2400" dirty="0">
+                  <a:solidFill>
+                    <a:schemeClr val="accent5"/>
+                  </a:solidFill>
+                  <a:latin typeface="Consolas" panose="020B0609020204030204" pitchFamily="49" charset="0"/>
+                  <a:cs typeface="Consolas" panose="020B0609020204030204" pitchFamily="49" charset="0"/>
+                </a:rPr>
+                <a:t>"</a:t>
+              </a:r>
+              <a:r>
+                <a:rPr lang="en-US" sz="2400" dirty="0" err="1">
+                  <a:solidFill>
+                    <a:schemeClr val="accent5"/>
+                  </a:solidFill>
+                  <a:latin typeface="Consolas" panose="020B0609020204030204" pitchFamily="49" charset="0"/>
+                  <a:cs typeface="Consolas" panose="020B0609020204030204" pitchFamily="49" charset="0"/>
+                </a:rPr>
+                <a:t>basic_sc</a:t>
+              </a:r>
+              <a:r>
+                <a:rPr lang="en-US" sz="2400" dirty="0">
+                  <a:solidFill>
+                    <a:schemeClr val="accent5"/>
+                  </a:solidFill>
+                  <a:latin typeface="Consolas" panose="020B0609020204030204" pitchFamily="49" charset="0"/>
+                  <a:cs typeface="Consolas" panose="020B0609020204030204" pitchFamily="49" charset="0"/>
+                </a:rPr>
+                <a:t>"</a:t>
+              </a:r>
+              <a:r>
+                <a:rPr lang="en-US" sz="2400" dirty="0">
+                  <a:solidFill>
+                    <a:schemeClr val="accent1"/>
+                  </a:solidFill>
+                  <a:latin typeface="Consolas" panose="020B0609020204030204" pitchFamily="49" charset="0"/>
+                  <a:cs typeface="Consolas" panose="020B0609020204030204" pitchFamily="49" charset="0"/>
+                </a:rPr>
+                <a:t>: {</a:t>
+              </a:r>
+            </a:p>
+            <a:p>
+              <a:pPr marL="0" indent="0">
+                <a:buNone/>
+              </a:pPr>
+              <a:r>
+                <a:rPr lang="en-US" sz="2400" dirty="0">
+                  <a:solidFill>
+                    <a:schemeClr val="accent1"/>
+                  </a:solidFill>
+                  <a:latin typeface="Consolas" panose="020B0609020204030204" pitchFamily="49" charset="0"/>
+                  <a:cs typeface="Consolas" panose="020B0609020204030204" pitchFamily="49" charset="0"/>
+                </a:rPr>
+                <a:t>         </a:t>
+              </a:r>
+              <a:r>
+                <a:rPr lang="en-US" sz="2400" dirty="0">
+                  <a:solidFill>
+                    <a:schemeClr val="accent5"/>
+                  </a:solidFill>
+                  <a:latin typeface="Consolas" panose="020B0609020204030204" pitchFamily="49" charset="0"/>
+                  <a:cs typeface="Consolas" panose="020B0609020204030204" pitchFamily="49" charset="0"/>
+                </a:rPr>
+                <a:t>"scheme"</a:t>
+              </a:r>
+              <a:r>
+                <a:rPr lang="en-US" sz="2400" dirty="0">
+                  <a:solidFill>
+                    <a:schemeClr val="accent1"/>
+                  </a:solidFill>
+                  <a:latin typeface="Consolas" panose="020B0609020204030204" pitchFamily="49" charset="0"/>
+                  <a:cs typeface="Consolas" panose="020B0609020204030204" pitchFamily="49" charset="0"/>
+                </a:rPr>
+                <a:t>:</a:t>
+              </a:r>
+              <a:r>
+                <a:rPr lang="en-US" sz="2400" dirty="0">
+                  <a:solidFill>
+                    <a:srgbClr val="CACACA"/>
+                  </a:solidFill>
+                  <a:latin typeface="Consolas" panose="020B0609020204030204" pitchFamily="49" charset="0"/>
+                  <a:cs typeface="Consolas" panose="020B0609020204030204" pitchFamily="49" charset="0"/>
+                </a:rPr>
+                <a:t> </a:t>
+              </a:r>
+              <a:r>
+                <a:rPr lang="en-US" sz="2400" dirty="0">
+                  <a:solidFill>
+                    <a:schemeClr val="accent2"/>
+                  </a:solidFill>
+                  <a:latin typeface="Consolas" panose="020B0609020204030204" pitchFamily="49" charset="0"/>
+                  <a:cs typeface="Consolas" panose="020B0609020204030204" pitchFamily="49" charset="0"/>
+                </a:rPr>
+                <a:t>"basic"</a:t>
+              </a:r>
+              <a:r>
+                <a:rPr lang="en-US" sz="2400" dirty="0">
+                  <a:solidFill>
+                    <a:schemeClr val="accent1"/>
+                  </a:solidFill>
+                  <a:latin typeface="Consolas" panose="020B0609020204030204" pitchFamily="49" charset="0"/>
+                  <a:cs typeface="Consolas" panose="020B0609020204030204" pitchFamily="49" charset="0"/>
+                </a:rPr>
+                <a:t>,</a:t>
+              </a:r>
+            </a:p>
+            <a:p>
+              <a:pPr marL="0" indent="0">
+                <a:buNone/>
+              </a:pPr>
+              <a:r>
+                <a:rPr lang="en-US" sz="2400" dirty="0">
+                  <a:solidFill>
+                    <a:srgbClr val="CACACA"/>
+                  </a:solidFill>
+                  <a:latin typeface="Consolas" panose="020B0609020204030204" pitchFamily="49" charset="0"/>
+                  <a:cs typeface="Consolas" panose="020B0609020204030204" pitchFamily="49" charset="0"/>
+                </a:rPr>
+                <a:t>         </a:t>
+              </a:r>
+              <a:r>
+                <a:rPr lang="en-US" sz="2400" dirty="0">
+                  <a:solidFill>
+                    <a:schemeClr val="accent5"/>
+                  </a:solidFill>
+                  <a:latin typeface="Consolas" panose="020B0609020204030204" pitchFamily="49" charset="0"/>
+                  <a:cs typeface="Consolas" panose="020B0609020204030204" pitchFamily="49" charset="0"/>
+                </a:rPr>
+                <a:t>"in"</a:t>
+              </a:r>
+              <a:r>
+                <a:rPr lang="en-US" sz="2400" dirty="0">
+                  <a:solidFill>
+                    <a:schemeClr val="accent1"/>
+                  </a:solidFill>
+                  <a:latin typeface="Consolas" panose="020B0609020204030204" pitchFamily="49" charset="0"/>
+                  <a:cs typeface="Consolas" panose="020B0609020204030204" pitchFamily="49" charset="0"/>
+                </a:rPr>
+                <a:t>:</a:t>
+              </a:r>
+              <a:r>
+                <a:rPr lang="en-US" sz="2400" dirty="0">
+                  <a:solidFill>
+                    <a:srgbClr val="CACACA"/>
+                  </a:solidFill>
+                  <a:latin typeface="Consolas" panose="020B0609020204030204" pitchFamily="49" charset="0"/>
+                  <a:cs typeface="Consolas" panose="020B0609020204030204" pitchFamily="49" charset="0"/>
+                </a:rPr>
+                <a:t> </a:t>
+              </a:r>
+              <a:r>
+                <a:rPr lang="en-US" sz="2400" dirty="0">
+                  <a:solidFill>
+                    <a:schemeClr val="accent2"/>
+                  </a:solidFill>
+                  <a:latin typeface="Consolas" panose="020B0609020204030204" pitchFamily="49" charset="0"/>
+                  <a:cs typeface="Consolas" panose="020B0609020204030204" pitchFamily="49" charset="0"/>
+                </a:rPr>
+                <a:t>"header”</a:t>
+              </a:r>
+            </a:p>
+            <a:p>
+              <a:pPr marL="0" indent="0">
+                <a:buNone/>
+              </a:pPr>
+              <a:r>
+                <a:rPr lang="en-US" sz="2400" dirty="0">
+                  <a:solidFill>
+                    <a:schemeClr val="accent1"/>
+                  </a:solidFill>
+                  <a:latin typeface="Consolas" panose="020B0609020204030204" pitchFamily="49" charset="0"/>
+                  <a:cs typeface="Consolas" panose="020B0609020204030204" pitchFamily="49" charset="0"/>
+                </a:rPr>
+                <a:t>         }</a:t>
+              </a:r>
+            </a:p>
+            <a:p>
+              <a:pPr marL="0" indent="0">
+                <a:buNone/>
+              </a:pPr>
+              <a:r>
+                <a:rPr lang="en-US" sz="2400" dirty="0">
+                  <a:solidFill>
+                    <a:schemeClr val="accent1"/>
+                  </a:solidFill>
+                  <a:latin typeface="Consolas" panose="020B0609020204030204" pitchFamily="49" charset="0"/>
+                  <a:cs typeface="Consolas" panose="020B0609020204030204" pitchFamily="49" charset="0"/>
+                </a:rPr>
+                <a:t>     },</a:t>
+              </a:r>
+              <a:endParaRPr lang="en-US" sz="2400" dirty="0"/>
+            </a:p>
+          </p:txBody>
+        </p:sp>
+        <p:sp>
+          <p:nvSpPr>
+            <p:cNvPr id="7" name="TextBox 6">
+              <a:extLst>
+                <a:ext uri="{FF2B5EF4-FFF2-40B4-BE49-F238E27FC236}">
+                  <a16:creationId xmlns:a16="http://schemas.microsoft.com/office/drawing/2014/main" id="{4EB7D84D-86BE-18CF-5BA4-34CBECFBCF45}"/>
+                </a:ext>
+              </a:extLst>
+            </p:cNvPr>
+            <p:cNvSpPr txBox="1"/>
+            <p:nvPr/>
+          </p:nvSpPr>
+          <p:spPr>
+            <a:xfrm>
+              <a:off x="3467447" y="4295195"/>
+              <a:ext cx="4887883" cy="365356"/>
+            </a:xfrm>
+            <a:prstGeom prst="rect">
+              <a:avLst/>
+            </a:prstGeom>
+            <a:noFill/>
+          </p:spPr>
+          <p:txBody>
+            <a:bodyPr wrap="square">
+              <a:spAutoFit/>
+            </a:bodyPr>
+            <a:lstStyle/>
+            <a:p>
+              <a:pPr marL="0" indent="0" algn="ctr">
+                <a:lnSpc>
+                  <a:spcPct val="70000"/>
+                </a:lnSpc>
+                <a:buNone/>
+              </a:pPr>
+              <a:r>
+                <a:rPr lang="en-US" sz="2400" dirty="0">
+                  <a:solidFill>
+                    <a:schemeClr val="accent5"/>
+                  </a:solidFill>
+                  <a:latin typeface="Consolas" panose="020B0609020204030204" pitchFamily="49" charset="0"/>
+                  <a:cs typeface="Consolas" panose="020B0609020204030204" pitchFamily="49" charset="0"/>
+                </a:rPr>
+                <a:t>"security"</a:t>
+              </a:r>
+              <a:r>
+                <a:rPr lang="en-US" sz="2400" dirty="0">
+                  <a:solidFill>
+                    <a:schemeClr val="accent1"/>
+                  </a:solidFill>
+                  <a:latin typeface="Consolas" panose="020B0609020204030204" pitchFamily="49" charset="0"/>
+                  <a:cs typeface="Consolas" panose="020B0609020204030204" pitchFamily="49" charset="0"/>
+                </a:rPr>
+                <a:t>: [ </a:t>
+              </a:r>
+              <a:r>
+                <a:rPr lang="en-US" sz="2400" dirty="0">
+                  <a:solidFill>
+                    <a:schemeClr val="accent2"/>
+                  </a:solidFill>
+                  <a:latin typeface="Consolas" panose="020B0609020204030204" pitchFamily="49" charset="0"/>
+                  <a:cs typeface="Consolas" panose="020B0609020204030204" pitchFamily="49" charset="0"/>
+                </a:rPr>
+                <a:t>"</a:t>
+              </a:r>
+              <a:r>
+                <a:rPr lang="en-US" sz="2400" dirty="0" err="1">
+                  <a:solidFill>
+                    <a:schemeClr val="accent2"/>
+                  </a:solidFill>
+                  <a:latin typeface="Consolas" panose="020B0609020204030204" pitchFamily="49" charset="0"/>
+                  <a:cs typeface="Consolas" panose="020B0609020204030204" pitchFamily="49" charset="0"/>
+                </a:rPr>
+                <a:t>basic_sc</a:t>
+              </a:r>
+              <a:r>
+                <a:rPr lang="en-US" sz="2400" dirty="0">
+                  <a:solidFill>
+                    <a:schemeClr val="accent2"/>
+                  </a:solidFill>
+                  <a:latin typeface="Consolas" panose="020B0609020204030204" pitchFamily="49" charset="0"/>
+                  <a:cs typeface="Consolas" panose="020B0609020204030204" pitchFamily="49" charset="0"/>
+                </a:rPr>
+                <a:t>"</a:t>
+              </a:r>
+              <a:r>
+                <a:rPr lang="en-US" sz="2400" dirty="0">
+                  <a:solidFill>
+                    <a:srgbClr val="CACACA"/>
+                  </a:solidFill>
+                  <a:latin typeface="Consolas" panose="020B0609020204030204" pitchFamily="49" charset="0"/>
+                  <a:cs typeface="Consolas" panose="020B0609020204030204" pitchFamily="49" charset="0"/>
+                </a:rPr>
+                <a:t> </a:t>
+              </a:r>
+              <a:r>
+                <a:rPr lang="en-US" sz="2400" dirty="0">
+                  <a:solidFill>
+                    <a:schemeClr val="accent1"/>
+                  </a:solidFill>
+                  <a:latin typeface="Consolas" panose="020B0609020204030204" pitchFamily="49" charset="0"/>
+                  <a:cs typeface="Consolas" panose="020B0609020204030204" pitchFamily="49" charset="0"/>
+                </a:rPr>
+                <a:t>]</a:t>
+              </a:r>
+            </a:p>
+          </p:txBody>
+        </p:sp>
+      </p:grpSp>
     </p:spTree>
     <p:extLst>
       <p:ext uri="{BB962C8B-B14F-4D97-AF65-F5344CB8AC3E}">
@@ -21683,12 +21700,430 @@
           </a:p>
         </p:txBody>
       </p:sp>
+      <p:grpSp>
+        <p:nvGrpSpPr>
+          <p:cNvPr id="2" name="Group 1">
+            <a:extLst>
+              <a:ext uri="{FF2B5EF4-FFF2-40B4-BE49-F238E27FC236}">
+                <a16:creationId xmlns:a16="http://schemas.microsoft.com/office/drawing/2014/main" id="{40379AFC-002C-057B-B9AC-9684FA95F70F}"/>
+              </a:ext>
+            </a:extLst>
+          </p:cNvPr>
+          <p:cNvGrpSpPr/>
+          <p:nvPr/>
+        </p:nvGrpSpPr>
+        <p:grpSpPr>
+          <a:xfrm>
+            <a:off x="3467447" y="2000821"/>
+            <a:ext cx="5257106" cy="2856358"/>
+            <a:chOff x="3467447" y="1804193"/>
+            <a:chExt cx="5257106" cy="2856358"/>
+          </a:xfrm>
+        </p:grpSpPr>
+        <p:sp>
+          <p:nvSpPr>
+            <p:cNvPr id="4" name="TextBox 3">
+              <a:extLst>
+                <a:ext uri="{FF2B5EF4-FFF2-40B4-BE49-F238E27FC236}">
+                  <a16:creationId xmlns:a16="http://schemas.microsoft.com/office/drawing/2014/main" id="{15E1AAAC-2ECC-765F-547E-7C6EBCAD150F}"/>
+                </a:ext>
+              </a:extLst>
+            </p:cNvPr>
+            <p:cNvSpPr txBox="1"/>
+            <p:nvPr/>
+          </p:nvSpPr>
+          <p:spPr>
+            <a:xfrm>
+              <a:off x="3467447" y="1804193"/>
+              <a:ext cx="5257106" cy="2308324"/>
+            </a:xfrm>
+            <a:prstGeom prst="rect">
+              <a:avLst/>
+            </a:prstGeom>
+            <a:noFill/>
+          </p:spPr>
+          <p:txBody>
+            <a:bodyPr wrap="square">
+              <a:spAutoFit/>
+            </a:bodyPr>
+            <a:lstStyle/>
+            <a:p>
+              <a:pPr marL="0" indent="0">
+                <a:buNone/>
+              </a:pPr>
+              <a:r>
+                <a:rPr lang="en-US" sz="2400" dirty="0">
+                  <a:solidFill>
+                    <a:srgbClr val="CACACA"/>
+                  </a:solidFill>
+                  <a:latin typeface="Consolas" panose="020B0609020204030204" pitchFamily="49" charset="0"/>
+                  <a:cs typeface="Consolas" panose="020B0609020204030204" pitchFamily="49" charset="0"/>
+                </a:rPr>
+                <a:t> </a:t>
+              </a:r>
+              <a:r>
+                <a:rPr lang="en-US" sz="2400" dirty="0">
+                  <a:solidFill>
+                    <a:schemeClr val="accent5"/>
+                  </a:solidFill>
+                  <a:latin typeface="Consolas" panose="020B0609020204030204" pitchFamily="49" charset="0"/>
+                  <a:cs typeface="Consolas" panose="020B0609020204030204" pitchFamily="49" charset="0"/>
+                </a:rPr>
+                <a:t>"</a:t>
+              </a:r>
+              <a:r>
+                <a:rPr lang="en-US" sz="2400" dirty="0" err="1">
+                  <a:solidFill>
+                    <a:schemeClr val="accent5"/>
+                  </a:solidFill>
+                  <a:latin typeface="Consolas" panose="020B0609020204030204" pitchFamily="49" charset="0"/>
+                  <a:cs typeface="Consolas" panose="020B0609020204030204" pitchFamily="49" charset="0"/>
+                </a:rPr>
+                <a:t>securityDefinitions</a:t>
+              </a:r>
+              <a:r>
+                <a:rPr lang="en-US" sz="2400" dirty="0">
+                  <a:solidFill>
+                    <a:schemeClr val="accent5"/>
+                  </a:solidFill>
+                  <a:latin typeface="Consolas" panose="020B0609020204030204" pitchFamily="49" charset="0"/>
+                  <a:cs typeface="Consolas" panose="020B0609020204030204" pitchFamily="49" charset="0"/>
+                </a:rPr>
+                <a:t>"</a:t>
+              </a:r>
+              <a:r>
+                <a:rPr lang="en-US" sz="2400" dirty="0">
+                  <a:solidFill>
+                    <a:schemeClr val="accent1"/>
+                  </a:solidFill>
+                  <a:latin typeface="Consolas" panose="020B0609020204030204" pitchFamily="49" charset="0"/>
+                  <a:cs typeface="Consolas" panose="020B0609020204030204" pitchFamily="49" charset="0"/>
+                </a:rPr>
+                <a:t>: {        </a:t>
+              </a:r>
+            </a:p>
+            <a:p>
+              <a:pPr marL="0" indent="0">
+                <a:buNone/>
+              </a:pPr>
+              <a:r>
+                <a:rPr lang="en-US" sz="2400" dirty="0">
+                  <a:solidFill>
+                    <a:srgbClr val="CACACA"/>
+                  </a:solidFill>
+                  <a:latin typeface="Consolas" panose="020B0609020204030204" pitchFamily="49" charset="0"/>
+                  <a:cs typeface="Consolas" panose="020B0609020204030204" pitchFamily="49" charset="0"/>
+                </a:rPr>
+                <a:t>     </a:t>
+              </a:r>
+              <a:r>
+                <a:rPr lang="en-US" sz="2400" dirty="0">
+                  <a:solidFill>
+                    <a:schemeClr val="accent5"/>
+                  </a:solidFill>
+                  <a:latin typeface="Consolas" panose="020B0609020204030204" pitchFamily="49" charset="0"/>
+                  <a:cs typeface="Consolas" panose="020B0609020204030204" pitchFamily="49" charset="0"/>
+                </a:rPr>
+                <a:t>"</a:t>
+              </a:r>
+              <a:r>
+                <a:rPr lang="en-US" sz="2400" dirty="0" err="1">
+                  <a:solidFill>
+                    <a:schemeClr val="accent5"/>
+                  </a:solidFill>
+                  <a:latin typeface="Consolas" panose="020B0609020204030204" pitchFamily="49" charset="0"/>
+                  <a:cs typeface="Consolas" panose="020B0609020204030204" pitchFamily="49" charset="0"/>
+                </a:rPr>
+                <a:t>basic_sc</a:t>
+              </a:r>
+              <a:r>
+                <a:rPr lang="en-US" sz="2400" dirty="0">
+                  <a:solidFill>
+                    <a:schemeClr val="accent5"/>
+                  </a:solidFill>
+                  <a:latin typeface="Consolas" panose="020B0609020204030204" pitchFamily="49" charset="0"/>
+                  <a:cs typeface="Consolas" panose="020B0609020204030204" pitchFamily="49" charset="0"/>
+                </a:rPr>
+                <a:t>"</a:t>
+              </a:r>
+              <a:r>
+                <a:rPr lang="en-US" sz="2400" dirty="0">
+                  <a:solidFill>
+                    <a:schemeClr val="accent1"/>
+                  </a:solidFill>
+                  <a:latin typeface="Consolas" panose="020B0609020204030204" pitchFamily="49" charset="0"/>
+                  <a:cs typeface="Consolas" panose="020B0609020204030204" pitchFamily="49" charset="0"/>
+                </a:rPr>
+                <a:t>: {</a:t>
+              </a:r>
+            </a:p>
+            <a:p>
+              <a:pPr marL="0" indent="0">
+                <a:buNone/>
+              </a:pPr>
+              <a:r>
+                <a:rPr lang="en-US" sz="2400" dirty="0">
+                  <a:solidFill>
+                    <a:schemeClr val="accent1"/>
+                  </a:solidFill>
+                  <a:latin typeface="Consolas" panose="020B0609020204030204" pitchFamily="49" charset="0"/>
+                  <a:cs typeface="Consolas" panose="020B0609020204030204" pitchFamily="49" charset="0"/>
+                </a:rPr>
+                <a:t>         </a:t>
+              </a:r>
+              <a:r>
+                <a:rPr lang="en-US" sz="2400" dirty="0">
+                  <a:solidFill>
+                    <a:schemeClr val="accent5"/>
+                  </a:solidFill>
+                  <a:latin typeface="Consolas" panose="020B0609020204030204" pitchFamily="49" charset="0"/>
+                  <a:cs typeface="Consolas" panose="020B0609020204030204" pitchFamily="49" charset="0"/>
+                </a:rPr>
+                <a:t>"scheme"</a:t>
+              </a:r>
+              <a:r>
+                <a:rPr lang="en-US" sz="2400" dirty="0">
+                  <a:solidFill>
+                    <a:schemeClr val="accent1"/>
+                  </a:solidFill>
+                  <a:latin typeface="Consolas" panose="020B0609020204030204" pitchFamily="49" charset="0"/>
+                  <a:cs typeface="Consolas" panose="020B0609020204030204" pitchFamily="49" charset="0"/>
+                </a:rPr>
+                <a:t>:</a:t>
+              </a:r>
+              <a:r>
+                <a:rPr lang="en-US" sz="2400" dirty="0">
+                  <a:solidFill>
+                    <a:srgbClr val="CACACA"/>
+                  </a:solidFill>
+                  <a:latin typeface="Consolas" panose="020B0609020204030204" pitchFamily="49" charset="0"/>
+                  <a:cs typeface="Consolas" panose="020B0609020204030204" pitchFamily="49" charset="0"/>
+                </a:rPr>
+                <a:t> </a:t>
+              </a:r>
+              <a:r>
+                <a:rPr lang="en-US" sz="2400" dirty="0">
+                  <a:solidFill>
+                    <a:schemeClr val="accent2"/>
+                  </a:solidFill>
+                  <a:latin typeface="Consolas" panose="020B0609020204030204" pitchFamily="49" charset="0"/>
+                  <a:cs typeface="Consolas" panose="020B0609020204030204" pitchFamily="49" charset="0"/>
+                </a:rPr>
+                <a:t>"basic"</a:t>
+              </a:r>
+              <a:r>
+                <a:rPr lang="en-US" sz="2400" dirty="0">
+                  <a:solidFill>
+                    <a:schemeClr val="accent1"/>
+                  </a:solidFill>
+                  <a:latin typeface="Consolas" panose="020B0609020204030204" pitchFamily="49" charset="0"/>
+                  <a:cs typeface="Consolas" panose="020B0609020204030204" pitchFamily="49" charset="0"/>
+                </a:rPr>
+                <a:t>,</a:t>
+              </a:r>
+            </a:p>
+            <a:p>
+              <a:pPr marL="0" indent="0">
+                <a:buNone/>
+              </a:pPr>
+              <a:r>
+                <a:rPr lang="en-US" sz="2400" dirty="0">
+                  <a:solidFill>
+                    <a:srgbClr val="CACACA"/>
+                  </a:solidFill>
+                  <a:latin typeface="Consolas" panose="020B0609020204030204" pitchFamily="49" charset="0"/>
+                  <a:cs typeface="Consolas" panose="020B0609020204030204" pitchFamily="49" charset="0"/>
+                </a:rPr>
+                <a:t>         </a:t>
+              </a:r>
+              <a:r>
+                <a:rPr lang="en-US" sz="2400" dirty="0">
+                  <a:solidFill>
+                    <a:schemeClr val="accent5"/>
+                  </a:solidFill>
+                  <a:latin typeface="Consolas" panose="020B0609020204030204" pitchFamily="49" charset="0"/>
+                  <a:cs typeface="Consolas" panose="020B0609020204030204" pitchFamily="49" charset="0"/>
+                </a:rPr>
+                <a:t>"in"</a:t>
+              </a:r>
+              <a:r>
+                <a:rPr lang="en-US" sz="2400" dirty="0">
+                  <a:solidFill>
+                    <a:schemeClr val="accent1"/>
+                  </a:solidFill>
+                  <a:latin typeface="Consolas" panose="020B0609020204030204" pitchFamily="49" charset="0"/>
+                  <a:cs typeface="Consolas" panose="020B0609020204030204" pitchFamily="49" charset="0"/>
+                </a:rPr>
+                <a:t>:</a:t>
+              </a:r>
+              <a:r>
+                <a:rPr lang="en-US" sz="2400" dirty="0">
+                  <a:solidFill>
+                    <a:srgbClr val="CACACA"/>
+                  </a:solidFill>
+                  <a:latin typeface="Consolas" panose="020B0609020204030204" pitchFamily="49" charset="0"/>
+                  <a:cs typeface="Consolas" panose="020B0609020204030204" pitchFamily="49" charset="0"/>
+                </a:rPr>
+                <a:t> </a:t>
+              </a:r>
+              <a:r>
+                <a:rPr lang="en-US" sz="2400" dirty="0">
+                  <a:solidFill>
+                    <a:schemeClr val="accent2"/>
+                  </a:solidFill>
+                  <a:latin typeface="Consolas" panose="020B0609020204030204" pitchFamily="49" charset="0"/>
+                  <a:cs typeface="Consolas" panose="020B0609020204030204" pitchFamily="49" charset="0"/>
+                </a:rPr>
+                <a:t>"header”</a:t>
+              </a:r>
+            </a:p>
+            <a:p>
+              <a:pPr marL="0" indent="0">
+                <a:buNone/>
+              </a:pPr>
+              <a:r>
+                <a:rPr lang="en-US" sz="2400" dirty="0">
+                  <a:solidFill>
+                    <a:schemeClr val="accent1"/>
+                  </a:solidFill>
+                  <a:latin typeface="Consolas" panose="020B0609020204030204" pitchFamily="49" charset="0"/>
+                  <a:cs typeface="Consolas" panose="020B0609020204030204" pitchFamily="49" charset="0"/>
+                </a:rPr>
+                <a:t>         }</a:t>
+              </a:r>
+            </a:p>
+            <a:p>
+              <a:pPr marL="0" indent="0">
+                <a:buNone/>
+              </a:pPr>
+              <a:r>
+                <a:rPr lang="en-US" sz="2400" dirty="0">
+                  <a:solidFill>
+                    <a:schemeClr val="accent1"/>
+                  </a:solidFill>
+                  <a:latin typeface="Consolas" panose="020B0609020204030204" pitchFamily="49" charset="0"/>
+                  <a:cs typeface="Consolas" panose="020B0609020204030204" pitchFamily="49" charset="0"/>
+                </a:rPr>
+                <a:t>     },</a:t>
+              </a:r>
+              <a:endParaRPr lang="en-US" sz="2400" dirty="0"/>
+            </a:p>
+          </p:txBody>
+        </p:sp>
+        <p:sp>
+          <p:nvSpPr>
+            <p:cNvPr id="5" name="TextBox 4">
+              <a:extLst>
+                <a:ext uri="{FF2B5EF4-FFF2-40B4-BE49-F238E27FC236}">
+                  <a16:creationId xmlns:a16="http://schemas.microsoft.com/office/drawing/2014/main" id="{8EC0488B-DCA7-587A-5817-75AFC2D6E452}"/>
+                </a:ext>
+              </a:extLst>
+            </p:cNvPr>
+            <p:cNvSpPr txBox="1"/>
+            <p:nvPr/>
+          </p:nvSpPr>
+          <p:spPr>
+            <a:xfrm>
+              <a:off x="3467447" y="4295195"/>
+              <a:ext cx="4887883" cy="365356"/>
+            </a:xfrm>
+            <a:prstGeom prst="rect">
+              <a:avLst/>
+            </a:prstGeom>
+            <a:noFill/>
+          </p:spPr>
+          <p:txBody>
+            <a:bodyPr wrap="square">
+              <a:spAutoFit/>
+            </a:bodyPr>
+            <a:lstStyle/>
+            <a:p>
+              <a:pPr marL="0" indent="0" algn="ctr">
+                <a:lnSpc>
+                  <a:spcPct val="70000"/>
+                </a:lnSpc>
+                <a:buNone/>
+              </a:pPr>
+              <a:r>
+                <a:rPr lang="en-US" sz="2400" dirty="0">
+                  <a:solidFill>
+                    <a:schemeClr val="accent5"/>
+                  </a:solidFill>
+                  <a:latin typeface="Consolas" panose="020B0609020204030204" pitchFamily="49" charset="0"/>
+                  <a:cs typeface="Consolas" panose="020B0609020204030204" pitchFamily="49" charset="0"/>
+                </a:rPr>
+                <a:t>"security"</a:t>
+              </a:r>
+              <a:r>
+                <a:rPr lang="en-US" sz="2400" dirty="0">
+                  <a:solidFill>
+                    <a:schemeClr val="accent1"/>
+                  </a:solidFill>
+                  <a:latin typeface="Consolas" panose="020B0609020204030204" pitchFamily="49" charset="0"/>
+                  <a:cs typeface="Consolas" panose="020B0609020204030204" pitchFamily="49" charset="0"/>
+                </a:rPr>
+                <a:t>: [ </a:t>
+              </a:r>
+              <a:r>
+                <a:rPr lang="en-US" sz="2400" dirty="0">
+                  <a:solidFill>
+                    <a:schemeClr val="accent2"/>
+                  </a:solidFill>
+                  <a:latin typeface="Consolas" panose="020B0609020204030204" pitchFamily="49" charset="0"/>
+                  <a:cs typeface="Consolas" panose="020B0609020204030204" pitchFamily="49" charset="0"/>
+                </a:rPr>
+                <a:t>"</a:t>
+              </a:r>
+              <a:r>
+                <a:rPr lang="en-US" sz="2400" dirty="0" err="1">
+                  <a:solidFill>
+                    <a:schemeClr val="accent2"/>
+                  </a:solidFill>
+                  <a:latin typeface="Consolas" panose="020B0609020204030204" pitchFamily="49" charset="0"/>
+                  <a:cs typeface="Consolas" panose="020B0609020204030204" pitchFamily="49" charset="0"/>
+                </a:rPr>
+                <a:t>basic_sc</a:t>
+              </a:r>
+              <a:r>
+                <a:rPr lang="en-US" sz="2400" dirty="0">
+                  <a:solidFill>
+                    <a:schemeClr val="accent2"/>
+                  </a:solidFill>
+                  <a:latin typeface="Consolas" panose="020B0609020204030204" pitchFamily="49" charset="0"/>
+                  <a:cs typeface="Consolas" panose="020B0609020204030204" pitchFamily="49" charset="0"/>
+                </a:rPr>
+                <a:t>"</a:t>
+              </a:r>
+              <a:r>
+                <a:rPr lang="en-US" sz="2400" dirty="0">
+                  <a:solidFill>
+                    <a:srgbClr val="CACACA"/>
+                  </a:solidFill>
+                  <a:latin typeface="Consolas" panose="020B0609020204030204" pitchFamily="49" charset="0"/>
+                  <a:cs typeface="Consolas" panose="020B0609020204030204" pitchFamily="49" charset="0"/>
+                </a:rPr>
+                <a:t> </a:t>
+              </a:r>
+              <a:r>
+                <a:rPr lang="en-US" sz="2400" dirty="0">
+                  <a:solidFill>
+                    <a:schemeClr val="accent1"/>
+                  </a:solidFill>
+                  <a:latin typeface="Consolas" panose="020B0609020204030204" pitchFamily="49" charset="0"/>
+                  <a:cs typeface="Consolas" panose="020B0609020204030204" pitchFamily="49" charset="0"/>
+                </a:rPr>
+                <a:t>]</a:t>
+              </a:r>
+            </a:p>
+          </p:txBody>
+        </p:sp>
+      </p:grpSp>
       <p:sp>
         <p:nvSpPr>
-          <p:cNvPr id="4" name="TextBox 3">
+          <p:cNvPr id="9" name="TextBox 8">
             <a:extLst>
               <a:ext uri="{FF2B5EF4-FFF2-40B4-BE49-F238E27FC236}">
-                <a16:creationId xmlns:a16="http://schemas.microsoft.com/office/drawing/2014/main" id="{15E1AAAC-2ECC-765F-547E-7C6EBCAD150F}"/>
+                <a16:creationId xmlns:a16="http://schemas.microsoft.com/office/drawing/2014/main" id="{E414147A-12D9-E2BF-2E47-71BB79B5162C}"/>
               </a:ext>
             </a:extLst>
           </p:cNvPr>
@@ -21697,843 +22132,7 @@
         </p:nvSpPr>
         <p:spPr>
           <a:xfrm>
-            <a:off x="3467447" y="2274838"/>
-            <a:ext cx="5257106" cy="2308324"/>
-          </a:xfrm>
-          <a:prstGeom prst="rect">
-            <a:avLst/>
-          </a:prstGeom>
-          <a:noFill/>
-        </p:spPr>
-        <p:txBody>
-          <a:bodyPr wrap="square">
-            <a:spAutoFit/>
-          </a:bodyPr>
-          <a:lstStyle/>
-          <a:p>
-            <a:pPr marL="0" indent="0">
-              <a:buNone/>
-            </a:pPr>
-            <a:r>
-              <a:rPr lang="en-US" sz="2400" dirty="0">
-                <a:solidFill>
-                  <a:srgbClr val="CACACA"/>
-                </a:solidFill>
-                <a:latin typeface="Consolas" panose="020B0609020204030204" pitchFamily="49" charset="0"/>
-                <a:cs typeface="Consolas" panose="020B0609020204030204" pitchFamily="49" charset="0"/>
-              </a:rPr>
-              <a:t> </a:t>
-            </a:r>
-            <a:r>
-              <a:rPr lang="en-US" sz="2400" dirty="0">
-                <a:solidFill>
-                  <a:schemeClr val="accent5"/>
-                </a:solidFill>
-                <a:latin typeface="Consolas" panose="020B0609020204030204" pitchFamily="49" charset="0"/>
-                <a:cs typeface="Consolas" panose="020B0609020204030204" pitchFamily="49" charset="0"/>
-              </a:rPr>
-              <a:t>"</a:t>
-            </a:r>
-            <a:r>
-              <a:rPr lang="en-US" sz="2400" dirty="0" err="1">
-                <a:solidFill>
-                  <a:schemeClr val="accent5"/>
-                </a:solidFill>
-                <a:latin typeface="Consolas" panose="020B0609020204030204" pitchFamily="49" charset="0"/>
-                <a:cs typeface="Consolas" panose="020B0609020204030204" pitchFamily="49" charset="0"/>
-              </a:rPr>
-              <a:t>securityDefinitions</a:t>
-            </a:r>
-            <a:r>
-              <a:rPr lang="en-US" sz="2400" dirty="0">
-                <a:solidFill>
-                  <a:schemeClr val="accent5"/>
-                </a:solidFill>
-                <a:latin typeface="Consolas" panose="020B0609020204030204" pitchFamily="49" charset="0"/>
-                <a:cs typeface="Consolas" panose="020B0609020204030204" pitchFamily="49" charset="0"/>
-              </a:rPr>
-              <a:t>"</a:t>
-            </a:r>
-            <a:r>
-              <a:rPr lang="en-US" sz="2400" dirty="0">
-                <a:solidFill>
-                  <a:schemeClr val="accent1"/>
-                </a:solidFill>
-                <a:latin typeface="Consolas" panose="020B0609020204030204" pitchFamily="49" charset="0"/>
-                <a:cs typeface="Consolas" panose="020B0609020204030204" pitchFamily="49" charset="0"/>
-              </a:rPr>
-              <a:t>: {        </a:t>
-            </a:r>
-          </a:p>
-          <a:p>
-            <a:pPr marL="0" indent="0">
-              <a:buNone/>
-            </a:pPr>
-            <a:r>
-              <a:rPr lang="en-US" sz="2400" dirty="0">
-                <a:solidFill>
-                  <a:srgbClr val="CACACA"/>
-                </a:solidFill>
-                <a:latin typeface="Consolas" panose="020B0609020204030204" pitchFamily="49" charset="0"/>
-                <a:cs typeface="Consolas" panose="020B0609020204030204" pitchFamily="49" charset="0"/>
-              </a:rPr>
-              <a:t>     </a:t>
-            </a:r>
-            <a:r>
-              <a:rPr lang="en-US" sz="2400" dirty="0">
-                <a:solidFill>
-                  <a:schemeClr val="accent5"/>
-                </a:solidFill>
-                <a:latin typeface="Consolas" panose="020B0609020204030204" pitchFamily="49" charset="0"/>
-                <a:cs typeface="Consolas" panose="020B0609020204030204" pitchFamily="49" charset="0"/>
-              </a:rPr>
-              <a:t>"</a:t>
-            </a:r>
-            <a:r>
-              <a:rPr lang="en-US" sz="2400" dirty="0" err="1">
-                <a:solidFill>
-                  <a:schemeClr val="accent5"/>
-                </a:solidFill>
-                <a:latin typeface="Consolas" panose="020B0609020204030204" pitchFamily="49" charset="0"/>
-                <a:cs typeface="Consolas" panose="020B0609020204030204" pitchFamily="49" charset="0"/>
-              </a:rPr>
-              <a:t>basic_sc</a:t>
-            </a:r>
-            <a:r>
-              <a:rPr lang="en-US" sz="2400" dirty="0">
-                <a:solidFill>
-                  <a:schemeClr val="accent5"/>
-                </a:solidFill>
-                <a:latin typeface="Consolas" panose="020B0609020204030204" pitchFamily="49" charset="0"/>
-                <a:cs typeface="Consolas" panose="020B0609020204030204" pitchFamily="49" charset="0"/>
-              </a:rPr>
-              <a:t>"</a:t>
-            </a:r>
-            <a:r>
-              <a:rPr lang="en-US" sz="2400" dirty="0">
-                <a:solidFill>
-                  <a:schemeClr val="accent1"/>
-                </a:solidFill>
-                <a:latin typeface="Consolas" panose="020B0609020204030204" pitchFamily="49" charset="0"/>
-                <a:cs typeface="Consolas" panose="020B0609020204030204" pitchFamily="49" charset="0"/>
-              </a:rPr>
-              <a:t>: {</a:t>
-            </a:r>
-          </a:p>
-          <a:p>
-            <a:pPr marL="0" indent="0">
-              <a:buNone/>
-            </a:pPr>
-            <a:r>
-              <a:rPr lang="en-US" sz="2400" dirty="0">
-                <a:solidFill>
-                  <a:schemeClr val="accent1"/>
-                </a:solidFill>
-                <a:latin typeface="Consolas" panose="020B0609020204030204" pitchFamily="49" charset="0"/>
-                <a:cs typeface="Consolas" panose="020B0609020204030204" pitchFamily="49" charset="0"/>
-              </a:rPr>
-              <a:t>         </a:t>
-            </a:r>
-            <a:r>
-              <a:rPr lang="en-US" sz="2400" dirty="0">
-                <a:solidFill>
-                  <a:schemeClr val="accent5"/>
-                </a:solidFill>
-                <a:latin typeface="Consolas" panose="020B0609020204030204" pitchFamily="49" charset="0"/>
-                <a:cs typeface="Consolas" panose="020B0609020204030204" pitchFamily="49" charset="0"/>
-              </a:rPr>
-              <a:t>"scheme"</a:t>
-            </a:r>
-            <a:r>
-              <a:rPr lang="en-US" sz="2400" dirty="0">
-                <a:solidFill>
-                  <a:schemeClr val="accent1"/>
-                </a:solidFill>
-                <a:latin typeface="Consolas" panose="020B0609020204030204" pitchFamily="49" charset="0"/>
-                <a:cs typeface="Consolas" panose="020B0609020204030204" pitchFamily="49" charset="0"/>
-              </a:rPr>
-              <a:t>:</a:t>
-            </a:r>
-            <a:r>
-              <a:rPr lang="en-US" sz="2400" dirty="0">
-                <a:solidFill>
-                  <a:srgbClr val="CACACA"/>
-                </a:solidFill>
-                <a:latin typeface="Consolas" panose="020B0609020204030204" pitchFamily="49" charset="0"/>
-                <a:cs typeface="Consolas" panose="020B0609020204030204" pitchFamily="49" charset="0"/>
-              </a:rPr>
-              <a:t> </a:t>
-            </a:r>
-            <a:r>
-              <a:rPr lang="en-US" sz="2400" dirty="0">
-                <a:solidFill>
-                  <a:schemeClr val="accent2"/>
-                </a:solidFill>
-                <a:latin typeface="Consolas" panose="020B0609020204030204" pitchFamily="49" charset="0"/>
-                <a:cs typeface="Consolas" panose="020B0609020204030204" pitchFamily="49" charset="0"/>
-              </a:rPr>
-              <a:t>"basic"</a:t>
-            </a:r>
-            <a:r>
-              <a:rPr lang="en-US" sz="2400" dirty="0">
-                <a:solidFill>
-                  <a:schemeClr val="accent1"/>
-                </a:solidFill>
-                <a:latin typeface="Consolas" panose="020B0609020204030204" pitchFamily="49" charset="0"/>
-                <a:cs typeface="Consolas" panose="020B0609020204030204" pitchFamily="49" charset="0"/>
-              </a:rPr>
-              <a:t>,</a:t>
-            </a:r>
-          </a:p>
-          <a:p>
-            <a:pPr marL="0" indent="0">
-              <a:buNone/>
-            </a:pPr>
-            <a:r>
-              <a:rPr lang="en-US" sz="2400" dirty="0">
-                <a:solidFill>
-                  <a:srgbClr val="CACACA"/>
-                </a:solidFill>
-                <a:latin typeface="Consolas" panose="020B0609020204030204" pitchFamily="49" charset="0"/>
-                <a:cs typeface="Consolas" panose="020B0609020204030204" pitchFamily="49" charset="0"/>
-              </a:rPr>
-              <a:t>         </a:t>
-            </a:r>
-            <a:r>
-              <a:rPr lang="en-US" sz="2400" dirty="0">
-                <a:solidFill>
-                  <a:schemeClr val="accent5"/>
-                </a:solidFill>
-                <a:latin typeface="Consolas" panose="020B0609020204030204" pitchFamily="49" charset="0"/>
-                <a:cs typeface="Consolas" panose="020B0609020204030204" pitchFamily="49" charset="0"/>
-              </a:rPr>
-              <a:t>"in"</a:t>
-            </a:r>
-            <a:r>
-              <a:rPr lang="en-US" sz="2400" dirty="0">
-                <a:solidFill>
-                  <a:schemeClr val="accent1"/>
-                </a:solidFill>
-                <a:latin typeface="Consolas" panose="020B0609020204030204" pitchFamily="49" charset="0"/>
-                <a:cs typeface="Consolas" panose="020B0609020204030204" pitchFamily="49" charset="0"/>
-              </a:rPr>
-              <a:t>:</a:t>
-            </a:r>
-            <a:r>
-              <a:rPr lang="en-US" sz="2400" dirty="0">
-                <a:solidFill>
-                  <a:srgbClr val="CACACA"/>
-                </a:solidFill>
-                <a:latin typeface="Consolas" panose="020B0609020204030204" pitchFamily="49" charset="0"/>
-                <a:cs typeface="Consolas" panose="020B0609020204030204" pitchFamily="49" charset="0"/>
-              </a:rPr>
-              <a:t> </a:t>
-            </a:r>
-            <a:r>
-              <a:rPr lang="en-US" sz="2400" dirty="0">
-                <a:solidFill>
-                  <a:schemeClr val="accent2"/>
-                </a:solidFill>
-                <a:latin typeface="Consolas" panose="020B0609020204030204" pitchFamily="49" charset="0"/>
-                <a:cs typeface="Consolas" panose="020B0609020204030204" pitchFamily="49" charset="0"/>
-              </a:rPr>
-              <a:t>"header”</a:t>
-            </a:r>
-          </a:p>
-          <a:p>
-            <a:pPr marL="0" indent="0">
-              <a:buNone/>
-            </a:pPr>
-            <a:r>
-              <a:rPr lang="en-US" sz="2400" dirty="0">
-                <a:solidFill>
-                  <a:schemeClr val="accent1"/>
-                </a:solidFill>
-                <a:latin typeface="Consolas" panose="020B0609020204030204" pitchFamily="49" charset="0"/>
-                <a:cs typeface="Consolas" panose="020B0609020204030204" pitchFamily="49" charset="0"/>
-              </a:rPr>
-              <a:t>         }</a:t>
-            </a:r>
-          </a:p>
-          <a:p>
-            <a:pPr marL="0" indent="0">
-              <a:buNone/>
-            </a:pPr>
-            <a:r>
-              <a:rPr lang="en-US" sz="2400" dirty="0">
-                <a:solidFill>
-                  <a:schemeClr val="accent1"/>
-                </a:solidFill>
-                <a:latin typeface="Consolas" panose="020B0609020204030204" pitchFamily="49" charset="0"/>
-                <a:cs typeface="Consolas" panose="020B0609020204030204" pitchFamily="49" charset="0"/>
-              </a:rPr>
-              <a:t>     },</a:t>
-            </a:r>
-            <a:endParaRPr lang="en-US" sz="2400" dirty="0"/>
-          </a:p>
-        </p:txBody>
-      </p:sp>
-      <p:sp>
-        <p:nvSpPr>
-          <p:cNvPr id="5" name="TextBox 4">
-            <a:extLst>
-              <a:ext uri="{FF2B5EF4-FFF2-40B4-BE49-F238E27FC236}">
-                <a16:creationId xmlns:a16="http://schemas.microsoft.com/office/drawing/2014/main" id="{8EC0488B-DCA7-587A-5817-75AFC2D6E452}"/>
-              </a:ext>
-            </a:extLst>
-          </p:cNvPr>
-          <p:cNvSpPr txBox="1"/>
-          <p:nvPr/>
-        </p:nvSpPr>
-        <p:spPr>
-          <a:xfrm>
-            <a:off x="12546694" y="3246322"/>
-            <a:ext cx="4887883" cy="365356"/>
-          </a:xfrm>
-          <a:prstGeom prst="rect">
-            <a:avLst/>
-          </a:prstGeom>
-          <a:noFill/>
-        </p:spPr>
-        <p:txBody>
-          <a:bodyPr wrap="square">
-            <a:spAutoFit/>
-          </a:bodyPr>
-          <a:lstStyle/>
-          <a:p>
-            <a:pPr marL="0" indent="0" algn="ctr">
-              <a:lnSpc>
-                <a:spcPct val="70000"/>
-              </a:lnSpc>
-              <a:buNone/>
-            </a:pPr>
-            <a:r>
-              <a:rPr lang="en-US" sz="2400" dirty="0">
-                <a:solidFill>
-                  <a:schemeClr val="accent5"/>
-                </a:solidFill>
-                <a:latin typeface="Consolas" panose="020B0609020204030204" pitchFamily="49" charset="0"/>
-                <a:cs typeface="Consolas" panose="020B0609020204030204" pitchFamily="49" charset="0"/>
-              </a:rPr>
-              <a:t>"security"</a:t>
-            </a:r>
-            <a:r>
-              <a:rPr lang="en-US" sz="2400" dirty="0">
-                <a:solidFill>
-                  <a:schemeClr val="accent1"/>
-                </a:solidFill>
-                <a:latin typeface="Consolas" panose="020B0609020204030204" pitchFamily="49" charset="0"/>
-                <a:cs typeface="Consolas" panose="020B0609020204030204" pitchFamily="49" charset="0"/>
-              </a:rPr>
-              <a:t>: [ </a:t>
-            </a:r>
-            <a:r>
-              <a:rPr lang="en-US" sz="2400" dirty="0">
-                <a:solidFill>
-                  <a:schemeClr val="accent2"/>
-                </a:solidFill>
-                <a:latin typeface="Consolas" panose="020B0609020204030204" pitchFamily="49" charset="0"/>
-                <a:cs typeface="Consolas" panose="020B0609020204030204" pitchFamily="49" charset="0"/>
-              </a:rPr>
-              <a:t>"</a:t>
-            </a:r>
-            <a:r>
-              <a:rPr lang="en-US" sz="2400" dirty="0" err="1">
-                <a:solidFill>
-                  <a:schemeClr val="accent2"/>
-                </a:solidFill>
-                <a:latin typeface="Consolas" panose="020B0609020204030204" pitchFamily="49" charset="0"/>
-                <a:cs typeface="Consolas" panose="020B0609020204030204" pitchFamily="49" charset="0"/>
-              </a:rPr>
-              <a:t>basic_sc</a:t>
-            </a:r>
-            <a:r>
-              <a:rPr lang="en-US" sz="2400" dirty="0">
-                <a:solidFill>
-                  <a:schemeClr val="accent2"/>
-                </a:solidFill>
-                <a:latin typeface="Consolas" panose="020B0609020204030204" pitchFamily="49" charset="0"/>
-                <a:cs typeface="Consolas" panose="020B0609020204030204" pitchFamily="49" charset="0"/>
-              </a:rPr>
-              <a:t>"</a:t>
-            </a:r>
-            <a:r>
-              <a:rPr lang="en-US" sz="2400" dirty="0">
-                <a:solidFill>
-                  <a:srgbClr val="CACACA"/>
-                </a:solidFill>
-                <a:latin typeface="Consolas" panose="020B0609020204030204" pitchFamily="49" charset="0"/>
-                <a:cs typeface="Consolas" panose="020B0609020204030204" pitchFamily="49" charset="0"/>
-              </a:rPr>
-              <a:t> </a:t>
-            </a:r>
-            <a:r>
-              <a:rPr lang="en-US" sz="2400" dirty="0">
-                <a:solidFill>
-                  <a:schemeClr val="accent1"/>
-                </a:solidFill>
-                <a:latin typeface="Consolas" panose="020B0609020204030204" pitchFamily="49" charset="0"/>
-                <a:cs typeface="Consolas" panose="020B0609020204030204" pitchFamily="49" charset="0"/>
-              </a:rPr>
-              <a:t>]</a:t>
-            </a:r>
-          </a:p>
-        </p:txBody>
-      </p:sp>
-    </p:spTree>
-    <p:extLst>
-      <p:ext uri="{BB962C8B-B14F-4D97-AF65-F5344CB8AC3E}">
-        <p14:creationId xmlns:p14="http://schemas.microsoft.com/office/powerpoint/2010/main" val="3609387118"/>
-      </p:ext>
-    </p:extLst>
-  </p:cSld>
-  <p:clrMapOvr>
-    <a:masterClrMapping/>
-  </p:clrMapOvr>
-  <mc:AlternateContent xmlns:mc="http://schemas.openxmlformats.org/markup-compatibility/2006" xmlns:p159="http://schemas.microsoft.com/office/powerpoint/2015/09/main">
-    <mc:Choice Requires="p159">
-      <p:transition xmlns:p14="http://schemas.microsoft.com/office/powerpoint/2010/main" spd="slow" p14:dur="2000">
-        <p159:morph option="byObject"/>
-      </p:transition>
-    </mc:Choice>
-    <mc:Fallback xmlns="">
-      <p:transition spd="slow">
-        <p:fade/>
-      </p:transition>
-    </mc:Fallback>
-  </mc:AlternateContent>
-</p:sld>
-</file>
-
-<file path=ppt/slides/slide23.xml><?xml version="1.0" encoding="utf-8"?>
-<p:sld xmlns:a="http://schemas.openxmlformats.org/drawingml/2006/main" xmlns:r="http://schemas.openxmlformats.org/officeDocument/2006/relationships" xmlns:p="http://schemas.openxmlformats.org/presentationml/2006/main">
-  <p:cSld>
-    <p:spTree>
-      <p:nvGrpSpPr>
-        <p:cNvPr id="1" name=""/>
-        <p:cNvGrpSpPr/>
-        <p:nvPr/>
-      </p:nvGrpSpPr>
-      <p:grpSpPr>
-        <a:xfrm>
-          <a:off x="0" y="0"/>
-          <a:ext cx="0" cy="0"/>
-          <a:chOff x="0" y="0"/>
-          <a:chExt cx="0" cy="0"/>
-        </a:xfrm>
-      </p:grpSpPr>
-      <p:sp>
-        <p:nvSpPr>
-          <p:cNvPr id="4" name="TextBox 3">
-            <a:extLst>
-              <a:ext uri="{FF2B5EF4-FFF2-40B4-BE49-F238E27FC236}">
-                <a16:creationId xmlns:a16="http://schemas.microsoft.com/office/drawing/2014/main" id="{15E1AAAC-2ECC-765F-547E-7C6EBCAD150F}"/>
-              </a:ext>
-            </a:extLst>
-          </p:cNvPr>
-          <p:cNvSpPr txBox="1"/>
-          <p:nvPr/>
-        </p:nvSpPr>
-        <p:spPr>
-          <a:xfrm>
-            <a:off x="-5776323" y="2274838"/>
-            <a:ext cx="5257106" cy="2308324"/>
-          </a:xfrm>
-          <a:prstGeom prst="rect">
-            <a:avLst/>
-          </a:prstGeom>
-          <a:noFill/>
-        </p:spPr>
-        <p:txBody>
-          <a:bodyPr wrap="square">
-            <a:spAutoFit/>
-          </a:bodyPr>
-          <a:lstStyle/>
-          <a:p>
-            <a:pPr marL="0" indent="0">
-              <a:buNone/>
-            </a:pPr>
-            <a:r>
-              <a:rPr lang="en-US" sz="2400" dirty="0">
-                <a:solidFill>
-                  <a:srgbClr val="CACACA"/>
-                </a:solidFill>
-                <a:latin typeface="Consolas" panose="020B0609020204030204" pitchFamily="49" charset="0"/>
-                <a:cs typeface="Consolas" panose="020B0609020204030204" pitchFamily="49" charset="0"/>
-              </a:rPr>
-              <a:t> </a:t>
-            </a:r>
-            <a:r>
-              <a:rPr lang="en-US" sz="2400" dirty="0">
-                <a:solidFill>
-                  <a:schemeClr val="accent5"/>
-                </a:solidFill>
-                <a:latin typeface="Consolas" panose="020B0609020204030204" pitchFamily="49" charset="0"/>
-                <a:cs typeface="Consolas" panose="020B0609020204030204" pitchFamily="49" charset="0"/>
-              </a:rPr>
-              <a:t>"</a:t>
-            </a:r>
-            <a:r>
-              <a:rPr lang="en-US" sz="2400" dirty="0" err="1">
-                <a:solidFill>
-                  <a:schemeClr val="accent5"/>
-                </a:solidFill>
-                <a:latin typeface="Consolas" panose="020B0609020204030204" pitchFamily="49" charset="0"/>
-                <a:cs typeface="Consolas" panose="020B0609020204030204" pitchFamily="49" charset="0"/>
-              </a:rPr>
-              <a:t>securityDefinitions</a:t>
-            </a:r>
-            <a:r>
-              <a:rPr lang="en-US" sz="2400" dirty="0">
-                <a:solidFill>
-                  <a:schemeClr val="accent5"/>
-                </a:solidFill>
-                <a:latin typeface="Consolas" panose="020B0609020204030204" pitchFamily="49" charset="0"/>
-                <a:cs typeface="Consolas" panose="020B0609020204030204" pitchFamily="49" charset="0"/>
-              </a:rPr>
-              <a:t>"</a:t>
-            </a:r>
-            <a:r>
-              <a:rPr lang="en-US" sz="2400" dirty="0">
-                <a:solidFill>
-                  <a:schemeClr val="accent1"/>
-                </a:solidFill>
-                <a:latin typeface="Consolas" panose="020B0609020204030204" pitchFamily="49" charset="0"/>
-                <a:cs typeface="Consolas" panose="020B0609020204030204" pitchFamily="49" charset="0"/>
-              </a:rPr>
-              <a:t>: {        </a:t>
-            </a:r>
-          </a:p>
-          <a:p>
-            <a:pPr marL="0" indent="0">
-              <a:buNone/>
-            </a:pPr>
-            <a:r>
-              <a:rPr lang="en-US" sz="2400" dirty="0">
-                <a:solidFill>
-                  <a:srgbClr val="CACACA"/>
-                </a:solidFill>
-                <a:latin typeface="Consolas" panose="020B0609020204030204" pitchFamily="49" charset="0"/>
-                <a:cs typeface="Consolas" panose="020B0609020204030204" pitchFamily="49" charset="0"/>
-              </a:rPr>
-              <a:t>     </a:t>
-            </a:r>
-            <a:r>
-              <a:rPr lang="en-US" sz="2400" dirty="0">
-                <a:solidFill>
-                  <a:schemeClr val="accent5"/>
-                </a:solidFill>
-                <a:latin typeface="Consolas" panose="020B0609020204030204" pitchFamily="49" charset="0"/>
-                <a:cs typeface="Consolas" panose="020B0609020204030204" pitchFamily="49" charset="0"/>
-              </a:rPr>
-              <a:t>"</a:t>
-            </a:r>
-            <a:r>
-              <a:rPr lang="en-US" sz="2400" dirty="0" err="1">
-                <a:solidFill>
-                  <a:schemeClr val="accent5"/>
-                </a:solidFill>
-                <a:latin typeface="Consolas" panose="020B0609020204030204" pitchFamily="49" charset="0"/>
-                <a:cs typeface="Consolas" panose="020B0609020204030204" pitchFamily="49" charset="0"/>
-              </a:rPr>
-              <a:t>basic_sc</a:t>
-            </a:r>
-            <a:r>
-              <a:rPr lang="en-US" sz="2400" dirty="0">
-                <a:solidFill>
-                  <a:schemeClr val="accent5"/>
-                </a:solidFill>
-                <a:latin typeface="Consolas" panose="020B0609020204030204" pitchFamily="49" charset="0"/>
-                <a:cs typeface="Consolas" panose="020B0609020204030204" pitchFamily="49" charset="0"/>
-              </a:rPr>
-              <a:t>"</a:t>
-            </a:r>
-            <a:r>
-              <a:rPr lang="en-US" sz="2400" dirty="0">
-                <a:solidFill>
-                  <a:schemeClr val="accent1"/>
-                </a:solidFill>
-                <a:latin typeface="Consolas" panose="020B0609020204030204" pitchFamily="49" charset="0"/>
-                <a:cs typeface="Consolas" panose="020B0609020204030204" pitchFamily="49" charset="0"/>
-              </a:rPr>
-              <a:t>: {</a:t>
-            </a:r>
-          </a:p>
-          <a:p>
-            <a:pPr marL="0" indent="0">
-              <a:buNone/>
-            </a:pPr>
-            <a:r>
-              <a:rPr lang="en-US" sz="2400" dirty="0">
-                <a:solidFill>
-                  <a:schemeClr val="accent1"/>
-                </a:solidFill>
-                <a:latin typeface="Consolas" panose="020B0609020204030204" pitchFamily="49" charset="0"/>
-                <a:cs typeface="Consolas" panose="020B0609020204030204" pitchFamily="49" charset="0"/>
-              </a:rPr>
-              <a:t>         </a:t>
-            </a:r>
-            <a:r>
-              <a:rPr lang="en-US" sz="2400" dirty="0">
-                <a:solidFill>
-                  <a:schemeClr val="accent5"/>
-                </a:solidFill>
-                <a:latin typeface="Consolas" panose="020B0609020204030204" pitchFamily="49" charset="0"/>
-                <a:cs typeface="Consolas" panose="020B0609020204030204" pitchFamily="49" charset="0"/>
-              </a:rPr>
-              <a:t>"scheme"</a:t>
-            </a:r>
-            <a:r>
-              <a:rPr lang="en-US" sz="2400" dirty="0">
-                <a:solidFill>
-                  <a:schemeClr val="accent1"/>
-                </a:solidFill>
-                <a:latin typeface="Consolas" panose="020B0609020204030204" pitchFamily="49" charset="0"/>
-                <a:cs typeface="Consolas" panose="020B0609020204030204" pitchFamily="49" charset="0"/>
-              </a:rPr>
-              <a:t>:</a:t>
-            </a:r>
-            <a:r>
-              <a:rPr lang="en-US" sz="2400" dirty="0">
-                <a:solidFill>
-                  <a:srgbClr val="CACACA"/>
-                </a:solidFill>
-                <a:latin typeface="Consolas" panose="020B0609020204030204" pitchFamily="49" charset="0"/>
-                <a:cs typeface="Consolas" panose="020B0609020204030204" pitchFamily="49" charset="0"/>
-              </a:rPr>
-              <a:t> </a:t>
-            </a:r>
-            <a:r>
-              <a:rPr lang="en-US" sz="2400" dirty="0">
-                <a:solidFill>
-                  <a:schemeClr val="accent2"/>
-                </a:solidFill>
-                <a:latin typeface="Consolas" panose="020B0609020204030204" pitchFamily="49" charset="0"/>
-                <a:cs typeface="Consolas" panose="020B0609020204030204" pitchFamily="49" charset="0"/>
-              </a:rPr>
-              <a:t>"basic"</a:t>
-            </a:r>
-            <a:r>
-              <a:rPr lang="en-US" sz="2400" dirty="0">
-                <a:solidFill>
-                  <a:schemeClr val="accent1"/>
-                </a:solidFill>
-                <a:latin typeface="Consolas" panose="020B0609020204030204" pitchFamily="49" charset="0"/>
-                <a:cs typeface="Consolas" panose="020B0609020204030204" pitchFamily="49" charset="0"/>
-              </a:rPr>
-              <a:t>,</a:t>
-            </a:r>
-          </a:p>
-          <a:p>
-            <a:pPr marL="0" indent="0">
-              <a:buNone/>
-            </a:pPr>
-            <a:r>
-              <a:rPr lang="en-US" sz="2400" dirty="0">
-                <a:solidFill>
-                  <a:srgbClr val="CACACA"/>
-                </a:solidFill>
-                <a:latin typeface="Consolas" panose="020B0609020204030204" pitchFamily="49" charset="0"/>
-                <a:cs typeface="Consolas" panose="020B0609020204030204" pitchFamily="49" charset="0"/>
-              </a:rPr>
-              <a:t>         </a:t>
-            </a:r>
-            <a:r>
-              <a:rPr lang="en-US" sz="2400" dirty="0">
-                <a:solidFill>
-                  <a:schemeClr val="accent5"/>
-                </a:solidFill>
-                <a:latin typeface="Consolas" panose="020B0609020204030204" pitchFamily="49" charset="0"/>
-                <a:cs typeface="Consolas" panose="020B0609020204030204" pitchFamily="49" charset="0"/>
-              </a:rPr>
-              <a:t>"in"</a:t>
-            </a:r>
-            <a:r>
-              <a:rPr lang="en-US" sz="2400" dirty="0">
-                <a:solidFill>
-                  <a:schemeClr val="accent1"/>
-                </a:solidFill>
-                <a:latin typeface="Consolas" panose="020B0609020204030204" pitchFamily="49" charset="0"/>
-                <a:cs typeface="Consolas" panose="020B0609020204030204" pitchFamily="49" charset="0"/>
-              </a:rPr>
-              <a:t>:</a:t>
-            </a:r>
-            <a:r>
-              <a:rPr lang="en-US" sz="2400" dirty="0">
-                <a:solidFill>
-                  <a:srgbClr val="CACACA"/>
-                </a:solidFill>
-                <a:latin typeface="Consolas" panose="020B0609020204030204" pitchFamily="49" charset="0"/>
-                <a:cs typeface="Consolas" panose="020B0609020204030204" pitchFamily="49" charset="0"/>
-              </a:rPr>
-              <a:t> </a:t>
-            </a:r>
-            <a:r>
-              <a:rPr lang="en-US" sz="2400" dirty="0">
-                <a:solidFill>
-                  <a:schemeClr val="accent2"/>
-                </a:solidFill>
-                <a:latin typeface="Consolas" panose="020B0609020204030204" pitchFamily="49" charset="0"/>
-                <a:cs typeface="Consolas" panose="020B0609020204030204" pitchFamily="49" charset="0"/>
-              </a:rPr>
-              <a:t>"header”</a:t>
-            </a:r>
-          </a:p>
-          <a:p>
-            <a:pPr marL="0" indent="0">
-              <a:buNone/>
-            </a:pPr>
-            <a:r>
-              <a:rPr lang="en-US" sz="2400" dirty="0">
-                <a:solidFill>
-                  <a:schemeClr val="accent1"/>
-                </a:solidFill>
-                <a:latin typeface="Consolas" panose="020B0609020204030204" pitchFamily="49" charset="0"/>
-                <a:cs typeface="Consolas" panose="020B0609020204030204" pitchFamily="49" charset="0"/>
-              </a:rPr>
-              <a:t>         }</a:t>
-            </a:r>
-          </a:p>
-          <a:p>
-            <a:pPr marL="0" indent="0">
-              <a:buNone/>
-            </a:pPr>
-            <a:r>
-              <a:rPr lang="en-US" sz="2400" dirty="0">
-                <a:solidFill>
-                  <a:schemeClr val="accent1"/>
-                </a:solidFill>
-                <a:latin typeface="Consolas" panose="020B0609020204030204" pitchFamily="49" charset="0"/>
-                <a:cs typeface="Consolas" panose="020B0609020204030204" pitchFamily="49" charset="0"/>
-              </a:rPr>
-              <a:t>     },</a:t>
-            </a:r>
-            <a:endParaRPr lang="en-US" sz="2400" dirty="0"/>
-          </a:p>
-        </p:txBody>
-      </p:sp>
-      <p:sp>
-        <p:nvSpPr>
-          <p:cNvPr id="5" name="TextBox 4">
-            <a:extLst>
-              <a:ext uri="{FF2B5EF4-FFF2-40B4-BE49-F238E27FC236}">
-                <a16:creationId xmlns:a16="http://schemas.microsoft.com/office/drawing/2014/main" id="{8EC0488B-DCA7-587A-5817-75AFC2D6E452}"/>
-              </a:ext>
-            </a:extLst>
-          </p:cNvPr>
-          <p:cNvSpPr txBox="1"/>
-          <p:nvPr/>
-        </p:nvSpPr>
-        <p:spPr>
-          <a:xfrm>
-            <a:off x="3652059" y="3246322"/>
-            <a:ext cx="4887883" cy="365356"/>
-          </a:xfrm>
-          <a:prstGeom prst="rect">
-            <a:avLst/>
-          </a:prstGeom>
-          <a:noFill/>
-        </p:spPr>
-        <p:txBody>
-          <a:bodyPr wrap="square">
-            <a:spAutoFit/>
-          </a:bodyPr>
-          <a:lstStyle/>
-          <a:p>
-            <a:pPr marL="0" indent="0" algn="ctr">
-              <a:lnSpc>
-                <a:spcPct val="70000"/>
-              </a:lnSpc>
-              <a:buNone/>
-            </a:pPr>
-            <a:r>
-              <a:rPr lang="en-US" sz="2400" dirty="0">
-                <a:solidFill>
-                  <a:schemeClr val="accent5"/>
-                </a:solidFill>
-                <a:latin typeface="Consolas" panose="020B0609020204030204" pitchFamily="49" charset="0"/>
-                <a:cs typeface="Consolas" panose="020B0609020204030204" pitchFamily="49" charset="0"/>
-              </a:rPr>
-              <a:t>"security"</a:t>
-            </a:r>
-            <a:r>
-              <a:rPr lang="en-US" sz="2400" dirty="0">
-                <a:solidFill>
-                  <a:schemeClr val="accent1"/>
-                </a:solidFill>
-                <a:latin typeface="Consolas" panose="020B0609020204030204" pitchFamily="49" charset="0"/>
-                <a:cs typeface="Consolas" panose="020B0609020204030204" pitchFamily="49" charset="0"/>
-              </a:rPr>
-              <a:t>: [ </a:t>
-            </a:r>
-            <a:r>
-              <a:rPr lang="en-US" sz="2400" dirty="0">
-                <a:solidFill>
-                  <a:schemeClr val="accent2"/>
-                </a:solidFill>
-                <a:latin typeface="Consolas" panose="020B0609020204030204" pitchFamily="49" charset="0"/>
-                <a:cs typeface="Consolas" panose="020B0609020204030204" pitchFamily="49" charset="0"/>
-              </a:rPr>
-              <a:t>"</a:t>
-            </a:r>
-            <a:r>
-              <a:rPr lang="en-US" sz="2400" dirty="0" err="1">
-                <a:solidFill>
-                  <a:schemeClr val="accent2"/>
-                </a:solidFill>
-                <a:latin typeface="Consolas" panose="020B0609020204030204" pitchFamily="49" charset="0"/>
-                <a:cs typeface="Consolas" panose="020B0609020204030204" pitchFamily="49" charset="0"/>
-              </a:rPr>
-              <a:t>basic_sc</a:t>
-            </a:r>
-            <a:r>
-              <a:rPr lang="en-US" sz="2400" dirty="0">
-                <a:solidFill>
-                  <a:schemeClr val="accent2"/>
-                </a:solidFill>
-                <a:latin typeface="Consolas" panose="020B0609020204030204" pitchFamily="49" charset="0"/>
-                <a:cs typeface="Consolas" panose="020B0609020204030204" pitchFamily="49" charset="0"/>
-              </a:rPr>
-              <a:t>"</a:t>
-            </a:r>
-            <a:r>
-              <a:rPr lang="en-US" sz="2400" dirty="0">
-                <a:solidFill>
-                  <a:srgbClr val="CACACA"/>
-                </a:solidFill>
-                <a:latin typeface="Consolas" panose="020B0609020204030204" pitchFamily="49" charset="0"/>
-                <a:cs typeface="Consolas" panose="020B0609020204030204" pitchFamily="49" charset="0"/>
-              </a:rPr>
-              <a:t> </a:t>
-            </a:r>
-            <a:r>
-              <a:rPr lang="en-US" sz="2400" dirty="0">
-                <a:solidFill>
-                  <a:schemeClr val="accent1"/>
-                </a:solidFill>
-                <a:latin typeface="Consolas" panose="020B0609020204030204" pitchFamily="49" charset="0"/>
-                <a:cs typeface="Consolas" panose="020B0609020204030204" pitchFamily="49" charset="0"/>
-              </a:rPr>
-              <a:t>]</a:t>
-            </a:r>
-          </a:p>
-        </p:txBody>
-      </p:sp>
-      <p:sp>
-        <p:nvSpPr>
-          <p:cNvPr id="9" name="TextBox 8">
-            <a:extLst>
-              <a:ext uri="{FF2B5EF4-FFF2-40B4-BE49-F238E27FC236}">
-                <a16:creationId xmlns:a16="http://schemas.microsoft.com/office/drawing/2014/main" id="{9475459C-6C8F-E53B-6D84-A9153A3F6C37}"/>
-              </a:ext>
-            </a:extLst>
-          </p:cNvPr>
-          <p:cNvSpPr txBox="1"/>
-          <p:nvPr/>
-        </p:nvSpPr>
-        <p:spPr>
-          <a:xfrm>
-            <a:off x="12637426" y="1720840"/>
+            <a:off x="12610532" y="1720840"/>
             <a:ext cx="3043845" cy="3416320"/>
           </a:xfrm>
           <a:prstGeom prst="rect">
@@ -22797,7 +22396,7 @@
     </p:spTree>
     <p:extLst>
       <p:ext uri="{BB962C8B-B14F-4D97-AF65-F5344CB8AC3E}">
-        <p14:creationId xmlns:p14="http://schemas.microsoft.com/office/powerpoint/2010/main" val="2523609544"/>
+        <p14:creationId xmlns:p14="http://schemas.microsoft.com/office/powerpoint/2010/main" val="3609387118"/>
       </p:ext>
     </p:extLst>
   </p:cSld>
@@ -22819,7 +22418,7 @@
 </p:sld>
 </file>
 
-<file path=ppt/slides/slide24.xml><?xml version="1.0" encoding="utf-8"?>
+<file path=ppt/slides/slide23.xml><?xml version="1.0" encoding="utf-8"?>
 <p:sld xmlns:a="http://schemas.openxmlformats.org/drawingml/2006/main" xmlns:r="http://schemas.openxmlformats.org/officeDocument/2006/relationships" xmlns:p="http://schemas.openxmlformats.org/presentationml/2006/main">
   <p:cSld>
     <p:spTree>
@@ -22838,117 +22437,10 @@
       </p:grpSpPr>
       <p:sp>
         <p:nvSpPr>
-          <p:cNvPr id="5" name="TextBox 4">
+          <p:cNvPr id="9" name="TextBox 8">
             <a:extLst>
               <a:ext uri="{FF2B5EF4-FFF2-40B4-BE49-F238E27FC236}">
-                <a16:creationId xmlns:a16="http://schemas.microsoft.com/office/drawing/2014/main" id="{8EC0488B-DCA7-587A-5817-75AFC2D6E452}"/>
-              </a:ext>
-            </a:extLst>
-          </p:cNvPr>
-          <p:cNvSpPr txBox="1"/>
-          <p:nvPr/>
-        </p:nvSpPr>
-        <p:spPr>
-          <a:xfrm>
-            <a:off x="-5425456" y="3246322"/>
-            <a:ext cx="4887883" cy="365356"/>
-          </a:xfrm>
-          <a:prstGeom prst="rect">
-            <a:avLst/>
-          </a:prstGeom>
-          <a:noFill/>
-        </p:spPr>
-        <p:txBody>
-          <a:bodyPr wrap="square">
-            <a:spAutoFit/>
-          </a:bodyPr>
-          <a:lstStyle/>
-          <a:p>
-            <a:pPr marL="0" indent="0" algn="ctr">
-              <a:lnSpc>
-                <a:spcPct val="70000"/>
-              </a:lnSpc>
-              <a:buNone/>
-            </a:pPr>
-            <a:r>
-              <a:rPr lang="en-US" sz="2400" dirty="0">
-                <a:solidFill>
-                  <a:schemeClr val="accent5"/>
-                </a:solidFill>
-                <a:latin typeface="Consolas" panose="020B0609020204030204" pitchFamily="49" charset="0"/>
-                <a:cs typeface="Consolas" panose="020B0609020204030204" pitchFamily="49" charset="0"/>
-              </a:rPr>
-              <a:t>"security"</a:t>
-            </a:r>
-            <a:r>
-              <a:rPr lang="en-US" sz="2400" dirty="0">
-                <a:solidFill>
-                  <a:schemeClr val="accent1"/>
-                </a:solidFill>
-                <a:latin typeface="Consolas" panose="020B0609020204030204" pitchFamily="49" charset="0"/>
-                <a:cs typeface="Consolas" panose="020B0609020204030204" pitchFamily="49" charset="0"/>
-              </a:rPr>
-              <a:t>: [ </a:t>
-            </a:r>
-            <a:r>
-              <a:rPr lang="en-US" sz="2400" dirty="0">
-                <a:solidFill>
-                  <a:schemeClr val="accent2"/>
-                </a:solidFill>
-                <a:latin typeface="Consolas" panose="020B0609020204030204" pitchFamily="49" charset="0"/>
-                <a:cs typeface="Consolas" panose="020B0609020204030204" pitchFamily="49" charset="0"/>
-              </a:rPr>
-              <a:t>"</a:t>
-            </a:r>
-            <a:r>
-              <a:rPr lang="en-US" sz="2400" dirty="0" err="1">
-                <a:solidFill>
-                  <a:schemeClr val="accent2"/>
-                </a:solidFill>
-                <a:latin typeface="Consolas" panose="020B0609020204030204" pitchFamily="49" charset="0"/>
-                <a:cs typeface="Consolas" panose="020B0609020204030204" pitchFamily="49" charset="0"/>
-              </a:rPr>
-              <a:t>basic_sc</a:t>
-            </a:r>
-            <a:r>
-              <a:rPr lang="en-US" sz="2400" dirty="0">
-                <a:solidFill>
-                  <a:schemeClr val="accent2"/>
-                </a:solidFill>
-                <a:latin typeface="Consolas" panose="020B0609020204030204" pitchFamily="49" charset="0"/>
-                <a:cs typeface="Consolas" panose="020B0609020204030204" pitchFamily="49" charset="0"/>
-              </a:rPr>
-              <a:t>"</a:t>
-            </a:r>
-            <a:r>
-              <a:rPr lang="en-US" sz="2400" dirty="0">
-                <a:solidFill>
-                  <a:srgbClr val="CACACA"/>
-                </a:solidFill>
-                <a:latin typeface="Consolas" panose="020B0609020204030204" pitchFamily="49" charset="0"/>
-                <a:cs typeface="Consolas" panose="020B0609020204030204" pitchFamily="49" charset="0"/>
-              </a:rPr>
-              <a:t> </a:t>
-            </a:r>
-            <a:r>
-              <a:rPr lang="en-US" sz="2400" dirty="0">
-                <a:solidFill>
-                  <a:schemeClr val="accent1"/>
-                </a:solidFill>
-                <a:latin typeface="Consolas" panose="020B0609020204030204" pitchFamily="49" charset="0"/>
-                <a:cs typeface="Consolas" panose="020B0609020204030204" pitchFamily="49" charset="0"/>
-              </a:rPr>
-              <a:t>]</a:t>
-            </a:r>
-          </a:p>
-        </p:txBody>
-      </p:sp>
-      <p:sp>
-        <p:nvSpPr>
-          <p:cNvPr id="8" name="TextBox 7">
-            <a:extLst>
-              <a:ext uri="{FF2B5EF4-FFF2-40B4-BE49-F238E27FC236}">
-                <a16:creationId xmlns:a16="http://schemas.microsoft.com/office/drawing/2014/main" id="{900B2227-C441-1BF4-83A8-1DA03BF15863}"/>
+                <a16:creationId xmlns:a16="http://schemas.microsoft.com/office/drawing/2014/main" id="{9475459C-6C8F-E53B-6D84-A9153A3F6C37}"/>
               </a:ext>
             </a:extLst>
           </p:cNvPr>
@@ -23218,10 +22710,428 @@
           </a:p>
         </p:txBody>
       </p:sp>
+      <p:grpSp>
+        <p:nvGrpSpPr>
+          <p:cNvPr id="7" name="Group 6">
+            <a:extLst>
+              <a:ext uri="{FF2B5EF4-FFF2-40B4-BE49-F238E27FC236}">
+                <a16:creationId xmlns:a16="http://schemas.microsoft.com/office/drawing/2014/main" id="{895D0BEA-F673-6F39-F7E8-F1009E470C34}"/>
+              </a:ext>
+            </a:extLst>
+          </p:cNvPr>
+          <p:cNvGrpSpPr/>
+          <p:nvPr/>
+        </p:nvGrpSpPr>
+        <p:grpSpPr>
+          <a:xfrm>
+            <a:off x="-5757253" y="2000821"/>
+            <a:ext cx="5257106" cy="2856358"/>
+            <a:chOff x="3467447" y="1804193"/>
+            <a:chExt cx="5257106" cy="2856358"/>
+          </a:xfrm>
+        </p:grpSpPr>
+        <p:sp>
+          <p:nvSpPr>
+            <p:cNvPr id="8" name="TextBox 7">
+              <a:extLst>
+                <a:ext uri="{FF2B5EF4-FFF2-40B4-BE49-F238E27FC236}">
+                  <a16:creationId xmlns:a16="http://schemas.microsoft.com/office/drawing/2014/main" id="{F9934128-F84B-78D5-0B90-D3C987D88519}"/>
+                </a:ext>
+              </a:extLst>
+            </p:cNvPr>
+            <p:cNvSpPr txBox="1"/>
+            <p:nvPr/>
+          </p:nvSpPr>
+          <p:spPr>
+            <a:xfrm>
+              <a:off x="3467447" y="1804193"/>
+              <a:ext cx="5257106" cy="2308324"/>
+            </a:xfrm>
+            <a:prstGeom prst="rect">
+              <a:avLst/>
+            </a:prstGeom>
+            <a:noFill/>
+          </p:spPr>
+          <p:txBody>
+            <a:bodyPr wrap="square">
+              <a:spAutoFit/>
+            </a:bodyPr>
+            <a:lstStyle/>
+            <a:p>
+              <a:pPr marL="0" indent="0">
+                <a:buNone/>
+              </a:pPr>
+              <a:r>
+                <a:rPr lang="en-US" sz="2400" dirty="0">
+                  <a:solidFill>
+                    <a:srgbClr val="CACACA"/>
+                  </a:solidFill>
+                  <a:latin typeface="Consolas" panose="020B0609020204030204" pitchFamily="49" charset="0"/>
+                  <a:cs typeface="Consolas" panose="020B0609020204030204" pitchFamily="49" charset="0"/>
+                </a:rPr>
+                <a:t> </a:t>
+              </a:r>
+              <a:r>
+                <a:rPr lang="en-US" sz="2400" dirty="0">
+                  <a:solidFill>
+                    <a:schemeClr val="accent5"/>
+                  </a:solidFill>
+                  <a:latin typeface="Consolas" panose="020B0609020204030204" pitchFamily="49" charset="0"/>
+                  <a:cs typeface="Consolas" panose="020B0609020204030204" pitchFamily="49" charset="0"/>
+                </a:rPr>
+                <a:t>"</a:t>
+              </a:r>
+              <a:r>
+                <a:rPr lang="en-US" sz="2400" dirty="0" err="1">
+                  <a:solidFill>
+                    <a:schemeClr val="accent5"/>
+                  </a:solidFill>
+                  <a:latin typeface="Consolas" panose="020B0609020204030204" pitchFamily="49" charset="0"/>
+                  <a:cs typeface="Consolas" panose="020B0609020204030204" pitchFamily="49" charset="0"/>
+                </a:rPr>
+                <a:t>securityDefinitions</a:t>
+              </a:r>
+              <a:r>
+                <a:rPr lang="en-US" sz="2400" dirty="0">
+                  <a:solidFill>
+                    <a:schemeClr val="accent5"/>
+                  </a:solidFill>
+                  <a:latin typeface="Consolas" panose="020B0609020204030204" pitchFamily="49" charset="0"/>
+                  <a:cs typeface="Consolas" panose="020B0609020204030204" pitchFamily="49" charset="0"/>
+                </a:rPr>
+                <a:t>"</a:t>
+              </a:r>
+              <a:r>
+                <a:rPr lang="en-US" sz="2400" dirty="0">
+                  <a:solidFill>
+                    <a:schemeClr val="accent1"/>
+                  </a:solidFill>
+                  <a:latin typeface="Consolas" panose="020B0609020204030204" pitchFamily="49" charset="0"/>
+                  <a:cs typeface="Consolas" panose="020B0609020204030204" pitchFamily="49" charset="0"/>
+                </a:rPr>
+                <a:t>: {        </a:t>
+              </a:r>
+            </a:p>
+            <a:p>
+              <a:pPr marL="0" indent="0">
+                <a:buNone/>
+              </a:pPr>
+              <a:r>
+                <a:rPr lang="en-US" sz="2400" dirty="0">
+                  <a:solidFill>
+                    <a:srgbClr val="CACACA"/>
+                  </a:solidFill>
+                  <a:latin typeface="Consolas" panose="020B0609020204030204" pitchFamily="49" charset="0"/>
+                  <a:cs typeface="Consolas" panose="020B0609020204030204" pitchFamily="49" charset="0"/>
+                </a:rPr>
+                <a:t>     </a:t>
+              </a:r>
+              <a:r>
+                <a:rPr lang="en-US" sz="2400" dirty="0">
+                  <a:solidFill>
+                    <a:schemeClr val="accent5"/>
+                  </a:solidFill>
+                  <a:latin typeface="Consolas" panose="020B0609020204030204" pitchFamily="49" charset="0"/>
+                  <a:cs typeface="Consolas" panose="020B0609020204030204" pitchFamily="49" charset="0"/>
+                </a:rPr>
+                <a:t>"</a:t>
+              </a:r>
+              <a:r>
+                <a:rPr lang="en-US" sz="2400" dirty="0" err="1">
+                  <a:solidFill>
+                    <a:schemeClr val="accent5"/>
+                  </a:solidFill>
+                  <a:latin typeface="Consolas" panose="020B0609020204030204" pitchFamily="49" charset="0"/>
+                  <a:cs typeface="Consolas" panose="020B0609020204030204" pitchFamily="49" charset="0"/>
+                </a:rPr>
+                <a:t>basic_sc</a:t>
+              </a:r>
+              <a:r>
+                <a:rPr lang="en-US" sz="2400" dirty="0">
+                  <a:solidFill>
+                    <a:schemeClr val="accent5"/>
+                  </a:solidFill>
+                  <a:latin typeface="Consolas" panose="020B0609020204030204" pitchFamily="49" charset="0"/>
+                  <a:cs typeface="Consolas" panose="020B0609020204030204" pitchFamily="49" charset="0"/>
+                </a:rPr>
+                <a:t>"</a:t>
+              </a:r>
+              <a:r>
+                <a:rPr lang="en-US" sz="2400" dirty="0">
+                  <a:solidFill>
+                    <a:schemeClr val="accent1"/>
+                  </a:solidFill>
+                  <a:latin typeface="Consolas" panose="020B0609020204030204" pitchFamily="49" charset="0"/>
+                  <a:cs typeface="Consolas" panose="020B0609020204030204" pitchFamily="49" charset="0"/>
+                </a:rPr>
+                <a:t>: {</a:t>
+              </a:r>
+            </a:p>
+            <a:p>
+              <a:pPr marL="0" indent="0">
+                <a:buNone/>
+              </a:pPr>
+              <a:r>
+                <a:rPr lang="en-US" sz="2400" dirty="0">
+                  <a:solidFill>
+                    <a:schemeClr val="accent1"/>
+                  </a:solidFill>
+                  <a:latin typeface="Consolas" panose="020B0609020204030204" pitchFamily="49" charset="0"/>
+                  <a:cs typeface="Consolas" panose="020B0609020204030204" pitchFamily="49" charset="0"/>
+                </a:rPr>
+                <a:t>         </a:t>
+              </a:r>
+              <a:r>
+                <a:rPr lang="en-US" sz="2400" dirty="0">
+                  <a:solidFill>
+                    <a:schemeClr val="accent5"/>
+                  </a:solidFill>
+                  <a:latin typeface="Consolas" panose="020B0609020204030204" pitchFamily="49" charset="0"/>
+                  <a:cs typeface="Consolas" panose="020B0609020204030204" pitchFamily="49" charset="0"/>
+                </a:rPr>
+                <a:t>"scheme"</a:t>
+              </a:r>
+              <a:r>
+                <a:rPr lang="en-US" sz="2400" dirty="0">
+                  <a:solidFill>
+                    <a:schemeClr val="accent1"/>
+                  </a:solidFill>
+                  <a:latin typeface="Consolas" panose="020B0609020204030204" pitchFamily="49" charset="0"/>
+                  <a:cs typeface="Consolas" panose="020B0609020204030204" pitchFamily="49" charset="0"/>
+                </a:rPr>
+                <a:t>:</a:t>
+              </a:r>
+              <a:r>
+                <a:rPr lang="en-US" sz="2400" dirty="0">
+                  <a:solidFill>
+                    <a:srgbClr val="CACACA"/>
+                  </a:solidFill>
+                  <a:latin typeface="Consolas" panose="020B0609020204030204" pitchFamily="49" charset="0"/>
+                  <a:cs typeface="Consolas" panose="020B0609020204030204" pitchFamily="49" charset="0"/>
+                </a:rPr>
+                <a:t> </a:t>
+              </a:r>
+              <a:r>
+                <a:rPr lang="en-US" sz="2400" dirty="0">
+                  <a:solidFill>
+                    <a:schemeClr val="accent2"/>
+                  </a:solidFill>
+                  <a:latin typeface="Consolas" panose="020B0609020204030204" pitchFamily="49" charset="0"/>
+                  <a:cs typeface="Consolas" panose="020B0609020204030204" pitchFamily="49" charset="0"/>
+                </a:rPr>
+                <a:t>"basic"</a:t>
+              </a:r>
+              <a:r>
+                <a:rPr lang="en-US" sz="2400" dirty="0">
+                  <a:solidFill>
+                    <a:schemeClr val="accent1"/>
+                  </a:solidFill>
+                  <a:latin typeface="Consolas" panose="020B0609020204030204" pitchFamily="49" charset="0"/>
+                  <a:cs typeface="Consolas" panose="020B0609020204030204" pitchFamily="49" charset="0"/>
+                </a:rPr>
+                <a:t>,</a:t>
+              </a:r>
+            </a:p>
+            <a:p>
+              <a:pPr marL="0" indent="0">
+                <a:buNone/>
+              </a:pPr>
+              <a:r>
+                <a:rPr lang="en-US" sz="2400" dirty="0">
+                  <a:solidFill>
+                    <a:srgbClr val="CACACA"/>
+                  </a:solidFill>
+                  <a:latin typeface="Consolas" panose="020B0609020204030204" pitchFamily="49" charset="0"/>
+                  <a:cs typeface="Consolas" panose="020B0609020204030204" pitchFamily="49" charset="0"/>
+                </a:rPr>
+                <a:t>         </a:t>
+              </a:r>
+              <a:r>
+                <a:rPr lang="en-US" sz="2400" dirty="0">
+                  <a:solidFill>
+                    <a:schemeClr val="accent5"/>
+                  </a:solidFill>
+                  <a:latin typeface="Consolas" panose="020B0609020204030204" pitchFamily="49" charset="0"/>
+                  <a:cs typeface="Consolas" panose="020B0609020204030204" pitchFamily="49" charset="0"/>
+                </a:rPr>
+                <a:t>"in"</a:t>
+              </a:r>
+              <a:r>
+                <a:rPr lang="en-US" sz="2400" dirty="0">
+                  <a:solidFill>
+                    <a:schemeClr val="accent1"/>
+                  </a:solidFill>
+                  <a:latin typeface="Consolas" panose="020B0609020204030204" pitchFamily="49" charset="0"/>
+                  <a:cs typeface="Consolas" panose="020B0609020204030204" pitchFamily="49" charset="0"/>
+                </a:rPr>
+                <a:t>:</a:t>
+              </a:r>
+              <a:r>
+                <a:rPr lang="en-US" sz="2400" dirty="0">
+                  <a:solidFill>
+                    <a:srgbClr val="CACACA"/>
+                  </a:solidFill>
+                  <a:latin typeface="Consolas" panose="020B0609020204030204" pitchFamily="49" charset="0"/>
+                  <a:cs typeface="Consolas" panose="020B0609020204030204" pitchFamily="49" charset="0"/>
+                </a:rPr>
+                <a:t> </a:t>
+              </a:r>
+              <a:r>
+                <a:rPr lang="en-US" sz="2400" dirty="0">
+                  <a:solidFill>
+                    <a:schemeClr val="accent2"/>
+                  </a:solidFill>
+                  <a:latin typeface="Consolas" panose="020B0609020204030204" pitchFamily="49" charset="0"/>
+                  <a:cs typeface="Consolas" panose="020B0609020204030204" pitchFamily="49" charset="0"/>
+                </a:rPr>
+                <a:t>"header”</a:t>
+              </a:r>
+            </a:p>
+            <a:p>
+              <a:pPr marL="0" indent="0">
+                <a:buNone/>
+              </a:pPr>
+              <a:r>
+                <a:rPr lang="en-US" sz="2400" dirty="0">
+                  <a:solidFill>
+                    <a:schemeClr val="accent1"/>
+                  </a:solidFill>
+                  <a:latin typeface="Consolas" panose="020B0609020204030204" pitchFamily="49" charset="0"/>
+                  <a:cs typeface="Consolas" panose="020B0609020204030204" pitchFamily="49" charset="0"/>
+                </a:rPr>
+                <a:t>         }</a:t>
+              </a:r>
+            </a:p>
+            <a:p>
+              <a:pPr marL="0" indent="0">
+                <a:buNone/>
+              </a:pPr>
+              <a:r>
+                <a:rPr lang="en-US" sz="2400" dirty="0">
+                  <a:solidFill>
+                    <a:schemeClr val="accent1"/>
+                  </a:solidFill>
+                  <a:latin typeface="Consolas" panose="020B0609020204030204" pitchFamily="49" charset="0"/>
+                  <a:cs typeface="Consolas" panose="020B0609020204030204" pitchFamily="49" charset="0"/>
+                </a:rPr>
+                <a:t>     },</a:t>
+              </a:r>
+              <a:endParaRPr lang="en-US" sz="2400" dirty="0"/>
+            </a:p>
+          </p:txBody>
+        </p:sp>
+        <p:sp>
+          <p:nvSpPr>
+            <p:cNvPr id="10" name="TextBox 9">
+              <a:extLst>
+                <a:ext uri="{FF2B5EF4-FFF2-40B4-BE49-F238E27FC236}">
+                  <a16:creationId xmlns:a16="http://schemas.microsoft.com/office/drawing/2014/main" id="{8A1B8ED6-A19B-8DC6-BD6F-502AA74F53BE}"/>
+                </a:ext>
+              </a:extLst>
+            </p:cNvPr>
+            <p:cNvSpPr txBox="1"/>
+            <p:nvPr/>
+          </p:nvSpPr>
+          <p:spPr>
+            <a:xfrm>
+              <a:off x="3467447" y="4295195"/>
+              <a:ext cx="4887883" cy="365356"/>
+            </a:xfrm>
+            <a:prstGeom prst="rect">
+              <a:avLst/>
+            </a:prstGeom>
+            <a:noFill/>
+          </p:spPr>
+          <p:txBody>
+            <a:bodyPr wrap="square">
+              <a:spAutoFit/>
+            </a:bodyPr>
+            <a:lstStyle/>
+            <a:p>
+              <a:pPr marL="0" indent="0" algn="ctr">
+                <a:lnSpc>
+                  <a:spcPct val="70000"/>
+                </a:lnSpc>
+                <a:buNone/>
+              </a:pPr>
+              <a:r>
+                <a:rPr lang="en-US" sz="2400" dirty="0">
+                  <a:solidFill>
+                    <a:schemeClr val="accent5"/>
+                  </a:solidFill>
+                  <a:latin typeface="Consolas" panose="020B0609020204030204" pitchFamily="49" charset="0"/>
+                  <a:cs typeface="Consolas" panose="020B0609020204030204" pitchFamily="49" charset="0"/>
+                </a:rPr>
+                <a:t>"security"</a:t>
+              </a:r>
+              <a:r>
+                <a:rPr lang="en-US" sz="2400" dirty="0">
+                  <a:solidFill>
+                    <a:schemeClr val="accent1"/>
+                  </a:solidFill>
+                  <a:latin typeface="Consolas" panose="020B0609020204030204" pitchFamily="49" charset="0"/>
+                  <a:cs typeface="Consolas" panose="020B0609020204030204" pitchFamily="49" charset="0"/>
+                </a:rPr>
+                <a:t>: [ </a:t>
+              </a:r>
+              <a:r>
+                <a:rPr lang="en-US" sz="2400" dirty="0">
+                  <a:solidFill>
+                    <a:schemeClr val="accent2"/>
+                  </a:solidFill>
+                  <a:latin typeface="Consolas" panose="020B0609020204030204" pitchFamily="49" charset="0"/>
+                  <a:cs typeface="Consolas" panose="020B0609020204030204" pitchFamily="49" charset="0"/>
+                </a:rPr>
+                <a:t>"</a:t>
+              </a:r>
+              <a:r>
+                <a:rPr lang="en-US" sz="2400" dirty="0" err="1">
+                  <a:solidFill>
+                    <a:schemeClr val="accent2"/>
+                  </a:solidFill>
+                  <a:latin typeface="Consolas" panose="020B0609020204030204" pitchFamily="49" charset="0"/>
+                  <a:cs typeface="Consolas" panose="020B0609020204030204" pitchFamily="49" charset="0"/>
+                </a:rPr>
+                <a:t>basic_sc</a:t>
+              </a:r>
+              <a:r>
+                <a:rPr lang="en-US" sz="2400" dirty="0">
+                  <a:solidFill>
+                    <a:schemeClr val="accent2"/>
+                  </a:solidFill>
+                  <a:latin typeface="Consolas" panose="020B0609020204030204" pitchFamily="49" charset="0"/>
+                  <a:cs typeface="Consolas" panose="020B0609020204030204" pitchFamily="49" charset="0"/>
+                </a:rPr>
+                <a:t>"</a:t>
+              </a:r>
+              <a:r>
+                <a:rPr lang="en-US" sz="2400" dirty="0">
+                  <a:solidFill>
+                    <a:srgbClr val="CACACA"/>
+                  </a:solidFill>
+                  <a:latin typeface="Consolas" panose="020B0609020204030204" pitchFamily="49" charset="0"/>
+                  <a:cs typeface="Consolas" panose="020B0609020204030204" pitchFamily="49" charset="0"/>
+                </a:rPr>
+                <a:t> </a:t>
+              </a:r>
+              <a:r>
+                <a:rPr lang="en-US" sz="2400" dirty="0">
+                  <a:solidFill>
+                    <a:schemeClr val="accent1"/>
+                  </a:solidFill>
+                  <a:latin typeface="Consolas" panose="020B0609020204030204" pitchFamily="49" charset="0"/>
+                  <a:cs typeface="Consolas" panose="020B0609020204030204" pitchFamily="49" charset="0"/>
+                </a:rPr>
+                <a:t>]</a:t>
+              </a:r>
+            </a:p>
+          </p:txBody>
+        </p:sp>
+      </p:grpSp>
     </p:spTree>
     <p:extLst>
       <p:ext uri="{BB962C8B-B14F-4D97-AF65-F5344CB8AC3E}">
-        <p14:creationId xmlns:p14="http://schemas.microsoft.com/office/powerpoint/2010/main" val="431550499"/>
+        <p14:creationId xmlns:p14="http://schemas.microsoft.com/office/powerpoint/2010/main" val="2523609544"/>
       </p:ext>
     </p:extLst>
   </p:cSld>
@@ -23243,7 +23153,7 @@
 </p:sld>
 </file>
 
-<file path=ppt/slides/slide25.xml><?xml version="1.0" encoding="utf-8"?>
+<file path=ppt/slides/slide24.xml><?xml version="1.0" encoding="utf-8"?>
 <p:sld xmlns:a="http://schemas.openxmlformats.org/drawingml/2006/main" xmlns:r="http://schemas.openxmlformats.org/officeDocument/2006/relationships" xmlns:p="http://schemas.openxmlformats.org/presentationml/2006/main">
   <p:cSld>
     <p:spTree>
@@ -26255,7 +26165,7 @@
 </p:sld>
 </file>
 
-<file path=ppt/slides/slide26.xml><?xml version="1.0" encoding="utf-8"?>
+<file path=ppt/slides/slide25.xml><?xml version="1.0" encoding="utf-8"?>
 <p:sld xmlns:a="http://schemas.openxmlformats.org/drawingml/2006/main" xmlns:r="http://schemas.openxmlformats.org/officeDocument/2006/relationships" xmlns:p="http://schemas.openxmlformats.org/presentationml/2006/main">
   <p:cSld>
     <p:spTree>
@@ -28747,7 +28657,7 @@
 </p:sld>
 </file>
 
-<file path=ppt/slides/slide27.xml><?xml version="1.0" encoding="utf-8"?>
+<file path=ppt/slides/slide26.xml><?xml version="1.0" encoding="utf-8"?>
 <p:sld xmlns:a="http://schemas.openxmlformats.org/drawingml/2006/main" xmlns:r="http://schemas.openxmlformats.org/officeDocument/2006/relationships" xmlns:p="http://schemas.openxmlformats.org/presentationml/2006/main">
   <p:cSld>
     <p:spTree>
@@ -28922,8 +28832,8 @@
         </p:nvSpPr>
         <p:spPr>
           <a:xfrm>
-            <a:off x="3696498" y="1819882"/>
-            <a:ext cx="3279578" cy="461665"/>
+            <a:off x="3890465" y="1819882"/>
+            <a:ext cx="2233221" cy="461665"/>
           </a:xfrm>
           <a:prstGeom prst="rect">
             <a:avLst/>
@@ -28944,7 +28854,7 @@
                 <a:latin typeface="Consolas" panose="020B0609020204030204" pitchFamily="49" charset="0"/>
                 <a:cs typeface="Consolas" panose="020B0609020204030204" pitchFamily="49" charset="0"/>
               </a:rPr>
-              <a:t>CoffeeOfMyChoice</a:t>
+              <a:t>BrewMyCoffee</a:t>
             </a:r>
             <a:endParaRPr lang="en-GB" sz="2400" b="0" dirty="0">
               <a:solidFill>
@@ -31846,7 +31756,7 @@
 </p:sld>
 </file>
 
-<file path=ppt/slides/slide28.xml><?xml version="1.0" encoding="utf-8"?>
+<file path=ppt/slides/slide27.xml><?xml version="1.0" encoding="utf-8"?>
 <p:sld xmlns:a="http://schemas.openxmlformats.org/drawingml/2006/main" xmlns:r="http://schemas.openxmlformats.org/officeDocument/2006/relationships" xmlns:p="http://schemas.openxmlformats.org/presentationml/2006/main">
   <p:cSld>
     <p:spTree>
@@ -33508,7 +33418,7 @@
 </p:sld>
 </file>
 
-<file path=ppt/slides/slide29.xml><?xml version="1.0" encoding="utf-8"?>
+<file path=ppt/slides/slide28.xml><?xml version="1.0" encoding="utf-8"?>
 <p:sld xmlns:a="http://schemas.openxmlformats.org/drawingml/2006/main" xmlns:r="http://schemas.openxmlformats.org/officeDocument/2006/relationships" xmlns:p="http://schemas.openxmlformats.org/presentationml/2006/main">
   <p:cSld>
     <p:spTree>
@@ -34617,6 +34527,80 @@
 </p:sld>
 </file>
 
+<file path=ppt/slides/slide29.xml><?xml version="1.0" encoding="utf-8"?>
+<p:sld xmlns:a="http://schemas.openxmlformats.org/drawingml/2006/main" xmlns:r="http://schemas.openxmlformats.org/officeDocument/2006/relationships" xmlns:p="http://schemas.openxmlformats.org/presentationml/2006/main">
+  <p:cSld>
+    <p:spTree>
+      <p:nvGrpSpPr>
+        <p:cNvPr id="1" name=""/>
+        <p:cNvGrpSpPr/>
+        <p:nvPr/>
+      </p:nvGrpSpPr>
+      <p:grpSpPr>
+        <a:xfrm>
+          <a:off x="0" y="0"/>
+          <a:ext cx="0" cy="0"/>
+          <a:chOff x="0" y="0"/>
+          <a:chExt cx="0" cy="0"/>
+        </a:xfrm>
+      </p:grpSpPr>
+      <p:pic>
+        <p:nvPicPr>
+          <p:cNvPr id="3" name="Picture 2" descr="A picture containing logo&#10;&#10;Description automatically generated">
+            <a:extLst>
+              <a:ext uri="{FF2B5EF4-FFF2-40B4-BE49-F238E27FC236}">
+                <a16:creationId xmlns:a16="http://schemas.microsoft.com/office/drawing/2014/main" id="{A2901980-5CCF-E04B-EF7A-917044F57AA1}"/>
+              </a:ext>
+            </a:extLst>
+          </p:cNvPr>
+          <p:cNvPicPr>
+            <a:picLocks noChangeAspect="1"/>
+          </p:cNvPicPr>
+          <p:nvPr/>
+        </p:nvPicPr>
+        <p:blipFill>
+          <a:blip r:embed="rId3">
+            <a:extLst>
+              <a:ext uri="{28A0092B-C50C-407E-A947-70E740481C1C}">
+                <a14:useLocalDpi xmlns:a14="http://schemas.microsoft.com/office/drawing/2010/main" val="0"/>
+              </a:ext>
+            </a:extLst>
+          </a:blip>
+          <a:stretch>
+            <a:fillRect/>
+          </a:stretch>
+        </p:blipFill>
+        <p:spPr>
+          <a:xfrm>
+            <a:off x="1180011" y="990600"/>
+            <a:ext cx="9753600" cy="4876800"/>
+          </a:xfrm>
+          <a:prstGeom prst="rect">
+            <a:avLst/>
+          </a:prstGeom>
+        </p:spPr>
+      </p:pic>
+    </p:spTree>
+    <p:extLst>
+      <p:ext uri="{BB962C8B-B14F-4D97-AF65-F5344CB8AC3E}">
+        <p14:creationId xmlns:p14="http://schemas.microsoft.com/office/powerpoint/2010/main" val="408859999"/>
+      </p:ext>
+    </p:extLst>
+  </p:cSld>
+  <p:clrMapOvr>
+    <a:masterClrMapping/>
+  </p:clrMapOvr>
+  <mc:AlternateContent xmlns:mc="http://schemas.openxmlformats.org/markup-compatibility/2006" xmlns:p14="http://schemas.microsoft.com/office/powerpoint/2010/main">
+    <mc:Choice Requires="p14">
+      <p:transition spd="slow" p14:dur="2000" advTm="0"/>
+    </mc:Choice>
+    <mc:Fallback xmlns="">
+      <p:transition spd="slow" advTm="0"/>
+    </mc:Fallback>
+  </mc:AlternateContent>
+</p:sld>
+</file>
+
 <file path=ppt/slides/slide3.xml><?xml version="1.0" encoding="utf-8"?>
 <p:sld xmlns:a="http://schemas.openxmlformats.org/drawingml/2006/main" xmlns:r="http://schemas.openxmlformats.org/officeDocument/2006/relationships" xmlns:p="http://schemas.openxmlformats.org/presentationml/2006/main">
   <p:cSld>
@@ -34733,80 +34717,6 @@
       <p:transition spd="med" advClick="0" advTm="1000">
         <p:fade/>
       </p:transition>
-    </mc:Fallback>
-  </mc:AlternateContent>
-</p:sld>
-</file>
-
-<file path=ppt/slides/slide30.xml><?xml version="1.0" encoding="utf-8"?>
-<p:sld xmlns:a="http://schemas.openxmlformats.org/drawingml/2006/main" xmlns:r="http://schemas.openxmlformats.org/officeDocument/2006/relationships" xmlns:p="http://schemas.openxmlformats.org/presentationml/2006/main">
-  <p:cSld>
-    <p:spTree>
-      <p:nvGrpSpPr>
-        <p:cNvPr id="1" name=""/>
-        <p:cNvGrpSpPr/>
-        <p:nvPr/>
-      </p:nvGrpSpPr>
-      <p:grpSpPr>
-        <a:xfrm>
-          <a:off x="0" y="0"/>
-          <a:ext cx="0" cy="0"/>
-          <a:chOff x="0" y="0"/>
-          <a:chExt cx="0" cy="0"/>
-        </a:xfrm>
-      </p:grpSpPr>
-      <p:pic>
-        <p:nvPicPr>
-          <p:cNvPr id="3" name="Picture 2" descr="A picture containing logo&#10;&#10;Description automatically generated">
-            <a:extLst>
-              <a:ext uri="{FF2B5EF4-FFF2-40B4-BE49-F238E27FC236}">
-                <a16:creationId xmlns:a16="http://schemas.microsoft.com/office/drawing/2014/main" id="{A2901980-5CCF-E04B-EF7A-917044F57AA1}"/>
-              </a:ext>
-            </a:extLst>
-          </p:cNvPr>
-          <p:cNvPicPr>
-            <a:picLocks noChangeAspect="1"/>
-          </p:cNvPicPr>
-          <p:nvPr/>
-        </p:nvPicPr>
-        <p:blipFill>
-          <a:blip r:embed="rId3">
-            <a:extLst>
-              <a:ext uri="{28A0092B-C50C-407E-A947-70E740481C1C}">
-                <a14:useLocalDpi xmlns:a14="http://schemas.microsoft.com/office/drawing/2010/main" val="0"/>
-              </a:ext>
-            </a:extLst>
-          </a:blip>
-          <a:stretch>
-            <a:fillRect/>
-          </a:stretch>
-        </p:blipFill>
-        <p:spPr>
-          <a:xfrm>
-            <a:off x="1180011" y="990600"/>
-            <a:ext cx="9753600" cy="4876800"/>
-          </a:xfrm>
-          <a:prstGeom prst="rect">
-            <a:avLst/>
-          </a:prstGeom>
-        </p:spPr>
-      </p:pic>
-    </p:spTree>
-    <p:extLst>
-      <p:ext uri="{BB962C8B-B14F-4D97-AF65-F5344CB8AC3E}">
-        <p14:creationId xmlns:p14="http://schemas.microsoft.com/office/powerpoint/2010/main" val="408859999"/>
-      </p:ext>
-    </p:extLst>
-  </p:cSld>
-  <p:clrMapOvr>
-    <a:masterClrMapping/>
-  </p:clrMapOvr>
-  <mc:AlternateContent xmlns:mc="http://schemas.openxmlformats.org/markup-compatibility/2006" xmlns:p14="http://schemas.microsoft.com/office/powerpoint/2010/main">
-    <mc:Choice Requires="p14">
-      <p:transition spd="slow" p14:dur="2000" advTm="0"/>
-    </mc:Choice>
-    <mc:Fallback xmlns="">
-      <p:transition spd="slow" advTm="0"/>
     </mc:Fallback>
   </mc:AlternateContent>
 </p:sld>

--- a/Tutorials/whatiswot/13-Thing_Description/13-Thing_Description.pptx
+++ b/Tutorials/whatiswot/13-Thing_Description/13-Thing_Description.pptx
@@ -236,7 +236,7 @@
           <a:p>
             <a:fld id="{FD65C6DA-5C8D-412A-A384-5B74A29C9C75}" type="datetimeFigureOut">
               <a:rPr lang="en-US" smtClean="0"/>
-              <a:t>10/16/23</a:t>
+              <a:t>10/17/23</a:t>
             </a:fld>
             <a:endParaRPr lang="en-US"/>
           </a:p>
@@ -3900,7 +3900,7 @@
           <a:p>
             <a:fld id="{D154F9CB-E3D7-441A-A1FF-5C1CDFA7D5B3}" type="datetimeFigureOut">
               <a:rPr lang="en-US" smtClean="0"/>
-              <a:t>10/16/23</a:t>
+              <a:t>10/17/23</a:t>
             </a:fld>
             <a:endParaRPr lang="en-US"/>
           </a:p>
@@ -4070,7 +4070,7 @@
           <a:p>
             <a:fld id="{D154F9CB-E3D7-441A-A1FF-5C1CDFA7D5B3}" type="datetimeFigureOut">
               <a:rPr lang="en-US" smtClean="0"/>
-              <a:t>10/16/23</a:t>
+              <a:t>10/17/23</a:t>
             </a:fld>
             <a:endParaRPr lang="en-US"/>
           </a:p>
@@ -4250,7 +4250,7 @@
           <a:p>
             <a:fld id="{D154F9CB-E3D7-441A-A1FF-5C1CDFA7D5B3}" type="datetimeFigureOut">
               <a:rPr lang="en-US" smtClean="0"/>
-              <a:t>10/16/23</a:t>
+              <a:t>10/17/23</a:t>
             </a:fld>
             <a:endParaRPr lang="en-US"/>
           </a:p>
@@ -4420,7 +4420,7 @@
           <a:p>
             <a:fld id="{D154F9CB-E3D7-441A-A1FF-5C1CDFA7D5B3}" type="datetimeFigureOut">
               <a:rPr lang="en-US" smtClean="0"/>
-              <a:t>10/16/23</a:t>
+              <a:t>10/17/23</a:t>
             </a:fld>
             <a:endParaRPr lang="en-US"/>
           </a:p>
@@ -4666,7 +4666,7 @@
           <a:p>
             <a:fld id="{D154F9CB-E3D7-441A-A1FF-5C1CDFA7D5B3}" type="datetimeFigureOut">
               <a:rPr lang="en-US" smtClean="0"/>
-              <a:t>10/16/23</a:t>
+              <a:t>10/17/23</a:t>
             </a:fld>
             <a:endParaRPr lang="en-US"/>
           </a:p>
@@ -4898,7 +4898,7 @@
           <a:p>
             <a:fld id="{D154F9CB-E3D7-441A-A1FF-5C1CDFA7D5B3}" type="datetimeFigureOut">
               <a:rPr lang="en-US" smtClean="0"/>
-              <a:t>10/16/23</a:t>
+              <a:t>10/17/23</a:t>
             </a:fld>
             <a:endParaRPr lang="en-US"/>
           </a:p>
@@ -5265,7 +5265,7 @@
           <a:p>
             <a:fld id="{D154F9CB-E3D7-441A-A1FF-5C1CDFA7D5B3}" type="datetimeFigureOut">
               <a:rPr lang="en-US" smtClean="0"/>
-              <a:t>10/16/23</a:t>
+              <a:t>10/17/23</a:t>
             </a:fld>
             <a:endParaRPr lang="en-US"/>
           </a:p>
@@ -5383,7 +5383,7 @@
           <a:p>
             <a:fld id="{D154F9CB-E3D7-441A-A1FF-5C1CDFA7D5B3}" type="datetimeFigureOut">
               <a:rPr lang="en-US" smtClean="0"/>
-              <a:t>10/16/23</a:t>
+              <a:t>10/17/23</a:t>
             </a:fld>
             <a:endParaRPr lang="en-US"/>
           </a:p>
@@ -5478,7 +5478,7 @@
           <a:p>
             <a:fld id="{D154F9CB-E3D7-441A-A1FF-5C1CDFA7D5B3}" type="datetimeFigureOut">
               <a:rPr lang="en-US" smtClean="0"/>
-              <a:t>10/16/23</a:t>
+              <a:t>10/17/23</a:t>
             </a:fld>
             <a:endParaRPr lang="en-US"/>
           </a:p>
@@ -5755,7 +5755,7 @@
           <a:p>
             <a:fld id="{D154F9CB-E3D7-441A-A1FF-5C1CDFA7D5B3}" type="datetimeFigureOut">
               <a:rPr lang="en-US" smtClean="0"/>
-              <a:t>10/16/23</a:t>
+              <a:t>10/17/23</a:t>
             </a:fld>
             <a:endParaRPr lang="en-US"/>
           </a:p>
@@ -6011,7 +6011,7 @@
           <a:p>
             <a:fld id="{D154F9CB-E3D7-441A-A1FF-5C1CDFA7D5B3}" type="datetimeFigureOut">
               <a:rPr lang="en-US" smtClean="0"/>
-              <a:t>10/16/23</a:t>
+              <a:t>10/17/23</a:t>
             </a:fld>
             <a:endParaRPr lang="en-US"/>
           </a:p>
@@ -6229,7 +6229,7 @@
           <a:p>
             <a:fld id="{D154F9CB-E3D7-441A-A1FF-5C1CDFA7D5B3}" type="datetimeFigureOut">
               <a:rPr lang="en-US" smtClean="0"/>
-              <a:t>10/16/23</a:t>
+              <a:t>10/17/23</a:t>
             </a:fld>
             <a:endParaRPr lang="en-US"/>
           </a:p>
@@ -10602,6 +10602,59 @@
                                         <p:cTn id="59" dur="500"/>
                                         <p:tgtEl>
                                           <p:spTgt spid="17"/>
+                                        </p:tgtEl>
+                                      </p:cBhvr>
+                                    </p:animEffect>
+                                  </p:childTnLst>
+                                </p:cTn>
+                              </p:par>
+                            </p:childTnLst>
+                          </p:cTn>
+                        </p:par>
+                      </p:childTnLst>
+                    </p:cTn>
+                  </p:par>
+                  <p:par>
+                    <p:cTn id="60" fill="hold">
+                      <p:stCondLst>
+                        <p:cond delay="indefinite"/>
+                      </p:stCondLst>
+                      <p:childTnLst>
+                        <p:par>
+                          <p:cTn id="61" fill="hold">
+                            <p:stCondLst>
+                              <p:cond delay="0"/>
+                            </p:stCondLst>
+                            <p:childTnLst>
+                              <p:par>
+                                <p:cTn id="62" presetID="22" presetClass="entr" presetSubtype="8" fill="hold" nodeType="clickEffect">
+                                  <p:stCondLst>
+                                    <p:cond delay="0"/>
+                                  </p:stCondLst>
+                                  <p:childTnLst>
+                                    <p:set>
+                                      <p:cBhvr>
+                                        <p:cTn id="63" dur="1" fill="hold">
+                                          <p:stCondLst>
+                                            <p:cond delay="0"/>
+                                          </p:stCondLst>
+                                        </p:cTn>
+                                        <p:tgtEl>
+                                          <p:spTgt spid="3"/>
+                                        </p:tgtEl>
+                                        <p:attrNameLst>
+                                          <p:attrName>style.visibility</p:attrName>
+                                        </p:attrNameLst>
+                                      </p:cBhvr>
+                                      <p:to>
+                                        <p:strVal val="visible"/>
+                                      </p:to>
+                                    </p:set>
+                                    <p:animEffect transition="in" filter="wipe(left)">
+                                      <p:cBhvr>
+                                        <p:cTn id="64" dur="500"/>
+                                        <p:tgtEl>
+                                          <p:spTgt spid="3"/>
                                         </p:tgtEl>
                                       </p:cBhvr>
                                     </p:animEffect>
@@ -18844,10 +18897,20 @@
                 <a:latin typeface="Consolas" panose="020B0609020204030204" pitchFamily="49" charset="0"/>
                 <a:cs typeface="Consolas" panose="020B0609020204030204" pitchFamily="49" charset="0"/>
               </a:rPr>
-              <a:t>"urn:uuid:0804d572-cce8-422a-bb7c-4412fcd56f06"</a:t>
+              <a:t>"urn:uuid:0804d572-cce8-422a-bb7c-4412fcd56f06</a:t>
             </a:r>
             <a:r>
-              <a:rPr lang="en-US" sz="1600" dirty="0">
+              <a:rPr lang="en-US" sz="1600">
+                <a:solidFill>
+                  <a:schemeClr val="accent2"/>
+                </a:solidFill>
+                <a:latin typeface="Consolas" panose="020B0609020204030204" pitchFamily="49" charset="0"/>
+                <a:cs typeface="Consolas" panose="020B0609020204030204" pitchFamily="49" charset="0"/>
+              </a:rPr>
+              <a:t>"</a:t>
+            </a:r>
+            <a:r>
+              <a:rPr lang="en-US" sz="1600">
                 <a:solidFill>
                   <a:schemeClr val="accent1"/>
                 </a:solidFill>
@@ -18857,7 +18920,7 @@
               <a:t>,</a:t>
             </a:r>
             <a:r>
-              <a:rPr lang="en-US" sz="1600" dirty="0">
+              <a:rPr lang="en-US" sz="1600">
                 <a:solidFill>
                   <a:srgbClr val="CACACA"/>
                 </a:solidFill>
@@ -18866,16 +18929,13 @@
               </a:rPr>
               <a:t> </a:t>
             </a:r>
-            <a:r>
-              <a:rPr lang="en-US" sz="1600" dirty="0">
-                <a:solidFill>
-                  <a:srgbClr val="FF0000"/>
-                </a:solidFill>
-                <a:latin typeface="Consolas" panose="020B0609020204030204" pitchFamily="49" charset="0"/>
-                <a:cs typeface="Consolas" panose="020B0609020204030204" pitchFamily="49" charset="0"/>
-              </a:rPr>
-              <a:t>//ask about this</a:t>
-            </a:r>
+            <a:endParaRPr lang="en-US" sz="1600" dirty="0">
+              <a:solidFill>
+                <a:srgbClr val="FF0000"/>
+              </a:solidFill>
+              <a:latin typeface="Consolas" panose="020B0609020204030204" pitchFamily="49" charset="0"/>
+              <a:cs typeface="Consolas" panose="020B0609020204030204" pitchFamily="49" charset="0"/>
+            </a:endParaRPr>
           </a:p>
           <a:p>
             <a:pPr marL="0" indent="0">
@@ -19583,7 +19643,7 @@
         </p:nvSpPr>
         <p:spPr>
           <a:xfrm>
-            <a:off x="1467195" y="3225338"/>
+            <a:off x="1467196" y="3225339"/>
             <a:ext cx="9257609" cy="407323"/>
           </a:xfrm>
         </p:spPr>
@@ -29923,7 +29983,7 @@
         </p:nvGrpSpPr>
         <p:grpSpPr>
           <a:xfrm>
-            <a:off x="5785662" y="3625184"/>
+            <a:off x="5788050" y="3655033"/>
             <a:ext cx="478116" cy="211758"/>
             <a:chOff x="5965542" y="3625184"/>
             <a:chExt cx="478116" cy="211758"/>

--- a/Tutorials/whatiswot/13-Thing_Description/13-Thing_Description.pptx
+++ b/Tutorials/whatiswot/13-Thing_Description/13-Thing_Description.pptx
@@ -236,7 +236,7 @@
           <a:p>
             <a:fld id="{FD65C6DA-5C8D-412A-A384-5B74A29C9C75}" type="datetimeFigureOut">
               <a:rPr lang="en-US" smtClean="0"/>
-              <a:t>10/17/23</a:t>
+              <a:t>10/27/23</a:t>
             </a:fld>
             <a:endParaRPr lang="en-US"/>
           </a:p>
@@ -2243,7 +2243,7 @@
                 <a:latin typeface="Consolas" panose="020B0609020204030204" pitchFamily="49" charset="0"/>
                 <a:cs typeface="Consolas" panose="020B0609020204030204" pitchFamily="49" charset="0"/>
               </a:rPr>
-              <a:t>BrewMyCoffee</a:t>
+              <a:t>BrewCoffee</a:t>
             </a:r>
             <a:r>
               <a:rPr lang="en-US" sz="1200" dirty="0">
@@ -3900,7 +3900,7 @@
           <a:p>
             <a:fld id="{D154F9CB-E3D7-441A-A1FF-5C1CDFA7D5B3}" type="datetimeFigureOut">
               <a:rPr lang="en-US" smtClean="0"/>
-              <a:t>10/17/23</a:t>
+              <a:t>10/27/23</a:t>
             </a:fld>
             <a:endParaRPr lang="en-US"/>
           </a:p>
@@ -4070,7 +4070,7 @@
           <a:p>
             <a:fld id="{D154F9CB-E3D7-441A-A1FF-5C1CDFA7D5B3}" type="datetimeFigureOut">
               <a:rPr lang="en-US" smtClean="0"/>
-              <a:t>10/17/23</a:t>
+              <a:t>10/27/23</a:t>
             </a:fld>
             <a:endParaRPr lang="en-US"/>
           </a:p>
@@ -4250,7 +4250,7 @@
           <a:p>
             <a:fld id="{D154F9CB-E3D7-441A-A1FF-5C1CDFA7D5B3}" type="datetimeFigureOut">
               <a:rPr lang="en-US" smtClean="0"/>
-              <a:t>10/17/23</a:t>
+              <a:t>10/27/23</a:t>
             </a:fld>
             <a:endParaRPr lang="en-US"/>
           </a:p>
@@ -4420,7 +4420,7 @@
           <a:p>
             <a:fld id="{D154F9CB-E3D7-441A-A1FF-5C1CDFA7D5B3}" type="datetimeFigureOut">
               <a:rPr lang="en-US" smtClean="0"/>
-              <a:t>10/17/23</a:t>
+              <a:t>10/27/23</a:t>
             </a:fld>
             <a:endParaRPr lang="en-US"/>
           </a:p>
@@ -4666,7 +4666,7 @@
           <a:p>
             <a:fld id="{D154F9CB-E3D7-441A-A1FF-5C1CDFA7D5B3}" type="datetimeFigureOut">
               <a:rPr lang="en-US" smtClean="0"/>
-              <a:t>10/17/23</a:t>
+              <a:t>10/27/23</a:t>
             </a:fld>
             <a:endParaRPr lang="en-US"/>
           </a:p>
@@ -4898,7 +4898,7 @@
           <a:p>
             <a:fld id="{D154F9CB-E3D7-441A-A1FF-5C1CDFA7D5B3}" type="datetimeFigureOut">
               <a:rPr lang="en-US" smtClean="0"/>
-              <a:t>10/17/23</a:t>
+              <a:t>10/27/23</a:t>
             </a:fld>
             <a:endParaRPr lang="en-US"/>
           </a:p>
@@ -5265,7 +5265,7 @@
           <a:p>
             <a:fld id="{D154F9CB-E3D7-441A-A1FF-5C1CDFA7D5B3}" type="datetimeFigureOut">
               <a:rPr lang="en-US" smtClean="0"/>
-              <a:t>10/17/23</a:t>
+              <a:t>10/27/23</a:t>
             </a:fld>
             <a:endParaRPr lang="en-US"/>
           </a:p>
@@ -5383,7 +5383,7 @@
           <a:p>
             <a:fld id="{D154F9CB-E3D7-441A-A1FF-5C1CDFA7D5B3}" type="datetimeFigureOut">
               <a:rPr lang="en-US" smtClean="0"/>
-              <a:t>10/17/23</a:t>
+              <a:t>10/27/23</a:t>
             </a:fld>
             <a:endParaRPr lang="en-US"/>
           </a:p>
@@ -5478,7 +5478,7 @@
           <a:p>
             <a:fld id="{D154F9CB-E3D7-441A-A1FF-5C1CDFA7D5B3}" type="datetimeFigureOut">
               <a:rPr lang="en-US" smtClean="0"/>
-              <a:t>10/17/23</a:t>
+              <a:t>10/27/23</a:t>
             </a:fld>
             <a:endParaRPr lang="en-US"/>
           </a:p>
@@ -5755,7 +5755,7 @@
           <a:p>
             <a:fld id="{D154F9CB-E3D7-441A-A1FF-5C1CDFA7D5B3}" type="datetimeFigureOut">
               <a:rPr lang="en-US" smtClean="0"/>
-              <a:t>10/17/23</a:t>
+              <a:t>10/27/23</a:t>
             </a:fld>
             <a:endParaRPr lang="en-US"/>
           </a:p>
@@ -6011,7 +6011,7 @@
           <a:p>
             <a:fld id="{D154F9CB-E3D7-441A-A1FF-5C1CDFA7D5B3}" type="datetimeFigureOut">
               <a:rPr lang="en-US" smtClean="0"/>
-              <a:t>10/17/23</a:t>
+              <a:t>10/27/23</a:t>
             </a:fld>
             <a:endParaRPr lang="en-US"/>
           </a:p>
@@ -6229,7 +6229,7 @@
           <a:p>
             <a:fld id="{D154F9CB-E3D7-441A-A1FF-5C1CDFA7D5B3}" type="datetimeFigureOut">
               <a:rPr lang="en-US" smtClean="0"/>
-              <a:t>10/17/23</a:t>
+              <a:t>10/27/23</a:t>
             </a:fld>
             <a:endParaRPr lang="en-US"/>
           </a:p>
@@ -27294,8 +27294,8 @@
         </p:nvSpPr>
         <p:spPr>
           <a:xfrm>
-            <a:off x="6687430" y="2120181"/>
-            <a:ext cx="1708424" cy="461665"/>
+            <a:off x="6687429" y="2120181"/>
+            <a:ext cx="1866635" cy="461665"/>
           </a:xfrm>
           <a:prstGeom prst="rect">
             <a:avLst/>
@@ -27316,7 +27316,7 @@
                 <a:latin typeface="Consolas" panose="020B0609020204030204" pitchFamily="49" charset="0"/>
                 <a:cs typeface="Consolas" panose="020B0609020204030204" pitchFamily="49" charset="0"/>
               </a:rPr>
-              <a:t>WaterLeft</a:t>
+              <a:t>WaterLevel</a:t>
             </a:r>
             <a:endParaRPr lang="en-GB" sz="2400" b="0" dirty="0">
               <a:solidFill>
@@ -27342,8 +27342,8 @@
         </p:nvSpPr>
         <p:spPr>
           <a:xfrm>
-            <a:off x="9470167" y="2120181"/>
-            <a:ext cx="1567334" cy="461665"/>
+            <a:off x="9470166" y="2120181"/>
+            <a:ext cx="1708423" cy="461665"/>
           </a:xfrm>
           <a:prstGeom prst="rect">
             <a:avLst/>
@@ -27375,7 +27375,7 @@
                 <a:latin typeface="Consolas" panose="020B0609020204030204" pitchFamily="49" charset="0"/>
                 <a:cs typeface="Consolas" panose="020B0609020204030204" pitchFamily="49" charset="0"/>
               </a:rPr>
-              <a:t>eanLeft</a:t>
+              <a:t>eanLevel</a:t>
             </a:r>
             <a:endParaRPr lang="en-GB" sz="2400" b="0" dirty="0">
               <a:solidFill>
@@ -28914,7 +28914,7 @@
                 <a:latin typeface="Consolas" panose="020B0609020204030204" pitchFamily="49" charset="0"/>
                 <a:cs typeface="Consolas" panose="020B0609020204030204" pitchFamily="49" charset="0"/>
               </a:rPr>
-              <a:t>BrewMyCoffee</a:t>
+              <a:t>BrewCoffee</a:t>
             </a:r>
             <a:endParaRPr lang="en-GB" sz="2400" b="0" dirty="0">
               <a:solidFill>

--- a/Tutorials/whatiswot/13-Thing_Description/13-Thing_Description.pptx
+++ b/Tutorials/whatiswot/13-Thing_Description/13-Thing_Description.pptx
@@ -5,33 +5,34 @@
     <p:sldMasterId id="2147483660" r:id="rId1"/>
   </p:sldMasterIdLst>
   <p:notesMasterIdLst>
-    <p:notesMasterId r:id="rId26"/>
+    <p:notesMasterId r:id="rId27"/>
   </p:notesMasterIdLst>
   <p:sldIdLst>
     <p:sldId id="355" r:id="rId2"/>
-    <p:sldId id="370" r:id="rId3"/>
+    <p:sldId id="428" r:id="rId3"/>
     <p:sldId id="371" r:id="rId4"/>
     <p:sldId id="372" r:id="rId5"/>
     <p:sldId id="374" r:id="rId6"/>
     <p:sldId id="375" r:id="rId7"/>
-    <p:sldId id="402" r:id="rId8"/>
-    <p:sldId id="403" r:id="rId9"/>
-    <p:sldId id="404" r:id="rId10"/>
-    <p:sldId id="405" r:id="rId11"/>
-    <p:sldId id="416" r:id="rId12"/>
-    <p:sldId id="424" r:id="rId13"/>
-    <p:sldId id="417" r:id="rId14"/>
-    <p:sldId id="418" r:id="rId15"/>
-    <p:sldId id="419" r:id="rId16"/>
-    <p:sldId id="420" r:id="rId17"/>
-    <p:sldId id="421" r:id="rId18"/>
-    <p:sldId id="422" r:id="rId19"/>
-    <p:sldId id="423" r:id="rId20"/>
-    <p:sldId id="415" r:id="rId21"/>
-    <p:sldId id="383" r:id="rId22"/>
-    <p:sldId id="425" r:id="rId23"/>
-    <p:sldId id="426" r:id="rId24"/>
-    <p:sldId id="276" r:id="rId25"/>
+    <p:sldId id="427" r:id="rId8"/>
+    <p:sldId id="402" r:id="rId9"/>
+    <p:sldId id="403" r:id="rId10"/>
+    <p:sldId id="404" r:id="rId11"/>
+    <p:sldId id="405" r:id="rId12"/>
+    <p:sldId id="416" r:id="rId13"/>
+    <p:sldId id="424" r:id="rId14"/>
+    <p:sldId id="417" r:id="rId15"/>
+    <p:sldId id="418" r:id="rId16"/>
+    <p:sldId id="419" r:id="rId17"/>
+    <p:sldId id="420" r:id="rId18"/>
+    <p:sldId id="421" r:id="rId19"/>
+    <p:sldId id="422" r:id="rId20"/>
+    <p:sldId id="423" r:id="rId21"/>
+    <p:sldId id="415" r:id="rId22"/>
+    <p:sldId id="383" r:id="rId23"/>
+    <p:sldId id="425" r:id="rId24"/>
+    <p:sldId id="426" r:id="rId25"/>
+    <p:sldId id="276" r:id="rId26"/>
   </p:sldIdLst>
   <p:sldSz cx="12192000" cy="6858000"/>
   <p:notesSz cx="6858000" cy="9144000"/>
@@ -231,7 +232,7 @@
           <a:p>
             <a:fld id="{FD65C6DA-5C8D-412A-A384-5B74A29C9C75}" type="datetimeFigureOut">
               <a:rPr lang="en-US" smtClean="0"/>
-              <a:t>5/12/2025</a:t>
+              <a:t>5/28/2025</a:t>
             </a:fld>
             <a:endParaRPr lang="en-US"/>
           </a:p>
@@ -601,6 +602,128 @@
   <p:cSld>
     <p:spTree>
       <p:nvGrpSpPr>
+        <p:cNvPr id="1" name="">
+          <a:extLst>
+            <a:ext uri="{FF2B5EF4-FFF2-40B4-BE49-F238E27FC236}">
+              <a16:creationId xmlns:a16="http://schemas.microsoft.com/office/drawing/2014/main" id="{064015F6-9FAE-6FB3-8C04-55B690F997DD}"/>
+            </a:ext>
+          </a:extLst>
+        </p:cNvPr>
+        <p:cNvGrpSpPr/>
+        <p:nvPr/>
+      </p:nvGrpSpPr>
+      <p:grpSpPr>
+        <a:xfrm>
+          <a:off x="0" y="0"/>
+          <a:ext cx="0" cy="0"/>
+          <a:chOff x="0" y="0"/>
+          <a:chExt cx="0" cy="0"/>
+        </a:xfrm>
+      </p:grpSpPr>
+      <p:sp>
+        <p:nvSpPr>
+          <p:cNvPr id="2" name="Slide Image Placeholder 1">
+            <a:extLst>
+              <a:ext uri="{FF2B5EF4-FFF2-40B4-BE49-F238E27FC236}">
+                <a16:creationId xmlns:a16="http://schemas.microsoft.com/office/drawing/2014/main" id="{75B35D95-0CCC-93DE-6A3D-BC177619CC78}"/>
+              </a:ext>
+            </a:extLst>
+          </p:cNvPr>
+          <p:cNvSpPr>
+            <a:spLocks noGrp="1" noRot="1" noChangeAspect="1"/>
+          </p:cNvSpPr>
+          <p:nvPr>
+            <p:ph type="sldImg"/>
+          </p:nvPr>
+        </p:nvSpPr>
+        <p:spPr/>
+      </p:sp>
+      <p:sp>
+        <p:nvSpPr>
+          <p:cNvPr id="3" name="Notes Placeholder 2">
+            <a:extLst>
+              <a:ext uri="{FF2B5EF4-FFF2-40B4-BE49-F238E27FC236}">
+                <a16:creationId xmlns:a16="http://schemas.microsoft.com/office/drawing/2014/main" id="{8574678D-B6A8-530F-ABFF-00780A02DDBF}"/>
+              </a:ext>
+            </a:extLst>
+          </p:cNvPr>
+          <p:cNvSpPr>
+            <a:spLocks noGrp="1"/>
+          </p:cNvSpPr>
+          <p:nvPr>
+            <p:ph type="body" idx="1"/>
+          </p:nvPr>
+        </p:nvSpPr>
+        <p:spPr/>
+        <p:txBody>
+          <a:bodyPr/>
+          <a:lstStyle/>
+          <a:p>
+            <a:pPr>
+              <a:lnSpc>
+                <a:spcPts val="1425"/>
+              </a:lnSpc>
+            </a:pPr>
+            <a:r>
+              <a:rPr lang="en-US" b="0" dirty="0">
+                <a:solidFill>
+                  <a:srgbClr val="CCCCCC"/>
+                </a:solidFill>
+                <a:effectLst/>
+                <a:latin typeface="Consolas" panose="020B0609020204030204" pitchFamily="49" charset="0"/>
+              </a:rPr>
+              <a:t>To understand this better, let's take a look at a simple example — a smart coffee machine — and break down the components in its Thing Description:</a:t>
+            </a:r>
+          </a:p>
+        </p:txBody>
+      </p:sp>
+      <p:sp>
+        <p:nvSpPr>
+          <p:cNvPr id="4" name="Slide Number Placeholder 3">
+            <a:extLst>
+              <a:ext uri="{FF2B5EF4-FFF2-40B4-BE49-F238E27FC236}">
+                <a16:creationId xmlns:a16="http://schemas.microsoft.com/office/drawing/2014/main" id="{65ABDFCC-FAC2-99FC-0A43-27DD573DAD39}"/>
+              </a:ext>
+            </a:extLst>
+          </p:cNvPr>
+          <p:cNvSpPr>
+            <a:spLocks noGrp="1"/>
+          </p:cNvSpPr>
+          <p:nvPr>
+            <p:ph type="sldNum" sz="quarter" idx="5"/>
+          </p:nvPr>
+        </p:nvSpPr>
+        <p:spPr/>
+        <p:txBody>
+          <a:bodyPr/>
+          <a:lstStyle/>
+          <a:p>
+            <a:fld id="{F02165D8-144D-4958-A83E-0D86045592C5}" type="slidenum">
+              <a:rPr lang="en-US" smtClean="0"/>
+              <a:t>10</a:t>
+            </a:fld>
+            <a:endParaRPr lang="en-US"/>
+          </a:p>
+        </p:txBody>
+      </p:sp>
+    </p:spTree>
+    <p:extLst>
+      <p:ext uri="{BB962C8B-B14F-4D97-AF65-F5344CB8AC3E}">
+        <p14:creationId xmlns:p14="http://schemas.microsoft.com/office/powerpoint/2010/main" val="681630337"/>
+      </p:ext>
+    </p:extLst>
+  </p:cSld>
+  <p:clrMapOvr>
+    <a:masterClrMapping/>
+  </p:clrMapOvr>
+</p:notes>
+</file>
+
+<file path=ppt/notesSlides/notesSlide11.xml><?xml version="1.0" encoding="utf-8"?>
+<p:notes xmlns:a="http://schemas.openxmlformats.org/drawingml/2006/main" xmlns:r="http://schemas.openxmlformats.org/officeDocument/2006/relationships" xmlns:p="http://schemas.openxmlformats.org/presentationml/2006/main">
+  <p:cSld>
+    <p:spTree>
+      <p:nvGrpSpPr>
         <p:cNvPr id="1" name=""/>
         <p:cNvGrpSpPr/>
         <p:nvPr/>
@@ -671,7 +794,7 @@
           <a:p>
             <a:fld id="{F02165D8-144D-4958-A83E-0D86045592C5}" type="slidenum">
               <a:rPr lang="en-US" smtClean="0"/>
-              <a:t>10</a:t>
+              <a:t>11</a:t>
             </a:fld>
             <a:endParaRPr lang="en-US"/>
           </a:p>
@@ -690,7 +813,7 @@
 </p:notes>
 </file>
 
-<file path=ppt/notesSlides/notesSlide11.xml><?xml version="1.0" encoding="utf-8"?>
+<file path=ppt/notesSlides/notesSlide12.xml><?xml version="1.0" encoding="utf-8"?>
 <p:notes xmlns:a="http://schemas.openxmlformats.org/drawingml/2006/main" xmlns:r="http://schemas.openxmlformats.org/officeDocument/2006/relationships" xmlns:p="http://schemas.openxmlformats.org/presentationml/2006/main">
   <p:cSld>
     <p:spTree>
@@ -793,7 +916,7 @@
           <a:p>
             <a:fld id="{F02165D8-144D-4958-A83E-0D86045592C5}" type="slidenum">
               <a:rPr lang="en-US" smtClean="0"/>
-              <a:t>11</a:t>
+              <a:t>12</a:t>
             </a:fld>
             <a:endParaRPr lang="en-US"/>
           </a:p>
@@ -812,7 +935,7 @@
 </p:notes>
 </file>
 
-<file path=ppt/notesSlides/notesSlide12.xml><?xml version="1.0" encoding="utf-8"?>
+<file path=ppt/notesSlides/notesSlide13.xml><?xml version="1.0" encoding="utf-8"?>
 <p:notes xmlns:a="http://schemas.openxmlformats.org/drawingml/2006/main" xmlns:r="http://schemas.openxmlformats.org/officeDocument/2006/relationships" xmlns:p="http://schemas.openxmlformats.org/presentationml/2006/main">
   <p:cSld>
     <p:spTree>
@@ -1035,7 +1158,7 @@
           <a:p>
             <a:fld id="{F02165D8-144D-4958-A83E-0D86045592C5}" type="slidenum">
               <a:rPr lang="en-US" smtClean="0"/>
-              <a:t>12</a:t>
+              <a:t>13</a:t>
             </a:fld>
             <a:endParaRPr lang="en-US"/>
           </a:p>
@@ -1054,7 +1177,7 @@
 </p:notes>
 </file>
 
-<file path=ppt/notesSlides/notesSlide13.xml><?xml version="1.0" encoding="utf-8"?>
+<file path=ppt/notesSlides/notesSlide14.xml><?xml version="1.0" encoding="utf-8"?>
 <p:notes xmlns:a="http://schemas.openxmlformats.org/drawingml/2006/main" xmlns:r="http://schemas.openxmlformats.org/officeDocument/2006/relationships" xmlns:p="http://schemas.openxmlformats.org/presentationml/2006/main">
   <p:cSld>
     <p:spTree>
@@ -1277,7 +1400,7 @@
           <a:p>
             <a:fld id="{F02165D8-144D-4958-A83E-0D86045592C5}" type="slidenum">
               <a:rPr lang="en-US" smtClean="0"/>
-              <a:t>13</a:t>
+              <a:t>14</a:t>
             </a:fld>
             <a:endParaRPr lang="en-US"/>
           </a:p>
@@ -1296,7 +1419,7 @@
 </p:notes>
 </file>
 
-<file path=ppt/notesSlides/notesSlide14.xml><?xml version="1.0" encoding="utf-8"?>
+<file path=ppt/notesSlides/notesSlide15.xml><?xml version="1.0" encoding="utf-8"?>
 <p:notes xmlns:a="http://schemas.openxmlformats.org/drawingml/2006/main" xmlns:r="http://schemas.openxmlformats.org/officeDocument/2006/relationships" xmlns:p="http://schemas.openxmlformats.org/presentationml/2006/main">
   <p:cSld>
     <p:spTree>
@@ -1399,7 +1522,7 @@
           <a:p>
             <a:fld id="{F02165D8-144D-4958-A83E-0D86045592C5}" type="slidenum">
               <a:rPr lang="en-US" smtClean="0"/>
-              <a:t>14</a:t>
+              <a:t>15</a:t>
             </a:fld>
             <a:endParaRPr lang="en-US"/>
           </a:p>
@@ -1418,7 +1541,7 @@
 </p:notes>
 </file>
 
-<file path=ppt/notesSlides/notesSlide15.xml><?xml version="1.0" encoding="utf-8"?>
+<file path=ppt/notesSlides/notesSlide16.xml><?xml version="1.0" encoding="utf-8"?>
 <p:notes xmlns:a="http://schemas.openxmlformats.org/drawingml/2006/main" xmlns:r="http://schemas.openxmlformats.org/officeDocument/2006/relationships" xmlns:p="http://schemas.openxmlformats.org/presentationml/2006/main">
   <p:cSld>
     <p:spTree>
@@ -1521,7 +1644,7 @@
           <a:p>
             <a:fld id="{F02165D8-144D-4958-A83E-0D86045592C5}" type="slidenum">
               <a:rPr lang="en-US" smtClean="0"/>
-              <a:t>15</a:t>
+              <a:t>16</a:t>
             </a:fld>
             <a:endParaRPr lang="en-US"/>
           </a:p>
@@ -1540,7 +1663,7 @@
 </p:notes>
 </file>
 
-<file path=ppt/notesSlides/notesSlide16.xml><?xml version="1.0" encoding="utf-8"?>
+<file path=ppt/notesSlides/notesSlide17.xml><?xml version="1.0" encoding="utf-8"?>
 <p:notes xmlns:a="http://schemas.openxmlformats.org/drawingml/2006/main" xmlns:r="http://schemas.openxmlformats.org/officeDocument/2006/relationships" xmlns:p="http://schemas.openxmlformats.org/presentationml/2006/main">
   <p:cSld>
     <p:spTree>
@@ -1663,7 +1786,7 @@
           <a:p>
             <a:fld id="{F02165D8-144D-4958-A83E-0D86045592C5}" type="slidenum">
               <a:rPr lang="en-US" smtClean="0"/>
-              <a:t>16</a:t>
+              <a:t>17</a:t>
             </a:fld>
             <a:endParaRPr lang="en-US"/>
           </a:p>
@@ -1682,7 +1805,7 @@
 </p:notes>
 </file>
 
-<file path=ppt/notesSlides/notesSlide17.xml><?xml version="1.0" encoding="utf-8"?>
+<file path=ppt/notesSlides/notesSlide18.xml><?xml version="1.0" encoding="utf-8"?>
 <p:notes xmlns:a="http://schemas.openxmlformats.org/drawingml/2006/main" xmlns:r="http://schemas.openxmlformats.org/officeDocument/2006/relationships" xmlns:p="http://schemas.openxmlformats.org/presentationml/2006/main">
   <p:cSld>
     <p:spTree>
@@ -1805,7 +1928,7 @@
           <a:p>
             <a:fld id="{F02165D8-144D-4958-A83E-0D86045592C5}" type="slidenum">
               <a:rPr lang="en-US" smtClean="0"/>
-              <a:t>17</a:t>
+              <a:t>18</a:t>
             </a:fld>
             <a:endParaRPr lang="en-US"/>
           </a:p>
@@ -1824,7 +1947,7 @@
 </p:notes>
 </file>
 
-<file path=ppt/notesSlides/notesSlide18.xml><?xml version="1.0" encoding="utf-8"?>
+<file path=ppt/notesSlides/notesSlide19.xml><?xml version="1.0" encoding="utf-8"?>
 <p:notes xmlns:a="http://schemas.openxmlformats.org/drawingml/2006/main" xmlns:r="http://schemas.openxmlformats.org/officeDocument/2006/relationships" xmlns:p="http://schemas.openxmlformats.org/presentationml/2006/main">
   <p:cSld>
     <p:spTree>
@@ -1927,7 +2050,7 @@
           <a:p>
             <a:fld id="{F02165D8-144D-4958-A83E-0D86045592C5}" type="slidenum">
               <a:rPr lang="en-US" smtClean="0"/>
-              <a:t>18</a:t>
+              <a:t>19</a:t>
             </a:fld>
             <a:endParaRPr lang="en-US"/>
           </a:p>
@@ -1946,7 +2069,189 @@
 </p:notes>
 </file>
 
-<file path=ppt/notesSlides/notesSlide19.xml><?xml version="1.0" encoding="utf-8"?>
+<file path=ppt/notesSlides/notesSlide2.xml><?xml version="1.0" encoding="utf-8"?>
+<p:notes xmlns:a="http://schemas.openxmlformats.org/drawingml/2006/main" xmlns:r="http://schemas.openxmlformats.org/officeDocument/2006/relationships" xmlns:p="http://schemas.openxmlformats.org/presentationml/2006/main">
+  <p:cSld>
+    <p:spTree>
+      <p:nvGrpSpPr>
+        <p:cNvPr id="1" name="">
+          <a:extLst>
+            <a:ext uri="{FF2B5EF4-FFF2-40B4-BE49-F238E27FC236}">
+              <a16:creationId xmlns:a16="http://schemas.microsoft.com/office/drawing/2014/main" id="{C0DB994B-7DED-F0D1-F43D-80D3D82815DA}"/>
+            </a:ext>
+          </a:extLst>
+        </p:cNvPr>
+        <p:cNvGrpSpPr/>
+        <p:nvPr/>
+      </p:nvGrpSpPr>
+      <p:grpSpPr>
+        <a:xfrm>
+          <a:off x="0" y="0"/>
+          <a:ext cx="0" cy="0"/>
+          <a:chOff x="0" y="0"/>
+          <a:chExt cx="0" cy="0"/>
+        </a:xfrm>
+      </p:grpSpPr>
+      <p:sp>
+        <p:nvSpPr>
+          <p:cNvPr id="2" name="Slide Image Placeholder 1">
+            <a:extLst>
+              <a:ext uri="{FF2B5EF4-FFF2-40B4-BE49-F238E27FC236}">
+                <a16:creationId xmlns:a16="http://schemas.microsoft.com/office/drawing/2014/main" id="{00C8F589-4FA2-2561-94DB-E546D81C531F}"/>
+              </a:ext>
+            </a:extLst>
+          </p:cNvPr>
+          <p:cNvSpPr>
+            <a:spLocks noGrp="1" noRot="1" noChangeAspect="1"/>
+          </p:cNvSpPr>
+          <p:nvPr>
+            <p:ph type="sldImg"/>
+          </p:nvPr>
+        </p:nvSpPr>
+        <p:spPr/>
+      </p:sp>
+      <p:sp>
+        <p:nvSpPr>
+          <p:cNvPr id="3" name="Notes Placeholder 2">
+            <a:extLst>
+              <a:ext uri="{FF2B5EF4-FFF2-40B4-BE49-F238E27FC236}">
+                <a16:creationId xmlns:a16="http://schemas.microsoft.com/office/drawing/2014/main" id="{FD03066E-FA1F-4C8D-06FC-3253C46DB776}"/>
+              </a:ext>
+            </a:extLst>
+          </p:cNvPr>
+          <p:cNvSpPr>
+            <a:spLocks noGrp="1"/>
+          </p:cNvSpPr>
+          <p:nvPr>
+            <p:ph type="body" idx="1"/>
+          </p:nvPr>
+        </p:nvSpPr>
+        <p:spPr/>
+        <p:txBody>
+          <a:bodyPr/>
+          <a:lstStyle/>
+          <a:p>
+            <a:pPr>
+              <a:lnSpc>
+                <a:spcPts val="1425"/>
+              </a:lnSpc>
+            </a:pPr>
+            <a:r>
+              <a:rPr lang="en-US" b="0" dirty="0">
+                <a:solidFill>
+                  <a:srgbClr val="CCCCCC"/>
+                </a:solidFill>
+                <a:effectLst/>
+                <a:latin typeface="Consolas" panose="020B0609020204030204" pitchFamily="49" charset="0"/>
+              </a:rPr>
+              <a:t>A TD acts as a unique blueprint for the respective Thing, offering a standardized way to describe its functionality and how a Consumer should interact with it.</a:t>
+            </a:r>
+          </a:p>
+        </p:txBody>
+      </p:sp>
+      <p:sp>
+        <p:nvSpPr>
+          <p:cNvPr id="4" name="Slide Number Placeholder 3">
+            <a:extLst>
+              <a:ext uri="{FF2B5EF4-FFF2-40B4-BE49-F238E27FC236}">
+                <a16:creationId xmlns:a16="http://schemas.microsoft.com/office/drawing/2014/main" id="{FA47A00D-A4CE-119C-7335-0BDEA7295662}"/>
+              </a:ext>
+            </a:extLst>
+          </p:cNvPr>
+          <p:cNvSpPr>
+            <a:spLocks noGrp="1"/>
+          </p:cNvSpPr>
+          <p:nvPr>
+            <p:ph type="sldNum" sz="quarter" idx="5"/>
+          </p:nvPr>
+        </p:nvSpPr>
+        <p:spPr/>
+        <p:txBody>
+          <a:bodyPr/>
+          <a:lstStyle/>
+          <a:p>
+            <a:pPr marL="0" marR="0" lvl="0" indent="0" algn="r" defTabSz="457200" rtl="0" eaLnBrk="1" fontAlgn="auto" latinLnBrk="0" hangingPunct="1">
+              <a:lnSpc>
+                <a:spcPct val="100000"/>
+              </a:lnSpc>
+              <a:spcBef>
+                <a:spcPts val="0"/>
+              </a:spcBef>
+              <a:spcAft>
+                <a:spcPts val="0"/>
+              </a:spcAft>
+              <a:buClrTx/>
+              <a:buSzTx/>
+              <a:buFontTx/>
+              <a:buNone/>
+              <a:tabLst/>
+              <a:defRPr/>
+            </a:pPr>
+            <a:fld id="{050711E8-F1A4-440D-86C4-AD090AA3185A}" type="slidenum">
+              <a:rPr kumimoji="0" lang="en-US" sz="1200" b="0" i="0" u="none" strike="noStrike" kern="1200" cap="none" spc="0" normalizeH="0" baseline="0" noProof="0" smtClean="0">
+                <a:ln>
+                  <a:noFill/>
+                </a:ln>
+                <a:solidFill>
+                  <a:prstClr val="black"/>
+                </a:solidFill>
+                <a:effectLst/>
+                <a:uLnTx/>
+                <a:uFillTx/>
+                <a:latin typeface="Calibri" panose="020F0502020204030204"/>
+                <a:ea typeface="+mn-ea"/>
+                <a:cs typeface="+mn-cs"/>
+              </a:rPr>
+              <a:pPr marL="0" marR="0" lvl="0" indent="0" algn="r" defTabSz="457200" rtl="0" eaLnBrk="1" fontAlgn="auto" latinLnBrk="0" hangingPunct="1">
+                <a:lnSpc>
+                  <a:spcPct val="100000"/>
+                </a:lnSpc>
+                <a:spcBef>
+                  <a:spcPts val="0"/>
+                </a:spcBef>
+                <a:spcAft>
+                  <a:spcPts val="0"/>
+                </a:spcAft>
+                <a:buClrTx/>
+                <a:buSzTx/>
+                <a:buFontTx/>
+                <a:buNone/>
+                <a:tabLst/>
+                <a:defRPr/>
+              </a:pPr>
+              <a:t>2</a:t>
+            </a:fld>
+            <a:endParaRPr kumimoji="0" lang="en-US" sz="1200" b="0" i="0" u="none" strike="noStrike" kern="1200" cap="none" spc="0" normalizeH="0" baseline="0" noProof="0">
+              <a:ln>
+                <a:noFill/>
+              </a:ln>
+              <a:solidFill>
+                <a:prstClr val="black"/>
+              </a:solidFill>
+              <a:effectLst/>
+              <a:uLnTx/>
+              <a:uFillTx/>
+              <a:latin typeface="Calibri" panose="020F0502020204030204"/>
+              <a:ea typeface="+mn-ea"/>
+              <a:cs typeface="+mn-cs"/>
+            </a:endParaRPr>
+          </a:p>
+        </p:txBody>
+      </p:sp>
+    </p:spTree>
+    <p:extLst>
+      <p:ext uri="{BB962C8B-B14F-4D97-AF65-F5344CB8AC3E}">
+        <p14:creationId xmlns:p14="http://schemas.microsoft.com/office/powerpoint/2010/main" val="1872416833"/>
+      </p:ext>
+    </p:extLst>
+  </p:cSld>
+  <p:clrMapOvr>
+    <a:masterClrMapping/>
+  </p:clrMapOvr>
+</p:notes>
+</file>
+
+<file path=ppt/notesSlides/notesSlide20.xml><?xml version="1.0" encoding="utf-8"?>
 <p:notes xmlns:a="http://schemas.openxmlformats.org/drawingml/2006/main" xmlns:r="http://schemas.openxmlformats.org/officeDocument/2006/relationships" xmlns:p="http://schemas.openxmlformats.org/presentationml/2006/main">
   <p:cSld>
     <p:spTree>
@@ -2049,7 +2354,7 @@
           <a:p>
             <a:fld id="{F02165D8-144D-4958-A83E-0D86045592C5}" type="slidenum">
               <a:rPr lang="en-US" smtClean="0"/>
-              <a:t>19</a:t>
+              <a:t>20</a:t>
             </a:fld>
             <a:endParaRPr lang="en-US"/>
           </a:p>
@@ -2068,165 +2373,7 @@
 </p:notes>
 </file>
 
-<file path=ppt/notesSlides/notesSlide2.xml><?xml version="1.0" encoding="utf-8"?>
-<p:notes xmlns:a="http://schemas.openxmlformats.org/drawingml/2006/main" xmlns:r="http://schemas.openxmlformats.org/officeDocument/2006/relationships" xmlns:p="http://schemas.openxmlformats.org/presentationml/2006/main">
-  <p:cSld>
-    <p:spTree>
-      <p:nvGrpSpPr>
-        <p:cNvPr id="1" name=""/>
-        <p:cNvGrpSpPr/>
-        <p:nvPr/>
-      </p:nvGrpSpPr>
-      <p:grpSpPr>
-        <a:xfrm>
-          <a:off x="0" y="0"/>
-          <a:ext cx="0" cy="0"/>
-          <a:chOff x="0" y="0"/>
-          <a:chExt cx="0" cy="0"/>
-        </a:xfrm>
-      </p:grpSpPr>
-      <p:sp>
-        <p:nvSpPr>
-          <p:cNvPr id="2" name="Slide Image Placeholder 1"/>
-          <p:cNvSpPr>
-            <a:spLocks noGrp="1" noRot="1" noChangeAspect="1"/>
-          </p:cNvSpPr>
-          <p:nvPr>
-            <p:ph type="sldImg"/>
-          </p:nvPr>
-        </p:nvSpPr>
-        <p:spPr/>
-      </p:sp>
-      <p:sp>
-        <p:nvSpPr>
-          <p:cNvPr id="3" name="Notes Placeholder 2"/>
-          <p:cNvSpPr>
-            <a:spLocks noGrp="1"/>
-          </p:cNvSpPr>
-          <p:nvPr>
-            <p:ph type="body" idx="1"/>
-          </p:nvPr>
-        </p:nvSpPr>
-        <p:spPr/>
-        <p:txBody>
-          <a:bodyPr/>
-          <a:lstStyle/>
-          <a:p>
-            <a:pPr>
-              <a:lnSpc>
-                <a:spcPts val="1425"/>
-              </a:lnSpc>
-            </a:pPr>
-            <a:r>
-              <a:rPr lang="en-US" b="0" dirty="0">
-                <a:solidFill>
-                  <a:srgbClr val="CCCCCC"/>
-                </a:solidFill>
-                <a:effectLst/>
-                <a:latin typeface="Consolas" panose="020B0609020204030204" pitchFamily="49" charset="0"/>
-              </a:rPr>
-              <a:t>A TD acts as a unique blueprint for the respective Thing, offering a standardized way to describe its functionality and how a Consumer should interact with it.</a:t>
-            </a:r>
-          </a:p>
-        </p:txBody>
-      </p:sp>
-      <p:sp>
-        <p:nvSpPr>
-          <p:cNvPr id="4" name="Slide Number Placeholder 3"/>
-          <p:cNvSpPr>
-            <a:spLocks noGrp="1"/>
-          </p:cNvSpPr>
-          <p:nvPr>
-            <p:ph type="sldNum" sz="quarter" idx="5"/>
-          </p:nvPr>
-        </p:nvSpPr>
-        <p:spPr/>
-        <p:txBody>
-          <a:bodyPr/>
-          <a:lstStyle/>
-          <a:p>
-            <a:pPr marL="0" marR="0" lvl="0" indent="0" algn="r" defTabSz="457200" rtl="0" eaLnBrk="1" fontAlgn="auto" latinLnBrk="0" hangingPunct="1">
-              <a:lnSpc>
-                <a:spcPct val="100000"/>
-              </a:lnSpc>
-              <a:spcBef>
-                <a:spcPts val="0"/>
-              </a:spcBef>
-              <a:spcAft>
-                <a:spcPts val="0"/>
-              </a:spcAft>
-              <a:buClrTx/>
-              <a:buSzTx/>
-              <a:buFontTx/>
-              <a:buNone/>
-              <a:tabLst/>
-              <a:defRPr/>
-            </a:pPr>
-            <a:fld id="{050711E8-F1A4-440D-86C4-AD090AA3185A}" type="slidenum">
-              <a:rPr kumimoji="0" lang="en-US" sz="1200" b="0" i="0" u="none" strike="noStrike" kern="1200" cap="none" spc="0" normalizeH="0" baseline="0" noProof="0" smtClean="0">
-                <a:ln>
-                  <a:noFill/>
-                </a:ln>
-                <a:solidFill>
-                  <a:prstClr val="black"/>
-                </a:solidFill>
-                <a:effectLst/>
-                <a:uLnTx/>
-                <a:uFillTx/>
-                <a:latin typeface="Calibri" panose="020F0502020204030204"/>
-                <a:ea typeface="+mn-ea"/>
-                <a:cs typeface="+mn-cs"/>
-              </a:rPr>
-              <a:pPr marL="0" marR="0" lvl="0" indent="0" algn="r" defTabSz="457200" rtl="0" eaLnBrk="1" fontAlgn="auto" latinLnBrk="0" hangingPunct="1">
-                <a:lnSpc>
-                  <a:spcPct val="100000"/>
-                </a:lnSpc>
-                <a:spcBef>
-                  <a:spcPts val="0"/>
-                </a:spcBef>
-                <a:spcAft>
-                  <a:spcPts val="0"/>
-                </a:spcAft>
-                <a:buClrTx/>
-                <a:buSzTx/>
-                <a:buFontTx/>
-                <a:buNone/>
-                <a:tabLst/>
-                <a:defRPr/>
-              </a:pPr>
-              <a:t>2</a:t>
-            </a:fld>
-            <a:endParaRPr kumimoji="0" lang="en-US" sz="1200" b="0" i="0" u="none" strike="noStrike" kern="1200" cap="none" spc="0" normalizeH="0" baseline="0" noProof="0">
-              <a:ln>
-                <a:noFill/>
-              </a:ln>
-              <a:solidFill>
-                <a:prstClr val="black"/>
-              </a:solidFill>
-              <a:effectLst/>
-              <a:uLnTx/>
-              <a:uFillTx/>
-              <a:latin typeface="Calibri" panose="020F0502020204030204"/>
-              <a:ea typeface="+mn-ea"/>
-              <a:cs typeface="+mn-cs"/>
-            </a:endParaRPr>
-          </a:p>
-        </p:txBody>
-      </p:sp>
-    </p:spTree>
-    <p:extLst>
-      <p:ext uri="{BB962C8B-B14F-4D97-AF65-F5344CB8AC3E}">
-        <p14:creationId xmlns:p14="http://schemas.microsoft.com/office/powerpoint/2010/main" val="2290783770"/>
-      </p:ext>
-    </p:extLst>
-  </p:cSld>
-  <p:clrMapOvr>
-    <a:masterClrMapping/>
-  </p:clrMapOvr>
-</p:notes>
-</file>
-
-<file path=ppt/notesSlides/notesSlide20.xml><?xml version="1.0" encoding="utf-8"?>
+<file path=ppt/notesSlides/notesSlide21.xml><?xml version="1.0" encoding="utf-8"?>
 <p:notes xmlns:a="http://schemas.openxmlformats.org/drawingml/2006/main" xmlns:r="http://schemas.openxmlformats.org/officeDocument/2006/relationships" xmlns:p="http://schemas.openxmlformats.org/presentationml/2006/main">
   <p:cSld>
     <p:spTree>
@@ -2329,7 +2476,7 @@
           <a:p>
             <a:fld id="{F02165D8-144D-4958-A83E-0D86045592C5}" type="slidenum">
               <a:rPr lang="en-US" smtClean="0"/>
-              <a:t>20</a:t>
+              <a:t>21</a:t>
             </a:fld>
             <a:endParaRPr lang="en-US"/>
           </a:p>
@@ -2348,7 +2495,7 @@
 </p:notes>
 </file>
 
-<file path=ppt/notesSlides/notesSlide21.xml><?xml version="1.0" encoding="utf-8"?>
+<file path=ppt/notesSlides/notesSlide22.xml><?xml version="1.0" encoding="utf-8"?>
 <p:notes xmlns:a="http://schemas.openxmlformats.org/drawingml/2006/main" xmlns:r="http://schemas.openxmlformats.org/officeDocument/2006/relationships" xmlns:p="http://schemas.openxmlformats.org/presentationml/2006/main">
   <p:cSld>
     <p:spTree>
@@ -2427,7 +2574,7 @@
           <a:p>
             <a:fld id="{F02165D8-144D-4958-A83E-0D86045592C5}" type="slidenum">
               <a:rPr lang="en-US" smtClean="0"/>
-              <a:t>21</a:t>
+              <a:t>22</a:t>
             </a:fld>
             <a:endParaRPr lang="en-US"/>
           </a:p>
@@ -2446,7 +2593,7 @@
 </p:notes>
 </file>
 
-<file path=ppt/notesSlides/notesSlide22.xml><?xml version="1.0" encoding="utf-8"?>
+<file path=ppt/notesSlides/notesSlide23.xml><?xml version="1.0" encoding="utf-8"?>
 <p:notes xmlns:a="http://schemas.openxmlformats.org/drawingml/2006/main" xmlns:r="http://schemas.openxmlformats.org/officeDocument/2006/relationships" xmlns:p="http://schemas.openxmlformats.org/presentationml/2006/main">
   <p:cSld>
     <p:spTree>
@@ -2549,7 +2696,7 @@
           <a:p>
             <a:fld id="{F02165D8-144D-4958-A83E-0D86045592C5}" type="slidenum">
               <a:rPr lang="en-US" smtClean="0"/>
-              <a:t>22</a:t>
+              <a:t>23</a:t>
             </a:fld>
             <a:endParaRPr lang="en-US"/>
           </a:p>
@@ -2568,7 +2715,7 @@
 </p:notes>
 </file>
 
-<file path=ppt/notesSlides/notesSlide23.xml><?xml version="1.0" encoding="utf-8"?>
+<file path=ppt/notesSlides/notesSlide24.xml><?xml version="1.0" encoding="utf-8"?>
 <p:notes xmlns:a="http://schemas.openxmlformats.org/drawingml/2006/main" xmlns:r="http://schemas.openxmlformats.org/officeDocument/2006/relationships" xmlns:p="http://schemas.openxmlformats.org/presentationml/2006/main">
   <p:cSld>
     <p:spTree>
@@ -2671,7 +2818,7 @@
           <a:p>
             <a:fld id="{F02165D8-144D-4958-A83E-0D86045592C5}" type="slidenum">
               <a:rPr lang="en-US" smtClean="0"/>
-              <a:t>23</a:t>
+              <a:t>24</a:t>
             </a:fld>
             <a:endParaRPr lang="en-US"/>
           </a:p>
@@ -2690,7 +2837,7 @@
 </p:notes>
 </file>
 
-<file path=ppt/notesSlides/notesSlide24.xml><?xml version="1.0" encoding="utf-8"?>
+<file path=ppt/notesSlides/notesSlide25.xml><?xml version="1.0" encoding="utf-8"?>
 <p:notes xmlns:a="http://schemas.openxmlformats.org/drawingml/2006/main" xmlns:r="http://schemas.openxmlformats.org/officeDocument/2006/relationships" xmlns:p="http://schemas.openxmlformats.org/presentationml/2006/main">
   <p:cSld>
     <p:spTree>
@@ -2755,7 +2902,7 @@
           <a:p>
             <a:fld id="{838D45EA-097A-449E-8E80-C10F8140ABDB}" type="slidenum">
               <a:rPr lang="en-US" smtClean="0"/>
-              <a:t>24</a:t>
+              <a:t>25</a:t>
             </a:fld>
             <a:endParaRPr lang="en-US"/>
           </a:p>
@@ -3305,7 +3452,7 @@
                 <a:effectLst/>
                 <a:latin typeface="Consolas" panose="020B0609020204030204" pitchFamily="49" charset="0"/>
               </a:rPr>
-              <a:t>A TD acts as a unique blueprint for the respective Thing, offering a standardized way to describe its functionality and how a Consumer should interact with it.</a:t>
+              <a:t>A TD acts as a unique blueprint for the respective Thing, offering a standardized way to describe its functionality and how a Consumer should interact with it. </a:t>
             </a:r>
           </a:p>
         </p:txBody>
@@ -3450,20 +3597,9 @@
           <a:bodyPr/>
           <a:lstStyle/>
           <a:p>
-            <a:pPr>
-              <a:lnSpc>
-                <a:spcPts val="1425"/>
-              </a:lnSpc>
-            </a:pPr>
-            <a:r>
-              <a:rPr lang="en-US" b="0" dirty="0">
-                <a:solidFill>
-                  <a:srgbClr val="CCCCCC"/>
-                </a:solidFill>
-                <a:effectLst/>
-                <a:latin typeface="Consolas" panose="020B0609020204030204" pitchFamily="49" charset="0"/>
-              </a:rPr>
-              <a:t>Thing Descriptions are written using the JSON-LD format, making it both machine and human-readable. </a:t>
+            <a:r>
+              <a:rPr lang="en-US" dirty="0"/>
+              <a:t>A Consumer is any application or service that communicates with a Thing over the network using its Thing Description. It understands the TD and uses it to interact with the Thing.</a:t>
             </a:r>
           </a:p>
         </p:txBody>
@@ -3494,6 +3630,104 @@
     </p:spTree>
     <p:extLst>
       <p:ext uri="{BB962C8B-B14F-4D97-AF65-F5344CB8AC3E}">
+        <p14:creationId xmlns:p14="http://schemas.microsoft.com/office/powerpoint/2010/main" val="4027898281"/>
+      </p:ext>
+    </p:extLst>
+  </p:cSld>
+  <p:clrMapOvr>
+    <a:masterClrMapping/>
+  </p:clrMapOvr>
+</p:notes>
+</file>
+
+<file path=ppt/notesSlides/notesSlide8.xml><?xml version="1.0" encoding="utf-8"?>
+<p:notes xmlns:a="http://schemas.openxmlformats.org/drawingml/2006/main" xmlns:r="http://schemas.openxmlformats.org/officeDocument/2006/relationships" xmlns:p="http://schemas.openxmlformats.org/presentationml/2006/main">
+  <p:cSld>
+    <p:spTree>
+      <p:nvGrpSpPr>
+        <p:cNvPr id="1" name=""/>
+        <p:cNvGrpSpPr/>
+        <p:nvPr/>
+      </p:nvGrpSpPr>
+      <p:grpSpPr>
+        <a:xfrm>
+          <a:off x="0" y="0"/>
+          <a:ext cx="0" cy="0"/>
+          <a:chOff x="0" y="0"/>
+          <a:chExt cx="0" cy="0"/>
+        </a:xfrm>
+      </p:grpSpPr>
+      <p:sp>
+        <p:nvSpPr>
+          <p:cNvPr id="2" name="Slide Image Placeholder 1"/>
+          <p:cNvSpPr>
+            <a:spLocks noGrp="1" noRot="1" noChangeAspect="1"/>
+          </p:cNvSpPr>
+          <p:nvPr>
+            <p:ph type="sldImg"/>
+          </p:nvPr>
+        </p:nvSpPr>
+        <p:spPr/>
+      </p:sp>
+      <p:sp>
+        <p:nvSpPr>
+          <p:cNvPr id="3" name="Notes Placeholder 2"/>
+          <p:cNvSpPr>
+            <a:spLocks noGrp="1"/>
+          </p:cNvSpPr>
+          <p:nvPr>
+            <p:ph type="body" idx="1"/>
+          </p:nvPr>
+        </p:nvSpPr>
+        <p:spPr/>
+        <p:txBody>
+          <a:bodyPr/>
+          <a:lstStyle/>
+          <a:p>
+            <a:pPr>
+              <a:lnSpc>
+                <a:spcPts val="1425"/>
+              </a:lnSpc>
+            </a:pPr>
+            <a:r>
+              <a:rPr lang="en-US" b="0" dirty="0">
+                <a:solidFill>
+                  <a:srgbClr val="CCCCCC"/>
+                </a:solidFill>
+                <a:effectLst/>
+                <a:latin typeface="Consolas" panose="020B0609020204030204" pitchFamily="49" charset="0"/>
+              </a:rPr>
+              <a:t>Thing Descriptions are written using the JSON-LD format, making it both machine and human-readable. </a:t>
+            </a:r>
+          </a:p>
+        </p:txBody>
+      </p:sp>
+      <p:sp>
+        <p:nvSpPr>
+          <p:cNvPr id="4" name="Slide Number Placeholder 3"/>
+          <p:cNvSpPr>
+            <a:spLocks noGrp="1"/>
+          </p:cNvSpPr>
+          <p:nvPr>
+            <p:ph type="sldNum" sz="quarter" idx="5"/>
+          </p:nvPr>
+        </p:nvSpPr>
+        <p:spPr/>
+        <p:txBody>
+          <a:bodyPr/>
+          <a:lstStyle/>
+          <a:p>
+            <a:fld id="{F02165D8-144D-4958-A83E-0D86045592C5}" type="slidenum">
+              <a:rPr lang="en-US" smtClean="0"/>
+              <a:t>8</a:t>
+            </a:fld>
+            <a:endParaRPr lang="en-US"/>
+          </a:p>
+        </p:txBody>
+      </p:sp>
+    </p:spTree>
+    <p:extLst>
+      <p:ext uri="{BB962C8B-B14F-4D97-AF65-F5344CB8AC3E}">
         <p14:creationId xmlns:p14="http://schemas.microsoft.com/office/powerpoint/2010/main" val="793912"/>
       </p:ext>
     </p:extLst>
@@ -3504,7 +3738,7 @@
 </p:notes>
 </file>
 
-<file path=ppt/notesSlides/notesSlide8.xml><?xml version="1.0" encoding="utf-8"?>
+<file path=ppt/notesSlides/notesSlide9.xml><?xml version="1.0" encoding="utf-8"?>
 <p:notes xmlns:a="http://schemas.openxmlformats.org/drawingml/2006/main" xmlns:r="http://schemas.openxmlformats.org/officeDocument/2006/relationships" xmlns:p="http://schemas.openxmlformats.org/presentationml/2006/main">
   <p:cSld>
     <p:spTree>
@@ -3607,7 +3841,7 @@
           <a:p>
             <a:fld id="{F02165D8-144D-4958-A83E-0D86045592C5}" type="slidenum">
               <a:rPr lang="en-US" smtClean="0"/>
-              <a:t>8</a:t>
+              <a:t>9</a:t>
             </a:fld>
             <a:endParaRPr lang="en-US"/>
           </a:p>
@@ -3617,128 +3851,6 @@
     <p:extLst>
       <p:ext uri="{BB962C8B-B14F-4D97-AF65-F5344CB8AC3E}">
         <p14:creationId xmlns:p14="http://schemas.microsoft.com/office/powerpoint/2010/main" val="4086479532"/>
-      </p:ext>
-    </p:extLst>
-  </p:cSld>
-  <p:clrMapOvr>
-    <a:masterClrMapping/>
-  </p:clrMapOvr>
-</p:notes>
-</file>
-
-<file path=ppt/notesSlides/notesSlide9.xml><?xml version="1.0" encoding="utf-8"?>
-<p:notes xmlns:a="http://schemas.openxmlformats.org/drawingml/2006/main" xmlns:r="http://schemas.openxmlformats.org/officeDocument/2006/relationships" xmlns:p="http://schemas.openxmlformats.org/presentationml/2006/main">
-  <p:cSld>
-    <p:spTree>
-      <p:nvGrpSpPr>
-        <p:cNvPr id="1" name="">
-          <a:extLst>
-            <a:ext uri="{FF2B5EF4-FFF2-40B4-BE49-F238E27FC236}">
-              <a16:creationId xmlns:a16="http://schemas.microsoft.com/office/drawing/2014/main" id="{064015F6-9FAE-6FB3-8C04-55B690F997DD}"/>
-            </a:ext>
-          </a:extLst>
-        </p:cNvPr>
-        <p:cNvGrpSpPr/>
-        <p:nvPr/>
-      </p:nvGrpSpPr>
-      <p:grpSpPr>
-        <a:xfrm>
-          <a:off x="0" y="0"/>
-          <a:ext cx="0" cy="0"/>
-          <a:chOff x="0" y="0"/>
-          <a:chExt cx="0" cy="0"/>
-        </a:xfrm>
-      </p:grpSpPr>
-      <p:sp>
-        <p:nvSpPr>
-          <p:cNvPr id="2" name="Slide Image Placeholder 1">
-            <a:extLst>
-              <a:ext uri="{FF2B5EF4-FFF2-40B4-BE49-F238E27FC236}">
-                <a16:creationId xmlns:a16="http://schemas.microsoft.com/office/drawing/2014/main" id="{75B35D95-0CCC-93DE-6A3D-BC177619CC78}"/>
-              </a:ext>
-            </a:extLst>
-          </p:cNvPr>
-          <p:cNvSpPr>
-            <a:spLocks noGrp="1" noRot="1" noChangeAspect="1"/>
-          </p:cNvSpPr>
-          <p:nvPr>
-            <p:ph type="sldImg"/>
-          </p:nvPr>
-        </p:nvSpPr>
-        <p:spPr/>
-      </p:sp>
-      <p:sp>
-        <p:nvSpPr>
-          <p:cNvPr id="3" name="Notes Placeholder 2">
-            <a:extLst>
-              <a:ext uri="{FF2B5EF4-FFF2-40B4-BE49-F238E27FC236}">
-                <a16:creationId xmlns:a16="http://schemas.microsoft.com/office/drawing/2014/main" id="{8574678D-B6A8-530F-ABFF-00780A02DDBF}"/>
-              </a:ext>
-            </a:extLst>
-          </p:cNvPr>
-          <p:cNvSpPr>
-            <a:spLocks noGrp="1"/>
-          </p:cNvSpPr>
-          <p:nvPr>
-            <p:ph type="body" idx="1"/>
-          </p:nvPr>
-        </p:nvSpPr>
-        <p:spPr/>
-        <p:txBody>
-          <a:bodyPr/>
-          <a:lstStyle/>
-          <a:p>
-            <a:pPr>
-              <a:lnSpc>
-                <a:spcPts val="1425"/>
-              </a:lnSpc>
-            </a:pPr>
-            <a:r>
-              <a:rPr lang="en-US" b="0" dirty="0">
-                <a:solidFill>
-                  <a:srgbClr val="CCCCCC"/>
-                </a:solidFill>
-                <a:effectLst/>
-                <a:latin typeface="Consolas" panose="020B0609020204030204" pitchFamily="49" charset="0"/>
-              </a:rPr>
-              <a:t>To understand this better, let's take a look at a simple example — a smart coffee machine — and break down the components in its Thing Description:</a:t>
-            </a:r>
-          </a:p>
-        </p:txBody>
-      </p:sp>
-      <p:sp>
-        <p:nvSpPr>
-          <p:cNvPr id="4" name="Slide Number Placeholder 3">
-            <a:extLst>
-              <a:ext uri="{FF2B5EF4-FFF2-40B4-BE49-F238E27FC236}">
-                <a16:creationId xmlns:a16="http://schemas.microsoft.com/office/drawing/2014/main" id="{65ABDFCC-FAC2-99FC-0A43-27DD573DAD39}"/>
-              </a:ext>
-            </a:extLst>
-          </p:cNvPr>
-          <p:cNvSpPr>
-            <a:spLocks noGrp="1"/>
-          </p:cNvSpPr>
-          <p:nvPr>
-            <p:ph type="sldNum" sz="quarter" idx="5"/>
-          </p:nvPr>
-        </p:nvSpPr>
-        <p:spPr/>
-        <p:txBody>
-          <a:bodyPr/>
-          <a:lstStyle/>
-          <a:p>
-            <a:fld id="{F02165D8-144D-4958-A83E-0D86045592C5}" type="slidenum">
-              <a:rPr lang="en-US" smtClean="0"/>
-              <a:t>9</a:t>
-            </a:fld>
-            <a:endParaRPr lang="en-US"/>
-          </a:p>
-        </p:txBody>
-      </p:sp>
-    </p:spTree>
-    <p:extLst>
-      <p:ext uri="{BB962C8B-B14F-4D97-AF65-F5344CB8AC3E}">
-        <p14:creationId xmlns:p14="http://schemas.microsoft.com/office/powerpoint/2010/main" val="681630337"/>
       </p:ext>
     </p:extLst>
   </p:cSld>
@@ -3879,7 +3991,7 @@
           <a:p>
             <a:fld id="{D154F9CB-E3D7-441A-A1FF-5C1CDFA7D5B3}" type="datetimeFigureOut">
               <a:rPr lang="en-US" smtClean="0"/>
-              <a:t>5/12/2025</a:t>
+              <a:t>5/28/2025</a:t>
             </a:fld>
             <a:endParaRPr lang="en-US"/>
           </a:p>
@@ -4049,7 +4161,7 @@
           <a:p>
             <a:fld id="{D154F9CB-E3D7-441A-A1FF-5C1CDFA7D5B3}" type="datetimeFigureOut">
               <a:rPr lang="en-US" smtClean="0"/>
-              <a:t>5/12/2025</a:t>
+              <a:t>5/28/2025</a:t>
             </a:fld>
             <a:endParaRPr lang="en-US"/>
           </a:p>
@@ -4229,7 +4341,7 @@
           <a:p>
             <a:fld id="{D154F9CB-E3D7-441A-A1FF-5C1CDFA7D5B3}" type="datetimeFigureOut">
               <a:rPr lang="en-US" smtClean="0"/>
-              <a:t>5/12/2025</a:t>
+              <a:t>5/28/2025</a:t>
             </a:fld>
             <a:endParaRPr lang="en-US"/>
           </a:p>
@@ -4399,7 +4511,7 @@
           <a:p>
             <a:fld id="{D154F9CB-E3D7-441A-A1FF-5C1CDFA7D5B3}" type="datetimeFigureOut">
               <a:rPr lang="en-US" smtClean="0"/>
-              <a:t>5/12/2025</a:t>
+              <a:t>5/28/2025</a:t>
             </a:fld>
             <a:endParaRPr lang="en-US"/>
           </a:p>
@@ -4645,7 +4757,7 @@
           <a:p>
             <a:fld id="{D154F9CB-E3D7-441A-A1FF-5C1CDFA7D5B3}" type="datetimeFigureOut">
               <a:rPr lang="en-US" smtClean="0"/>
-              <a:t>5/12/2025</a:t>
+              <a:t>5/28/2025</a:t>
             </a:fld>
             <a:endParaRPr lang="en-US"/>
           </a:p>
@@ -4877,7 +4989,7 @@
           <a:p>
             <a:fld id="{D154F9CB-E3D7-441A-A1FF-5C1CDFA7D5B3}" type="datetimeFigureOut">
               <a:rPr lang="en-US" smtClean="0"/>
-              <a:t>5/12/2025</a:t>
+              <a:t>5/28/2025</a:t>
             </a:fld>
             <a:endParaRPr lang="en-US"/>
           </a:p>
@@ -5244,7 +5356,7 @@
           <a:p>
             <a:fld id="{D154F9CB-E3D7-441A-A1FF-5C1CDFA7D5B3}" type="datetimeFigureOut">
               <a:rPr lang="en-US" smtClean="0"/>
-              <a:t>5/12/2025</a:t>
+              <a:t>5/28/2025</a:t>
             </a:fld>
             <a:endParaRPr lang="en-US"/>
           </a:p>
@@ -5362,7 +5474,7 @@
           <a:p>
             <a:fld id="{D154F9CB-E3D7-441A-A1FF-5C1CDFA7D5B3}" type="datetimeFigureOut">
               <a:rPr lang="en-US" smtClean="0"/>
-              <a:t>5/12/2025</a:t>
+              <a:t>5/28/2025</a:t>
             </a:fld>
             <a:endParaRPr lang="en-US"/>
           </a:p>
@@ -5457,7 +5569,7 @@
           <a:p>
             <a:fld id="{D154F9CB-E3D7-441A-A1FF-5C1CDFA7D5B3}" type="datetimeFigureOut">
               <a:rPr lang="en-US" smtClean="0"/>
-              <a:t>5/12/2025</a:t>
+              <a:t>5/28/2025</a:t>
             </a:fld>
             <a:endParaRPr lang="en-US"/>
           </a:p>
@@ -5734,7 +5846,7 @@
           <a:p>
             <a:fld id="{D154F9CB-E3D7-441A-A1FF-5C1CDFA7D5B3}" type="datetimeFigureOut">
               <a:rPr lang="en-US" smtClean="0"/>
-              <a:t>5/12/2025</a:t>
+              <a:t>5/28/2025</a:t>
             </a:fld>
             <a:endParaRPr lang="en-US"/>
           </a:p>
@@ -5990,7 +6102,7 @@
           <a:p>
             <a:fld id="{D154F9CB-E3D7-441A-A1FF-5C1CDFA7D5B3}" type="datetimeFigureOut">
               <a:rPr lang="en-US" smtClean="0"/>
-              <a:t>5/12/2025</a:t>
+              <a:t>5/28/2025</a:t>
             </a:fld>
             <a:endParaRPr lang="en-US"/>
           </a:p>
@@ -6208,7 +6320,7 @@
           <a:p>
             <a:fld id="{D154F9CB-E3D7-441A-A1FF-5C1CDFA7D5B3}" type="datetimeFigureOut">
               <a:rPr lang="en-US" smtClean="0"/>
-              <a:t>5/12/2025</a:t>
+              <a:t>5/28/2025</a:t>
             </a:fld>
             <a:endParaRPr lang="en-US"/>
           </a:p>
@@ -7857,12 +7969,12 @@
   <p:clrMapOvr>
     <a:masterClrMapping/>
   </p:clrMapOvr>
-  <mc:AlternateContent xmlns:mc="http://schemas.openxmlformats.org/markup-compatibility/2006" xmlns:p14="http://schemas.microsoft.com/office/powerpoint/2010/main">
-    <mc:Choice Requires="p14">
-      <p:transition spd="slow" p14:dur="2000" advTm="0"/>
+  <mc:AlternateContent xmlns:mc="http://schemas.openxmlformats.org/markup-compatibility/2006">
+    <mc:Choice xmlns:p14="http://schemas.microsoft.com/office/powerpoint/2010/main" Requires="p14">
+      <p:transition spd="slow" p14:dur="2000" advTm="8000"/>
     </mc:Choice>
-    <mc:Fallback xmlns="">
-      <p:transition spd="slow" advTm="0"/>
+    <mc:Fallback>
+      <p:transition spd="slow" advTm="8000"/>
     </mc:Fallback>
   </mc:AlternateContent>
   <p:timing>
@@ -8673,6 +8785,84 @@
 </file>
 
 <file path=ppt/slides/slide10.xml><?xml version="1.0" encoding="utf-8"?>
+<p:sld xmlns:a="http://schemas.openxmlformats.org/drawingml/2006/main" xmlns:r="http://schemas.openxmlformats.org/officeDocument/2006/relationships" xmlns:p="http://schemas.openxmlformats.org/presentationml/2006/main" show="0">
+  <p:cSld>
+    <p:spTree>
+      <p:nvGrpSpPr>
+        <p:cNvPr id="1" name="">
+          <a:extLst>
+            <a:ext uri="{FF2B5EF4-FFF2-40B4-BE49-F238E27FC236}">
+              <a16:creationId xmlns:a16="http://schemas.microsoft.com/office/drawing/2014/main" id="{9A026289-7973-C344-7B7A-9B36AB44D295}"/>
+            </a:ext>
+          </a:extLst>
+        </p:cNvPr>
+        <p:cNvGrpSpPr/>
+        <p:nvPr/>
+      </p:nvGrpSpPr>
+      <p:grpSpPr>
+        <a:xfrm>
+          <a:off x="0" y="0"/>
+          <a:ext cx="0" cy="0"/>
+          <a:chOff x="0" y="0"/>
+          <a:chExt cx="0" cy="0"/>
+        </a:xfrm>
+      </p:grpSpPr>
+      <p:pic>
+        <p:nvPicPr>
+          <p:cNvPr id="12" name="Picture 11">
+            <a:extLst>
+              <a:ext uri="{FF2B5EF4-FFF2-40B4-BE49-F238E27FC236}">
+                <a16:creationId xmlns:a16="http://schemas.microsoft.com/office/drawing/2014/main" id="{6A1EA527-BAD7-ABC3-BE5F-33C6572D361C}"/>
+              </a:ext>
+            </a:extLst>
+          </p:cNvPr>
+          <p:cNvPicPr>
+            <a:picLocks noChangeAspect="1"/>
+          </p:cNvPicPr>
+          <p:nvPr/>
+        </p:nvPicPr>
+        <p:blipFill>
+          <a:blip r:embed="rId3"/>
+          <a:stretch>
+            <a:fillRect/>
+          </a:stretch>
+        </p:blipFill>
+        <p:spPr>
+          <a:xfrm>
+            <a:off x="798332" y="419894"/>
+            <a:ext cx="7082250" cy="6018211"/>
+          </a:xfrm>
+          <a:prstGeom prst="rect">
+            <a:avLst/>
+          </a:prstGeom>
+        </p:spPr>
+      </p:pic>
+    </p:spTree>
+    <p:extLst>
+      <p:ext uri="{BB962C8B-B14F-4D97-AF65-F5344CB8AC3E}">
+        <p14:creationId xmlns:p14="http://schemas.microsoft.com/office/powerpoint/2010/main" val="2261272579"/>
+      </p:ext>
+    </p:extLst>
+  </p:cSld>
+  <p:clrMapOvr>
+    <a:masterClrMapping/>
+  </p:clrMapOvr>
+  <mc:AlternateContent xmlns:mc="http://schemas.openxmlformats.org/markup-compatibility/2006" xmlns:p159="http://schemas.microsoft.com/office/powerpoint/2015/09/main">
+    <mc:Choice Requires="p159">
+      <p:transition xmlns:p14="http://schemas.microsoft.com/office/powerpoint/2010/main" spd="slow" p14:dur="2000">
+        <p159:morph option="byObject"/>
+      </p:transition>
+    </mc:Choice>
+    <mc:Fallback xmlns="">
+      <p:transition spd="slow">
+        <p:fade/>
+      </p:transition>
+    </mc:Fallback>
+  </mc:AlternateContent>
+</p:sld>
+</file>
+
+<file path=ppt/slides/slide11.xml><?xml version="1.0" encoding="utf-8"?>
 <p:sld xmlns:a="http://schemas.openxmlformats.org/drawingml/2006/main" xmlns:r="http://schemas.openxmlformats.org/officeDocument/2006/relationships" xmlns:p="http://schemas.openxmlformats.org/presentationml/2006/main">
   <p:cSld>
     <p:spTree>
@@ -10512,14 +10702,9 @@
   <p:clrMapOvr>
     <a:masterClrMapping/>
   </p:clrMapOvr>
-  <mc:AlternateContent xmlns:mc="http://schemas.openxmlformats.org/markup-compatibility/2006" xmlns:p14="http://schemas.microsoft.com/office/powerpoint/2010/main">
-    <mc:Choice Requires="p14">
-      <p:transition spd="slow" p14:dur="2000" advTm="0"/>
-    </mc:Choice>
-    <mc:Fallback xmlns="">
-      <p:transition spd="slow" advTm="0"/>
-    </mc:Fallback>
-  </mc:AlternateContent>
+  <p:transition advTm="8000">
+    <p:fade/>
+  </p:transition>
   <p:timing>
     <p:tnLst>
       <p:par>
@@ -11207,7 +11392,7 @@
 </p:sld>
 </file>
 
-<file path=ppt/slides/slide11.xml><?xml version="1.0" encoding="utf-8"?>
+<file path=ppt/slides/slide12.xml><?xml version="1.0" encoding="utf-8"?>
 <p:sld xmlns:a="http://schemas.openxmlformats.org/drawingml/2006/main" xmlns:r="http://schemas.openxmlformats.org/officeDocument/2006/relationships" xmlns:p="http://schemas.openxmlformats.org/presentationml/2006/main">
   <p:cSld>
     <p:spTree>
@@ -11923,14 +12108,14 @@
   <p:clrMapOvr>
     <a:masterClrMapping/>
   </p:clrMapOvr>
-  <mc:AlternateContent xmlns:mc="http://schemas.openxmlformats.org/markup-compatibility/2006" xmlns:p159="http://schemas.microsoft.com/office/powerpoint/2015/09/main">
-    <mc:Choice Requires="p159">
-      <p:transition spd="slow" advTm="0">
+  <mc:AlternateContent xmlns:mc="http://schemas.openxmlformats.org/markup-compatibility/2006">
+    <mc:Choice xmlns:p159="http://schemas.microsoft.com/office/powerpoint/2015/09/main" Requires="p159">
+      <p:transition spd="slow" advTm="10800">
         <p159:morph option="byObject"/>
       </p:transition>
     </mc:Choice>
-    <mc:Fallback xmlns="">
-      <p:transition spd="slow" advTm="0">
+    <mc:Fallback>
+      <p:transition spd="slow" advTm="10800">
         <p:fade/>
       </p:transition>
     </mc:Fallback>
@@ -11938,7 +12123,7 @@
 </p:sld>
 </file>
 
-<file path=ppt/slides/slide12.xml><?xml version="1.0" encoding="utf-8"?>
+<file path=ppt/slides/slide13.xml><?xml version="1.0" encoding="utf-8"?>
 <p:sld xmlns:a="http://schemas.openxmlformats.org/drawingml/2006/main" xmlns:r="http://schemas.openxmlformats.org/officeDocument/2006/relationships" xmlns:p="http://schemas.openxmlformats.org/presentationml/2006/main">
   <p:cSld>
     <p:spTree>
@@ -12740,14 +12925,14 @@
   <p:clrMapOvr>
     <a:masterClrMapping/>
   </p:clrMapOvr>
-  <mc:AlternateContent xmlns:mc="http://schemas.openxmlformats.org/markup-compatibility/2006" xmlns:p159="http://schemas.microsoft.com/office/powerpoint/2015/09/main">
-    <mc:Choice Requires="p159">
-      <p:transition spd="slow" advTm="0">
+  <mc:AlternateContent xmlns:mc="http://schemas.openxmlformats.org/markup-compatibility/2006">
+    <mc:Choice xmlns:p159="http://schemas.microsoft.com/office/powerpoint/2015/09/main" Requires="p159">
+      <p:transition spd="slow" advTm="2000">
         <p159:morph option="byObject"/>
       </p:transition>
     </mc:Choice>
-    <mc:Fallback xmlns="">
-      <p:transition spd="slow" advTm="0">
+    <mc:Fallback>
+      <p:transition spd="slow" advTm="2000">
         <p:fade/>
       </p:transition>
     </mc:Fallback>
@@ -12755,7 +12940,7 @@
 </p:sld>
 </file>
 
-<file path=ppt/slides/slide13.xml><?xml version="1.0" encoding="utf-8"?>
+<file path=ppt/slides/slide14.xml><?xml version="1.0" encoding="utf-8"?>
 <p:sld xmlns:a="http://schemas.openxmlformats.org/drawingml/2006/main" xmlns:r="http://schemas.openxmlformats.org/officeDocument/2006/relationships" xmlns:p="http://schemas.openxmlformats.org/presentationml/2006/main">
   <p:cSld>
     <p:spTree>
@@ -13485,14 +13670,14 @@
   <p:clrMapOvr>
     <a:masterClrMapping/>
   </p:clrMapOvr>
-  <mc:AlternateContent xmlns:mc="http://schemas.openxmlformats.org/markup-compatibility/2006" xmlns:p159="http://schemas.microsoft.com/office/powerpoint/2015/09/main">
-    <mc:Choice Requires="p159">
-      <p:transition spd="slow" advTm="0">
+  <mc:AlternateContent xmlns:mc="http://schemas.openxmlformats.org/markup-compatibility/2006">
+    <mc:Choice xmlns:p159="http://schemas.microsoft.com/office/powerpoint/2015/09/main" Requires="p159">
+      <p:transition spd="slow" advTm="31500">
         <p159:morph option="byObject"/>
       </p:transition>
     </mc:Choice>
-    <mc:Fallback xmlns="">
-      <p:transition spd="slow" advTm="0">
+    <mc:Fallback>
+      <p:transition spd="slow" advTm="31500">
         <p:fade/>
       </p:transition>
     </mc:Fallback>
@@ -13500,7 +13685,7 @@
 </p:sld>
 </file>
 
-<file path=ppt/slides/slide14.xml><?xml version="1.0" encoding="utf-8"?>
+<file path=ppt/slides/slide15.xml><?xml version="1.0" encoding="utf-8"?>
 <p:sld xmlns:a="http://schemas.openxmlformats.org/drawingml/2006/main" xmlns:r="http://schemas.openxmlformats.org/officeDocument/2006/relationships" xmlns:p="http://schemas.openxmlformats.org/presentationml/2006/main">
   <p:cSld>
     <p:spTree>
@@ -14342,14 +14527,14 @@
   <p:clrMapOvr>
     <a:masterClrMapping/>
   </p:clrMapOvr>
-  <mc:AlternateContent xmlns:mc="http://schemas.openxmlformats.org/markup-compatibility/2006" xmlns:p159="http://schemas.microsoft.com/office/powerpoint/2015/09/main">
-    <mc:Choice Requires="p159">
-      <p:transition spd="slow" advTm="0">
+  <mc:AlternateContent xmlns:mc="http://schemas.openxmlformats.org/markup-compatibility/2006">
+    <mc:Choice xmlns:p159="http://schemas.microsoft.com/office/powerpoint/2015/09/main" Requires="p159">
+      <p:transition spd="slow" advTm="2000">
         <p159:morph option="byObject"/>
       </p:transition>
     </mc:Choice>
-    <mc:Fallback xmlns="">
-      <p:transition spd="slow" advTm="0">
+    <mc:Fallback>
+      <p:transition spd="slow" advTm="2000">
         <p:fade/>
       </p:transition>
     </mc:Fallback>
@@ -14357,7 +14542,7 @@
 </p:sld>
 </file>
 
-<file path=ppt/slides/slide15.xml><?xml version="1.0" encoding="utf-8"?>
+<file path=ppt/slides/slide16.xml><?xml version="1.0" encoding="utf-8"?>
 <p:sld xmlns:a="http://schemas.openxmlformats.org/drawingml/2006/main" xmlns:r="http://schemas.openxmlformats.org/officeDocument/2006/relationships" xmlns:p="http://schemas.openxmlformats.org/presentationml/2006/main">
   <p:cSld>
     <p:spTree>
@@ -15101,14 +15286,14 @@
   <p:clrMapOvr>
     <a:masterClrMapping/>
   </p:clrMapOvr>
-  <mc:AlternateContent xmlns:mc="http://schemas.openxmlformats.org/markup-compatibility/2006" xmlns:p159="http://schemas.microsoft.com/office/powerpoint/2015/09/main">
-    <mc:Choice Requires="p159">
-      <p:transition spd="slow" advTm="0">
+  <mc:AlternateContent xmlns:mc="http://schemas.openxmlformats.org/markup-compatibility/2006">
+    <mc:Choice xmlns:p159="http://schemas.microsoft.com/office/powerpoint/2015/09/main" Requires="p159">
+      <p:transition spd="slow" advTm="13300">
         <p159:morph option="byObject"/>
       </p:transition>
     </mc:Choice>
-    <mc:Fallback xmlns="">
-      <p:transition spd="slow" advTm="0">
+    <mc:Fallback>
+      <p:transition spd="slow" advTm="13300">
         <p:fade/>
       </p:transition>
     </mc:Fallback>
@@ -15116,7 +15301,7 @@
 </p:sld>
 </file>
 
-<file path=ppt/slides/slide16.xml><?xml version="1.0" encoding="utf-8"?>
+<file path=ppt/slides/slide17.xml><?xml version="1.0" encoding="utf-8"?>
 <p:sld xmlns:a="http://schemas.openxmlformats.org/drawingml/2006/main" xmlns:r="http://schemas.openxmlformats.org/officeDocument/2006/relationships" xmlns:p="http://schemas.openxmlformats.org/presentationml/2006/main">
   <p:cSld>
     <p:spTree>
@@ -15998,14 +16183,14 @@
   <p:clrMapOvr>
     <a:masterClrMapping/>
   </p:clrMapOvr>
-  <mc:AlternateContent xmlns:mc="http://schemas.openxmlformats.org/markup-compatibility/2006" xmlns:p159="http://schemas.microsoft.com/office/powerpoint/2015/09/main">
-    <mc:Choice Requires="p159">
-      <p:transition spd="slow" advTm="0">
+  <mc:AlternateContent xmlns:mc="http://schemas.openxmlformats.org/markup-compatibility/2006">
+    <mc:Choice xmlns:p159="http://schemas.microsoft.com/office/powerpoint/2015/09/main" Requires="p159">
+      <p:transition spd="slow" advTm="2000">
         <p159:morph option="byObject"/>
       </p:transition>
     </mc:Choice>
-    <mc:Fallback xmlns="">
-      <p:transition spd="slow" advTm="0">
+    <mc:Fallback>
+      <p:transition spd="slow" advTm="2000">
         <p:fade/>
       </p:transition>
     </mc:Fallback>
@@ -16013,7 +16198,7 @@
 </p:sld>
 </file>
 
-<file path=ppt/slides/slide17.xml><?xml version="1.0" encoding="utf-8"?>
+<file path=ppt/slides/slide18.xml><?xml version="1.0" encoding="utf-8"?>
 <p:sld xmlns:a="http://schemas.openxmlformats.org/drawingml/2006/main" xmlns:r="http://schemas.openxmlformats.org/officeDocument/2006/relationships" xmlns:p="http://schemas.openxmlformats.org/presentationml/2006/main">
   <p:cSld>
     <p:spTree>
@@ -16839,14 +17024,14 @@
   <p:clrMapOvr>
     <a:masterClrMapping/>
   </p:clrMapOvr>
-  <mc:AlternateContent xmlns:mc="http://schemas.openxmlformats.org/markup-compatibility/2006" xmlns:p159="http://schemas.microsoft.com/office/powerpoint/2015/09/main">
-    <mc:Choice Requires="p159">
-      <p:transition spd="slow" advTm="0">
+  <mc:AlternateContent xmlns:mc="http://schemas.openxmlformats.org/markup-compatibility/2006">
+    <mc:Choice xmlns:p159="http://schemas.microsoft.com/office/powerpoint/2015/09/main" Requires="p159">
+      <p:transition spd="slow" advTm="17500">
         <p159:morph option="byObject"/>
       </p:transition>
     </mc:Choice>
-    <mc:Fallback xmlns="">
-      <p:transition spd="slow" advTm="0">
+    <mc:Fallback>
+      <p:transition spd="slow" advTm="17500">
         <p:fade/>
       </p:transition>
     </mc:Fallback>
@@ -16854,7 +17039,7 @@
 </p:sld>
 </file>
 
-<file path=ppt/slides/slide18.xml><?xml version="1.0" encoding="utf-8"?>
+<file path=ppt/slides/slide19.xml><?xml version="1.0" encoding="utf-8"?>
 <p:sld xmlns:a="http://schemas.openxmlformats.org/drawingml/2006/main" xmlns:r="http://schemas.openxmlformats.org/officeDocument/2006/relationships" xmlns:p="http://schemas.openxmlformats.org/presentationml/2006/main">
   <p:cSld>
     <p:spTree>
@@ -17776,14 +17961,14 @@
   <p:clrMapOvr>
     <a:masterClrMapping/>
   </p:clrMapOvr>
-  <mc:AlternateContent xmlns:mc="http://schemas.openxmlformats.org/markup-compatibility/2006" xmlns:p159="http://schemas.microsoft.com/office/powerpoint/2015/09/main">
-    <mc:Choice Requires="p159">
-      <p:transition spd="slow" advTm="0">
+  <mc:AlternateContent xmlns:mc="http://schemas.openxmlformats.org/markup-compatibility/2006">
+    <mc:Choice xmlns:p159="http://schemas.microsoft.com/office/powerpoint/2015/09/main" Requires="p159">
+      <p:transition spd="slow" advTm="1000">
         <p159:morph option="byObject"/>
       </p:transition>
     </mc:Choice>
-    <mc:Fallback xmlns="">
-      <p:transition spd="slow" advTm="0">
+    <mc:Fallback>
+      <p:transition spd="slow" advTm="1000">
         <p:fade/>
       </p:transition>
     </mc:Fallback>
@@ -17791,7 +17976,7 @@
 </p:sld>
 </file>
 
-<file path=ppt/slides/slide19.xml><?xml version="1.0" encoding="utf-8"?>
+<file path=ppt/slides/slide2.xml><?xml version="1.0" encoding="utf-8"?>
 <p:sld xmlns:a="http://schemas.openxmlformats.org/drawingml/2006/main" xmlns:r="http://schemas.openxmlformats.org/officeDocument/2006/relationships" xmlns:p="http://schemas.openxmlformats.org/presentationml/2006/main">
   <p:cSld>
     <p:spTree>
@@ -17799,7 +17984,7 @@
         <p:cNvPr id="1" name="">
           <a:extLst>
             <a:ext uri="{FF2B5EF4-FFF2-40B4-BE49-F238E27FC236}">
-              <a16:creationId xmlns:a16="http://schemas.microsoft.com/office/drawing/2014/main" id="{C94680FE-8857-3589-BC14-ED1CCE820FEB}"/>
+              <a16:creationId xmlns:a16="http://schemas.microsoft.com/office/drawing/2014/main" id="{C5B7D868-DEAA-5B5A-D8CC-76F8653DA436}"/>
             </a:ext>
           </a:extLst>
         </p:cNvPr>
@@ -17814,882 +17999,342 @@
           <a:chExt cx="0" cy="0"/>
         </a:xfrm>
       </p:grpSpPr>
-      <p:sp>
-        <p:nvSpPr>
-          <p:cNvPr id="3" name="Content Placeholder 2">
+      <p:grpSp>
+        <p:nvGrpSpPr>
+          <p:cNvPr id="2" name="Group 1">
             <a:extLst>
               <a:ext uri="{FF2B5EF4-FFF2-40B4-BE49-F238E27FC236}">
-                <a16:creationId xmlns:a16="http://schemas.microsoft.com/office/drawing/2014/main" id="{10F655E6-5333-A7C9-138D-E5042D584150}"/>
+                <a16:creationId xmlns:a16="http://schemas.microsoft.com/office/drawing/2014/main" id="{20833D66-A06D-EE99-986E-FF356B426DED}"/>
               </a:ext>
             </a:extLst>
           </p:cNvPr>
-          <p:cNvSpPr>
-            <a:spLocks noGrp="1"/>
-          </p:cNvSpPr>
-          <p:nvPr>
-            <p:ph idx="1"/>
-          </p:nvPr>
-        </p:nvSpPr>
-        <p:spPr>
+          <p:cNvGrpSpPr/>
+          <p:nvPr/>
+        </p:nvGrpSpPr>
+        <p:grpSpPr>
           <a:xfrm>
-            <a:off x="778446" y="311727"/>
-            <a:ext cx="7102427" cy="6210097"/>
+            <a:off x="4088598" y="2207103"/>
+            <a:ext cx="4014805" cy="2443795"/>
+            <a:chOff x="4001435" y="1906907"/>
+            <a:chExt cx="4189129" cy="2549905"/>
           </a:xfrm>
-        </p:spPr>
-        <p:txBody>
-          <a:bodyPr>
-            <a:noAutofit/>
-          </a:bodyPr>
-          <a:lstStyle/>
-          <a:p>
-            <a:pPr marL="0" indent="0">
-              <a:lnSpc>
-                <a:spcPct val="70000"/>
-              </a:lnSpc>
-              <a:buNone/>
-            </a:pPr>
-            <a:r>
-              <a:rPr lang="en-US" sz="1700" dirty="0">
-                <a:solidFill>
-                  <a:schemeClr val="accent3">
-                    <a:lumMod val="85000"/>
-                  </a:schemeClr>
-                </a:solidFill>
-                <a:latin typeface="Consolas" panose="020B0609020204030204" pitchFamily="49" charset="0"/>
-                <a:cs typeface="Consolas" panose="020B0609020204030204" pitchFamily="49" charset="0"/>
-              </a:rPr>
-              <a:t>{</a:t>
-            </a:r>
-          </a:p>
-          <a:p>
-            <a:pPr marL="0" indent="0">
-              <a:lnSpc>
-                <a:spcPct val="70000"/>
-              </a:lnSpc>
-              <a:buNone/>
-            </a:pPr>
-            <a:r>
-              <a:rPr lang="en-US" sz="1700" dirty="0">
-                <a:solidFill>
-                  <a:schemeClr val="accent3">
-                    <a:lumMod val="85000"/>
-                  </a:schemeClr>
-                </a:solidFill>
-                <a:latin typeface="Consolas" panose="020B0609020204030204" pitchFamily="49" charset="0"/>
-                <a:cs typeface="Consolas" panose="020B0609020204030204" pitchFamily="49" charset="0"/>
-              </a:rPr>
-              <a:t>    "@context": ["https://www.w3.org/2022/wot/td/v1.1"</a:t>
-            </a:r>
-          </a:p>
-          <a:p>
-            <a:pPr marL="0" indent="0">
-              <a:lnSpc>
-                <a:spcPct val="70000"/>
-              </a:lnSpc>
-              <a:buNone/>
-            </a:pPr>
-            <a:r>
-              <a:rPr lang="en-US" sz="1700" dirty="0">
-                <a:solidFill>
-                  <a:schemeClr val="accent3">
-                    <a:lumMod val="85000"/>
-                  </a:schemeClr>
-                </a:solidFill>
-                <a:latin typeface="Consolas" panose="020B0609020204030204" pitchFamily="49" charset="0"/>
-                <a:cs typeface="Consolas" panose="020B0609020204030204" pitchFamily="49" charset="0"/>
-              </a:rPr>
-              <a:t>               {"</a:t>
-            </a:r>
-            <a:r>
-              <a:rPr lang="en-US" sz="1700" dirty="0" err="1">
-                <a:solidFill>
-                  <a:schemeClr val="accent3">
-                    <a:lumMod val="85000"/>
-                  </a:schemeClr>
-                </a:solidFill>
-                <a:latin typeface="Consolas" panose="020B0609020204030204" pitchFamily="49" charset="0"/>
-                <a:cs typeface="Consolas" panose="020B0609020204030204" pitchFamily="49" charset="0"/>
-              </a:rPr>
-              <a:t>schema":"https</a:t>
-            </a:r>
-            <a:r>
-              <a:rPr lang="en-US" sz="1700" dirty="0">
-                <a:solidFill>
-                  <a:schemeClr val="accent3">
-                    <a:lumMod val="85000"/>
-                  </a:schemeClr>
-                </a:solidFill>
-                <a:latin typeface="Consolas" panose="020B0609020204030204" pitchFamily="49" charset="0"/>
-                <a:cs typeface="Consolas" panose="020B0609020204030204" pitchFamily="49" charset="0"/>
-              </a:rPr>
-              <a:t>://schema.org/"}], </a:t>
-            </a:r>
-          </a:p>
-          <a:p>
-            <a:pPr marL="0" indent="0">
-              <a:lnSpc>
-                <a:spcPct val="70000"/>
-              </a:lnSpc>
-              <a:buNone/>
-            </a:pPr>
-            <a:r>
-              <a:rPr lang="en-US" sz="1700" dirty="0">
-                <a:solidFill>
-                  <a:schemeClr val="accent3">
-                    <a:lumMod val="85000"/>
-                  </a:schemeClr>
-                </a:solidFill>
-                <a:latin typeface="Consolas" panose="020B0609020204030204" pitchFamily="49" charset="0"/>
-                <a:cs typeface="Consolas" panose="020B0609020204030204" pitchFamily="49" charset="0"/>
-              </a:rPr>
-              <a:t>    "id": "urn:uuid:0804d572-cce8-422a-bb7c-4412fcd56f06",</a:t>
-            </a:r>
-          </a:p>
-          <a:p>
-            <a:pPr marL="0" indent="0">
-              <a:lnSpc>
-                <a:spcPct val="70000"/>
-              </a:lnSpc>
-              <a:buNone/>
-            </a:pPr>
-            <a:r>
-              <a:rPr lang="en-US" sz="1700" dirty="0">
-                <a:solidFill>
-                  <a:schemeClr val="accent3">
-                    <a:lumMod val="85000"/>
-                  </a:schemeClr>
-                </a:solidFill>
-                <a:latin typeface="Consolas" panose="020B0609020204030204" pitchFamily="49" charset="0"/>
-                <a:cs typeface="Consolas" panose="020B0609020204030204" pitchFamily="49" charset="0"/>
-              </a:rPr>
-              <a:t>    "title": "Smart Coffee Machine",</a:t>
-            </a:r>
-          </a:p>
-          <a:p>
-            <a:pPr marL="0" indent="0">
-              <a:lnSpc>
-                <a:spcPct val="70000"/>
-              </a:lnSpc>
-              <a:buNone/>
-            </a:pPr>
-            <a:r>
-              <a:rPr lang="en-US" sz="1700" dirty="0">
-                <a:solidFill>
-                  <a:schemeClr val="accent3">
-                    <a:lumMod val="85000"/>
-                  </a:schemeClr>
-                </a:solidFill>
-                <a:latin typeface="Consolas" panose="020B0609020204030204" pitchFamily="49" charset="0"/>
-                <a:cs typeface="Consolas" panose="020B0609020204030204" pitchFamily="49" charset="0"/>
-              </a:rPr>
-              <a:t>    "description": "Remote controllable coffee machine",</a:t>
-            </a:r>
-          </a:p>
-          <a:p>
-            <a:pPr marL="0" indent="0">
-              <a:lnSpc>
-                <a:spcPct val="70000"/>
-              </a:lnSpc>
-              <a:buNone/>
-            </a:pPr>
-            <a:r>
-              <a:rPr lang="en-US" sz="1700" dirty="0">
-                <a:solidFill>
-                  <a:schemeClr val="accent3">
-                    <a:lumMod val="85000"/>
-                  </a:schemeClr>
-                </a:solidFill>
-                <a:latin typeface="Consolas" panose="020B0609020204030204" pitchFamily="49" charset="0"/>
-                <a:cs typeface="Consolas" panose="020B0609020204030204" pitchFamily="49" charset="0"/>
-              </a:rPr>
-              <a:t>    "</a:t>
-            </a:r>
-            <a:r>
-              <a:rPr lang="en-US" sz="1700" dirty="0" err="1">
-                <a:solidFill>
-                  <a:schemeClr val="accent3">
-                    <a:lumMod val="85000"/>
-                  </a:schemeClr>
-                </a:solidFill>
-                <a:latin typeface="Consolas" panose="020B0609020204030204" pitchFamily="49" charset="0"/>
-                <a:cs typeface="Consolas" panose="020B0609020204030204" pitchFamily="49" charset="0"/>
-              </a:rPr>
-              <a:t>schema:manufacturer</a:t>
-            </a:r>
-            <a:r>
-              <a:rPr lang="en-US" sz="1700" dirty="0">
-                <a:solidFill>
-                  <a:schemeClr val="accent3">
-                    <a:lumMod val="85000"/>
-                  </a:schemeClr>
-                </a:solidFill>
-                <a:latin typeface="Consolas" panose="020B0609020204030204" pitchFamily="49" charset="0"/>
-                <a:cs typeface="Consolas" panose="020B0609020204030204" pitchFamily="49" charset="0"/>
-              </a:rPr>
-              <a:t>": "ACME Corporation",</a:t>
-            </a:r>
-          </a:p>
-          <a:p>
-            <a:pPr marL="0" indent="0">
-              <a:lnSpc>
-                <a:spcPct val="70000"/>
-              </a:lnSpc>
-              <a:buNone/>
-            </a:pPr>
-            <a:r>
-              <a:rPr lang="en-US" sz="1700" dirty="0">
-                <a:solidFill>
-                  <a:schemeClr val="accent3">
-                    <a:lumMod val="85000"/>
-                  </a:schemeClr>
-                </a:solidFill>
-                <a:latin typeface="Consolas" panose="020B0609020204030204" pitchFamily="49" charset="0"/>
-                <a:cs typeface="Consolas" panose="020B0609020204030204" pitchFamily="49" charset="0"/>
-              </a:rPr>
-              <a:t>    "</a:t>
-            </a:r>
-            <a:r>
-              <a:rPr lang="en-US" sz="1700" dirty="0" err="1">
-                <a:solidFill>
-                  <a:schemeClr val="accent3">
-                    <a:lumMod val="85000"/>
-                  </a:schemeClr>
-                </a:solidFill>
-                <a:latin typeface="Consolas" panose="020B0609020204030204" pitchFamily="49" charset="0"/>
-                <a:cs typeface="Consolas" panose="020B0609020204030204" pitchFamily="49" charset="0"/>
-              </a:rPr>
-              <a:t>securityDefinitions</a:t>
-            </a:r>
-            <a:r>
-              <a:rPr lang="en-US" sz="1700" dirty="0">
-                <a:solidFill>
-                  <a:schemeClr val="accent3">
-                    <a:lumMod val="85000"/>
-                  </a:schemeClr>
-                </a:solidFill>
-                <a:latin typeface="Consolas" panose="020B0609020204030204" pitchFamily="49" charset="0"/>
-                <a:cs typeface="Consolas" panose="020B0609020204030204" pitchFamily="49" charset="0"/>
-              </a:rPr>
-              <a:t>": { ... },</a:t>
-            </a:r>
-          </a:p>
-          <a:p>
-            <a:pPr marL="0" indent="0">
-              <a:lnSpc>
-                <a:spcPct val="70000"/>
-              </a:lnSpc>
-              <a:buNone/>
-            </a:pPr>
-            <a:r>
-              <a:rPr lang="en-US" sz="1700" dirty="0">
-                <a:solidFill>
-                  <a:schemeClr val="accent3">
-                    <a:lumMod val="85000"/>
-                  </a:schemeClr>
-                </a:solidFill>
-                <a:latin typeface="Consolas" panose="020B0609020204030204" pitchFamily="49" charset="0"/>
-                <a:cs typeface="Consolas" panose="020B0609020204030204" pitchFamily="49" charset="0"/>
-              </a:rPr>
-              <a:t>    "security": { ... },</a:t>
-            </a:r>
-          </a:p>
-          <a:p>
-            <a:pPr marL="0" indent="0">
-              <a:lnSpc>
-                <a:spcPct val="70000"/>
-              </a:lnSpc>
-              <a:buNone/>
-            </a:pPr>
-            <a:r>
-              <a:rPr lang="en-US" sz="1700" dirty="0">
-                <a:solidFill>
-                  <a:schemeClr val="accent3">
-                    <a:lumMod val="85000"/>
-                  </a:schemeClr>
-                </a:solidFill>
-                <a:latin typeface="Consolas" panose="020B0609020204030204" pitchFamily="49" charset="0"/>
-                <a:cs typeface="Consolas" panose="020B0609020204030204" pitchFamily="49" charset="0"/>
-              </a:rPr>
-              <a:t>    "properties": {</a:t>
-            </a:r>
-          </a:p>
-          <a:p>
-            <a:pPr marL="0" indent="0">
-              <a:lnSpc>
-                <a:spcPct val="70000"/>
-              </a:lnSpc>
-              <a:buNone/>
-            </a:pPr>
-            <a:r>
-              <a:rPr lang="en-US" sz="1700" dirty="0">
-                <a:solidFill>
-                  <a:schemeClr val="accent3">
-                    <a:lumMod val="85000"/>
-                  </a:schemeClr>
-                </a:solidFill>
-                <a:latin typeface="Consolas" panose="020B0609020204030204" pitchFamily="49" charset="0"/>
-                <a:cs typeface="Consolas" panose="020B0609020204030204" pitchFamily="49" charset="0"/>
-              </a:rPr>
-              <a:t>        "</a:t>
-            </a:r>
-            <a:r>
-              <a:rPr lang="en-US" sz="1700" dirty="0" err="1">
-                <a:solidFill>
-                  <a:schemeClr val="accent3">
-                    <a:lumMod val="85000"/>
-                  </a:schemeClr>
-                </a:solidFill>
-                <a:latin typeface="Consolas" panose="020B0609020204030204" pitchFamily="49" charset="0"/>
-                <a:cs typeface="Consolas" panose="020B0609020204030204" pitchFamily="49" charset="0"/>
-              </a:rPr>
-              <a:t>coffeeBeansLeft</a:t>
-            </a:r>
-            <a:r>
-              <a:rPr lang="en-US" sz="1700" dirty="0">
-                <a:solidFill>
-                  <a:schemeClr val="accent3">
-                    <a:lumMod val="85000"/>
-                  </a:schemeClr>
-                </a:solidFill>
-                <a:latin typeface="Consolas" panose="020B0609020204030204" pitchFamily="49" charset="0"/>
-                <a:cs typeface="Consolas" panose="020B0609020204030204" pitchFamily="49" charset="0"/>
-              </a:rPr>
-              <a:t>": { ... }</a:t>
-            </a:r>
-          </a:p>
-          <a:p>
-            <a:pPr marL="0" indent="0">
-              <a:lnSpc>
-                <a:spcPct val="70000"/>
-              </a:lnSpc>
-              <a:buNone/>
-            </a:pPr>
-            <a:r>
-              <a:rPr lang="en-US" sz="1700" dirty="0">
-                <a:solidFill>
-                  <a:schemeClr val="accent3">
-                    <a:lumMod val="85000"/>
-                  </a:schemeClr>
-                </a:solidFill>
-                <a:latin typeface="Consolas" panose="020B0609020204030204" pitchFamily="49" charset="0"/>
-                <a:cs typeface="Consolas" panose="020B0609020204030204" pitchFamily="49" charset="0"/>
-              </a:rPr>
-              <a:t>    },</a:t>
-            </a:r>
-          </a:p>
-          <a:p>
-            <a:pPr marL="0" indent="0">
-              <a:lnSpc>
-                <a:spcPct val="70000"/>
-              </a:lnSpc>
-              <a:buNone/>
-            </a:pPr>
-            <a:r>
-              <a:rPr lang="en-US" sz="1700" dirty="0">
-                <a:solidFill>
-                  <a:schemeClr val="accent3">
-                    <a:lumMod val="85000"/>
-                  </a:schemeClr>
-                </a:solidFill>
-                <a:latin typeface="Consolas" panose="020B0609020204030204" pitchFamily="49" charset="0"/>
-                <a:cs typeface="Consolas" panose="020B0609020204030204" pitchFamily="49" charset="0"/>
-              </a:rPr>
-              <a:t>    "actions": {</a:t>
-            </a:r>
-          </a:p>
-          <a:p>
-            <a:pPr marL="0" indent="0">
-              <a:lnSpc>
-                <a:spcPct val="70000"/>
-              </a:lnSpc>
-              <a:buNone/>
-            </a:pPr>
-            <a:r>
-              <a:rPr lang="en-US" sz="1700" dirty="0">
-                <a:solidFill>
-                  <a:schemeClr val="accent3">
-                    <a:lumMod val="85000"/>
-                  </a:schemeClr>
-                </a:solidFill>
-                <a:latin typeface="Consolas" panose="020B0609020204030204" pitchFamily="49" charset="0"/>
-                <a:cs typeface="Consolas" panose="020B0609020204030204" pitchFamily="49" charset="0"/>
-              </a:rPr>
-              <a:t>        "</a:t>
-            </a:r>
-            <a:r>
-              <a:rPr lang="en-US" sz="1700" dirty="0" err="1">
-                <a:solidFill>
-                  <a:schemeClr val="accent3">
-                    <a:lumMod val="85000"/>
-                  </a:schemeClr>
-                </a:solidFill>
-                <a:latin typeface="Consolas" panose="020B0609020204030204" pitchFamily="49" charset="0"/>
-                <a:cs typeface="Consolas" panose="020B0609020204030204" pitchFamily="49" charset="0"/>
-              </a:rPr>
-              <a:t>brewCoffee</a:t>
-            </a:r>
-            <a:r>
-              <a:rPr lang="en-US" sz="1700" dirty="0">
-                <a:solidFill>
-                  <a:schemeClr val="accent3">
-                    <a:lumMod val="85000"/>
-                  </a:schemeClr>
-                </a:solidFill>
-                <a:latin typeface="Consolas" panose="020B0609020204030204" pitchFamily="49" charset="0"/>
-                <a:cs typeface="Consolas" panose="020B0609020204030204" pitchFamily="49" charset="0"/>
-              </a:rPr>
-              <a:t>": { ... }</a:t>
-            </a:r>
-          </a:p>
-          <a:p>
-            <a:pPr marL="0" indent="0">
-              <a:lnSpc>
-                <a:spcPct val="70000"/>
-              </a:lnSpc>
-              <a:buNone/>
-            </a:pPr>
-            <a:r>
-              <a:rPr lang="en-US" sz="1700" dirty="0">
-                <a:solidFill>
-                  <a:schemeClr val="accent3">
-                    <a:lumMod val="85000"/>
-                  </a:schemeClr>
-                </a:solidFill>
-                <a:latin typeface="Consolas" panose="020B0609020204030204" pitchFamily="49" charset="0"/>
-                <a:cs typeface="Consolas" panose="020B0609020204030204" pitchFamily="49" charset="0"/>
-              </a:rPr>
-              <a:t>    },</a:t>
-            </a:r>
-          </a:p>
-          <a:p>
-            <a:pPr marL="0" indent="0">
-              <a:lnSpc>
-                <a:spcPct val="70000"/>
-              </a:lnSpc>
-              <a:buNone/>
-            </a:pPr>
-            <a:r>
-              <a:rPr lang="en-US" sz="1700" dirty="0">
-                <a:solidFill>
-                  <a:schemeClr val="accent3">
-                    <a:lumMod val="85000"/>
-                  </a:schemeClr>
-                </a:solidFill>
-                <a:latin typeface="Consolas" panose="020B0609020204030204" pitchFamily="49" charset="0"/>
-                <a:cs typeface="Consolas" panose="020B0609020204030204" pitchFamily="49" charset="0"/>
-              </a:rPr>
-              <a:t>    "events": {</a:t>
-            </a:r>
-          </a:p>
-          <a:p>
-            <a:pPr marL="0" indent="0">
-              <a:lnSpc>
-                <a:spcPct val="70000"/>
-              </a:lnSpc>
-              <a:buNone/>
-            </a:pPr>
-            <a:r>
-              <a:rPr lang="en-US" sz="1700" dirty="0">
-                <a:solidFill>
-                  <a:schemeClr val="accent3">
-                    <a:lumMod val="85000"/>
-                  </a:schemeClr>
-                </a:solidFill>
-                <a:latin typeface="Consolas" panose="020B0609020204030204" pitchFamily="49" charset="0"/>
-                <a:cs typeface="Consolas" panose="020B0609020204030204" pitchFamily="49" charset="0"/>
-              </a:rPr>
-              <a:t>        "</a:t>
-            </a:r>
-            <a:r>
-              <a:rPr lang="en-US" sz="1700" dirty="0" err="1">
-                <a:solidFill>
-                  <a:schemeClr val="accent3">
-                    <a:lumMod val="85000"/>
-                  </a:schemeClr>
-                </a:solidFill>
-                <a:latin typeface="Consolas" panose="020B0609020204030204" pitchFamily="49" charset="0"/>
-                <a:cs typeface="Consolas" panose="020B0609020204030204" pitchFamily="49" charset="0"/>
-              </a:rPr>
-              <a:t>lowOnWater</a:t>
-            </a:r>
-            <a:r>
-              <a:rPr lang="en-US" sz="1700" dirty="0">
-                <a:solidFill>
-                  <a:schemeClr val="accent3">
-                    <a:lumMod val="85000"/>
-                  </a:schemeClr>
-                </a:solidFill>
-                <a:latin typeface="Consolas" panose="020B0609020204030204" pitchFamily="49" charset="0"/>
-                <a:cs typeface="Consolas" panose="020B0609020204030204" pitchFamily="49" charset="0"/>
-              </a:rPr>
-              <a:t>": { ... }</a:t>
-            </a:r>
-          </a:p>
-          <a:p>
-            <a:pPr marL="0" indent="0">
-              <a:lnSpc>
-                <a:spcPct val="70000"/>
-              </a:lnSpc>
-              <a:buNone/>
-            </a:pPr>
-            <a:r>
-              <a:rPr lang="en-US" sz="1700" dirty="0">
-                <a:solidFill>
-                  <a:schemeClr val="accent3">
-                    <a:lumMod val="85000"/>
-                  </a:schemeClr>
-                </a:solidFill>
-                <a:latin typeface="Consolas" panose="020B0609020204030204" pitchFamily="49" charset="0"/>
-                <a:cs typeface="Consolas" panose="020B0609020204030204" pitchFamily="49" charset="0"/>
-              </a:rPr>
-              <a:t>    },</a:t>
-            </a:r>
-          </a:p>
-          <a:p>
-            <a:pPr marL="0" indent="0">
-              <a:lnSpc>
-                <a:spcPct val="70000"/>
-              </a:lnSpc>
-              <a:buNone/>
-            </a:pPr>
-            <a:r>
-              <a:rPr lang="en-US" sz="1700" dirty="0">
-                <a:solidFill>
-                  <a:schemeClr val="accent5"/>
-                </a:solidFill>
-                <a:latin typeface="Consolas" panose="020B0609020204030204" pitchFamily="49" charset="0"/>
-                <a:cs typeface="Consolas" panose="020B0609020204030204" pitchFamily="49" charset="0"/>
-              </a:rPr>
-              <a:t>    "links"</a:t>
-            </a:r>
-            <a:r>
-              <a:rPr lang="en-US" sz="1700" dirty="0">
-                <a:solidFill>
-                  <a:schemeClr val="accent1"/>
-                </a:solidFill>
-                <a:latin typeface="Consolas" panose="020B0609020204030204" pitchFamily="49" charset="0"/>
-                <a:cs typeface="Consolas" panose="020B0609020204030204" pitchFamily="49" charset="0"/>
-              </a:rPr>
-              <a:t>: [ ... ]</a:t>
-            </a:r>
-          </a:p>
-          <a:p>
-            <a:pPr marL="0" indent="0">
-              <a:lnSpc>
-                <a:spcPct val="70000"/>
-              </a:lnSpc>
-              <a:buNone/>
-            </a:pPr>
-            <a:r>
-              <a:rPr lang="en-US" sz="1700" dirty="0">
-                <a:solidFill>
-                  <a:schemeClr val="accent3">
-                    <a:lumMod val="85000"/>
-                  </a:schemeClr>
-                </a:solidFill>
-                <a:latin typeface="Consolas" panose="020B0609020204030204" pitchFamily="49" charset="0"/>
-                <a:cs typeface="Consolas" panose="020B0609020204030204" pitchFamily="49" charset="0"/>
-              </a:rPr>
-              <a:t>}</a:t>
-            </a:r>
-          </a:p>
-        </p:txBody>
-      </p:sp>
-      <p:sp>
-        <p:nvSpPr>
-          <p:cNvPr id="2" name="TextBox 1">
-            <a:extLst>
-              <a:ext uri="{FF2B5EF4-FFF2-40B4-BE49-F238E27FC236}">
-                <a16:creationId xmlns:a16="http://schemas.microsoft.com/office/drawing/2014/main" id="{6021CC46-D636-CCD6-78D9-3B21ACC496AB}"/>
-              </a:ext>
-            </a:extLst>
-          </p:cNvPr>
-          <p:cNvSpPr txBox="1"/>
-          <p:nvPr/>
-        </p:nvSpPr>
-        <p:spPr>
-          <a:xfrm>
-            <a:off x="8460242" y="1440878"/>
-            <a:ext cx="2576346" cy="461665"/>
-          </a:xfrm>
-          <a:prstGeom prst="rect">
-            <a:avLst/>
-          </a:prstGeom>
-          <a:noFill/>
-        </p:spPr>
-        <p:txBody>
-          <a:bodyPr wrap="none" rtlCol="0">
-            <a:spAutoFit/>
-          </a:bodyPr>
-          <a:lstStyle/>
-          <a:p>
-            <a:r>
-              <a:rPr lang="en-US" sz="2400" dirty="0">
-                <a:solidFill>
-                  <a:schemeClr val="accent3">
-                    <a:lumMod val="85000"/>
-                  </a:schemeClr>
-                </a:solidFill>
-                <a:latin typeface="Century Gothic" panose="020B0502020202020204" pitchFamily="34" charset="0"/>
-              </a:rPr>
-              <a:t>Thing Metadata</a:t>
-            </a:r>
-          </a:p>
-        </p:txBody>
-      </p:sp>
-      <p:sp>
-        <p:nvSpPr>
-          <p:cNvPr id="4" name="TextBox 3">
-            <a:extLst>
-              <a:ext uri="{FF2B5EF4-FFF2-40B4-BE49-F238E27FC236}">
-                <a16:creationId xmlns:a16="http://schemas.microsoft.com/office/drawing/2014/main" id="{D462F9DF-ECDA-86D6-D7DA-EBA879D88A69}"/>
-              </a:ext>
-            </a:extLst>
-          </p:cNvPr>
-          <p:cNvSpPr txBox="1"/>
-          <p:nvPr/>
-        </p:nvSpPr>
-        <p:spPr>
-          <a:xfrm>
-            <a:off x="8460242" y="2453890"/>
-            <a:ext cx="2965877" cy="461665"/>
-          </a:xfrm>
-          <a:prstGeom prst="rect">
-            <a:avLst/>
-          </a:prstGeom>
-          <a:noFill/>
-        </p:spPr>
-        <p:txBody>
-          <a:bodyPr wrap="square" rtlCol="0">
-            <a:spAutoFit/>
-          </a:bodyPr>
-          <a:lstStyle/>
-          <a:p>
-            <a:r>
-              <a:rPr lang="en-US" sz="2400" dirty="0">
-                <a:solidFill>
-                  <a:schemeClr val="accent3">
-                    <a:lumMod val="85000"/>
-                  </a:schemeClr>
-                </a:solidFill>
-                <a:latin typeface="Century Gothic" panose="020B0502020202020204" pitchFamily="34" charset="0"/>
-              </a:rPr>
-              <a:t>Security Metadata</a:t>
-            </a:r>
-          </a:p>
-        </p:txBody>
-      </p:sp>
-      <p:sp>
-        <p:nvSpPr>
-          <p:cNvPr id="5" name="TextBox 4">
-            <a:extLst>
-              <a:ext uri="{FF2B5EF4-FFF2-40B4-BE49-F238E27FC236}">
-                <a16:creationId xmlns:a16="http://schemas.microsoft.com/office/drawing/2014/main" id="{244E0901-9380-7D14-E95F-736D27970F1F}"/>
-              </a:ext>
-            </a:extLst>
-          </p:cNvPr>
-          <p:cNvSpPr txBox="1"/>
-          <p:nvPr/>
-        </p:nvSpPr>
-        <p:spPr>
-          <a:xfrm>
-            <a:off x="8460242" y="4031886"/>
-            <a:ext cx="2404981" cy="1200329"/>
-          </a:xfrm>
-          <a:prstGeom prst="rect">
-            <a:avLst/>
-          </a:prstGeom>
-          <a:noFill/>
-        </p:spPr>
-        <p:txBody>
-          <a:bodyPr wrap="square" rtlCol="0">
-            <a:spAutoFit/>
-          </a:bodyPr>
-          <a:lstStyle/>
-          <a:p>
-            <a:r>
-              <a:rPr lang="en-US" sz="2400" dirty="0">
-                <a:solidFill>
-                  <a:schemeClr val="accent3">
-                    <a:lumMod val="85000"/>
-                  </a:schemeClr>
-                </a:solidFill>
-                <a:latin typeface="Century Gothic" panose="020B0502020202020204" pitchFamily="34" charset="0"/>
-              </a:rPr>
-              <a:t>Definition of Interaction Affordances</a:t>
-            </a:r>
-          </a:p>
-        </p:txBody>
-      </p:sp>
-      <p:sp>
-        <p:nvSpPr>
-          <p:cNvPr id="6" name="TextBox 5">
-            <a:extLst>
-              <a:ext uri="{FF2B5EF4-FFF2-40B4-BE49-F238E27FC236}">
-                <a16:creationId xmlns:a16="http://schemas.microsoft.com/office/drawing/2014/main" id="{E595E360-081A-B024-F50E-D88A6C4E33DE}"/>
-              </a:ext>
-            </a:extLst>
-          </p:cNvPr>
-          <p:cNvSpPr txBox="1"/>
-          <p:nvPr/>
-        </p:nvSpPr>
-        <p:spPr>
-          <a:xfrm>
-            <a:off x="8460242" y="5690565"/>
-            <a:ext cx="2576346" cy="830997"/>
-          </a:xfrm>
-          <a:prstGeom prst="rect">
-            <a:avLst/>
-          </a:prstGeom>
-          <a:noFill/>
-        </p:spPr>
-        <p:txBody>
-          <a:bodyPr wrap="square" rtlCol="0">
-            <a:spAutoFit/>
-          </a:bodyPr>
-          <a:lstStyle/>
-          <a:p>
-            <a:r>
-              <a:rPr lang="en-US" sz="2400" dirty="0">
-                <a:solidFill>
-                  <a:schemeClr val="accent1"/>
-                </a:solidFill>
-                <a:latin typeface="Century Gothic" panose="020B0502020202020204" pitchFamily="34" charset="0"/>
-              </a:rPr>
-              <a:t>Links to other documents</a:t>
-            </a:r>
-          </a:p>
-        </p:txBody>
-      </p:sp>
-      <p:sp>
-        <p:nvSpPr>
-          <p:cNvPr id="7" name="TextBox 6">
-            <a:extLst>
-              <a:ext uri="{FF2B5EF4-FFF2-40B4-BE49-F238E27FC236}">
-                <a16:creationId xmlns:a16="http://schemas.microsoft.com/office/drawing/2014/main" id="{12409390-7D34-3251-583D-FF5E1B019C5B}"/>
-              </a:ext>
-            </a:extLst>
-          </p:cNvPr>
-          <p:cNvSpPr txBox="1"/>
-          <p:nvPr/>
-        </p:nvSpPr>
-        <p:spPr>
-          <a:xfrm>
-            <a:off x="8460242" y="474032"/>
-            <a:ext cx="2808393" cy="830997"/>
-          </a:xfrm>
-          <a:prstGeom prst="rect">
-            <a:avLst/>
-          </a:prstGeom>
-          <a:noFill/>
-        </p:spPr>
-        <p:txBody>
-          <a:bodyPr wrap="square" rtlCol="0">
-            <a:spAutoFit/>
-          </a:bodyPr>
-          <a:lstStyle/>
-          <a:p>
-            <a:r>
-              <a:rPr lang="en-US" sz="2400" dirty="0">
-                <a:solidFill>
-                  <a:schemeClr val="accent3">
-                    <a:lumMod val="85000"/>
-                  </a:schemeClr>
-                </a:solidFill>
-                <a:latin typeface="Century Gothic" panose="020B0502020202020204" pitchFamily="34" charset="0"/>
-              </a:rPr>
-              <a:t>Semantic Annotations</a:t>
-            </a:r>
-          </a:p>
-        </p:txBody>
-      </p:sp>
-    </p:spTree>
-    <p:extLst>
-      <p:ext uri="{BB962C8B-B14F-4D97-AF65-F5344CB8AC3E}">
-        <p14:creationId xmlns:p14="http://schemas.microsoft.com/office/powerpoint/2010/main" val="793767846"/>
-      </p:ext>
-    </p:extLst>
-  </p:cSld>
-  <p:clrMapOvr>
-    <a:masterClrMapping/>
-  </p:clrMapOvr>
-  <mc:AlternateContent xmlns:mc="http://schemas.openxmlformats.org/markup-compatibility/2006" xmlns:p159="http://schemas.microsoft.com/office/powerpoint/2015/09/main">
-    <mc:Choice Requires="p159">
-      <p:transition spd="slow" advTm="0">
-        <p159:morph option="byObject"/>
-      </p:transition>
-    </mc:Choice>
-    <mc:Fallback xmlns="">
-      <p:transition spd="slow" advTm="0">
-        <p:fade/>
-      </p:transition>
-    </mc:Fallback>
-  </mc:AlternateContent>
-</p:sld>
-</file>
-
-<file path=ppt/slides/slide2.xml><?xml version="1.0" encoding="utf-8"?>
-<p:sld xmlns:a="http://schemas.openxmlformats.org/drawingml/2006/main" xmlns:r="http://schemas.openxmlformats.org/officeDocument/2006/relationships" xmlns:p="http://schemas.openxmlformats.org/presentationml/2006/main">
-  <p:cSld>
-    <p:spTree>
-      <p:nvGrpSpPr>
-        <p:cNvPr id="1" name=""/>
-        <p:cNvGrpSpPr/>
-        <p:nvPr/>
-      </p:nvGrpSpPr>
-      <p:grpSpPr>
-        <a:xfrm>
-          <a:off x="0" y="0"/>
-          <a:ext cx="0" cy="0"/>
-          <a:chOff x="0" y="0"/>
-          <a:chExt cx="0" cy="0"/>
-        </a:xfrm>
-      </p:grpSpPr>
-      <p:pic>
-        <p:nvPicPr>
-          <p:cNvPr id="22" name="Graphic 21" descr="Laptop with solid fill">
-            <a:extLst>
-              <a:ext uri="{FF2B5EF4-FFF2-40B4-BE49-F238E27FC236}">
-                <a16:creationId xmlns:a16="http://schemas.microsoft.com/office/drawing/2014/main" id="{80AF5F8D-B790-05A4-FAA8-AADB04F44E05}"/>
-              </a:ext>
-            </a:extLst>
-          </p:cNvPr>
-          <p:cNvPicPr>
-            <a:picLocks noChangeAspect="1"/>
-          </p:cNvPicPr>
-          <p:nvPr/>
-        </p:nvPicPr>
-        <p:blipFill>
-          <a:blip r:embed="rId3">
-            <a:extLst>
-              <a:ext uri="{28A0092B-C50C-407E-A947-70E740481C1C}">
-                <a14:useLocalDpi xmlns:a14="http://schemas.microsoft.com/office/drawing/2010/main" val="0"/>
-              </a:ext>
-              <a:ext uri="{96DAC541-7B7A-43D3-8B79-37D633B846F1}">
-                <asvg:svgBlip xmlns:asvg="http://schemas.microsoft.com/office/drawing/2016/SVG/main" r:embed="rId4"/>
-              </a:ext>
-            </a:extLst>
-          </a:blip>
-          <a:stretch>
-            <a:fillRect/>
-          </a:stretch>
-        </p:blipFill>
-        <p:spPr>
-          <a:xfrm>
-            <a:off x="3910367" y="996227"/>
-            <a:ext cx="4371266" cy="4371266"/>
-          </a:xfrm>
-          <a:prstGeom prst="rect">
-            <a:avLst/>
-          </a:prstGeom>
-        </p:spPr>
-      </p:pic>
+        </p:grpSpPr>
+        <p:sp>
+          <p:nvSpPr>
+            <p:cNvPr id="7" name="Freeform: Shape 6">
+              <a:extLst>
+                <a:ext uri="{FF2B5EF4-FFF2-40B4-BE49-F238E27FC236}">
+                  <a16:creationId xmlns:a16="http://schemas.microsoft.com/office/drawing/2014/main" id="{56ABCF1C-6A9B-43E2-5D5F-BFD3D47C2ED9}"/>
+                </a:ext>
+              </a:extLst>
+            </p:cNvPr>
+            <p:cNvSpPr/>
+            <p:nvPr/>
+          </p:nvSpPr>
+          <p:spPr>
+            <a:xfrm>
+              <a:off x="4547843" y="1906907"/>
+              <a:ext cx="3096313" cy="2094564"/>
+            </a:xfrm>
+            <a:custGeom>
+              <a:avLst/>
+              <a:gdLst>
+                <a:gd name="connsiteX0" fmla="*/ 2823109 w 3096313"/>
+                <a:gd name="connsiteY0" fmla="*/ 1821361 h 2094564"/>
+                <a:gd name="connsiteX1" fmla="*/ 273204 w 3096313"/>
+                <a:gd name="connsiteY1" fmla="*/ 1821361 h 2094564"/>
+                <a:gd name="connsiteX2" fmla="*/ 273204 w 3096313"/>
+                <a:gd name="connsiteY2" fmla="*/ 273204 h 2094564"/>
+                <a:gd name="connsiteX3" fmla="*/ 2823109 w 3096313"/>
+                <a:gd name="connsiteY3" fmla="*/ 273204 h 2094564"/>
+                <a:gd name="connsiteX4" fmla="*/ 2823109 w 3096313"/>
+                <a:gd name="connsiteY4" fmla="*/ 1821361 h 2094564"/>
+                <a:gd name="connsiteX5" fmla="*/ 3096314 w 3096313"/>
+                <a:gd name="connsiteY5" fmla="*/ 182136 h 2094564"/>
+                <a:gd name="connsiteX6" fmla="*/ 2914177 w 3096313"/>
+                <a:gd name="connsiteY6" fmla="*/ 0 h 2094564"/>
+                <a:gd name="connsiteX7" fmla="*/ 182136 w 3096313"/>
+                <a:gd name="connsiteY7" fmla="*/ 0 h 2094564"/>
+                <a:gd name="connsiteX8" fmla="*/ 0 w 3096313"/>
+                <a:gd name="connsiteY8" fmla="*/ 182136 h 2094564"/>
+                <a:gd name="connsiteX9" fmla="*/ 0 w 3096313"/>
+                <a:gd name="connsiteY9" fmla="*/ 2094565 h 2094564"/>
+                <a:gd name="connsiteX10" fmla="*/ 3096314 w 3096313"/>
+                <a:gd name="connsiteY10" fmla="*/ 2094565 h 2094564"/>
+                <a:gd name="connsiteX11" fmla="*/ 3096314 w 3096313"/>
+                <a:gd name="connsiteY11" fmla="*/ 182136 h 2094564"/>
+              </a:gdLst>
+              <a:ahLst/>
+              <a:cxnLst>
+                <a:cxn ang="0">
+                  <a:pos x="connsiteX0" y="connsiteY0"/>
+                </a:cxn>
+                <a:cxn ang="0">
+                  <a:pos x="connsiteX1" y="connsiteY1"/>
+                </a:cxn>
+                <a:cxn ang="0">
+                  <a:pos x="connsiteX2" y="connsiteY2"/>
+                </a:cxn>
+                <a:cxn ang="0">
+                  <a:pos x="connsiteX3" y="connsiteY3"/>
+                </a:cxn>
+                <a:cxn ang="0">
+                  <a:pos x="connsiteX4" y="connsiteY4"/>
+                </a:cxn>
+                <a:cxn ang="0">
+                  <a:pos x="connsiteX5" y="connsiteY5"/>
+                </a:cxn>
+                <a:cxn ang="0">
+                  <a:pos x="connsiteX6" y="connsiteY6"/>
+                </a:cxn>
+                <a:cxn ang="0">
+                  <a:pos x="connsiteX7" y="connsiteY7"/>
+                </a:cxn>
+                <a:cxn ang="0">
+                  <a:pos x="connsiteX8" y="connsiteY8"/>
+                </a:cxn>
+                <a:cxn ang="0">
+                  <a:pos x="connsiteX9" y="connsiteY9"/>
+                </a:cxn>
+                <a:cxn ang="0">
+                  <a:pos x="connsiteX10" y="connsiteY10"/>
+                </a:cxn>
+                <a:cxn ang="0">
+                  <a:pos x="connsiteX11" y="connsiteY11"/>
+                </a:cxn>
+              </a:cxnLst>
+              <a:rect l="l" t="t" r="r" b="b"/>
+              <a:pathLst>
+                <a:path w="3096313" h="2094564">
+                  <a:moveTo>
+                    <a:pt x="2823109" y="1821361"/>
+                  </a:moveTo>
+                  <a:lnTo>
+                    <a:pt x="273204" y="1821361"/>
+                  </a:lnTo>
+                  <a:lnTo>
+                    <a:pt x="273204" y="273204"/>
+                  </a:lnTo>
+                  <a:lnTo>
+                    <a:pt x="2823109" y="273204"/>
+                  </a:lnTo>
+                  <a:lnTo>
+                    <a:pt x="2823109" y="1821361"/>
+                  </a:lnTo>
+                  <a:close/>
+                  <a:moveTo>
+                    <a:pt x="3096314" y="182136"/>
+                  </a:moveTo>
+                  <a:cubicBezTo>
+                    <a:pt x="3096314" y="81961"/>
+                    <a:pt x="3014352" y="0"/>
+                    <a:pt x="2914177" y="0"/>
+                  </a:cubicBezTo>
+                  <a:lnTo>
+                    <a:pt x="182136" y="0"/>
+                  </a:lnTo>
+                  <a:cubicBezTo>
+                    <a:pt x="81961" y="0"/>
+                    <a:pt x="0" y="81961"/>
+                    <a:pt x="0" y="182136"/>
+                  </a:cubicBezTo>
+                  <a:lnTo>
+                    <a:pt x="0" y="2094565"/>
+                  </a:lnTo>
+                  <a:lnTo>
+                    <a:pt x="3096314" y="2094565"/>
+                  </a:lnTo>
+                  <a:lnTo>
+                    <a:pt x="3096314" y="182136"/>
+                  </a:lnTo>
+                  <a:close/>
+                </a:path>
+              </a:pathLst>
+            </a:custGeom>
+            <a:solidFill>
+              <a:schemeClr val="accent2"/>
+            </a:solidFill>
+            <a:ln w="45442" cap="flat">
+              <a:noFill/>
+              <a:prstDash val="solid"/>
+              <a:miter/>
+            </a:ln>
+          </p:spPr>
+          <p:txBody>
+            <a:bodyPr rtlCol="0" anchor="ctr"/>
+            <a:lstStyle/>
+            <a:p>
+              <a:endParaRPr lang="en-US"/>
+            </a:p>
+          </p:txBody>
+        </p:sp>
+        <p:sp>
+          <p:nvSpPr>
+            <p:cNvPr id="8" name="Freeform: Shape 7">
+              <a:extLst>
+                <a:ext uri="{FF2B5EF4-FFF2-40B4-BE49-F238E27FC236}">
+                  <a16:creationId xmlns:a16="http://schemas.microsoft.com/office/drawing/2014/main" id="{926AAD34-9FC4-AD66-498D-1D0497679CBA}"/>
+                </a:ext>
+              </a:extLst>
+            </p:cNvPr>
+            <p:cNvSpPr/>
+            <p:nvPr/>
+          </p:nvSpPr>
+          <p:spPr>
+            <a:xfrm>
+              <a:off x="4001435" y="4183608"/>
+              <a:ext cx="4189129" cy="273204"/>
+            </a:xfrm>
+            <a:custGeom>
+              <a:avLst/>
+              <a:gdLst>
+                <a:gd name="connsiteX0" fmla="*/ 2367769 w 4189129"/>
+                <a:gd name="connsiteY0" fmla="*/ 0 h 273204"/>
+                <a:gd name="connsiteX1" fmla="*/ 2367769 w 4189129"/>
+                <a:gd name="connsiteY1" fmla="*/ 45534 h 273204"/>
+                <a:gd name="connsiteX2" fmla="*/ 2322235 w 4189129"/>
+                <a:gd name="connsiteY2" fmla="*/ 91068 h 273204"/>
+                <a:gd name="connsiteX3" fmla="*/ 1866895 w 4189129"/>
+                <a:gd name="connsiteY3" fmla="*/ 91068 h 273204"/>
+                <a:gd name="connsiteX4" fmla="*/ 1821361 w 4189129"/>
+                <a:gd name="connsiteY4" fmla="*/ 45534 h 273204"/>
+                <a:gd name="connsiteX5" fmla="*/ 1821361 w 4189129"/>
+                <a:gd name="connsiteY5" fmla="*/ 0 h 273204"/>
+                <a:gd name="connsiteX6" fmla="*/ 0 w 4189129"/>
+                <a:gd name="connsiteY6" fmla="*/ 0 h 273204"/>
+                <a:gd name="connsiteX7" fmla="*/ 0 w 4189129"/>
+                <a:gd name="connsiteY7" fmla="*/ 91068 h 273204"/>
+                <a:gd name="connsiteX8" fmla="*/ 182136 w 4189129"/>
+                <a:gd name="connsiteY8" fmla="*/ 273204 h 273204"/>
+                <a:gd name="connsiteX9" fmla="*/ 4006994 w 4189129"/>
+                <a:gd name="connsiteY9" fmla="*/ 273204 h 273204"/>
+                <a:gd name="connsiteX10" fmla="*/ 4189130 w 4189129"/>
+                <a:gd name="connsiteY10" fmla="*/ 91068 h 273204"/>
+                <a:gd name="connsiteX11" fmla="*/ 4189130 w 4189129"/>
+                <a:gd name="connsiteY11" fmla="*/ 0 h 273204"/>
+                <a:gd name="connsiteX12" fmla="*/ 2367769 w 4189129"/>
+                <a:gd name="connsiteY12" fmla="*/ 0 h 273204"/>
+              </a:gdLst>
+              <a:ahLst/>
+              <a:cxnLst>
+                <a:cxn ang="0">
+                  <a:pos x="connsiteX0" y="connsiteY0"/>
+                </a:cxn>
+                <a:cxn ang="0">
+                  <a:pos x="connsiteX1" y="connsiteY1"/>
+                </a:cxn>
+                <a:cxn ang="0">
+                  <a:pos x="connsiteX2" y="connsiteY2"/>
+                </a:cxn>
+                <a:cxn ang="0">
+                  <a:pos x="connsiteX3" y="connsiteY3"/>
+                </a:cxn>
+                <a:cxn ang="0">
+                  <a:pos x="connsiteX4" y="connsiteY4"/>
+                </a:cxn>
+                <a:cxn ang="0">
+                  <a:pos x="connsiteX5" y="connsiteY5"/>
+                </a:cxn>
+                <a:cxn ang="0">
+                  <a:pos x="connsiteX6" y="connsiteY6"/>
+                </a:cxn>
+                <a:cxn ang="0">
+                  <a:pos x="connsiteX7" y="connsiteY7"/>
+                </a:cxn>
+                <a:cxn ang="0">
+                  <a:pos x="connsiteX8" y="connsiteY8"/>
+                </a:cxn>
+                <a:cxn ang="0">
+                  <a:pos x="connsiteX9" y="connsiteY9"/>
+                </a:cxn>
+                <a:cxn ang="0">
+                  <a:pos x="connsiteX10" y="connsiteY10"/>
+                </a:cxn>
+                <a:cxn ang="0">
+                  <a:pos x="connsiteX11" y="connsiteY11"/>
+                </a:cxn>
+                <a:cxn ang="0">
+                  <a:pos x="connsiteX12" y="connsiteY12"/>
+                </a:cxn>
+              </a:cxnLst>
+              <a:rect l="l" t="t" r="r" b="b"/>
+              <a:pathLst>
+                <a:path w="4189129" h="273204">
+                  <a:moveTo>
+                    <a:pt x="2367769" y="0"/>
+                  </a:moveTo>
+                  <a:lnTo>
+                    <a:pt x="2367769" y="45534"/>
+                  </a:lnTo>
+                  <a:cubicBezTo>
+                    <a:pt x="2367769" y="72854"/>
+                    <a:pt x="2349556" y="91068"/>
+                    <a:pt x="2322235" y="91068"/>
+                  </a:cubicBezTo>
+                  <a:lnTo>
+                    <a:pt x="1866895" y="91068"/>
+                  </a:lnTo>
+                  <a:cubicBezTo>
+                    <a:pt x="1839575" y="91068"/>
+                    <a:pt x="1821361" y="72854"/>
+                    <a:pt x="1821361" y="45534"/>
+                  </a:cubicBezTo>
+                  <a:lnTo>
+                    <a:pt x="1821361" y="0"/>
+                  </a:lnTo>
+                  <a:lnTo>
+                    <a:pt x="0" y="0"/>
+                  </a:lnTo>
+                  <a:lnTo>
+                    <a:pt x="0" y="91068"/>
+                  </a:lnTo>
+                  <a:cubicBezTo>
+                    <a:pt x="0" y="191243"/>
+                    <a:pt x="81961" y="273204"/>
+                    <a:pt x="182136" y="273204"/>
+                  </a:cubicBezTo>
+                  <a:lnTo>
+                    <a:pt x="4006994" y="273204"/>
+                  </a:lnTo>
+                  <a:cubicBezTo>
+                    <a:pt x="4107169" y="273204"/>
+                    <a:pt x="4189130" y="191243"/>
+                    <a:pt x="4189130" y="91068"/>
+                  </a:cubicBezTo>
+                  <a:lnTo>
+                    <a:pt x="4189130" y="0"/>
+                  </a:lnTo>
+                  <a:lnTo>
+                    <a:pt x="2367769" y="0"/>
+                  </a:lnTo>
+                  <a:close/>
+                </a:path>
+              </a:pathLst>
+            </a:custGeom>
+            <a:solidFill>
+              <a:schemeClr val="accent2"/>
+            </a:solidFill>
+            <a:ln w="45442" cap="flat">
+              <a:noFill/>
+              <a:prstDash val="solid"/>
+              <a:miter/>
+            </a:ln>
+          </p:spPr>
+          <p:txBody>
+            <a:bodyPr rtlCol="0" anchor="ctr"/>
+            <a:lstStyle/>
+            <a:p>
+              <a:endParaRPr lang="en-US"/>
+            </a:p>
+          </p:txBody>
+        </p:sp>
+      </p:grpSp>
       <p:grpSp>
         <p:nvGrpSpPr>
           <p:cNvPr id="3" name="Graphic 1" descr="Thermometer with solid fill">
             <a:extLst>
               <a:ext uri="{FF2B5EF4-FFF2-40B4-BE49-F238E27FC236}">
-                <a16:creationId xmlns:a16="http://schemas.microsoft.com/office/drawing/2014/main" id="{7D114E5F-662B-F86A-4F07-C7B161FBA75B}"/>
+                <a16:creationId xmlns:a16="http://schemas.microsoft.com/office/drawing/2014/main" id="{092504D0-145E-9809-604F-AA807F31CA3B}"/>
               </a:ext>
             </a:extLst>
           </p:cNvPr>
@@ -18712,7 +18357,7 @@
             <p:cNvPr id="4" name="Freeform 3">
               <a:extLst>
                 <a:ext uri="{FF2B5EF4-FFF2-40B4-BE49-F238E27FC236}">
-                  <a16:creationId xmlns:a16="http://schemas.microsoft.com/office/drawing/2014/main" id="{0F7434C7-DF67-656C-74B4-FC324FF4CFBF}"/>
+                  <a16:creationId xmlns:a16="http://schemas.microsoft.com/office/drawing/2014/main" id="{910F2536-E9C1-FAE7-3160-9DD94B8B17F8}"/>
                 </a:ext>
               </a:extLst>
             </p:cNvPr>
@@ -18967,7 +18612,7 @@
             <p:cNvPr id="5" name="Freeform 4">
               <a:extLst>
                 <a:ext uri="{FF2B5EF4-FFF2-40B4-BE49-F238E27FC236}">
-                  <a16:creationId xmlns:a16="http://schemas.microsoft.com/office/drawing/2014/main" id="{6919CE0E-932C-7B3C-939A-04695F45A649}"/>
+                  <a16:creationId xmlns:a16="http://schemas.microsoft.com/office/drawing/2014/main" id="{20985938-F254-B8F9-456B-A475D5695EB8}"/>
                 </a:ext>
               </a:extLst>
             </p:cNvPr>
@@ -19118,7 +18763,7 @@
           <p:cNvPr id="6" name="TextBox 5">
             <a:extLst>
               <a:ext uri="{FF2B5EF4-FFF2-40B4-BE49-F238E27FC236}">
-                <a16:creationId xmlns:a16="http://schemas.microsoft.com/office/drawing/2014/main" id="{93788330-9E21-AF63-C599-4A1053131034}"/>
+                <a16:creationId xmlns:a16="http://schemas.microsoft.com/office/drawing/2014/main" id="{7667A8CF-3B7A-CF18-D4C7-9710588DD403}"/>
               </a:ext>
             </a:extLst>
           </p:cNvPr>
@@ -19192,24 +18837,78 @@
           </a:p>
         </p:txBody>
       </p:sp>
+      <p:sp>
+        <p:nvSpPr>
+          <p:cNvPr id="9" name="Rectangle 8">
+            <a:extLst>
+              <a:ext uri="{FF2B5EF4-FFF2-40B4-BE49-F238E27FC236}">
+                <a16:creationId xmlns:a16="http://schemas.microsoft.com/office/drawing/2014/main" id="{64018494-DE57-2557-D2A3-F1EA898B1E64}"/>
+              </a:ext>
+            </a:extLst>
+          </p:cNvPr>
+          <p:cNvSpPr/>
+          <p:nvPr/>
+        </p:nvSpPr>
+        <p:spPr>
+          <a:xfrm>
+            <a:off x="1295400" y="1769410"/>
+            <a:ext cx="1524000" cy="1659590"/>
+          </a:xfrm>
+          <a:prstGeom prst="rect">
+            <a:avLst/>
+          </a:prstGeom>
+          <a:solidFill>
+            <a:schemeClr val="accent3">
+              <a:lumMod val="95000"/>
+            </a:schemeClr>
+          </a:solidFill>
+          <a:ln>
+            <a:noFill/>
+          </a:ln>
+        </p:spPr>
+        <p:style>
+          <a:lnRef idx="2">
+            <a:schemeClr val="accent1">
+              <a:shade val="15000"/>
+            </a:schemeClr>
+          </a:lnRef>
+          <a:fillRef idx="1">
+            <a:schemeClr val="accent1"/>
+          </a:fillRef>
+          <a:effectRef idx="0">
+            <a:schemeClr val="accent1"/>
+          </a:effectRef>
+          <a:fontRef idx="minor">
+            <a:schemeClr val="lt1"/>
+          </a:fontRef>
+        </p:style>
+        <p:txBody>
+          <a:bodyPr rtlCol="0" anchor="ctr"/>
+          <a:lstStyle/>
+          <a:p>
+            <a:pPr algn="ctr"/>
+            <a:endParaRPr lang="en-US"/>
+          </a:p>
+        </p:txBody>
+      </p:sp>
     </p:spTree>
     <p:extLst>
       <p:ext uri="{BB962C8B-B14F-4D97-AF65-F5344CB8AC3E}">
-        <p14:creationId xmlns:p14="http://schemas.microsoft.com/office/powerpoint/2010/main" val="1268547292"/>
+        <p14:creationId xmlns:p14="http://schemas.microsoft.com/office/powerpoint/2010/main" val="4210215951"/>
       </p:ext>
     </p:extLst>
   </p:cSld>
   <p:clrMapOvr>
     <a:masterClrMapping/>
   </p:clrMapOvr>
-  <mc:AlternateContent xmlns:mc="http://schemas.openxmlformats.org/markup-compatibility/2006" xmlns:p159="http://schemas.microsoft.com/office/powerpoint/2015/09/main">
-    <mc:Choice Requires="p159">
-      <p:transition spd="med" advClick="0" advTm="0">
+  <mc:AlternateContent xmlns:mc="http://schemas.openxmlformats.org/markup-compatibility/2006">
+    <mc:Choice xmlns:p159="http://schemas.microsoft.com/office/powerpoint/2015/09/main" Requires="p159">
+      <p:transition xmlns:p14="http://schemas.microsoft.com/office/powerpoint/2010/main" spd="slow" p14:dur="760" advClick="0" advTm="0">
         <p159:morph option="byObject"/>
       </p:transition>
     </mc:Choice>
-    <mc:Fallback xmlns="">
-      <p:transition spd="med" advClick="0" advTm="0">
+    <mc:Fallback>
+      <p:transition spd="slow" advClick="0" advTm="0">
         <p:fade/>
       </p:transition>
     </mc:Fallback>
@@ -19218,6 +18917,843 @@
 </file>
 
 <file path=ppt/slides/slide20.xml><?xml version="1.0" encoding="utf-8"?>
+<p:sld xmlns:a="http://schemas.openxmlformats.org/drawingml/2006/main" xmlns:r="http://schemas.openxmlformats.org/officeDocument/2006/relationships" xmlns:p="http://schemas.openxmlformats.org/presentationml/2006/main">
+  <p:cSld>
+    <p:spTree>
+      <p:nvGrpSpPr>
+        <p:cNvPr id="1" name="">
+          <a:extLst>
+            <a:ext uri="{FF2B5EF4-FFF2-40B4-BE49-F238E27FC236}">
+              <a16:creationId xmlns:a16="http://schemas.microsoft.com/office/drawing/2014/main" id="{C94680FE-8857-3589-BC14-ED1CCE820FEB}"/>
+            </a:ext>
+          </a:extLst>
+        </p:cNvPr>
+        <p:cNvGrpSpPr/>
+        <p:nvPr/>
+      </p:nvGrpSpPr>
+      <p:grpSpPr>
+        <a:xfrm>
+          <a:off x="0" y="0"/>
+          <a:ext cx="0" cy="0"/>
+          <a:chOff x="0" y="0"/>
+          <a:chExt cx="0" cy="0"/>
+        </a:xfrm>
+      </p:grpSpPr>
+      <p:sp>
+        <p:nvSpPr>
+          <p:cNvPr id="3" name="Content Placeholder 2">
+            <a:extLst>
+              <a:ext uri="{FF2B5EF4-FFF2-40B4-BE49-F238E27FC236}">
+                <a16:creationId xmlns:a16="http://schemas.microsoft.com/office/drawing/2014/main" id="{10F655E6-5333-A7C9-138D-E5042D584150}"/>
+              </a:ext>
+            </a:extLst>
+          </p:cNvPr>
+          <p:cNvSpPr>
+            <a:spLocks noGrp="1"/>
+          </p:cNvSpPr>
+          <p:nvPr>
+            <p:ph idx="1"/>
+          </p:nvPr>
+        </p:nvSpPr>
+        <p:spPr>
+          <a:xfrm>
+            <a:off x="778446" y="311727"/>
+            <a:ext cx="7102427" cy="6210097"/>
+          </a:xfrm>
+        </p:spPr>
+        <p:txBody>
+          <a:bodyPr>
+            <a:noAutofit/>
+          </a:bodyPr>
+          <a:lstStyle/>
+          <a:p>
+            <a:pPr marL="0" indent="0">
+              <a:lnSpc>
+                <a:spcPct val="70000"/>
+              </a:lnSpc>
+              <a:buNone/>
+            </a:pPr>
+            <a:r>
+              <a:rPr lang="en-US" sz="1700" dirty="0">
+                <a:solidFill>
+                  <a:schemeClr val="accent3">
+                    <a:lumMod val="85000"/>
+                  </a:schemeClr>
+                </a:solidFill>
+                <a:latin typeface="Consolas" panose="020B0609020204030204" pitchFamily="49" charset="0"/>
+                <a:cs typeface="Consolas" panose="020B0609020204030204" pitchFamily="49" charset="0"/>
+              </a:rPr>
+              <a:t>{</a:t>
+            </a:r>
+          </a:p>
+          <a:p>
+            <a:pPr marL="0" indent="0">
+              <a:lnSpc>
+                <a:spcPct val="70000"/>
+              </a:lnSpc>
+              <a:buNone/>
+            </a:pPr>
+            <a:r>
+              <a:rPr lang="en-US" sz="1700" dirty="0">
+                <a:solidFill>
+                  <a:schemeClr val="accent3">
+                    <a:lumMod val="85000"/>
+                  </a:schemeClr>
+                </a:solidFill>
+                <a:latin typeface="Consolas" panose="020B0609020204030204" pitchFamily="49" charset="0"/>
+                <a:cs typeface="Consolas" panose="020B0609020204030204" pitchFamily="49" charset="0"/>
+              </a:rPr>
+              <a:t>    "@context": ["https://www.w3.org/2022/wot/td/v1.1"</a:t>
+            </a:r>
+          </a:p>
+          <a:p>
+            <a:pPr marL="0" indent="0">
+              <a:lnSpc>
+                <a:spcPct val="70000"/>
+              </a:lnSpc>
+              <a:buNone/>
+            </a:pPr>
+            <a:r>
+              <a:rPr lang="en-US" sz="1700" dirty="0">
+                <a:solidFill>
+                  <a:schemeClr val="accent3">
+                    <a:lumMod val="85000"/>
+                  </a:schemeClr>
+                </a:solidFill>
+                <a:latin typeface="Consolas" panose="020B0609020204030204" pitchFamily="49" charset="0"/>
+                <a:cs typeface="Consolas" panose="020B0609020204030204" pitchFamily="49" charset="0"/>
+              </a:rPr>
+              <a:t>               {"</a:t>
+            </a:r>
+            <a:r>
+              <a:rPr lang="en-US" sz="1700" dirty="0" err="1">
+                <a:solidFill>
+                  <a:schemeClr val="accent3">
+                    <a:lumMod val="85000"/>
+                  </a:schemeClr>
+                </a:solidFill>
+                <a:latin typeface="Consolas" panose="020B0609020204030204" pitchFamily="49" charset="0"/>
+                <a:cs typeface="Consolas" panose="020B0609020204030204" pitchFamily="49" charset="0"/>
+              </a:rPr>
+              <a:t>schema":"https</a:t>
+            </a:r>
+            <a:r>
+              <a:rPr lang="en-US" sz="1700" dirty="0">
+                <a:solidFill>
+                  <a:schemeClr val="accent3">
+                    <a:lumMod val="85000"/>
+                  </a:schemeClr>
+                </a:solidFill>
+                <a:latin typeface="Consolas" panose="020B0609020204030204" pitchFamily="49" charset="0"/>
+                <a:cs typeface="Consolas" panose="020B0609020204030204" pitchFamily="49" charset="0"/>
+              </a:rPr>
+              <a:t>://schema.org/"}], </a:t>
+            </a:r>
+          </a:p>
+          <a:p>
+            <a:pPr marL="0" indent="0">
+              <a:lnSpc>
+                <a:spcPct val="70000"/>
+              </a:lnSpc>
+              <a:buNone/>
+            </a:pPr>
+            <a:r>
+              <a:rPr lang="en-US" sz="1700" dirty="0">
+                <a:solidFill>
+                  <a:schemeClr val="accent3">
+                    <a:lumMod val="85000"/>
+                  </a:schemeClr>
+                </a:solidFill>
+                <a:latin typeface="Consolas" panose="020B0609020204030204" pitchFamily="49" charset="0"/>
+                <a:cs typeface="Consolas" panose="020B0609020204030204" pitchFamily="49" charset="0"/>
+              </a:rPr>
+              <a:t>    "id": "urn:uuid:0804d572-cce8-422a-bb7c-4412fcd56f06",</a:t>
+            </a:r>
+          </a:p>
+          <a:p>
+            <a:pPr marL="0" indent="0">
+              <a:lnSpc>
+                <a:spcPct val="70000"/>
+              </a:lnSpc>
+              <a:buNone/>
+            </a:pPr>
+            <a:r>
+              <a:rPr lang="en-US" sz="1700" dirty="0">
+                <a:solidFill>
+                  <a:schemeClr val="accent3">
+                    <a:lumMod val="85000"/>
+                  </a:schemeClr>
+                </a:solidFill>
+                <a:latin typeface="Consolas" panose="020B0609020204030204" pitchFamily="49" charset="0"/>
+                <a:cs typeface="Consolas" panose="020B0609020204030204" pitchFamily="49" charset="0"/>
+              </a:rPr>
+              <a:t>    "title": "Smart Coffee Machine",</a:t>
+            </a:r>
+          </a:p>
+          <a:p>
+            <a:pPr marL="0" indent="0">
+              <a:lnSpc>
+                <a:spcPct val="70000"/>
+              </a:lnSpc>
+              <a:buNone/>
+            </a:pPr>
+            <a:r>
+              <a:rPr lang="en-US" sz="1700" dirty="0">
+                <a:solidFill>
+                  <a:schemeClr val="accent3">
+                    <a:lumMod val="85000"/>
+                  </a:schemeClr>
+                </a:solidFill>
+                <a:latin typeface="Consolas" panose="020B0609020204030204" pitchFamily="49" charset="0"/>
+                <a:cs typeface="Consolas" panose="020B0609020204030204" pitchFamily="49" charset="0"/>
+              </a:rPr>
+              <a:t>    "description": "Remote controllable coffee machine",</a:t>
+            </a:r>
+          </a:p>
+          <a:p>
+            <a:pPr marL="0" indent="0">
+              <a:lnSpc>
+                <a:spcPct val="70000"/>
+              </a:lnSpc>
+              <a:buNone/>
+            </a:pPr>
+            <a:r>
+              <a:rPr lang="en-US" sz="1700" dirty="0">
+                <a:solidFill>
+                  <a:schemeClr val="accent3">
+                    <a:lumMod val="85000"/>
+                  </a:schemeClr>
+                </a:solidFill>
+                <a:latin typeface="Consolas" panose="020B0609020204030204" pitchFamily="49" charset="0"/>
+                <a:cs typeface="Consolas" panose="020B0609020204030204" pitchFamily="49" charset="0"/>
+              </a:rPr>
+              <a:t>    "</a:t>
+            </a:r>
+            <a:r>
+              <a:rPr lang="en-US" sz="1700" dirty="0" err="1">
+                <a:solidFill>
+                  <a:schemeClr val="accent3">
+                    <a:lumMod val="85000"/>
+                  </a:schemeClr>
+                </a:solidFill>
+                <a:latin typeface="Consolas" panose="020B0609020204030204" pitchFamily="49" charset="0"/>
+                <a:cs typeface="Consolas" panose="020B0609020204030204" pitchFamily="49" charset="0"/>
+              </a:rPr>
+              <a:t>schema:manufacturer</a:t>
+            </a:r>
+            <a:r>
+              <a:rPr lang="en-US" sz="1700" dirty="0">
+                <a:solidFill>
+                  <a:schemeClr val="accent3">
+                    <a:lumMod val="85000"/>
+                  </a:schemeClr>
+                </a:solidFill>
+                <a:latin typeface="Consolas" panose="020B0609020204030204" pitchFamily="49" charset="0"/>
+                <a:cs typeface="Consolas" panose="020B0609020204030204" pitchFamily="49" charset="0"/>
+              </a:rPr>
+              <a:t>": "ACME Corporation",</a:t>
+            </a:r>
+          </a:p>
+          <a:p>
+            <a:pPr marL="0" indent="0">
+              <a:lnSpc>
+                <a:spcPct val="70000"/>
+              </a:lnSpc>
+              <a:buNone/>
+            </a:pPr>
+            <a:r>
+              <a:rPr lang="en-US" sz="1700" dirty="0">
+                <a:solidFill>
+                  <a:schemeClr val="accent3">
+                    <a:lumMod val="85000"/>
+                  </a:schemeClr>
+                </a:solidFill>
+                <a:latin typeface="Consolas" panose="020B0609020204030204" pitchFamily="49" charset="0"/>
+                <a:cs typeface="Consolas" panose="020B0609020204030204" pitchFamily="49" charset="0"/>
+              </a:rPr>
+              <a:t>    "</a:t>
+            </a:r>
+            <a:r>
+              <a:rPr lang="en-US" sz="1700" dirty="0" err="1">
+                <a:solidFill>
+                  <a:schemeClr val="accent3">
+                    <a:lumMod val="85000"/>
+                  </a:schemeClr>
+                </a:solidFill>
+                <a:latin typeface="Consolas" panose="020B0609020204030204" pitchFamily="49" charset="0"/>
+                <a:cs typeface="Consolas" panose="020B0609020204030204" pitchFamily="49" charset="0"/>
+              </a:rPr>
+              <a:t>securityDefinitions</a:t>
+            </a:r>
+            <a:r>
+              <a:rPr lang="en-US" sz="1700" dirty="0">
+                <a:solidFill>
+                  <a:schemeClr val="accent3">
+                    <a:lumMod val="85000"/>
+                  </a:schemeClr>
+                </a:solidFill>
+                <a:latin typeface="Consolas" panose="020B0609020204030204" pitchFamily="49" charset="0"/>
+                <a:cs typeface="Consolas" panose="020B0609020204030204" pitchFamily="49" charset="0"/>
+              </a:rPr>
+              <a:t>": { ... },</a:t>
+            </a:r>
+          </a:p>
+          <a:p>
+            <a:pPr marL="0" indent="0">
+              <a:lnSpc>
+                <a:spcPct val="70000"/>
+              </a:lnSpc>
+              <a:buNone/>
+            </a:pPr>
+            <a:r>
+              <a:rPr lang="en-US" sz="1700" dirty="0">
+                <a:solidFill>
+                  <a:schemeClr val="accent3">
+                    <a:lumMod val="85000"/>
+                  </a:schemeClr>
+                </a:solidFill>
+                <a:latin typeface="Consolas" panose="020B0609020204030204" pitchFamily="49" charset="0"/>
+                <a:cs typeface="Consolas" panose="020B0609020204030204" pitchFamily="49" charset="0"/>
+              </a:rPr>
+              <a:t>    "security": { ... },</a:t>
+            </a:r>
+          </a:p>
+          <a:p>
+            <a:pPr marL="0" indent="0">
+              <a:lnSpc>
+                <a:spcPct val="70000"/>
+              </a:lnSpc>
+              <a:buNone/>
+            </a:pPr>
+            <a:r>
+              <a:rPr lang="en-US" sz="1700" dirty="0">
+                <a:solidFill>
+                  <a:schemeClr val="accent3">
+                    <a:lumMod val="85000"/>
+                  </a:schemeClr>
+                </a:solidFill>
+                <a:latin typeface="Consolas" panose="020B0609020204030204" pitchFamily="49" charset="0"/>
+                <a:cs typeface="Consolas" panose="020B0609020204030204" pitchFamily="49" charset="0"/>
+              </a:rPr>
+              <a:t>    "properties": {</a:t>
+            </a:r>
+          </a:p>
+          <a:p>
+            <a:pPr marL="0" indent="0">
+              <a:lnSpc>
+                <a:spcPct val="70000"/>
+              </a:lnSpc>
+              <a:buNone/>
+            </a:pPr>
+            <a:r>
+              <a:rPr lang="en-US" sz="1700" dirty="0">
+                <a:solidFill>
+                  <a:schemeClr val="accent3">
+                    <a:lumMod val="85000"/>
+                  </a:schemeClr>
+                </a:solidFill>
+                <a:latin typeface="Consolas" panose="020B0609020204030204" pitchFamily="49" charset="0"/>
+                <a:cs typeface="Consolas" panose="020B0609020204030204" pitchFamily="49" charset="0"/>
+              </a:rPr>
+              <a:t>        "</a:t>
+            </a:r>
+            <a:r>
+              <a:rPr lang="en-US" sz="1700" dirty="0" err="1">
+                <a:solidFill>
+                  <a:schemeClr val="accent3">
+                    <a:lumMod val="85000"/>
+                  </a:schemeClr>
+                </a:solidFill>
+                <a:latin typeface="Consolas" panose="020B0609020204030204" pitchFamily="49" charset="0"/>
+                <a:cs typeface="Consolas" panose="020B0609020204030204" pitchFamily="49" charset="0"/>
+              </a:rPr>
+              <a:t>coffeeBeansLeft</a:t>
+            </a:r>
+            <a:r>
+              <a:rPr lang="en-US" sz="1700" dirty="0">
+                <a:solidFill>
+                  <a:schemeClr val="accent3">
+                    <a:lumMod val="85000"/>
+                  </a:schemeClr>
+                </a:solidFill>
+                <a:latin typeface="Consolas" panose="020B0609020204030204" pitchFamily="49" charset="0"/>
+                <a:cs typeface="Consolas" panose="020B0609020204030204" pitchFamily="49" charset="0"/>
+              </a:rPr>
+              <a:t>": { ... }</a:t>
+            </a:r>
+          </a:p>
+          <a:p>
+            <a:pPr marL="0" indent="0">
+              <a:lnSpc>
+                <a:spcPct val="70000"/>
+              </a:lnSpc>
+              <a:buNone/>
+            </a:pPr>
+            <a:r>
+              <a:rPr lang="en-US" sz="1700" dirty="0">
+                <a:solidFill>
+                  <a:schemeClr val="accent3">
+                    <a:lumMod val="85000"/>
+                  </a:schemeClr>
+                </a:solidFill>
+                <a:latin typeface="Consolas" panose="020B0609020204030204" pitchFamily="49" charset="0"/>
+                <a:cs typeface="Consolas" panose="020B0609020204030204" pitchFamily="49" charset="0"/>
+              </a:rPr>
+              <a:t>    },</a:t>
+            </a:r>
+          </a:p>
+          <a:p>
+            <a:pPr marL="0" indent="0">
+              <a:lnSpc>
+                <a:spcPct val="70000"/>
+              </a:lnSpc>
+              <a:buNone/>
+            </a:pPr>
+            <a:r>
+              <a:rPr lang="en-US" sz="1700" dirty="0">
+                <a:solidFill>
+                  <a:schemeClr val="accent3">
+                    <a:lumMod val="85000"/>
+                  </a:schemeClr>
+                </a:solidFill>
+                <a:latin typeface="Consolas" panose="020B0609020204030204" pitchFamily="49" charset="0"/>
+                <a:cs typeface="Consolas" panose="020B0609020204030204" pitchFamily="49" charset="0"/>
+              </a:rPr>
+              <a:t>    "actions": {</a:t>
+            </a:r>
+          </a:p>
+          <a:p>
+            <a:pPr marL="0" indent="0">
+              <a:lnSpc>
+                <a:spcPct val="70000"/>
+              </a:lnSpc>
+              <a:buNone/>
+            </a:pPr>
+            <a:r>
+              <a:rPr lang="en-US" sz="1700" dirty="0">
+                <a:solidFill>
+                  <a:schemeClr val="accent3">
+                    <a:lumMod val="85000"/>
+                  </a:schemeClr>
+                </a:solidFill>
+                <a:latin typeface="Consolas" panose="020B0609020204030204" pitchFamily="49" charset="0"/>
+                <a:cs typeface="Consolas" panose="020B0609020204030204" pitchFamily="49" charset="0"/>
+              </a:rPr>
+              <a:t>        "</a:t>
+            </a:r>
+            <a:r>
+              <a:rPr lang="en-US" sz="1700" dirty="0" err="1">
+                <a:solidFill>
+                  <a:schemeClr val="accent3">
+                    <a:lumMod val="85000"/>
+                  </a:schemeClr>
+                </a:solidFill>
+                <a:latin typeface="Consolas" panose="020B0609020204030204" pitchFamily="49" charset="0"/>
+                <a:cs typeface="Consolas" panose="020B0609020204030204" pitchFamily="49" charset="0"/>
+              </a:rPr>
+              <a:t>brewCoffee</a:t>
+            </a:r>
+            <a:r>
+              <a:rPr lang="en-US" sz="1700" dirty="0">
+                <a:solidFill>
+                  <a:schemeClr val="accent3">
+                    <a:lumMod val="85000"/>
+                  </a:schemeClr>
+                </a:solidFill>
+                <a:latin typeface="Consolas" panose="020B0609020204030204" pitchFamily="49" charset="0"/>
+                <a:cs typeface="Consolas" panose="020B0609020204030204" pitchFamily="49" charset="0"/>
+              </a:rPr>
+              <a:t>": { ... }</a:t>
+            </a:r>
+          </a:p>
+          <a:p>
+            <a:pPr marL="0" indent="0">
+              <a:lnSpc>
+                <a:spcPct val="70000"/>
+              </a:lnSpc>
+              <a:buNone/>
+            </a:pPr>
+            <a:r>
+              <a:rPr lang="en-US" sz="1700" dirty="0">
+                <a:solidFill>
+                  <a:schemeClr val="accent3">
+                    <a:lumMod val="85000"/>
+                  </a:schemeClr>
+                </a:solidFill>
+                <a:latin typeface="Consolas" panose="020B0609020204030204" pitchFamily="49" charset="0"/>
+                <a:cs typeface="Consolas" panose="020B0609020204030204" pitchFamily="49" charset="0"/>
+              </a:rPr>
+              <a:t>    },</a:t>
+            </a:r>
+          </a:p>
+          <a:p>
+            <a:pPr marL="0" indent="0">
+              <a:lnSpc>
+                <a:spcPct val="70000"/>
+              </a:lnSpc>
+              <a:buNone/>
+            </a:pPr>
+            <a:r>
+              <a:rPr lang="en-US" sz="1700" dirty="0">
+                <a:solidFill>
+                  <a:schemeClr val="accent3">
+                    <a:lumMod val="85000"/>
+                  </a:schemeClr>
+                </a:solidFill>
+                <a:latin typeface="Consolas" panose="020B0609020204030204" pitchFamily="49" charset="0"/>
+                <a:cs typeface="Consolas" panose="020B0609020204030204" pitchFamily="49" charset="0"/>
+              </a:rPr>
+              <a:t>    "events": {</a:t>
+            </a:r>
+          </a:p>
+          <a:p>
+            <a:pPr marL="0" indent="0">
+              <a:lnSpc>
+                <a:spcPct val="70000"/>
+              </a:lnSpc>
+              <a:buNone/>
+            </a:pPr>
+            <a:r>
+              <a:rPr lang="en-US" sz="1700" dirty="0">
+                <a:solidFill>
+                  <a:schemeClr val="accent3">
+                    <a:lumMod val="85000"/>
+                  </a:schemeClr>
+                </a:solidFill>
+                <a:latin typeface="Consolas" panose="020B0609020204030204" pitchFamily="49" charset="0"/>
+                <a:cs typeface="Consolas" panose="020B0609020204030204" pitchFamily="49" charset="0"/>
+              </a:rPr>
+              <a:t>        "</a:t>
+            </a:r>
+            <a:r>
+              <a:rPr lang="en-US" sz="1700" dirty="0" err="1">
+                <a:solidFill>
+                  <a:schemeClr val="accent3">
+                    <a:lumMod val="85000"/>
+                  </a:schemeClr>
+                </a:solidFill>
+                <a:latin typeface="Consolas" panose="020B0609020204030204" pitchFamily="49" charset="0"/>
+                <a:cs typeface="Consolas" panose="020B0609020204030204" pitchFamily="49" charset="0"/>
+              </a:rPr>
+              <a:t>lowOnWater</a:t>
+            </a:r>
+            <a:r>
+              <a:rPr lang="en-US" sz="1700" dirty="0">
+                <a:solidFill>
+                  <a:schemeClr val="accent3">
+                    <a:lumMod val="85000"/>
+                  </a:schemeClr>
+                </a:solidFill>
+                <a:latin typeface="Consolas" panose="020B0609020204030204" pitchFamily="49" charset="0"/>
+                <a:cs typeface="Consolas" panose="020B0609020204030204" pitchFamily="49" charset="0"/>
+              </a:rPr>
+              <a:t>": { ... }</a:t>
+            </a:r>
+          </a:p>
+          <a:p>
+            <a:pPr marL="0" indent="0">
+              <a:lnSpc>
+                <a:spcPct val="70000"/>
+              </a:lnSpc>
+              <a:buNone/>
+            </a:pPr>
+            <a:r>
+              <a:rPr lang="en-US" sz="1700" dirty="0">
+                <a:solidFill>
+                  <a:schemeClr val="accent3">
+                    <a:lumMod val="85000"/>
+                  </a:schemeClr>
+                </a:solidFill>
+                <a:latin typeface="Consolas" panose="020B0609020204030204" pitchFamily="49" charset="0"/>
+                <a:cs typeface="Consolas" panose="020B0609020204030204" pitchFamily="49" charset="0"/>
+              </a:rPr>
+              <a:t>    },</a:t>
+            </a:r>
+          </a:p>
+          <a:p>
+            <a:pPr marL="0" indent="0">
+              <a:lnSpc>
+                <a:spcPct val="70000"/>
+              </a:lnSpc>
+              <a:buNone/>
+            </a:pPr>
+            <a:r>
+              <a:rPr lang="en-US" sz="1700" dirty="0">
+                <a:solidFill>
+                  <a:schemeClr val="accent5"/>
+                </a:solidFill>
+                <a:latin typeface="Consolas" panose="020B0609020204030204" pitchFamily="49" charset="0"/>
+                <a:cs typeface="Consolas" panose="020B0609020204030204" pitchFamily="49" charset="0"/>
+              </a:rPr>
+              <a:t>    "links"</a:t>
+            </a:r>
+            <a:r>
+              <a:rPr lang="en-US" sz="1700" dirty="0">
+                <a:solidFill>
+                  <a:schemeClr val="accent1"/>
+                </a:solidFill>
+                <a:latin typeface="Consolas" panose="020B0609020204030204" pitchFamily="49" charset="0"/>
+                <a:cs typeface="Consolas" panose="020B0609020204030204" pitchFamily="49" charset="0"/>
+              </a:rPr>
+              <a:t>: [ ... ]</a:t>
+            </a:r>
+          </a:p>
+          <a:p>
+            <a:pPr marL="0" indent="0">
+              <a:lnSpc>
+                <a:spcPct val="70000"/>
+              </a:lnSpc>
+              <a:buNone/>
+            </a:pPr>
+            <a:r>
+              <a:rPr lang="en-US" sz="1700" dirty="0">
+                <a:solidFill>
+                  <a:schemeClr val="accent3">
+                    <a:lumMod val="85000"/>
+                  </a:schemeClr>
+                </a:solidFill>
+                <a:latin typeface="Consolas" panose="020B0609020204030204" pitchFamily="49" charset="0"/>
+                <a:cs typeface="Consolas" panose="020B0609020204030204" pitchFamily="49" charset="0"/>
+              </a:rPr>
+              <a:t>}</a:t>
+            </a:r>
+          </a:p>
+        </p:txBody>
+      </p:sp>
+      <p:sp>
+        <p:nvSpPr>
+          <p:cNvPr id="2" name="TextBox 1">
+            <a:extLst>
+              <a:ext uri="{FF2B5EF4-FFF2-40B4-BE49-F238E27FC236}">
+                <a16:creationId xmlns:a16="http://schemas.microsoft.com/office/drawing/2014/main" id="{6021CC46-D636-CCD6-78D9-3B21ACC496AB}"/>
+              </a:ext>
+            </a:extLst>
+          </p:cNvPr>
+          <p:cNvSpPr txBox="1"/>
+          <p:nvPr/>
+        </p:nvSpPr>
+        <p:spPr>
+          <a:xfrm>
+            <a:off x="8460242" y="1440878"/>
+            <a:ext cx="2576346" cy="461665"/>
+          </a:xfrm>
+          <a:prstGeom prst="rect">
+            <a:avLst/>
+          </a:prstGeom>
+          <a:noFill/>
+        </p:spPr>
+        <p:txBody>
+          <a:bodyPr wrap="none" rtlCol="0">
+            <a:spAutoFit/>
+          </a:bodyPr>
+          <a:lstStyle/>
+          <a:p>
+            <a:r>
+              <a:rPr lang="en-US" sz="2400" dirty="0">
+                <a:solidFill>
+                  <a:schemeClr val="accent3">
+                    <a:lumMod val="85000"/>
+                  </a:schemeClr>
+                </a:solidFill>
+                <a:latin typeface="Century Gothic" panose="020B0502020202020204" pitchFamily="34" charset="0"/>
+              </a:rPr>
+              <a:t>Thing Metadata</a:t>
+            </a:r>
+          </a:p>
+        </p:txBody>
+      </p:sp>
+      <p:sp>
+        <p:nvSpPr>
+          <p:cNvPr id="4" name="TextBox 3">
+            <a:extLst>
+              <a:ext uri="{FF2B5EF4-FFF2-40B4-BE49-F238E27FC236}">
+                <a16:creationId xmlns:a16="http://schemas.microsoft.com/office/drawing/2014/main" id="{D462F9DF-ECDA-86D6-D7DA-EBA879D88A69}"/>
+              </a:ext>
+            </a:extLst>
+          </p:cNvPr>
+          <p:cNvSpPr txBox="1"/>
+          <p:nvPr/>
+        </p:nvSpPr>
+        <p:spPr>
+          <a:xfrm>
+            <a:off x="8460242" y="2453890"/>
+            <a:ext cx="2965877" cy="461665"/>
+          </a:xfrm>
+          <a:prstGeom prst="rect">
+            <a:avLst/>
+          </a:prstGeom>
+          <a:noFill/>
+        </p:spPr>
+        <p:txBody>
+          <a:bodyPr wrap="square" rtlCol="0">
+            <a:spAutoFit/>
+          </a:bodyPr>
+          <a:lstStyle/>
+          <a:p>
+            <a:r>
+              <a:rPr lang="en-US" sz="2400" dirty="0">
+                <a:solidFill>
+                  <a:schemeClr val="accent3">
+                    <a:lumMod val="85000"/>
+                  </a:schemeClr>
+                </a:solidFill>
+                <a:latin typeface="Century Gothic" panose="020B0502020202020204" pitchFamily="34" charset="0"/>
+              </a:rPr>
+              <a:t>Security Metadata</a:t>
+            </a:r>
+          </a:p>
+        </p:txBody>
+      </p:sp>
+      <p:sp>
+        <p:nvSpPr>
+          <p:cNvPr id="5" name="TextBox 4">
+            <a:extLst>
+              <a:ext uri="{FF2B5EF4-FFF2-40B4-BE49-F238E27FC236}">
+                <a16:creationId xmlns:a16="http://schemas.microsoft.com/office/drawing/2014/main" id="{244E0901-9380-7D14-E95F-736D27970F1F}"/>
+              </a:ext>
+            </a:extLst>
+          </p:cNvPr>
+          <p:cNvSpPr txBox="1"/>
+          <p:nvPr/>
+        </p:nvSpPr>
+        <p:spPr>
+          <a:xfrm>
+            <a:off x="8460242" y="4031886"/>
+            <a:ext cx="2404981" cy="1200329"/>
+          </a:xfrm>
+          <a:prstGeom prst="rect">
+            <a:avLst/>
+          </a:prstGeom>
+          <a:noFill/>
+        </p:spPr>
+        <p:txBody>
+          <a:bodyPr wrap="square" rtlCol="0">
+            <a:spAutoFit/>
+          </a:bodyPr>
+          <a:lstStyle/>
+          <a:p>
+            <a:r>
+              <a:rPr lang="en-US" sz="2400" dirty="0">
+                <a:solidFill>
+                  <a:schemeClr val="accent3">
+                    <a:lumMod val="85000"/>
+                  </a:schemeClr>
+                </a:solidFill>
+                <a:latin typeface="Century Gothic" panose="020B0502020202020204" pitchFamily="34" charset="0"/>
+              </a:rPr>
+              <a:t>Definition of Interaction Affordances</a:t>
+            </a:r>
+          </a:p>
+        </p:txBody>
+      </p:sp>
+      <p:sp>
+        <p:nvSpPr>
+          <p:cNvPr id="6" name="TextBox 5">
+            <a:extLst>
+              <a:ext uri="{FF2B5EF4-FFF2-40B4-BE49-F238E27FC236}">
+                <a16:creationId xmlns:a16="http://schemas.microsoft.com/office/drawing/2014/main" id="{E595E360-081A-B024-F50E-D88A6C4E33DE}"/>
+              </a:ext>
+            </a:extLst>
+          </p:cNvPr>
+          <p:cNvSpPr txBox="1"/>
+          <p:nvPr/>
+        </p:nvSpPr>
+        <p:spPr>
+          <a:xfrm>
+            <a:off x="8460242" y="5690565"/>
+            <a:ext cx="2576346" cy="830997"/>
+          </a:xfrm>
+          <a:prstGeom prst="rect">
+            <a:avLst/>
+          </a:prstGeom>
+          <a:noFill/>
+        </p:spPr>
+        <p:txBody>
+          <a:bodyPr wrap="square" rtlCol="0">
+            <a:spAutoFit/>
+          </a:bodyPr>
+          <a:lstStyle/>
+          <a:p>
+            <a:r>
+              <a:rPr lang="en-US" sz="2400" dirty="0">
+                <a:solidFill>
+                  <a:schemeClr val="accent1"/>
+                </a:solidFill>
+                <a:latin typeface="Century Gothic" panose="020B0502020202020204" pitchFamily="34" charset="0"/>
+              </a:rPr>
+              <a:t>Links to other documents</a:t>
+            </a:r>
+          </a:p>
+        </p:txBody>
+      </p:sp>
+      <p:sp>
+        <p:nvSpPr>
+          <p:cNvPr id="7" name="TextBox 6">
+            <a:extLst>
+              <a:ext uri="{FF2B5EF4-FFF2-40B4-BE49-F238E27FC236}">
+                <a16:creationId xmlns:a16="http://schemas.microsoft.com/office/drawing/2014/main" id="{12409390-7D34-3251-583D-FF5E1B019C5B}"/>
+              </a:ext>
+            </a:extLst>
+          </p:cNvPr>
+          <p:cNvSpPr txBox="1"/>
+          <p:nvPr/>
+        </p:nvSpPr>
+        <p:spPr>
+          <a:xfrm>
+            <a:off x="8460242" y="474032"/>
+            <a:ext cx="2808393" cy="830997"/>
+          </a:xfrm>
+          <a:prstGeom prst="rect">
+            <a:avLst/>
+          </a:prstGeom>
+          <a:noFill/>
+        </p:spPr>
+        <p:txBody>
+          <a:bodyPr wrap="square" rtlCol="0">
+            <a:spAutoFit/>
+          </a:bodyPr>
+          <a:lstStyle/>
+          <a:p>
+            <a:r>
+              <a:rPr lang="en-US" sz="2400" dirty="0">
+                <a:solidFill>
+                  <a:schemeClr val="accent3">
+                    <a:lumMod val="85000"/>
+                  </a:schemeClr>
+                </a:solidFill>
+                <a:latin typeface="Century Gothic" panose="020B0502020202020204" pitchFamily="34" charset="0"/>
+              </a:rPr>
+              <a:t>Semantic Annotations</a:t>
+            </a:r>
+          </a:p>
+        </p:txBody>
+      </p:sp>
+    </p:spTree>
+    <p:extLst>
+      <p:ext uri="{BB962C8B-B14F-4D97-AF65-F5344CB8AC3E}">
+        <p14:creationId xmlns:p14="http://schemas.microsoft.com/office/powerpoint/2010/main" val="793767846"/>
+      </p:ext>
+    </p:extLst>
+  </p:cSld>
+  <p:clrMapOvr>
+    <a:masterClrMapping/>
+  </p:clrMapOvr>
+  <mc:AlternateContent xmlns:mc="http://schemas.openxmlformats.org/markup-compatibility/2006">
+    <mc:Choice xmlns:p159="http://schemas.microsoft.com/office/powerpoint/2015/09/main" Requires="p159">
+      <p:transition spd="slow" advTm="5750">
+        <p159:morph option="byObject"/>
+      </p:transition>
+    </mc:Choice>
+    <mc:Fallback>
+      <p:transition spd="slow" advTm="5750">
+        <p:fade/>
+      </p:transition>
+    </mc:Fallback>
+  </mc:AlternateContent>
+</p:sld>
+</file>
+
+<file path=ppt/slides/slide21.xml><?xml version="1.0" encoding="utf-8"?>
 <p:sld xmlns:a="http://schemas.openxmlformats.org/drawingml/2006/main" xmlns:r="http://schemas.openxmlformats.org/officeDocument/2006/relationships" xmlns:p="http://schemas.openxmlformats.org/presentationml/2006/main">
   <p:cSld>
     <p:spTree>
@@ -20379,14 +20915,14 @@
   <p:clrMapOvr>
     <a:masterClrMapping/>
   </p:clrMapOvr>
-  <mc:AlternateContent xmlns:mc="http://schemas.openxmlformats.org/markup-compatibility/2006" xmlns:p159="http://schemas.microsoft.com/office/powerpoint/2015/09/main">
-    <mc:Choice Requires="p159">
-      <p:transition spd="slow">
+  <mc:AlternateContent xmlns:mc="http://schemas.openxmlformats.org/markup-compatibility/2006">
+    <mc:Choice xmlns:p159="http://schemas.microsoft.com/office/powerpoint/2015/09/main" Requires="p159">
+      <p:transition spd="slow" advTm="5000">
         <p159:morph option="byObject"/>
       </p:transition>
     </mc:Choice>
-    <mc:Fallback xmlns="">
-      <p:transition spd="slow">
+    <mc:Fallback>
+      <p:transition spd="slow" advTm="5000">
         <p:fade/>
       </p:transition>
     </mc:Fallback>
@@ -20394,7 +20930,7 @@
 </p:sld>
 </file>
 
-<file path=ppt/slides/slide21.xml><?xml version="1.0" encoding="utf-8"?>
+<file path=ppt/slides/slide22.xml><?xml version="1.0" encoding="utf-8"?>
 <p:sld xmlns:a="http://schemas.openxmlformats.org/drawingml/2006/main" xmlns:r="http://schemas.openxmlformats.org/officeDocument/2006/relationships" xmlns:p="http://schemas.openxmlformats.org/presentationml/2006/main">
   <p:cSld>
     <p:spTree>
@@ -20411,12 +20947,95 @@
           <a:chExt cx="0" cy="0"/>
         </a:xfrm>
       </p:grpSpPr>
+      <p:sp>
+        <p:nvSpPr>
+          <p:cNvPr id="5" name="Rectangle 4">
+            <a:extLst>
+              <a:ext uri="{FF2B5EF4-FFF2-40B4-BE49-F238E27FC236}">
+                <a16:creationId xmlns:a16="http://schemas.microsoft.com/office/drawing/2014/main" id="{33FBA35A-1A54-CD45-99E9-09C3A572FE54}"/>
+              </a:ext>
+            </a:extLst>
+          </p:cNvPr>
+          <p:cNvSpPr/>
+          <p:nvPr/>
+        </p:nvSpPr>
+        <p:spPr>
+          <a:xfrm>
+            <a:off x="4849516" y="1614654"/>
+            <a:ext cx="2962359" cy="3371875"/>
+          </a:xfrm>
+          <a:prstGeom prst="rect">
+            <a:avLst/>
+          </a:prstGeom>
+          <a:solidFill>
+            <a:schemeClr val="accent3">
+              <a:lumMod val="95000"/>
+            </a:schemeClr>
+          </a:solidFill>
+          <a:ln>
+            <a:noFill/>
+          </a:ln>
+        </p:spPr>
+        <p:style>
+          <a:lnRef idx="2">
+            <a:schemeClr val="accent1">
+              <a:shade val="50000"/>
+            </a:schemeClr>
+          </a:lnRef>
+          <a:fillRef idx="1">
+            <a:schemeClr val="accent1"/>
+          </a:fillRef>
+          <a:effectRef idx="0">
+            <a:schemeClr val="accent1"/>
+          </a:effectRef>
+          <a:fontRef idx="minor">
+            <a:schemeClr val="lt1"/>
+          </a:fontRef>
+        </p:style>
+        <p:txBody>
+          <a:bodyPr rtlCol="0" anchor="ctr"/>
+          <a:lstStyle/>
+          <a:p>
+            <a:pPr marL="0" marR="0" lvl="0" indent="0" algn="ctr" defTabSz="457200" rtl="0" eaLnBrk="1" fontAlgn="auto" latinLnBrk="0" hangingPunct="1">
+              <a:lnSpc>
+                <a:spcPct val="100000"/>
+              </a:lnSpc>
+              <a:spcBef>
+                <a:spcPts val="0"/>
+              </a:spcBef>
+              <a:spcAft>
+                <a:spcPts val="0"/>
+              </a:spcAft>
+              <a:buClrTx/>
+              <a:buSzTx/>
+              <a:buFontTx/>
+              <a:buNone/>
+              <a:tabLst/>
+              <a:defRPr/>
+            </a:pPr>
+            <a:endParaRPr kumimoji="0" lang="en-US" sz="1800" b="0" i="0" u="none" strike="noStrike" kern="1200" cap="none" spc="0" normalizeH="0" baseline="0" noProof="0">
+              <a:ln>
+                <a:noFill/>
+              </a:ln>
+              <a:solidFill>
+                <a:srgbClr val="000000"/>
+              </a:solidFill>
+              <a:effectLst/>
+              <a:uLnTx/>
+              <a:uFillTx/>
+              <a:latin typeface="Calibri" panose="020F0502020204030204"/>
+              <a:ea typeface="+mn-ea"/>
+              <a:cs typeface="+mn-cs"/>
+            </a:endParaRPr>
+          </a:p>
+        </p:txBody>
+      </p:sp>
       <p:grpSp>
         <p:nvGrpSpPr>
-          <p:cNvPr id="4" name="Group 3">
+          <p:cNvPr id="6" name="Group 5">
             <a:extLst>
               <a:ext uri="{FF2B5EF4-FFF2-40B4-BE49-F238E27FC236}">
-                <a16:creationId xmlns:a16="http://schemas.microsoft.com/office/drawing/2014/main" id="{5AF5F1DF-C204-8BCE-923E-60E814796376}"/>
+                <a16:creationId xmlns:a16="http://schemas.microsoft.com/office/drawing/2014/main" id="{4A18FBFA-9A38-B788-AEA1-E86B24A64102}"/>
               </a:ext>
             </a:extLst>
           </p:cNvPr>
@@ -20427,189 +21046,85 @@
           <a:xfrm>
             <a:off x="3895978" y="1228978"/>
             <a:ext cx="4400044" cy="4400044"/>
-            <a:chOff x="9792033" y="3821823"/>
-            <a:chExt cx="962125" cy="962125"/>
+            <a:chOff x="4300668" y="-1299739"/>
+            <a:chExt cx="2827861" cy="2827862"/>
           </a:xfrm>
         </p:grpSpPr>
-        <p:sp>
-          <p:nvSpPr>
-            <p:cNvPr id="5" name="Rectangle 4">
+        <p:pic>
+          <p:nvPicPr>
+            <p:cNvPr id="7" name="Graphic 6" descr="Paper outline">
               <a:extLst>
                 <a:ext uri="{FF2B5EF4-FFF2-40B4-BE49-F238E27FC236}">
-                  <a16:creationId xmlns:a16="http://schemas.microsoft.com/office/drawing/2014/main" id="{33FBA35A-1A54-CD45-99E9-09C3A572FE54}"/>
+                  <a16:creationId xmlns:a16="http://schemas.microsoft.com/office/drawing/2014/main" id="{8B4745D5-FBFD-0DF0-23E9-7D4E74E3C1CB}"/>
                 </a:ext>
               </a:extLst>
             </p:cNvPr>
-            <p:cNvSpPr/>
+            <p:cNvPicPr>
+              <a:picLocks noChangeAspect="1"/>
+            </p:cNvPicPr>
             <p:nvPr/>
-          </p:nvSpPr>
+          </p:nvPicPr>
+          <p:blipFill>
+            <a:blip r:embed="rId3">
+              <a:extLst>
+                <a:ext uri="{28A0092B-C50C-407E-A947-70E740481C1C}">
+                  <a14:useLocalDpi xmlns:a14="http://schemas.microsoft.com/office/drawing/2010/main" val="0"/>
+                </a:ext>
+                <a:ext uri="{96DAC541-7B7A-43D3-8B79-37D633B846F1}">
+                  <asvg:svgBlip xmlns:asvg="http://schemas.microsoft.com/office/drawing/2016/SVG/main" r:embed="rId4"/>
+                </a:ext>
+              </a:extLst>
+            </a:blip>
+            <a:stretch>
+              <a:fillRect/>
+            </a:stretch>
+          </p:blipFill>
           <p:spPr>
             <a:xfrm>
-              <a:off x="10000536" y="3906156"/>
-              <a:ext cx="647757" cy="737303"/>
+              <a:off x="4300668" y="-1299739"/>
+              <a:ext cx="2827861" cy="2827862"/>
             </a:xfrm>
             <a:prstGeom prst="rect">
               <a:avLst/>
             </a:prstGeom>
-            <a:solidFill>
-              <a:schemeClr val="accent3">
-                <a:lumMod val="95000"/>
-              </a:schemeClr>
-            </a:solidFill>
-            <a:ln>
-              <a:noFill/>
-            </a:ln>
           </p:spPr>
-          <p:style>
-            <a:lnRef idx="2">
-              <a:schemeClr val="accent1">
-                <a:shade val="50000"/>
-              </a:schemeClr>
-            </a:lnRef>
-            <a:fillRef idx="1">
-              <a:schemeClr val="accent1"/>
-            </a:fillRef>
-            <a:effectRef idx="0">
-              <a:schemeClr val="accent1"/>
-            </a:effectRef>
-            <a:fontRef idx="minor">
-              <a:schemeClr val="lt1"/>
-            </a:fontRef>
-          </p:style>
-          <p:txBody>
-            <a:bodyPr rtlCol="0" anchor="ctr"/>
-            <a:lstStyle/>
-            <a:p>
-              <a:pPr marL="0" marR="0" lvl="0" indent="0" algn="ctr" defTabSz="457200" rtl="0" eaLnBrk="1" fontAlgn="auto" latinLnBrk="0" hangingPunct="1">
-                <a:lnSpc>
-                  <a:spcPct val="100000"/>
-                </a:lnSpc>
-                <a:spcBef>
-                  <a:spcPts val="0"/>
-                </a:spcBef>
-                <a:spcAft>
-                  <a:spcPts val="0"/>
-                </a:spcAft>
-                <a:buClrTx/>
-                <a:buSzTx/>
-                <a:buFontTx/>
-                <a:buNone/>
-                <a:tabLst/>
-                <a:defRPr/>
-              </a:pPr>
-              <a:endParaRPr kumimoji="0" lang="en-US" sz="1800" b="0" i="0" u="none" strike="noStrike" kern="1200" cap="none" spc="0" normalizeH="0" baseline="0" noProof="0">
-                <a:ln>
-                  <a:noFill/>
-                </a:ln>
-                <a:solidFill>
-                  <a:srgbClr val="000000"/>
-                </a:solidFill>
-                <a:effectLst/>
-                <a:uLnTx/>
-                <a:uFillTx/>
-                <a:latin typeface="Calibri" panose="020F0502020204030204"/>
-                <a:ea typeface="+mn-ea"/>
-                <a:cs typeface="+mn-cs"/>
-              </a:endParaRPr>
-            </a:p>
-          </p:txBody>
-        </p:sp>
-        <p:grpSp>
-          <p:nvGrpSpPr>
-            <p:cNvPr id="6" name="Group 5">
+        </p:pic>
+        <p:pic>
+          <p:nvPicPr>
+            <p:cNvPr id="8" name="Picture 7" descr="Logo&#10;&#10;Description automatically generated">
               <a:extLst>
                 <a:ext uri="{FF2B5EF4-FFF2-40B4-BE49-F238E27FC236}">
-                  <a16:creationId xmlns:a16="http://schemas.microsoft.com/office/drawing/2014/main" id="{4A18FBFA-9A38-B788-AEA1-E86B24A64102}"/>
+                  <a16:creationId xmlns:a16="http://schemas.microsoft.com/office/drawing/2014/main" id="{1F027CD2-5974-490E-EF00-735B43ED40A8}"/>
                 </a:ext>
               </a:extLst>
             </p:cNvPr>
-            <p:cNvGrpSpPr/>
+            <p:cNvPicPr>
+              <a:picLocks noChangeAspect="1"/>
+            </p:cNvPicPr>
             <p:nvPr/>
-          </p:nvGrpSpPr>
-          <p:grpSpPr>
+          </p:nvPicPr>
+          <p:blipFill>
+            <a:blip r:embed="rId5">
+              <a:extLst>
+                <a:ext uri="{28A0092B-C50C-407E-A947-70E740481C1C}">
+                  <a14:useLocalDpi xmlns:a14="http://schemas.microsoft.com/office/drawing/2010/main" val="0"/>
+                </a:ext>
+              </a:extLst>
+            </a:blip>
+            <a:stretch>
+              <a:fillRect/>
+            </a:stretch>
+          </p:blipFill>
+          <p:spPr>
             <a:xfrm>
-              <a:off x="9792033" y="3821823"/>
-              <a:ext cx="962125" cy="962125"/>
-              <a:chOff x="4300668" y="-1299739"/>
-              <a:chExt cx="2827861" cy="2827862"/>
+              <a:off x="4948340" y="-951731"/>
+              <a:ext cx="921590" cy="555788"/>
             </a:xfrm>
-          </p:grpSpPr>
-          <p:pic>
-            <p:nvPicPr>
-              <p:cNvPr id="7" name="Graphic 6" descr="Paper outline">
-                <a:extLst>
-                  <a:ext uri="{FF2B5EF4-FFF2-40B4-BE49-F238E27FC236}">
-                    <a16:creationId xmlns:a16="http://schemas.microsoft.com/office/drawing/2014/main" id="{8B4745D5-FBFD-0DF0-23E9-7D4E74E3C1CB}"/>
-                  </a:ext>
-                </a:extLst>
-              </p:cNvPr>
-              <p:cNvPicPr>
-                <a:picLocks noChangeAspect="1"/>
-              </p:cNvPicPr>
-              <p:nvPr/>
-            </p:nvPicPr>
-            <p:blipFill>
-              <a:blip r:embed="rId3">
-                <a:extLst>
-                  <a:ext uri="{28A0092B-C50C-407E-A947-70E740481C1C}">
-                    <a14:useLocalDpi xmlns:a14="http://schemas.microsoft.com/office/drawing/2010/main" val="0"/>
-                  </a:ext>
-                  <a:ext uri="{96DAC541-7B7A-43D3-8B79-37D633B846F1}">
-                    <asvg:svgBlip xmlns:asvg="http://schemas.microsoft.com/office/drawing/2016/SVG/main" r:embed="rId4"/>
-                  </a:ext>
-                </a:extLst>
-              </a:blip>
-              <a:stretch>
-                <a:fillRect/>
-              </a:stretch>
-            </p:blipFill>
-            <p:spPr>
-              <a:xfrm>
-                <a:off x="4300668" y="-1299739"/>
-                <a:ext cx="2827861" cy="2827862"/>
-              </a:xfrm>
-              <a:prstGeom prst="rect">
-                <a:avLst/>
-              </a:prstGeom>
-            </p:spPr>
-          </p:pic>
-          <p:pic>
-            <p:nvPicPr>
-              <p:cNvPr id="8" name="Picture 7" descr="Logo&#10;&#10;Description automatically generated">
-                <a:extLst>
-                  <a:ext uri="{FF2B5EF4-FFF2-40B4-BE49-F238E27FC236}">
-                    <a16:creationId xmlns:a16="http://schemas.microsoft.com/office/drawing/2014/main" id="{1F027CD2-5974-490E-EF00-735B43ED40A8}"/>
-                  </a:ext>
-                </a:extLst>
-              </p:cNvPr>
-              <p:cNvPicPr>
-                <a:picLocks noChangeAspect="1"/>
-              </p:cNvPicPr>
-              <p:nvPr/>
-            </p:nvPicPr>
-            <p:blipFill>
-              <a:blip r:embed="rId5">
-                <a:extLst>
-                  <a:ext uri="{28A0092B-C50C-407E-A947-70E740481C1C}">
-                    <a14:useLocalDpi xmlns:a14="http://schemas.microsoft.com/office/drawing/2010/main" val="0"/>
-                  </a:ext>
-                </a:extLst>
-              </a:blip>
-              <a:stretch>
-                <a:fillRect/>
-              </a:stretch>
-            </p:blipFill>
-            <p:spPr>
-              <a:xfrm>
-                <a:off x="4948340" y="-951731"/>
-                <a:ext cx="921590" cy="555788"/>
-              </a:xfrm>
-              <a:prstGeom prst="rect">
-                <a:avLst/>
-              </a:prstGeom>
-            </p:spPr>
-          </p:pic>
-        </p:grpSp>
+            <a:prstGeom prst="rect">
+              <a:avLst/>
+            </a:prstGeom>
+          </p:spPr>
+        </p:pic>
       </p:grpSp>
       <p:sp>
         <p:nvSpPr>
@@ -20714,14 +21229,14 @@
   <p:clrMapOvr>
     <a:masterClrMapping/>
   </p:clrMapOvr>
-  <mc:AlternateContent xmlns:mc="http://schemas.openxmlformats.org/markup-compatibility/2006" xmlns:p159="http://schemas.microsoft.com/office/powerpoint/2015/09/main">
-    <mc:Choice Requires="p159">
-      <p:transition xmlns:p14="http://schemas.microsoft.com/office/powerpoint/2010/main" spd="slow" p14:dur="2000">
+  <mc:AlternateContent xmlns:mc="http://schemas.openxmlformats.org/markup-compatibility/2006">
+    <mc:Choice xmlns:p159="http://schemas.microsoft.com/office/powerpoint/2015/09/main" Requires="p159">
+      <p:transition xmlns:p14="http://schemas.microsoft.com/office/powerpoint/2010/main" spd="slow" p14:dur="2000" advTm="0">
         <p159:morph option="byObject"/>
       </p:transition>
     </mc:Choice>
-    <mc:Fallback xmlns="">
-      <p:transition spd="slow">
+    <mc:Fallback>
+      <p:transition spd="slow" advTm="0">
         <p:fade/>
       </p:transition>
     </mc:Fallback>
@@ -20729,7 +21244,7 @@
 </p:sld>
 </file>
 
-<file path=ppt/slides/slide22.xml><?xml version="1.0" encoding="utf-8"?>
+<file path=ppt/slides/slide23.xml><?xml version="1.0" encoding="utf-8"?>
 <p:sld xmlns:a="http://schemas.openxmlformats.org/drawingml/2006/main" xmlns:r="http://schemas.openxmlformats.org/officeDocument/2006/relationships" xmlns:p="http://schemas.openxmlformats.org/presentationml/2006/main">
   <p:cSld>
     <p:spTree>
@@ -20752,12 +21267,95 @@
           <a:chExt cx="0" cy="0"/>
         </a:xfrm>
       </p:grpSpPr>
+      <p:sp>
+        <p:nvSpPr>
+          <p:cNvPr id="5" name="Rectangle 4">
+            <a:extLst>
+              <a:ext uri="{FF2B5EF4-FFF2-40B4-BE49-F238E27FC236}">
+                <a16:creationId xmlns:a16="http://schemas.microsoft.com/office/drawing/2014/main" id="{7D3267F7-25DF-30FC-509B-C095CC4E8876}"/>
+              </a:ext>
+            </a:extLst>
+          </p:cNvPr>
+          <p:cNvSpPr/>
+          <p:nvPr/>
+        </p:nvSpPr>
+        <p:spPr>
+          <a:xfrm>
+            <a:off x="4849516" y="1614654"/>
+            <a:ext cx="2962359" cy="3371875"/>
+          </a:xfrm>
+          <a:prstGeom prst="rect">
+            <a:avLst/>
+          </a:prstGeom>
+          <a:solidFill>
+            <a:schemeClr val="accent3">
+              <a:lumMod val="95000"/>
+            </a:schemeClr>
+          </a:solidFill>
+          <a:ln>
+            <a:noFill/>
+          </a:ln>
+        </p:spPr>
+        <p:style>
+          <a:lnRef idx="2">
+            <a:schemeClr val="accent1">
+              <a:shade val="50000"/>
+            </a:schemeClr>
+          </a:lnRef>
+          <a:fillRef idx="1">
+            <a:schemeClr val="accent1"/>
+          </a:fillRef>
+          <a:effectRef idx="0">
+            <a:schemeClr val="accent1"/>
+          </a:effectRef>
+          <a:fontRef idx="minor">
+            <a:schemeClr val="lt1"/>
+          </a:fontRef>
+        </p:style>
+        <p:txBody>
+          <a:bodyPr rtlCol="0" anchor="ctr"/>
+          <a:lstStyle/>
+          <a:p>
+            <a:pPr marL="0" marR="0" lvl="0" indent="0" algn="ctr" defTabSz="457200" rtl="0" eaLnBrk="1" fontAlgn="auto" latinLnBrk="0" hangingPunct="1">
+              <a:lnSpc>
+                <a:spcPct val="100000"/>
+              </a:lnSpc>
+              <a:spcBef>
+                <a:spcPts val="0"/>
+              </a:spcBef>
+              <a:spcAft>
+                <a:spcPts val="0"/>
+              </a:spcAft>
+              <a:buClrTx/>
+              <a:buSzTx/>
+              <a:buFontTx/>
+              <a:buNone/>
+              <a:tabLst/>
+              <a:defRPr/>
+            </a:pPr>
+            <a:endParaRPr kumimoji="0" lang="en-US" sz="1800" b="0" i="0" u="none" strike="noStrike" kern="1200" cap="none" spc="0" normalizeH="0" baseline="0" noProof="0">
+              <a:ln>
+                <a:noFill/>
+              </a:ln>
+              <a:solidFill>
+                <a:srgbClr val="000000"/>
+              </a:solidFill>
+              <a:effectLst/>
+              <a:uLnTx/>
+              <a:uFillTx/>
+              <a:latin typeface="Calibri" panose="020F0502020204030204"/>
+              <a:ea typeface="+mn-ea"/>
+              <a:cs typeface="+mn-cs"/>
+            </a:endParaRPr>
+          </a:p>
+        </p:txBody>
+      </p:sp>
       <p:grpSp>
         <p:nvGrpSpPr>
-          <p:cNvPr id="4" name="Group 3">
+          <p:cNvPr id="6" name="Group 5">
             <a:extLst>
               <a:ext uri="{FF2B5EF4-FFF2-40B4-BE49-F238E27FC236}">
-                <a16:creationId xmlns:a16="http://schemas.microsoft.com/office/drawing/2014/main" id="{3FA8E88B-A7B2-20AB-A8FD-17F8A80F717B}"/>
+                <a16:creationId xmlns:a16="http://schemas.microsoft.com/office/drawing/2014/main" id="{C34135AC-8E0B-7AE5-0940-D5443FF34793}"/>
               </a:ext>
             </a:extLst>
           </p:cNvPr>
@@ -20768,189 +21366,85 @@
           <a:xfrm>
             <a:off x="3895978" y="1228978"/>
             <a:ext cx="4400044" cy="4400044"/>
-            <a:chOff x="9792033" y="3821823"/>
-            <a:chExt cx="962125" cy="962125"/>
+            <a:chOff x="4300668" y="-1299739"/>
+            <a:chExt cx="2827861" cy="2827862"/>
           </a:xfrm>
         </p:grpSpPr>
-        <p:sp>
-          <p:nvSpPr>
-            <p:cNvPr id="5" name="Rectangle 4">
+        <p:pic>
+          <p:nvPicPr>
+            <p:cNvPr id="7" name="Graphic 6" descr="Paper outline">
               <a:extLst>
                 <a:ext uri="{FF2B5EF4-FFF2-40B4-BE49-F238E27FC236}">
-                  <a16:creationId xmlns:a16="http://schemas.microsoft.com/office/drawing/2014/main" id="{7D3267F7-25DF-30FC-509B-C095CC4E8876}"/>
+                  <a16:creationId xmlns:a16="http://schemas.microsoft.com/office/drawing/2014/main" id="{8EB8582A-45FB-E72F-74F0-389D9D883F97}"/>
                 </a:ext>
               </a:extLst>
             </p:cNvPr>
-            <p:cNvSpPr/>
+            <p:cNvPicPr>
+              <a:picLocks noChangeAspect="1"/>
+            </p:cNvPicPr>
             <p:nvPr/>
-          </p:nvSpPr>
+          </p:nvPicPr>
+          <p:blipFill>
+            <a:blip r:embed="rId3">
+              <a:extLst>
+                <a:ext uri="{28A0092B-C50C-407E-A947-70E740481C1C}">
+                  <a14:useLocalDpi xmlns:a14="http://schemas.microsoft.com/office/drawing/2010/main" val="0"/>
+                </a:ext>
+                <a:ext uri="{96DAC541-7B7A-43D3-8B79-37D633B846F1}">
+                  <asvg:svgBlip xmlns:asvg="http://schemas.microsoft.com/office/drawing/2016/SVG/main" r:embed="rId4"/>
+                </a:ext>
+              </a:extLst>
+            </a:blip>
+            <a:stretch>
+              <a:fillRect/>
+            </a:stretch>
+          </p:blipFill>
           <p:spPr>
             <a:xfrm>
-              <a:off x="10000536" y="3906156"/>
-              <a:ext cx="647757" cy="737303"/>
+              <a:off x="4300668" y="-1299739"/>
+              <a:ext cx="2827861" cy="2827862"/>
             </a:xfrm>
             <a:prstGeom prst="rect">
               <a:avLst/>
             </a:prstGeom>
-            <a:solidFill>
-              <a:schemeClr val="accent3">
-                <a:lumMod val="95000"/>
-              </a:schemeClr>
-            </a:solidFill>
-            <a:ln>
-              <a:noFill/>
-            </a:ln>
           </p:spPr>
-          <p:style>
-            <a:lnRef idx="2">
-              <a:schemeClr val="accent1">
-                <a:shade val="50000"/>
-              </a:schemeClr>
-            </a:lnRef>
-            <a:fillRef idx="1">
-              <a:schemeClr val="accent1"/>
-            </a:fillRef>
-            <a:effectRef idx="0">
-              <a:schemeClr val="accent1"/>
-            </a:effectRef>
-            <a:fontRef idx="minor">
-              <a:schemeClr val="lt1"/>
-            </a:fontRef>
-          </p:style>
-          <p:txBody>
-            <a:bodyPr rtlCol="0" anchor="ctr"/>
-            <a:lstStyle/>
-            <a:p>
-              <a:pPr marL="0" marR="0" lvl="0" indent="0" algn="ctr" defTabSz="457200" rtl="0" eaLnBrk="1" fontAlgn="auto" latinLnBrk="0" hangingPunct="1">
-                <a:lnSpc>
-                  <a:spcPct val="100000"/>
-                </a:lnSpc>
-                <a:spcBef>
-                  <a:spcPts val="0"/>
-                </a:spcBef>
-                <a:spcAft>
-                  <a:spcPts val="0"/>
-                </a:spcAft>
-                <a:buClrTx/>
-                <a:buSzTx/>
-                <a:buFontTx/>
-                <a:buNone/>
-                <a:tabLst/>
-                <a:defRPr/>
-              </a:pPr>
-              <a:endParaRPr kumimoji="0" lang="en-US" sz="1800" b="0" i="0" u="none" strike="noStrike" kern="1200" cap="none" spc="0" normalizeH="0" baseline="0" noProof="0">
-                <a:ln>
-                  <a:noFill/>
-                </a:ln>
-                <a:solidFill>
-                  <a:srgbClr val="000000"/>
-                </a:solidFill>
-                <a:effectLst/>
-                <a:uLnTx/>
-                <a:uFillTx/>
-                <a:latin typeface="Calibri" panose="020F0502020204030204"/>
-                <a:ea typeface="+mn-ea"/>
-                <a:cs typeface="+mn-cs"/>
-              </a:endParaRPr>
-            </a:p>
-          </p:txBody>
-        </p:sp>
-        <p:grpSp>
-          <p:nvGrpSpPr>
-            <p:cNvPr id="6" name="Group 5">
+        </p:pic>
+        <p:pic>
+          <p:nvPicPr>
+            <p:cNvPr id="8" name="Picture 7" descr="Logo&#10;&#10;Description automatically generated">
               <a:extLst>
                 <a:ext uri="{FF2B5EF4-FFF2-40B4-BE49-F238E27FC236}">
-                  <a16:creationId xmlns:a16="http://schemas.microsoft.com/office/drawing/2014/main" id="{C34135AC-8E0B-7AE5-0940-D5443FF34793}"/>
+                  <a16:creationId xmlns:a16="http://schemas.microsoft.com/office/drawing/2014/main" id="{73AD5827-DC25-21BA-C33B-62BD9AAAD12D}"/>
                 </a:ext>
               </a:extLst>
             </p:cNvPr>
-            <p:cNvGrpSpPr/>
+            <p:cNvPicPr>
+              <a:picLocks noChangeAspect="1"/>
+            </p:cNvPicPr>
             <p:nvPr/>
-          </p:nvGrpSpPr>
-          <p:grpSpPr>
+          </p:nvPicPr>
+          <p:blipFill>
+            <a:blip r:embed="rId5">
+              <a:extLst>
+                <a:ext uri="{28A0092B-C50C-407E-A947-70E740481C1C}">
+                  <a14:useLocalDpi xmlns:a14="http://schemas.microsoft.com/office/drawing/2010/main" val="0"/>
+                </a:ext>
+              </a:extLst>
+            </a:blip>
+            <a:stretch>
+              <a:fillRect/>
+            </a:stretch>
+          </p:blipFill>
+          <p:spPr>
             <a:xfrm>
-              <a:off x="9792033" y="3821823"/>
-              <a:ext cx="962125" cy="962125"/>
-              <a:chOff x="4300668" y="-1299739"/>
-              <a:chExt cx="2827861" cy="2827862"/>
+              <a:off x="4948340" y="-951731"/>
+              <a:ext cx="921590" cy="555788"/>
             </a:xfrm>
-          </p:grpSpPr>
-          <p:pic>
-            <p:nvPicPr>
-              <p:cNvPr id="7" name="Graphic 6" descr="Paper outline">
-                <a:extLst>
-                  <a:ext uri="{FF2B5EF4-FFF2-40B4-BE49-F238E27FC236}">
-                    <a16:creationId xmlns:a16="http://schemas.microsoft.com/office/drawing/2014/main" id="{8EB8582A-45FB-E72F-74F0-389D9D883F97}"/>
-                  </a:ext>
-                </a:extLst>
-              </p:cNvPr>
-              <p:cNvPicPr>
-                <a:picLocks noChangeAspect="1"/>
-              </p:cNvPicPr>
-              <p:nvPr/>
-            </p:nvPicPr>
-            <p:blipFill>
-              <a:blip r:embed="rId3">
-                <a:extLst>
-                  <a:ext uri="{28A0092B-C50C-407E-A947-70E740481C1C}">
-                    <a14:useLocalDpi xmlns:a14="http://schemas.microsoft.com/office/drawing/2010/main" val="0"/>
-                  </a:ext>
-                  <a:ext uri="{96DAC541-7B7A-43D3-8B79-37D633B846F1}">
-                    <asvg:svgBlip xmlns:asvg="http://schemas.microsoft.com/office/drawing/2016/SVG/main" r:embed="rId4"/>
-                  </a:ext>
-                </a:extLst>
-              </a:blip>
-              <a:stretch>
-                <a:fillRect/>
-              </a:stretch>
-            </p:blipFill>
-            <p:spPr>
-              <a:xfrm>
-                <a:off x="4300668" y="-1299739"/>
-                <a:ext cx="2827861" cy="2827862"/>
-              </a:xfrm>
-              <a:prstGeom prst="rect">
-                <a:avLst/>
-              </a:prstGeom>
-            </p:spPr>
-          </p:pic>
-          <p:pic>
-            <p:nvPicPr>
-              <p:cNvPr id="8" name="Picture 7" descr="Logo&#10;&#10;Description automatically generated">
-                <a:extLst>
-                  <a:ext uri="{FF2B5EF4-FFF2-40B4-BE49-F238E27FC236}">
-                    <a16:creationId xmlns:a16="http://schemas.microsoft.com/office/drawing/2014/main" id="{73AD5827-DC25-21BA-C33B-62BD9AAAD12D}"/>
-                  </a:ext>
-                </a:extLst>
-              </p:cNvPr>
-              <p:cNvPicPr>
-                <a:picLocks noChangeAspect="1"/>
-              </p:cNvPicPr>
-              <p:nvPr/>
-            </p:nvPicPr>
-            <p:blipFill>
-              <a:blip r:embed="rId5">
-                <a:extLst>
-                  <a:ext uri="{28A0092B-C50C-407E-A947-70E740481C1C}">
-                    <a14:useLocalDpi xmlns:a14="http://schemas.microsoft.com/office/drawing/2010/main" val="0"/>
-                  </a:ext>
-                </a:extLst>
-              </a:blip>
-              <a:stretch>
-                <a:fillRect/>
-              </a:stretch>
-            </p:blipFill>
-            <p:spPr>
-              <a:xfrm>
-                <a:off x="4948340" y="-951731"/>
-                <a:ext cx="921590" cy="555788"/>
-              </a:xfrm>
-              <a:prstGeom prst="rect">
-                <a:avLst/>
-              </a:prstGeom>
-            </p:spPr>
-          </p:pic>
-        </p:grpSp>
+            <a:prstGeom prst="rect">
+              <a:avLst/>
+            </a:prstGeom>
+          </p:spPr>
+        </p:pic>
       </p:grpSp>
       <p:sp>
         <p:nvSpPr>
@@ -21070,7 +21564,7 @@
 </p:sld>
 </file>
 
-<file path=ppt/slides/slide23.xml><?xml version="1.0" encoding="utf-8"?>
+<file path=ppt/slides/slide24.xml><?xml version="1.0" encoding="utf-8"?>
 <p:sld xmlns:a="http://schemas.openxmlformats.org/drawingml/2006/main" xmlns:r="http://schemas.openxmlformats.org/officeDocument/2006/relationships" xmlns:p="http://schemas.openxmlformats.org/presentationml/2006/main">
   <p:cSld>
     <p:spTree>
@@ -21093,12 +21587,95 @@
           <a:chExt cx="0" cy="0"/>
         </a:xfrm>
       </p:grpSpPr>
+      <p:sp>
+        <p:nvSpPr>
+          <p:cNvPr id="5" name="Rectangle 4">
+            <a:extLst>
+              <a:ext uri="{FF2B5EF4-FFF2-40B4-BE49-F238E27FC236}">
+                <a16:creationId xmlns:a16="http://schemas.microsoft.com/office/drawing/2014/main" id="{E4340B46-EDCA-1E0C-41CB-2A40168A373D}"/>
+              </a:ext>
+            </a:extLst>
+          </p:cNvPr>
+          <p:cNvSpPr/>
+          <p:nvPr/>
+        </p:nvSpPr>
+        <p:spPr>
+          <a:xfrm>
+            <a:off x="4849516" y="1614654"/>
+            <a:ext cx="2962359" cy="3371875"/>
+          </a:xfrm>
+          <a:prstGeom prst="rect">
+            <a:avLst/>
+          </a:prstGeom>
+          <a:solidFill>
+            <a:schemeClr val="accent3">
+              <a:lumMod val="95000"/>
+            </a:schemeClr>
+          </a:solidFill>
+          <a:ln>
+            <a:noFill/>
+          </a:ln>
+        </p:spPr>
+        <p:style>
+          <a:lnRef idx="2">
+            <a:schemeClr val="accent1">
+              <a:shade val="50000"/>
+            </a:schemeClr>
+          </a:lnRef>
+          <a:fillRef idx="1">
+            <a:schemeClr val="accent1"/>
+          </a:fillRef>
+          <a:effectRef idx="0">
+            <a:schemeClr val="accent1"/>
+          </a:effectRef>
+          <a:fontRef idx="minor">
+            <a:schemeClr val="lt1"/>
+          </a:fontRef>
+        </p:style>
+        <p:txBody>
+          <a:bodyPr rtlCol="0" anchor="ctr"/>
+          <a:lstStyle/>
+          <a:p>
+            <a:pPr marL="0" marR="0" lvl="0" indent="0" algn="ctr" defTabSz="457200" rtl="0" eaLnBrk="1" fontAlgn="auto" latinLnBrk="0" hangingPunct="1">
+              <a:lnSpc>
+                <a:spcPct val="100000"/>
+              </a:lnSpc>
+              <a:spcBef>
+                <a:spcPts val="0"/>
+              </a:spcBef>
+              <a:spcAft>
+                <a:spcPts val="0"/>
+              </a:spcAft>
+              <a:buClrTx/>
+              <a:buSzTx/>
+              <a:buFontTx/>
+              <a:buNone/>
+              <a:tabLst/>
+              <a:defRPr/>
+            </a:pPr>
+            <a:endParaRPr kumimoji="0" lang="en-US" sz="1800" b="0" i="0" u="none" strike="noStrike" kern="1200" cap="none" spc="0" normalizeH="0" baseline="0" noProof="0">
+              <a:ln>
+                <a:noFill/>
+              </a:ln>
+              <a:solidFill>
+                <a:srgbClr val="000000"/>
+              </a:solidFill>
+              <a:effectLst/>
+              <a:uLnTx/>
+              <a:uFillTx/>
+              <a:latin typeface="Calibri" panose="020F0502020204030204"/>
+              <a:ea typeface="+mn-ea"/>
+              <a:cs typeface="+mn-cs"/>
+            </a:endParaRPr>
+          </a:p>
+        </p:txBody>
+      </p:sp>
       <p:grpSp>
         <p:nvGrpSpPr>
-          <p:cNvPr id="4" name="Group 3">
+          <p:cNvPr id="6" name="Group 5">
             <a:extLst>
               <a:ext uri="{FF2B5EF4-FFF2-40B4-BE49-F238E27FC236}">
-                <a16:creationId xmlns:a16="http://schemas.microsoft.com/office/drawing/2014/main" id="{E1B5363C-793A-5AAD-B350-F2028814311F}"/>
+                <a16:creationId xmlns:a16="http://schemas.microsoft.com/office/drawing/2014/main" id="{64483D17-C33F-07AA-0D1E-8EE4ACA8FE7D}"/>
               </a:ext>
             </a:extLst>
           </p:cNvPr>
@@ -21109,189 +21686,85 @@
           <a:xfrm>
             <a:off x="3895978" y="1228978"/>
             <a:ext cx="4400044" cy="4400044"/>
-            <a:chOff x="9792033" y="3821823"/>
-            <a:chExt cx="962125" cy="962125"/>
+            <a:chOff x="4300668" y="-1299739"/>
+            <a:chExt cx="2827861" cy="2827862"/>
           </a:xfrm>
         </p:grpSpPr>
-        <p:sp>
-          <p:nvSpPr>
-            <p:cNvPr id="5" name="Rectangle 4">
+        <p:pic>
+          <p:nvPicPr>
+            <p:cNvPr id="7" name="Graphic 6" descr="Paper outline">
               <a:extLst>
                 <a:ext uri="{FF2B5EF4-FFF2-40B4-BE49-F238E27FC236}">
-                  <a16:creationId xmlns:a16="http://schemas.microsoft.com/office/drawing/2014/main" id="{E4340B46-EDCA-1E0C-41CB-2A40168A373D}"/>
+                  <a16:creationId xmlns:a16="http://schemas.microsoft.com/office/drawing/2014/main" id="{49002787-1049-865F-0EF0-C93148B93E5B}"/>
                 </a:ext>
               </a:extLst>
             </p:cNvPr>
-            <p:cNvSpPr/>
+            <p:cNvPicPr>
+              <a:picLocks noChangeAspect="1"/>
+            </p:cNvPicPr>
             <p:nvPr/>
-          </p:nvSpPr>
+          </p:nvPicPr>
+          <p:blipFill>
+            <a:blip r:embed="rId3">
+              <a:extLst>
+                <a:ext uri="{28A0092B-C50C-407E-A947-70E740481C1C}">
+                  <a14:useLocalDpi xmlns:a14="http://schemas.microsoft.com/office/drawing/2010/main" val="0"/>
+                </a:ext>
+                <a:ext uri="{96DAC541-7B7A-43D3-8B79-37D633B846F1}">
+                  <asvg:svgBlip xmlns:asvg="http://schemas.microsoft.com/office/drawing/2016/SVG/main" r:embed="rId4"/>
+                </a:ext>
+              </a:extLst>
+            </a:blip>
+            <a:stretch>
+              <a:fillRect/>
+            </a:stretch>
+          </p:blipFill>
           <p:spPr>
             <a:xfrm>
-              <a:off x="10000536" y="3906156"/>
-              <a:ext cx="647757" cy="737303"/>
+              <a:off x="4300668" y="-1299739"/>
+              <a:ext cx="2827861" cy="2827862"/>
             </a:xfrm>
             <a:prstGeom prst="rect">
               <a:avLst/>
             </a:prstGeom>
-            <a:solidFill>
-              <a:schemeClr val="accent3">
-                <a:lumMod val="95000"/>
-              </a:schemeClr>
-            </a:solidFill>
-            <a:ln>
-              <a:noFill/>
-            </a:ln>
           </p:spPr>
-          <p:style>
-            <a:lnRef idx="2">
-              <a:schemeClr val="accent1">
-                <a:shade val="50000"/>
-              </a:schemeClr>
-            </a:lnRef>
-            <a:fillRef idx="1">
-              <a:schemeClr val="accent1"/>
-            </a:fillRef>
-            <a:effectRef idx="0">
-              <a:schemeClr val="accent1"/>
-            </a:effectRef>
-            <a:fontRef idx="minor">
-              <a:schemeClr val="lt1"/>
-            </a:fontRef>
-          </p:style>
-          <p:txBody>
-            <a:bodyPr rtlCol="0" anchor="ctr"/>
-            <a:lstStyle/>
-            <a:p>
-              <a:pPr marL="0" marR="0" lvl="0" indent="0" algn="ctr" defTabSz="457200" rtl="0" eaLnBrk="1" fontAlgn="auto" latinLnBrk="0" hangingPunct="1">
-                <a:lnSpc>
-                  <a:spcPct val="100000"/>
-                </a:lnSpc>
-                <a:spcBef>
-                  <a:spcPts val="0"/>
-                </a:spcBef>
-                <a:spcAft>
-                  <a:spcPts val="0"/>
-                </a:spcAft>
-                <a:buClrTx/>
-                <a:buSzTx/>
-                <a:buFontTx/>
-                <a:buNone/>
-                <a:tabLst/>
-                <a:defRPr/>
-              </a:pPr>
-              <a:endParaRPr kumimoji="0" lang="en-US" sz="1800" b="0" i="0" u="none" strike="noStrike" kern="1200" cap="none" spc="0" normalizeH="0" baseline="0" noProof="0">
-                <a:ln>
-                  <a:noFill/>
-                </a:ln>
-                <a:solidFill>
-                  <a:srgbClr val="000000"/>
-                </a:solidFill>
-                <a:effectLst/>
-                <a:uLnTx/>
-                <a:uFillTx/>
-                <a:latin typeface="Calibri" panose="020F0502020204030204"/>
-                <a:ea typeface="+mn-ea"/>
-                <a:cs typeface="+mn-cs"/>
-              </a:endParaRPr>
-            </a:p>
-          </p:txBody>
-        </p:sp>
-        <p:grpSp>
-          <p:nvGrpSpPr>
-            <p:cNvPr id="6" name="Group 5">
+        </p:pic>
+        <p:pic>
+          <p:nvPicPr>
+            <p:cNvPr id="8" name="Picture 7" descr="Logo&#10;&#10;Description automatically generated">
               <a:extLst>
                 <a:ext uri="{FF2B5EF4-FFF2-40B4-BE49-F238E27FC236}">
-                  <a16:creationId xmlns:a16="http://schemas.microsoft.com/office/drawing/2014/main" id="{64483D17-C33F-07AA-0D1E-8EE4ACA8FE7D}"/>
+                  <a16:creationId xmlns:a16="http://schemas.microsoft.com/office/drawing/2014/main" id="{A4512359-1CAE-6970-EE9F-F30B16150B58}"/>
                 </a:ext>
               </a:extLst>
             </p:cNvPr>
-            <p:cNvGrpSpPr/>
+            <p:cNvPicPr>
+              <a:picLocks noChangeAspect="1"/>
+            </p:cNvPicPr>
             <p:nvPr/>
-          </p:nvGrpSpPr>
-          <p:grpSpPr>
+          </p:nvPicPr>
+          <p:blipFill>
+            <a:blip r:embed="rId5">
+              <a:extLst>
+                <a:ext uri="{28A0092B-C50C-407E-A947-70E740481C1C}">
+                  <a14:useLocalDpi xmlns:a14="http://schemas.microsoft.com/office/drawing/2010/main" val="0"/>
+                </a:ext>
+              </a:extLst>
+            </a:blip>
+            <a:stretch>
+              <a:fillRect/>
+            </a:stretch>
+          </p:blipFill>
+          <p:spPr>
             <a:xfrm>
-              <a:off x="9792033" y="3821823"/>
-              <a:ext cx="962125" cy="962125"/>
-              <a:chOff x="4300668" y="-1299739"/>
-              <a:chExt cx="2827861" cy="2827862"/>
+              <a:off x="4948340" y="-951731"/>
+              <a:ext cx="921590" cy="555788"/>
             </a:xfrm>
-          </p:grpSpPr>
-          <p:pic>
-            <p:nvPicPr>
-              <p:cNvPr id="7" name="Graphic 6" descr="Paper outline">
-                <a:extLst>
-                  <a:ext uri="{FF2B5EF4-FFF2-40B4-BE49-F238E27FC236}">
-                    <a16:creationId xmlns:a16="http://schemas.microsoft.com/office/drawing/2014/main" id="{49002787-1049-865F-0EF0-C93148B93E5B}"/>
-                  </a:ext>
-                </a:extLst>
-              </p:cNvPr>
-              <p:cNvPicPr>
-                <a:picLocks noChangeAspect="1"/>
-              </p:cNvPicPr>
-              <p:nvPr/>
-            </p:nvPicPr>
-            <p:blipFill>
-              <a:blip r:embed="rId3">
-                <a:extLst>
-                  <a:ext uri="{28A0092B-C50C-407E-A947-70E740481C1C}">
-                    <a14:useLocalDpi xmlns:a14="http://schemas.microsoft.com/office/drawing/2010/main" val="0"/>
-                  </a:ext>
-                  <a:ext uri="{96DAC541-7B7A-43D3-8B79-37D633B846F1}">
-                    <asvg:svgBlip xmlns:asvg="http://schemas.microsoft.com/office/drawing/2016/SVG/main" r:embed="rId4"/>
-                  </a:ext>
-                </a:extLst>
-              </a:blip>
-              <a:stretch>
-                <a:fillRect/>
-              </a:stretch>
-            </p:blipFill>
-            <p:spPr>
-              <a:xfrm>
-                <a:off x="4300668" y="-1299739"/>
-                <a:ext cx="2827861" cy="2827862"/>
-              </a:xfrm>
-              <a:prstGeom prst="rect">
-                <a:avLst/>
-              </a:prstGeom>
-            </p:spPr>
-          </p:pic>
-          <p:pic>
-            <p:nvPicPr>
-              <p:cNvPr id="8" name="Picture 7" descr="Logo&#10;&#10;Description automatically generated">
-                <a:extLst>
-                  <a:ext uri="{FF2B5EF4-FFF2-40B4-BE49-F238E27FC236}">
-                    <a16:creationId xmlns:a16="http://schemas.microsoft.com/office/drawing/2014/main" id="{A4512359-1CAE-6970-EE9F-F30B16150B58}"/>
-                  </a:ext>
-                </a:extLst>
-              </p:cNvPr>
-              <p:cNvPicPr>
-                <a:picLocks noChangeAspect="1"/>
-              </p:cNvPicPr>
-              <p:nvPr/>
-            </p:nvPicPr>
-            <p:blipFill>
-              <a:blip r:embed="rId5">
-                <a:extLst>
-                  <a:ext uri="{28A0092B-C50C-407E-A947-70E740481C1C}">
-                    <a14:useLocalDpi xmlns:a14="http://schemas.microsoft.com/office/drawing/2010/main" val="0"/>
-                  </a:ext>
-                </a:extLst>
-              </a:blip>
-              <a:stretch>
-                <a:fillRect/>
-              </a:stretch>
-            </p:blipFill>
-            <p:spPr>
-              <a:xfrm>
-                <a:off x="4948340" y="-951731"/>
-                <a:ext cx="921590" cy="555788"/>
-              </a:xfrm>
-              <a:prstGeom prst="rect">
-                <a:avLst/>
-              </a:prstGeom>
-            </p:spPr>
-          </p:pic>
-        </p:grpSp>
+            <a:prstGeom prst="rect">
+              <a:avLst/>
+            </a:prstGeom>
+          </p:spPr>
+        </p:pic>
       </p:grpSp>
       <p:sp>
         <p:nvSpPr>
@@ -21717,7 +22190,7 @@
 </p:sld>
 </file>
 
-<file path=ppt/slides/slide24.xml><?xml version="1.0" encoding="utf-8"?>
+<file path=ppt/slides/slide25.xml><?xml version="1.0" encoding="utf-8"?>
 <p:sld xmlns:a="http://schemas.openxmlformats.org/drawingml/2006/main" xmlns:r="http://schemas.openxmlformats.org/officeDocument/2006/relationships" xmlns:p="http://schemas.openxmlformats.org/presentationml/2006/main">
   <p:cSld>
     <p:spTree>
@@ -22104,45 +22577,336 @@
           <a:chExt cx="0" cy="0"/>
         </a:xfrm>
       </p:grpSpPr>
-      <p:pic>
-        <p:nvPicPr>
-          <p:cNvPr id="22" name="Graphic 21" descr="Laptop with solid fill">
+      <p:grpSp>
+        <p:nvGrpSpPr>
+          <p:cNvPr id="11" name="Group 10">
             <a:extLst>
               <a:ext uri="{FF2B5EF4-FFF2-40B4-BE49-F238E27FC236}">
-                <a16:creationId xmlns:a16="http://schemas.microsoft.com/office/drawing/2014/main" id="{80AF5F8D-B790-05A4-FAA8-AADB04F44E05}"/>
+                <a16:creationId xmlns:a16="http://schemas.microsoft.com/office/drawing/2014/main" id="{0C1FEB5F-B07A-883E-5D40-F44A3CB1401D}"/>
               </a:ext>
             </a:extLst>
           </p:cNvPr>
-          <p:cNvPicPr>
-            <a:picLocks noChangeAspect="1"/>
-          </p:cNvPicPr>
+          <p:cNvGrpSpPr/>
           <p:nvPr/>
-        </p:nvPicPr>
-        <p:blipFill>
-          <a:blip r:embed="rId3">
-            <a:extLst>
-              <a:ext uri="{28A0092B-C50C-407E-A947-70E740481C1C}">
-                <a14:useLocalDpi xmlns:a14="http://schemas.microsoft.com/office/drawing/2010/main" val="0"/>
-              </a:ext>
-              <a:ext uri="{96DAC541-7B7A-43D3-8B79-37D633B846F1}">
-                <asvg:svgBlip xmlns:asvg="http://schemas.microsoft.com/office/drawing/2016/SVG/main" r:embed="rId4"/>
-              </a:ext>
-            </a:extLst>
-          </a:blip>
-          <a:stretch>
-            <a:fillRect/>
-          </a:stretch>
-        </p:blipFill>
-        <p:spPr>
+        </p:nvGrpSpPr>
+        <p:grpSpPr>
           <a:xfrm>
-            <a:off x="-4369319" y="997065"/>
-            <a:ext cx="4371266" cy="4371266"/>
+            <a:off x="-4278250" y="2154048"/>
+            <a:ext cx="4189129" cy="2549905"/>
+            <a:chOff x="-4278250" y="1907745"/>
+            <a:chExt cx="4189129" cy="2549905"/>
           </a:xfrm>
-          <a:prstGeom prst="rect">
-            <a:avLst/>
-          </a:prstGeom>
-        </p:spPr>
-      </p:pic>
+        </p:grpSpPr>
+        <p:sp>
+          <p:nvSpPr>
+            <p:cNvPr id="8" name="Freeform: Shape 7">
+              <a:extLst>
+                <a:ext uri="{FF2B5EF4-FFF2-40B4-BE49-F238E27FC236}">
+                  <a16:creationId xmlns:a16="http://schemas.microsoft.com/office/drawing/2014/main" id="{951F6B3A-57BC-7F7D-32F6-0A7073B21D40}"/>
+                </a:ext>
+              </a:extLst>
+            </p:cNvPr>
+            <p:cNvSpPr/>
+            <p:nvPr/>
+          </p:nvSpPr>
+          <p:spPr>
+            <a:xfrm>
+              <a:off x="-3731842" y="1907745"/>
+              <a:ext cx="3096313" cy="2094564"/>
+            </a:xfrm>
+            <a:custGeom>
+              <a:avLst/>
+              <a:gdLst>
+                <a:gd name="connsiteX0" fmla="*/ 2823109 w 3096313"/>
+                <a:gd name="connsiteY0" fmla="*/ 1821361 h 2094564"/>
+                <a:gd name="connsiteX1" fmla="*/ 273204 w 3096313"/>
+                <a:gd name="connsiteY1" fmla="*/ 1821361 h 2094564"/>
+                <a:gd name="connsiteX2" fmla="*/ 273204 w 3096313"/>
+                <a:gd name="connsiteY2" fmla="*/ 273204 h 2094564"/>
+                <a:gd name="connsiteX3" fmla="*/ 2823109 w 3096313"/>
+                <a:gd name="connsiteY3" fmla="*/ 273204 h 2094564"/>
+                <a:gd name="connsiteX4" fmla="*/ 2823109 w 3096313"/>
+                <a:gd name="connsiteY4" fmla="*/ 1821361 h 2094564"/>
+                <a:gd name="connsiteX5" fmla="*/ 3096314 w 3096313"/>
+                <a:gd name="connsiteY5" fmla="*/ 182136 h 2094564"/>
+                <a:gd name="connsiteX6" fmla="*/ 2914177 w 3096313"/>
+                <a:gd name="connsiteY6" fmla="*/ 0 h 2094564"/>
+                <a:gd name="connsiteX7" fmla="*/ 182136 w 3096313"/>
+                <a:gd name="connsiteY7" fmla="*/ 0 h 2094564"/>
+                <a:gd name="connsiteX8" fmla="*/ 0 w 3096313"/>
+                <a:gd name="connsiteY8" fmla="*/ 182136 h 2094564"/>
+                <a:gd name="connsiteX9" fmla="*/ 0 w 3096313"/>
+                <a:gd name="connsiteY9" fmla="*/ 2094565 h 2094564"/>
+                <a:gd name="connsiteX10" fmla="*/ 3096314 w 3096313"/>
+                <a:gd name="connsiteY10" fmla="*/ 2094565 h 2094564"/>
+                <a:gd name="connsiteX11" fmla="*/ 3096314 w 3096313"/>
+                <a:gd name="connsiteY11" fmla="*/ 182136 h 2094564"/>
+              </a:gdLst>
+              <a:ahLst/>
+              <a:cxnLst>
+                <a:cxn ang="0">
+                  <a:pos x="connsiteX0" y="connsiteY0"/>
+                </a:cxn>
+                <a:cxn ang="0">
+                  <a:pos x="connsiteX1" y="connsiteY1"/>
+                </a:cxn>
+                <a:cxn ang="0">
+                  <a:pos x="connsiteX2" y="connsiteY2"/>
+                </a:cxn>
+                <a:cxn ang="0">
+                  <a:pos x="connsiteX3" y="connsiteY3"/>
+                </a:cxn>
+                <a:cxn ang="0">
+                  <a:pos x="connsiteX4" y="connsiteY4"/>
+                </a:cxn>
+                <a:cxn ang="0">
+                  <a:pos x="connsiteX5" y="connsiteY5"/>
+                </a:cxn>
+                <a:cxn ang="0">
+                  <a:pos x="connsiteX6" y="connsiteY6"/>
+                </a:cxn>
+                <a:cxn ang="0">
+                  <a:pos x="connsiteX7" y="connsiteY7"/>
+                </a:cxn>
+                <a:cxn ang="0">
+                  <a:pos x="connsiteX8" y="connsiteY8"/>
+                </a:cxn>
+                <a:cxn ang="0">
+                  <a:pos x="connsiteX9" y="connsiteY9"/>
+                </a:cxn>
+                <a:cxn ang="0">
+                  <a:pos x="connsiteX10" y="connsiteY10"/>
+                </a:cxn>
+                <a:cxn ang="0">
+                  <a:pos x="connsiteX11" y="connsiteY11"/>
+                </a:cxn>
+              </a:cxnLst>
+              <a:rect l="l" t="t" r="r" b="b"/>
+              <a:pathLst>
+                <a:path w="3096313" h="2094564">
+                  <a:moveTo>
+                    <a:pt x="2823109" y="1821361"/>
+                  </a:moveTo>
+                  <a:lnTo>
+                    <a:pt x="273204" y="1821361"/>
+                  </a:lnTo>
+                  <a:lnTo>
+                    <a:pt x="273204" y="273204"/>
+                  </a:lnTo>
+                  <a:lnTo>
+                    <a:pt x="2823109" y="273204"/>
+                  </a:lnTo>
+                  <a:lnTo>
+                    <a:pt x="2823109" y="1821361"/>
+                  </a:lnTo>
+                  <a:close/>
+                  <a:moveTo>
+                    <a:pt x="3096314" y="182136"/>
+                  </a:moveTo>
+                  <a:cubicBezTo>
+                    <a:pt x="3096314" y="81961"/>
+                    <a:pt x="3014352" y="0"/>
+                    <a:pt x="2914177" y="0"/>
+                  </a:cubicBezTo>
+                  <a:lnTo>
+                    <a:pt x="182136" y="0"/>
+                  </a:lnTo>
+                  <a:cubicBezTo>
+                    <a:pt x="81961" y="0"/>
+                    <a:pt x="0" y="81961"/>
+                    <a:pt x="0" y="182136"/>
+                  </a:cubicBezTo>
+                  <a:lnTo>
+                    <a:pt x="0" y="2094565"/>
+                  </a:lnTo>
+                  <a:lnTo>
+                    <a:pt x="3096314" y="2094565"/>
+                  </a:lnTo>
+                  <a:lnTo>
+                    <a:pt x="3096314" y="182136"/>
+                  </a:lnTo>
+                  <a:close/>
+                </a:path>
+              </a:pathLst>
+            </a:custGeom>
+            <a:solidFill>
+              <a:schemeClr val="accent2"/>
+            </a:solidFill>
+            <a:ln w="45442" cap="flat">
+              <a:noFill/>
+              <a:prstDash val="solid"/>
+              <a:miter/>
+            </a:ln>
+          </p:spPr>
+          <p:txBody>
+            <a:bodyPr rtlCol="0" anchor="ctr"/>
+            <a:lstStyle/>
+            <a:p>
+              <a:endParaRPr lang="en-US"/>
+            </a:p>
+          </p:txBody>
+        </p:sp>
+        <p:sp>
+          <p:nvSpPr>
+            <p:cNvPr id="9" name="Freeform: Shape 8">
+              <a:extLst>
+                <a:ext uri="{FF2B5EF4-FFF2-40B4-BE49-F238E27FC236}">
+                  <a16:creationId xmlns:a16="http://schemas.microsoft.com/office/drawing/2014/main" id="{4E4768E8-840E-3F9C-DB4D-C7FB0D46D250}"/>
+                </a:ext>
+              </a:extLst>
+            </p:cNvPr>
+            <p:cNvSpPr/>
+            <p:nvPr/>
+          </p:nvSpPr>
+          <p:spPr>
+            <a:xfrm>
+              <a:off x="-4278250" y="4184446"/>
+              <a:ext cx="4189129" cy="273204"/>
+            </a:xfrm>
+            <a:custGeom>
+              <a:avLst/>
+              <a:gdLst>
+                <a:gd name="connsiteX0" fmla="*/ 2367769 w 4189129"/>
+                <a:gd name="connsiteY0" fmla="*/ 0 h 273204"/>
+                <a:gd name="connsiteX1" fmla="*/ 2367769 w 4189129"/>
+                <a:gd name="connsiteY1" fmla="*/ 45534 h 273204"/>
+                <a:gd name="connsiteX2" fmla="*/ 2322235 w 4189129"/>
+                <a:gd name="connsiteY2" fmla="*/ 91068 h 273204"/>
+                <a:gd name="connsiteX3" fmla="*/ 1866895 w 4189129"/>
+                <a:gd name="connsiteY3" fmla="*/ 91068 h 273204"/>
+                <a:gd name="connsiteX4" fmla="*/ 1821361 w 4189129"/>
+                <a:gd name="connsiteY4" fmla="*/ 45534 h 273204"/>
+                <a:gd name="connsiteX5" fmla="*/ 1821361 w 4189129"/>
+                <a:gd name="connsiteY5" fmla="*/ 0 h 273204"/>
+                <a:gd name="connsiteX6" fmla="*/ 0 w 4189129"/>
+                <a:gd name="connsiteY6" fmla="*/ 0 h 273204"/>
+                <a:gd name="connsiteX7" fmla="*/ 0 w 4189129"/>
+                <a:gd name="connsiteY7" fmla="*/ 91068 h 273204"/>
+                <a:gd name="connsiteX8" fmla="*/ 182136 w 4189129"/>
+                <a:gd name="connsiteY8" fmla="*/ 273204 h 273204"/>
+                <a:gd name="connsiteX9" fmla="*/ 4006994 w 4189129"/>
+                <a:gd name="connsiteY9" fmla="*/ 273204 h 273204"/>
+                <a:gd name="connsiteX10" fmla="*/ 4189130 w 4189129"/>
+                <a:gd name="connsiteY10" fmla="*/ 91068 h 273204"/>
+                <a:gd name="connsiteX11" fmla="*/ 4189130 w 4189129"/>
+                <a:gd name="connsiteY11" fmla="*/ 0 h 273204"/>
+                <a:gd name="connsiteX12" fmla="*/ 2367769 w 4189129"/>
+                <a:gd name="connsiteY12" fmla="*/ 0 h 273204"/>
+              </a:gdLst>
+              <a:ahLst/>
+              <a:cxnLst>
+                <a:cxn ang="0">
+                  <a:pos x="connsiteX0" y="connsiteY0"/>
+                </a:cxn>
+                <a:cxn ang="0">
+                  <a:pos x="connsiteX1" y="connsiteY1"/>
+                </a:cxn>
+                <a:cxn ang="0">
+                  <a:pos x="connsiteX2" y="connsiteY2"/>
+                </a:cxn>
+                <a:cxn ang="0">
+                  <a:pos x="connsiteX3" y="connsiteY3"/>
+                </a:cxn>
+                <a:cxn ang="0">
+                  <a:pos x="connsiteX4" y="connsiteY4"/>
+                </a:cxn>
+                <a:cxn ang="0">
+                  <a:pos x="connsiteX5" y="connsiteY5"/>
+                </a:cxn>
+                <a:cxn ang="0">
+                  <a:pos x="connsiteX6" y="connsiteY6"/>
+                </a:cxn>
+                <a:cxn ang="0">
+                  <a:pos x="connsiteX7" y="connsiteY7"/>
+                </a:cxn>
+                <a:cxn ang="0">
+                  <a:pos x="connsiteX8" y="connsiteY8"/>
+                </a:cxn>
+                <a:cxn ang="0">
+                  <a:pos x="connsiteX9" y="connsiteY9"/>
+                </a:cxn>
+                <a:cxn ang="0">
+                  <a:pos x="connsiteX10" y="connsiteY10"/>
+                </a:cxn>
+                <a:cxn ang="0">
+                  <a:pos x="connsiteX11" y="connsiteY11"/>
+                </a:cxn>
+                <a:cxn ang="0">
+                  <a:pos x="connsiteX12" y="connsiteY12"/>
+                </a:cxn>
+              </a:cxnLst>
+              <a:rect l="l" t="t" r="r" b="b"/>
+              <a:pathLst>
+                <a:path w="4189129" h="273204">
+                  <a:moveTo>
+                    <a:pt x="2367769" y="0"/>
+                  </a:moveTo>
+                  <a:lnTo>
+                    <a:pt x="2367769" y="45534"/>
+                  </a:lnTo>
+                  <a:cubicBezTo>
+                    <a:pt x="2367769" y="72854"/>
+                    <a:pt x="2349556" y="91068"/>
+                    <a:pt x="2322235" y="91068"/>
+                  </a:cubicBezTo>
+                  <a:lnTo>
+                    <a:pt x="1866895" y="91068"/>
+                  </a:lnTo>
+                  <a:cubicBezTo>
+                    <a:pt x="1839575" y="91068"/>
+                    <a:pt x="1821361" y="72854"/>
+                    <a:pt x="1821361" y="45534"/>
+                  </a:cubicBezTo>
+                  <a:lnTo>
+                    <a:pt x="1821361" y="0"/>
+                  </a:lnTo>
+                  <a:lnTo>
+                    <a:pt x="0" y="0"/>
+                  </a:lnTo>
+                  <a:lnTo>
+                    <a:pt x="0" y="91068"/>
+                  </a:lnTo>
+                  <a:cubicBezTo>
+                    <a:pt x="0" y="191243"/>
+                    <a:pt x="81961" y="273204"/>
+                    <a:pt x="182136" y="273204"/>
+                  </a:cubicBezTo>
+                  <a:lnTo>
+                    <a:pt x="4006994" y="273204"/>
+                  </a:lnTo>
+                  <a:cubicBezTo>
+                    <a:pt x="4107169" y="273204"/>
+                    <a:pt x="4189130" y="191243"/>
+                    <a:pt x="4189130" y="91068"/>
+                  </a:cubicBezTo>
+                  <a:lnTo>
+                    <a:pt x="4189130" y="0"/>
+                  </a:lnTo>
+                  <a:lnTo>
+                    <a:pt x="2367769" y="0"/>
+                  </a:lnTo>
+                  <a:close/>
+                </a:path>
+              </a:pathLst>
+            </a:custGeom>
+            <a:solidFill>
+              <a:schemeClr val="accent2"/>
+            </a:solidFill>
+            <a:ln w="45442" cap="flat">
+              <a:noFill/>
+              <a:prstDash val="solid"/>
+              <a:miter/>
+            </a:ln>
+          </p:spPr>
+          <p:txBody>
+            <a:bodyPr rtlCol="0" anchor="ctr"/>
+            <a:lstStyle/>
+            <a:p>
+              <a:endParaRPr lang="en-US"/>
+            </a:p>
+          </p:txBody>
+        </p:sp>
+      </p:grpSp>
       <p:grpSp>
         <p:nvGrpSpPr>
           <p:cNvPr id="3" name="Graphic 1" descr="Thermometer with solid fill">
@@ -22587,13 +23351,13 @@
           <p:nvPr/>
         </p:nvPicPr>
         <p:blipFill>
-          <a:blip r:embed="rId5">
+          <a:blip r:embed="rId3">
             <a:extLst>
               <a:ext uri="{28A0092B-C50C-407E-A947-70E740481C1C}">
                 <a14:useLocalDpi xmlns:a14="http://schemas.microsoft.com/office/drawing/2010/main" val="0"/>
               </a:ext>
               <a:ext uri="{96DAC541-7B7A-43D3-8B79-37D633B846F1}">
-                <asvg:svgBlip xmlns:asvg="http://schemas.microsoft.com/office/drawing/2016/SVG/main" r:embed="rId6"/>
+                <asvg:svgBlip xmlns:asvg="http://schemas.microsoft.com/office/drawing/2016/SVG/main" r:embed="rId4"/>
               </a:ext>
             </a:extLst>
           </a:blip>
@@ -22690,6 +23454,60 @@
           </a:p>
         </p:txBody>
       </p:sp>
+      <p:sp>
+        <p:nvSpPr>
+          <p:cNvPr id="10" name="Rectangle 9">
+            <a:extLst>
+              <a:ext uri="{FF2B5EF4-FFF2-40B4-BE49-F238E27FC236}">
+                <a16:creationId xmlns:a16="http://schemas.microsoft.com/office/drawing/2014/main" id="{9D2E6E8C-457A-9548-4666-37D4A4AFDB19}"/>
+              </a:ext>
+            </a:extLst>
+          </p:cNvPr>
+          <p:cNvSpPr/>
+          <p:nvPr/>
+        </p:nvSpPr>
+        <p:spPr>
+          <a:xfrm>
+            <a:off x="-2159529" y="-425150"/>
+            <a:ext cx="1524000" cy="1659590"/>
+          </a:xfrm>
+          <a:prstGeom prst="rect">
+            <a:avLst/>
+          </a:prstGeom>
+          <a:solidFill>
+            <a:schemeClr val="accent3">
+              <a:lumMod val="95000"/>
+            </a:schemeClr>
+          </a:solidFill>
+          <a:ln>
+            <a:noFill/>
+          </a:ln>
+        </p:spPr>
+        <p:style>
+          <a:lnRef idx="2">
+            <a:schemeClr val="accent1">
+              <a:shade val="15000"/>
+            </a:schemeClr>
+          </a:lnRef>
+          <a:fillRef idx="1">
+            <a:schemeClr val="accent1"/>
+          </a:fillRef>
+          <a:effectRef idx="0">
+            <a:schemeClr val="accent1"/>
+          </a:effectRef>
+          <a:fontRef idx="minor">
+            <a:schemeClr val="lt1"/>
+          </a:fontRef>
+        </p:style>
+        <p:txBody>
+          <a:bodyPr rtlCol="0" anchor="ctr"/>
+          <a:lstStyle/>
+          <a:p>
+            <a:pPr algn="ctr"/>
+            <a:endParaRPr lang="en-US"/>
+          </a:p>
+        </p:txBody>
+      </p:sp>
     </p:spTree>
     <p:extLst>
       <p:ext uri="{BB962C8B-B14F-4D97-AF65-F5344CB8AC3E}">
@@ -22700,14 +23518,14 @@
   <p:clrMapOvr>
     <a:masterClrMapping/>
   </p:clrMapOvr>
-  <mc:AlternateContent xmlns:mc="http://schemas.openxmlformats.org/markup-compatibility/2006" xmlns:p159="http://schemas.microsoft.com/office/powerpoint/2015/09/main">
-    <mc:Choice Requires="p159">
-      <p:transition spd="med" advClick="0" advTm="0">
+  <mc:AlternateContent xmlns:mc="http://schemas.openxmlformats.org/markup-compatibility/2006">
+    <mc:Choice xmlns:p159="http://schemas.microsoft.com/office/powerpoint/2015/09/main" Requires="p159">
+      <p:transition xmlns:p14="http://schemas.microsoft.com/office/powerpoint/2010/main" spd="slow" p14:dur="760" advClick="0" advTm="0">
         <p159:morph option="byObject"/>
       </p:transition>
     </mc:Choice>
-    <mc:Fallback xmlns="">
-      <p:transition spd="med" advClick="0" advTm="0">
+    <mc:Fallback>
+      <p:transition spd="slow" advClick="0" advTm="0">
         <p:fade/>
       </p:transition>
     </mc:Fallback>
@@ -24717,8 +25535,8 @@
         </p:nvGrpSpPr>
         <p:grpSpPr>
           <a:xfrm>
-            <a:off x="10650630" y="3854156"/>
-            <a:ext cx="763623" cy="763623"/>
+            <a:off x="10650630" y="3854160"/>
+            <a:ext cx="763623" cy="763624"/>
             <a:chOff x="9792033" y="3821823"/>
             <a:chExt cx="962125" cy="962125"/>
           </a:xfrm>
@@ -24737,8 +25555,8 @@
           </p:nvSpPr>
           <p:spPr>
             <a:xfrm>
-              <a:off x="10000536" y="3906156"/>
-              <a:ext cx="647757" cy="737303"/>
+              <a:off x="10000535" y="3906156"/>
+              <a:ext cx="647757" cy="737301"/>
             </a:xfrm>
             <a:prstGeom prst="rect">
               <a:avLst/>
@@ -24789,7 +25607,7 @@
                 <a:tabLst/>
                 <a:defRPr/>
               </a:pPr>
-              <a:endParaRPr kumimoji="0" lang="en-US" sz="1800" b="0" i="0" u="none" strike="noStrike" kern="1200" cap="none" spc="0" normalizeH="0" baseline="0" noProof="0">
+              <a:endParaRPr kumimoji="0" lang="en-US" sz="1800" b="0" i="0" u="none" strike="noStrike" kern="1200" cap="none" spc="0" normalizeH="0" baseline="0" noProof="0" dirty="0">
                 <a:ln>
                   <a:noFill/>
                 </a:ln>
@@ -24917,8 +25735,8 @@
         </p:nvGrpSpPr>
         <p:grpSpPr>
           <a:xfrm>
-            <a:off x="8208587" y="3854156"/>
-            <a:ext cx="763623" cy="763623"/>
+            <a:off x="8208587" y="3854160"/>
+            <a:ext cx="763623" cy="763624"/>
             <a:chOff x="9792033" y="3821823"/>
             <a:chExt cx="962125" cy="962125"/>
           </a:xfrm>
@@ -24937,8 +25755,8 @@
           </p:nvSpPr>
           <p:spPr>
             <a:xfrm>
-              <a:off x="10000536" y="3906156"/>
-              <a:ext cx="647757" cy="737303"/>
+              <a:off x="10000535" y="3906156"/>
+              <a:ext cx="647757" cy="737301"/>
             </a:xfrm>
             <a:prstGeom prst="rect">
               <a:avLst/>
@@ -24989,7 +25807,7 @@
                 <a:tabLst/>
                 <a:defRPr/>
               </a:pPr>
-              <a:endParaRPr kumimoji="0" lang="en-US" sz="1800" b="0" i="0" u="none" strike="noStrike" kern="1200" cap="none" spc="0" normalizeH="0" baseline="0" noProof="0">
+              <a:endParaRPr kumimoji="0" lang="en-US" sz="1800" b="0" i="0" u="none" strike="noStrike" kern="1200" cap="none" spc="0" normalizeH="0" baseline="0" noProof="0" dirty="0">
                 <a:ln>
                   <a:noFill/>
                 </a:ln>
@@ -25189,7 +26007,7 @@
                 <a:tabLst/>
                 <a:defRPr/>
               </a:pPr>
-              <a:endParaRPr kumimoji="0" lang="en-US" sz="1800" b="0" i="0" u="none" strike="noStrike" kern="1200" cap="none" spc="0" normalizeH="0" baseline="0" noProof="0">
+              <a:endParaRPr kumimoji="0" lang="en-US" sz="1800" b="0" i="0" u="none" strike="noStrike" kern="1200" cap="none" spc="0" normalizeH="0" baseline="0" noProof="0" dirty="0">
                 <a:ln>
                   <a:noFill/>
                 </a:ln>
@@ -25389,7 +26207,7 @@
                 <a:tabLst/>
                 <a:defRPr/>
               </a:pPr>
-              <a:endParaRPr kumimoji="0" lang="en-US" sz="1800" b="0" i="0" u="none" strike="noStrike" kern="1200" cap="none" spc="0" normalizeH="0" baseline="0" noProof="0">
+              <a:endParaRPr kumimoji="0" lang="en-US" sz="1800" b="0" i="0" u="none" strike="noStrike" kern="1200" cap="none" spc="0" normalizeH="0" baseline="0" noProof="0" dirty="0">
                 <a:ln>
                   <a:noFill/>
                 </a:ln>
@@ -25513,14 +26331,14 @@
   <p:clrMapOvr>
     <a:masterClrMapping/>
   </p:clrMapOvr>
-  <mc:AlternateContent xmlns:mc="http://schemas.openxmlformats.org/markup-compatibility/2006" xmlns:p159="http://schemas.microsoft.com/office/powerpoint/2015/09/main">
-    <mc:Choice Requires="p159">
-      <p:transition xmlns:p14="http://schemas.microsoft.com/office/powerpoint/2010/main" spd="slow" p14:dur="2000" advClick="0" advTm="2000">
+  <mc:AlternateContent xmlns:mc="http://schemas.openxmlformats.org/markup-compatibility/2006">
+    <mc:Choice xmlns:p159="http://schemas.microsoft.com/office/powerpoint/2015/09/main" Requires="p159">
+      <p:transition xmlns:p14="http://schemas.microsoft.com/office/powerpoint/2010/main" spd="slow" p14:dur="2000" advClick="0" advTm="6000">
         <p159:morph option="byObject"/>
       </p:transition>
     </mc:Choice>
-    <mc:Fallback xmlns="">
-      <p:transition spd="slow" advClick="0" advTm="2000">
+    <mc:Fallback>
+      <p:transition spd="slow" advClick="0" advTm="6000">
         <p:fade/>
       </p:transition>
     </mc:Fallback>
@@ -25709,6 +26527,155 @@
                             </p:childTnLst>
                           </p:cTn>
                         </p:par>
+                        <p:par>
+                          <p:cTn id="19" fill="hold">
+                            <p:stCondLst>
+                              <p:cond delay="2000"/>
+                            </p:stCondLst>
+                            <p:childTnLst>
+                              <p:par>
+                                <p:cTn id="20" presetID="10" presetClass="exit" presetSubtype="0" fill="hold" nodeType="afterEffect">
+                                  <p:stCondLst>
+                                    <p:cond delay="4000"/>
+                                  </p:stCondLst>
+                                  <p:childTnLst>
+                                    <p:animEffect transition="out" filter="fade">
+                                      <p:cBhvr>
+                                        <p:cTn id="21" dur="500"/>
+                                        <p:tgtEl>
+                                          <p:spTgt spid="22"/>
+                                        </p:tgtEl>
+                                      </p:cBhvr>
+                                    </p:animEffect>
+                                    <p:set>
+                                      <p:cBhvr>
+                                        <p:cTn id="22" dur="1" fill="hold">
+                                          <p:stCondLst>
+                                            <p:cond delay="499"/>
+                                          </p:stCondLst>
+                                        </p:cTn>
+                                        <p:tgtEl>
+                                          <p:spTgt spid="22"/>
+                                        </p:tgtEl>
+                                        <p:attrNameLst>
+                                          <p:attrName>style.visibility</p:attrName>
+                                        </p:attrNameLst>
+                                      </p:cBhvr>
+                                      <p:to>
+                                        <p:strVal val="hidden"/>
+                                      </p:to>
+                                    </p:set>
+                                  </p:childTnLst>
+                                </p:cTn>
+                              </p:par>
+                              <p:par>
+                                <p:cTn id="23" presetID="10" presetClass="exit" presetSubtype="0" fill="hold" nodeType="withEffect">
+                                  <p:stCondLst>
+                                    <p:cond delay="4000"/>
+                                  </p:stCondLst>
+                                  <p:childTnLst>
+                                    <p:animEffect transition="out" filter="fade">
+                                      <p:cBhvr>
+                                        <p:cTn id="24" dur="500"/>
+                                        <p:tgtEl>
+                                          <p:spTgt spid="3"/>
+                                        </p:tgtEl>
+                                      </p:cBhvr>
+                                    </p:animEffect>
+                                    <p:set>
+                                      <p:cBhvr>
+                                        <p:cTn id="25" dur="1" fill="hold">
+                                          <p:stCondLst>
+                                            <p:cond delay="499"/>
+                                          </p:stCondLst>
+                                        </p:cTn>
+                                        <p:tgtEl>
+                                          <p:spTgt spid="3"/>
+                                        </p:tgtEl>
+                                        <p:attrNameLst>
+                                          <p:attrName>style.visibility</p:attrName>
+                                        </p:attrNameLst>
+                                      </p:cBhvr>
+                                      <p:to>
+                                        <p:strVal val="hidden"/>
+                                      </p:to>
+                                    </p:set>
+                                  </p:childTnLst>
+                                </p:cTn>
+                              </p:par>
+                              <p:par>
+                                <p:cTn id="26" presetID="10" presetClass="exit" presetSubtype="0" fill="hold" nodeType="withEffect">
+                                  <p:stCondLst>
+                                    <p:cond delay="4000"/>
+                                  </p:stCondLst>
+                                  <p:childTnLst>
+                                    <p:animEffect transition="out" filter="fade">
+                                      <p:cBhvr>
+                                        <p:cTn id="27" dur="500"/>
+                                        <p:tgtEl>
+                                          <p:spTgt spid="18"/>
+                                        </p:tgtEl>
+                                      </p:cBhvr>
+                                    </p:animEffect>
+                                    <p:set>
+                                      <p:cBhvr>
+                                        <p:cTn id="28" dur="1" fill="hold">
+                                          <p:stCondLst>
+                                            <p:cond delay="499"/>
+                                          </p:stCondLst>
+                                        </p:cTn>
+                                        <p:tgtEl>
+                                          <p:spTgt spid="18"/>
+                                        </p:tgtEl>
+                                        <p:attrNameLst>
+                                          <p:attrName>style.visibility</p:attrName>
+                                        </p:attrNameLst>
+                                      </p:cBhvr>
+                                      <p:to>
+                                        <p:strVal val="hidden"/>
+                                      </p:to>
+                                    </p:set>
+                                  </p:childTnLst>
+                                </p:cTn>
+                              </p:par>
+                              <p:par>
+                                <p:cTn id="29" presetID="10" presetClass="exit" presetSubtype="0" fill="hold" nodeType="withEffect">
+                                  <p:stCondLst>
+                                    <p:cond delay="4000"/>
+                                  </p:stCondLst>
+                                  <p:childTnLst>
+                                    <p:animEffect transition="out" filter="fade">
+                                      <p:cBhvr>
+                                        <p:cTn id="30" dur="500"/>
+                                        <p:tgtEl>
+                                          <p:spTgt spid="16"/>
+                                        </p:tgtEl>
+                                      </p:cBhvr>
+                                    </p:animEffect>
+                                    <p:set>
+                                      <p:cBhvr>
+                                        <p:cTn id="31" dur="1" fill="hold">
+                                          <p:stCondLst>
+                                            <p:cond delay="499"/>
+                                          </p:stCondLst>
+                                        </p:cTn>
+                                        <p:tgtEl>
+                                          <p:spTgt spid="16"/>
+                                        </p:tgtEl>
+                                        <p:attrNameLst>
+                                          <p:attrName>style.visibility</p:attrName>
+                                        </p:attrNameLst>
+                                      </p:cBhvr>
+                                      <p:to>
+                                        <p:strVal val="hidden"/>
+                                      </p:to>
+                                    </p:set>
+                                  </p:childTnLst>
+                                </p:cTn>
+                              </p:par>
+                            </p:childTnLst>
+                          </p:cTn>
+                        </p:par>
                       </p:childTnLst>
                     </p:cTn>
                   </p:par>
@@ -25738,6 +26705,1021 @@
 </file>
 
 <file path=ppt/slides/slide7.xml><?xml version="1.0" encoding="utf-8"?>
+<p:sld xmlns:a="http://schemas.openxmlformats.org/drawingml/2006/main" xmlns:r="http://schemas.openxmlformats.org/officeDocument/2006/relationships" xmlns:p="http://schemas.openxmlformats.org/presentationml/2006/main">
+  <p:cSld>
+    <p:spTree>
+      <p:nvGrpSpPr>
+        <p:cNvPr id="1" name=""/>
+        <p:cNvGrpSpPr/>
+        <p:nvPr/>
+      </p:nvGrpSpPr>
+      <p:grpSpPr>
+        <a:xfrm>
+          <a:off x="0" y="0"/>
+          <a:ext cx="0" cy="0"/>
+          <a:chOff x="0" y="0"/>
+          <a:chExt cx="0" cy="0"/>
+        </a:xfrm>
+      </p:grpSpPr>
+      <p:grpSp>
+        <p:nvGrpSpPr>
+          <p:cNvPr id="4" name="Group 3">
+            <a:extLst>
+              <a:ext uri="{FF2B5EF4-FFF2-40B4-BE49-F238E27FC236}">
+                <a16:creationId xmlns:a16="http://schemas.microsoft.com/office/drawing/2014/main" id="{1B4D7211-B0F4-A640-C60A-102C7BA2FDDE}"/>
+              </a:ext>
+            </a:extLst>
+          </p:cNvPr>
+          <p:cNvGrpSpPr/>
+          <p:nvPr/>
+        </p:nvGrpSpPr>
+        <p:grpSpPr>
+          <a:xfrm>
+            <a:off x="2877982" y="3409394"/>
+            <a:ext cx="1354821" cy="1354821"/>
+            <a:chOff x="9792033" y="3821823"/>
+            <a:chExt cx="962125" cy="962125"/>
+          </a:xfrm>
+        </p:grpSpPr>
+        <p:sp>
+          <p:nvSpPr>
+            <p:cNvPr id="5" name="Rectangle 4">
+              <a:extLst>
+                <a:ext uri="{FF2B5EF4-FFF2-40B4-BE49-F238E27FC236}">
+                  <a16:creationId xmlns:a16="http://schemas.microsoft.com/office/drawing/2014/main" id="{533D6912-912A-B0E5-1F94-359CF8ECF732}"/>
+                </a:ext>
+              </a:extLst>
+            </p:cNvPr>
+            <p:cNvSpPr/>
+            <p:nvPr/>
+          </p:nvSpPr>
+          <p:spPr>
+            <a:xfrm>
+              <a:off x="10000536" y="3906156"/>
+              <a:ext cx="647757" cy="737303"/>
+            </a:xfrm>
+            <a:prstGeom prst="rect">
+              <a:avLst/>
+            </a:prstGeom>
+            <a:solidFill>
+              <a:schemeClr val="accent3">
+                <a:lumMod val="95000"/>
+              </a:schemeClr>
+            </a:solidFill>
+            <a:ln>
+              <a:noFill/>
+            </a:ln>
+          </p:spPr>
+          <p:style>
+            <a:lnRef idx="2">
+              <a:schemeClr val="accent1">
+                <a:shade val="50000"/>
+              </a:schemeClr>
+            </a:lnRef>
+            <a:fillRef idx="1">
+              <a:schemeClr val="accent1"/>
+            </a:fillRef>
+            <a:effectRef idx="0">
+              <a:schemeClr val="accent1"/>
+            </a:effectRef>
+            <a:fontRef idx="minor">
+              <a:schemeClr val="lt1"/>
+            </a:fontRef>
+          </p:style>
+          <p:txBody>
+            <a:bodyPr rtlCol="0" anchor="ctr"/>
+            <a:lstStyle/>
+            <a:p>
+              <a:pPr marL="0" marR="0" lvl="0" indent="0" algn="ctr" defTabSz="457200" rtl="0" eaLnBrk="1" fontAlgn="auto" latinLnBrk="0" hangingPunct="1">
+                <a:lnSpc>
+                  <a:spcPct val="100000"/>
+                </a:lnSpc>
+                <a:spcBef>
+                  <a:spcPts val="0"/>
+                </a:spcBef>
+                <a:spcAft>
+                  <a:spcPts val="0"/>
+                </a:spcAft>
+                <a:buClrTx/>
+                <a:buSzTx/>
+                <a:buFontTx/>
+                <a:buNone/>
+                <a:tabLst/>
+                <a:defRPr/>
+              </a:pPr>
+              <a:endParaRPr kumimoji="0" lang="en-US" sz="1800" b="0" i="0" u="none" strike="noStrike" kern="1200" cap="none" spc="0" normalizeH="0" baseline="0" noProof="0">
+                <a:ln>
+                  <a:noFill/>
+                </a:ln>
+                <a:solidFill>
+                  <a:srgbClr val="000000"/>
+                </a:solidFill>
+                <a:effectLst/>
+                <a:uLnTx/>
+                <a:uFillTx/>
+                <a:latin typeface="Calibri" panose="020F0502020204030204"/>
+                <a:ea typeface="+mn-ea"/>
+                <a:cs typeface="+mn-cs"/>
+              </a:endParaRPr>
+            </a:p>
+          </p:txBody>
+        </p:sp>
+        <p:grpSp>
+          <p:nvGrpSpPr>
+            <p:cNvPr id="6" name="Group 5">
+              <a:extLst>
+                <a:ext uri="{FF2B5EF4-FFF2-40B4-BE49-F238E27FC236}">
+                  <a16:creationId xmlns:a16="http://schemas.microsoft.com/office/drawing/2014/main" id="{B523E2E8-5F3C-1FB7-E01C-D01219166065}"/>
+                </a:ext>
+              </a:extLst>
+            </p:cNvPr>
+            <p:cNvGrpSpPr/>
+            <p:nvPr/>
+          </p:nvGrpSpPr>
+          <p:grpSpPr>
+            <a:xfrm>
+              <a:off x="9792033" y="3821823"/>
+              <a:ext cx="962125" cy="962125"/>
+              <a:chOff x="4300668" y="-1299739"/>
+              <a:chExt cx="2827861" cy="2827862"/>
+            </a:xfrm>
+          </p:grpSpPr>
+          <p:pic>
+            <p:nvPicPr>
+              <p:cNvPr id="7" name="Graphic 6" descr="Paper outline">
+                <a:extLst>
+                  <a:ext uri="{FF2B5EF4-FFF2-40B4-BE49-F238E27FC236}">
+                    <a16:creationId xmlns:a16="http://schemas.microsoft.com/office/drawing/2014/main" id="{2A968F9F-5BBD-417B-9770-BCA5FA0BDF3F}"/>
+                  </a:ext>
+                </a:extLst>
+              </p:cNvPr>
+              <p:cNvPicPr>
+                <a:picLocks noChangeAspect="1"/>
+              </p:cNvPicPr>
+              <p:nvPr/>
+            </p:nvPicPr>
+            <p:blipFill>
+              <a:blip r:embed="rId3">
+                <a:extLst>
+                  <a:ext uri="{28A0092B-C50C-407E-A947-70E740481C1C}">
+                    <a14:useLocalDpi xmlns:a14="http://schemas.microsoft.com/office/drawing/2010/main" val="0"/>
+                  </a:ext>
+                  <a:ext uri="{96DAC541-7B7A-43D3-8B79-37D633B846F1}">
+                    <asvg:svgBlip xmlns:asvg="http://schemas.microsoft.com/office/drawing/2016/SVG/main" r:embed="rId4"/>
+                  </a:ext>
+                </a:extLst>
+              </a:blip>
+              <a:stretch>
+                <a:fillRect/>
+              </a:stretch>
+            </p:blipFill>
+            <p:spPr>
+              <a:xfrm>
+                <a:off x="4300668" y="-1299739"/>
+                <a:ext cx="2827861" cy="2827862"/>
+              </a:xfrm>
+              <a:prstGeom prst="rect">
+                <a:avLst/>
+              </a:prstGeom>
+            </p:spPr>
+          </p:pic>
+          <p:pic>
+            <p:nvPicPr>
+              <p:cNvPr id="8" name="Picture 7" descr="Logo&#10;&#10;Description automatically generated">
+                <a:extLst>
+                  <a:ext uri="{FF2B5EF4-FFF2-40B4-BE49-F238E27FC236}">
+                    <a16:creationId xmlns:a16="http://schemas.microsoft.com/office/drawing/2014/main" id="{7B1DDA79-00DD-0008-B97B-5E5D64A75116}"/>
+                  </a:ext>
+                </a:extLst>
+              </p:cNvPr>
+              <p:cNvPicPr>
+                <a:picLocks noChangeAspect="1"/>
+              </p:cNvPicPr>
+              <p:nvPr/>
+            </p:nvPicPr>
+            <p:blipFill>
+              <a:blip r:embed="rId5">
+                <a:extLst>
+                  <a:ext uri="{28A0092B-C50C-407E-A947-70E740481C1C}">
+                    <a14:useLocalDpi xmlns:a14="http://schemas.microsoft.com/office/drawing/2010/main" val="0"/>
+                  </a:ext>
+                </a:extLst>
+              </a:blip>
+              <a:stretch>
+                <a:fillRect/>
+              </a:stretch>
+            </p:blipFill>
+            <p:spPr>
+              <a:xfrm>
+                <a:off x="4948340" y="-951731"/>
+                <a:ext cx="921590" cy="555788"/>
+              </a:xfrm>
+              <a:prstGeom prst="rect">
+                <a:avLst/>
+              </a:prstGeom>
+            </p:spPr>
+          </p:pic>
+        </p:grpSp>
+      </p:grpSp>
+      <p:grpSp>
+        <p:nvGrpSpPr>
+          <p:cNvPr id="9" name="Group 8">
+            <a:extLst>
+              <a:ext uri="{FF2B5EF4-FFF2-40B4-BE49-F238E27FC236}">
+                <a16:creationId xmlns:a16="http://schemas.microsoft.com/office/drawing/2014/main" id="{5613087B-AF53-7AFC-D592-FD021EA7613D}"/>
+              </a:ext>
+            </a:extLst>
+          </p:cNvPr>
+          <p:cNvGrpSpPr/>
+          <p:nvPr/>
+        </p:nvGrpSpPr>
+        <p:grpSpPr>
+          <a:xfrm>
+            <a:off x="1607185" y="3409394"/>
+            <a:ext cx="1354821" cy="1354821"/>
+            <a:chOff x="9792033" y="3821823"/>
+            <a:chExt cx="962125" cy="962125"/>
+          </a:xfrm>
+        </p:grpSpPr>
+        <p:sp>
+          <p:nvSpPr>
+            <p:cNvPr id="10" name="Rectangle 9">
+              <a:extLst>
+                <a:ext uri="{FF2B5EF4-FFF2-40B4-BE49-F238E27FC236}">
+                  <a16:creationId xmlns:a16="http://schemas.microsoft.com/office/drawing/2014/main" id="{4D0ABA55-A753-2BAD-E67D-CA3BEE837530}"/>
+                </a:ext>
+              </a:extLst>
+            </p:cNvPr>
+            <p:cNvSpPr/>
+            <p:nvPr/>
+          </p:nvSpPr>
+          <p:spPr>
+            <a:xfrm>
+              <a:off x="10000536" y="3906156"/>
+              <a:ext cx="647757" cy="737303"/>
+            </a:xfrm>
+            <a:prstGeom prst="rect">
+              <a:avLst/>
+            </a:prstGeom>
+            <a:solidFill>
+              <a:schemeClr val="accent3">
+                <a:lumMod val="95000"/>
+              </a:schemeClr>
+            </a:solidFill>
+            <a:ln>
+              <a:noFill/>
+            </a:ln>
+          </p:spPr>
+          <p:style>
+            <a:lnRef idx="2">
+              <a:schemeClr val="accent1">
+                <a:shade val="50000"/>
+              </a:schemeClr>
+            </a:lnRef>
+            <a:fillRef idx="1">
+              <a:schemeClr val="accent1"/>
+            </a:fillRef>
+            <a:effectRef idx="0">
+              <a:schemeClr val="accent1"/>
+            </a:effectRef>
+            <a:fontRef idx="minor">
+              <a:schemeClr val="lt1"/>
+            </a:fontRef>
+          </p:style>
+          <p:txBody>
+            <a:bodyPr rtlCol="0" anchor="ctr"/>
+            <a:lstStyle/>
+            <a:p>
+              <a:pPr marL="0" marR="0" lvl="0" indent="0" algn="ctr" defTabSz="457200" rtl="0" eaLnBrk="1" fontAlgn="auto" latinLnBrk="0" hangingPunct="1">
+                <a:lnSpc>
+                  <a:spcPct val="100000"/>
+                </a:lnSpc>
+                <a:spcBef>
+                  <a:spcPts val="0"/>
+                </a:spcBef>
+                <a:spcAft>
+                  <a:spcPts val="0"/>
+                </a:spcAft>
+                <a:buClrTx/>
+                <a:buSzTx/>
+                <a:buFontTx/>
+                <a:buNone/>
+                <a:tabLst/>
+                <a:defRPr/>
+              </a:pPr>
+              <a:endParaRPr kumimoji="0" lang="en-US" sz="1800" b="0" i="0" u="none" strike="noStrike" kern="1200" cap="none" spc="0" normalizeH="0" baseline="0" noProof="0">
+                <a:ln>
+                  <a:noFill/>
+                </a:ln>
+                <a:solidFill>
+                  <a:srgbClr val="000000"/>
+                </a:solidFill>
+                <a:effectLst/>
+                <a:uLnTx/>
+                <a:uFillTx/>
+                <a:latin typeface="Calibri" panose="020F0502020204030204"/>
+                <a:ea typeface="+mn-ea"/>
+                <a:cs typeface="+mn-cs"/>
+              </a:endParaRPr>
+            </a:p>
+          </p:txBody>
+        </p:sp>
+        <p:grpSp>
+          <p:nvGrpSpPr>
+            <p:cNvPr id="11" name="Group 10">
+              <a:extLst>
+                <a:ext uri="{FF2B5EF4-FFF2-40B4-BE49-F238E27FC236}">
+                  <a16:creationId xmlns:a16="http://schemas.microsoft.com/office/drawing/2014/main" id="{5FEC60ED-8E2C-98D1-A5F0-50EBA09099C1}"/>
+                </a:ext>
+              </a:extLst>
+            </p:cNvPr>
+            <p:cNvGrpSpPr/>
+            <p:nvPr/>
+          </p:nvGrpSpPr>
+          <p:grpSpPr>
+            <a:xfrm>
+              <a:off x="9792033" y="3821823"/>
+              <a:ext cx="962125" cy="962125"/>
+              <a:chOff x="4300668" y="-1299739"/>
+              <a:chExt cx="2827861" cy="2827862"/>
+            </a:xfrm>
+          </p:grpSpPr>
+          <p:pic>
+            <p:nvPicPr>
+              <p:cNvPr id="12" name="Graphic 11" descr="Paper outline">
+                <a:extLst>
+                  <a:ext uri="{FF2B5EF4-FFF2-40B4-BE49-F238E27FC236}">
+                    <a16:creationId xmlns:a16="http://schemas.microsoft.com/office/drawing/2014/main" id="{4F62DC82-EC5C-11CF-342F-D2436B7622D3}"/>
+                  </a:ext>
+                </a:extLst>
+              </p:cNvPr>
+              <p:cNvPicPr>
+                <a:picLocks noChangeAspect="1"/>
+              </p:cNvPicPr>
+              <p:nvPr/>
+            </p:nvPicPr>
+            <p:blipFill>
+              <a:blip r:embed="rId3">
+                <a:extLst>
+                  <a:ext uri="{28A0092B-C50C-407E-A947-70E740481C1C}">
+                    <a14:useLocalDpi xmlns:a14="http://schemas.microsoft.com/office/drawing/2010/main" val="0"/>
+                  </a:ext>
+                  <a:ext uri="{96DAC541-7B7A-43D3-8B79-37D633B846F1}">
+                    <asvg:svgBlip xmlns:asvg="http://schemas.microsoft.com/office/drawing/2016/SVG/main" r:embed="rId4"/>
+                  </a:ext>
+                </a:extLst>
+              </a:blip>
+              <a:stretch>
+                <a:fillRect/>
+              </a:stretch>
+            </p:blipFill>
+            <p:spPr>
+              <a:xfrm>
+                <a:off x="4300668" y="-1299739"/>
+                <a:ext cx="2827861" cy="2827862"/>
+              </a:xfrm>
+              <a:prstGeom prst="rect">
+                <a:avLst/>
+              </a:prstGeom>
+            </p:spPr>
+          </p:pic>
+          <p:pic>
+            <p:nvPicPr>
+              <p:cNvPr id="13" name="Picture 12" descr="Logo&#10;&#10;Description automatically generated">
+                <a:extLst>
+                  <a:ext uri="{FF2B5EF4-FFF2-40B4-BE49-F238E27FC236}">
+                    <a16:creationId xmlns:a16="http://schemas.microsoft.com/office/drawing/2014/main" id="{A19E778D-5186-3EFE-33D4-C10940F35067}"/>
+                  </a:ext>
+                </a:extLst>
+              </p:cNvPr>
+              <p:cNvPicPr>
+                <a:picLocks noChangeAspect="1"/>
+              </p:cNvPicPr>
+              <p:nvPr/>
+            </p:nvPicPr>
+            <p:blipFill>
+              <a:blip r:embed="rId5">
+                <a:extLst>
+                  <a:ext uri="{28A0092B-C50C-407E-A947-70E740481C1C}">
+                    <a14:useLocalDpi xmlns:a14="http://schemas.microsoft.com/office/drawing/2010/main" val="0"/>
+                  </a:ext>
+                </a:extLst>
+              </a:blip>
+              <a:stretch>
+                <a:fillRect/>
+              </a:stretch>
+            </p:blipFill>
+            <p:spPr>
+              <a:xfrm>
+                <a:off x="4948340" y="-951731"/>
+                <a:ext cx="921590" cy="555788"/>
+              </a:xfrm>
+              <a:prstGeom prst="rect">
+                <a:avLst/>
+              </a:prstGeom>
+            </p:spPr>
+          </p:pic>
+        </p:grpSp>
+      </p:grpSp>
+      <p:grpSp>
+        <p:nvGrpSpPr>
+          <p:cNvPr id="14" name="Group 13">
+            <a:extLst>
+              <a:ext uri="{FF2B5EF4-FFF2-40B4-BE49-F238E27FC236}">
+                <a16:creationId xmlns:a16="http://schemas.microsoft.com/office/drawing/2014/main" id="{5C31F315-FAFB-70E5-5669-29C3E8E517A5}"/>
+              </a:ext>
+            </a:extLst>
+          </p:cNvPr>
+          <p:cNvGrpSpPr/>
+          <p:nvPr/>
+        </p:nvGrpSpPr>
+        <p:grpSpPr>
+          <a:xfrm>
+            <a:off x="2868858" y="2007737"/>
+            <a:ext cx="1354821" cy="1354821"/>
+            <a:chOff x="9792035" y="3821822"/>
+            <a:chExt cx="962125" cy="962125"/>
+          </a:xfrm>
+        </p:grpSpPr>
+        <p:sp>
+          <p:nvSpPr>
+            <p:cNvPr id="15" name="Rectangle 14">
+              <a:extLst>
+                <a:ext uri="{FF2B5EF4-FFF2-40B4-BE49-F238E27FC236}">
+                  <a16:creationId xmlns:a16="http://schemas.microsoft.com/office/drawing/2014/main" id="{48F53290-0A25-8A84-FE49-CF285CCA6CCE}"/>
+                </a:ext>
+              </a:extLst>
+            </p:cNvPr>
+            <p:cNvSpPr/>
+            <p:nvPr/>
+          </p:nvSpPr>
+          <p:spPr>
+            <a:xfrm>
+              <a:off x="10000536" y="3906156"/>
+              <a:ext cx="647757" cy="737303"/>
+            </a:xfrm>
+            <a:prstGeom prst="rect">
+              <a:avLst/>
+            </a:prstGeom>
+            <a:solidFill>
+              <a:schemeClr val="accent3">
+                <a:lumMod val="95000"/>
+              </a:schemeClr>
+            </a:solidFill>
+            <a:ln>
+              <a:noFill/>
+            </a:ln>
+          </p:spPr>
+          <p:style>
+            <a:lnRef idx="2">
+              <a:schemeClr val="accent1">
+                <a:shade val="50000"/>
+              </a:schemeClr>
+            </a:lnRef>
+            <a:fillRef idx="1">
+              <a:schemeClr val="accent1"/>
+            </a:fillRef>
+            <a:effectRef idx="0">
+              <a:schemeClr val="accent1"/>
+            </a:effectRef>
+            <a:fontRef idx="minor">
+              <a:schemeClr val="lt1"/>
+            </a:fontRef>
+          </p:style>
+          <p:txBody>
+            <a:bodyPr rtlCol="0" anchor="ctr"/>
+            <a:lstStyle/>
+            <a:p>
+              <a:pPr marL="0" marR="0" lvl="0" indent="0" algn="ctr" defTabSz="457200" rtl="0" eaLnBrk="1" fontAlgn="auto" latinLnBrk="0" hangingPunct="1">
+                <a:lnSpc>
+                  <a:spcPct val="100000"/>
+                </a:lnSpc>
+                <a:spcBef>
+                  <a:spcPts val="0"/>
+                </a:spcBef>
+                <a:spcAft>
+                  <a:spcPts val="0"/>
+                </a:spcAft>
+                <a:buClrTx/>
+                <a:buSzTx/>
+                <a:buFontTx/>
+                <a:buNone/>
+                <a:tabLst/>
+                <a:defRPr/>
+              </a:pPr>
+              <a:endParaRPr kumimoji="0" lang="en-US" sz="1800" b="0" i="0" u="none" strike="noStrike" kern="1200" cap="none" spc="0" normalizeH="0" baseline="0" noProof="0">
+                <a:ln>
+                  <a:noFill/>
+                </a:ln>
+                <a:solidFill>
+                  <a:srgbClr val="000000"/>
+                </a:solidFill>
+                <a:effectLst/>
+                <a:uLnTx/>
+                <a:uFillTx/>
+                <a:latin typeface="Calibri" panose="020F0502020204030204"/>
+                <a:ea typeface="+mn-ea"/>
+                <a:cs typeface="+mn-cs"/>
+              </a:endParaRPr>
+            </a:p>
+          </p:txBody>
+        </p:sp>
+        <p:grpSp>
+          <p:nvGrpSpPr>
+            <p:cNvPr id="16" name="Group 15">
+              <a:extLst>
+                <a:ext uri="{FF2B5EF4-FFF2-40B4-BE49-F238E27FC236}">
+                  <a16:creationId xmlns:a16="http://schemas.microsoft.com/office/drawing/2014/main" id="{47CC5949-7FFF-84BF-3745-C865F1598A88}"/>
+                </a:ext>
+              </a:extLst>
+            </p:cNvPr>
+            <p:cNvGrpSpPr/>
+            <p:nvPr/>
+          </p:nvGrpSpPr>
+          <p:grpSpPr>
+            <a:xfrm>
+              <a:off x="9792033" y="3821823"/>
+              <a:ext cx="962125" cy="962125"/>
+              <a:chOff x="4300668" y="-1299739"/>
+              <a:chExt cx="2827861" cy="2827862"/>
+            </a:xfrm>
+          </p:grpSpPr>
+          <p:pic>
+            <p:nvPicPr>
+              <p:cNvPr id="17" name="Graphic 16" descr="Paper outline">
+                <a:extLst>
+                  <a:ext uri="{FF2B5EF4-FFF2-40B4-BE49-F238E27FC236}">
+                    <a16:creationId xmlns:a16="http://schemas.microsoft.com/office/drawing/2014/main" id="{170E6096-E5C0-75E3-48B2-2F54EE415C9B}"/>
+                  </a:ext>
+                </a:extLst>
+              </p:cNvPr>
+              <p:cNvPicPr>
+                <a:picLocks noChangeAspect="1"/>
+              </p:cNvPicPr>
+              <p:nvPr/>
+            </p:nvPicPr>
+            <p:blipFill>
+              <a:blip r:embed="rId3">
+                <a:extLst>
+                  <a:ext uri="{28A0092B-C50C-407E-A947-70E740481C1C}">
+                    <a14:useLocalDpi xmlns:a14="http://schemas.microsoft.com/office/drawing/2010/main" val="0"/>
+                  </a:ext>
+                  <a:ext uri="{96DAC541-7B7A-43D3-8B79-37D633B846F1}">
+                    <asvg:svgBlip xmlns:asvg="http://schemas.microsoft.com/office/drawing/2016/SVG/main" r:embed="rId4"/>
+                  </a:ext>
+                </a:extLst>
+              </a:blip>
+              <a:stretch>
+                <a:fillRect/>
+              </a:stretch>
+            </p:blipFill>
+            <p:spPr>
+              <a:xfrm>
+                <a:off x="4300668" y="-1299739"/>
+                <a:ext cx="2827861" cy="2827862"/>
+              </a:xfrm>
+              <a:prstGeom prst="rect">
+                <a:avLst/>
+              </a:prstGeom>
+            </p:spPr>
+          </p:pic>
+          <p:pic>
+            <p:nvPicPr>
+              <p:cNvPr id="18" name="Picture 17" descr="Logo&#10;&#10;Description automatically generated">
+                <a:extLst>
+                  <a:ext uri="{FF2B5EF4-FFF2-40B4-BE49-F238E27FC236}">
+                    <a16:creationId xmlns:a16="http://schemas.microsoft.com/office/drawing/2014/main" id="{F7C5B97A-38F2-560A-4ED8-8E2047015017}"/>
+                  </a:ext>
+                </a:extLst>
+              </p:cNvPr>
+              <p:cNvPicPr>
+                <a:picLocks noChangeAspect="1"/>
+              </p:cNvPicPr>
+              <p:nvPr/>
+            </p:nvPicPr>
+            <p:blipFill>
+              <a:blip r:embed="rId5">
+                <a:extLst>
+                  <a:ext uri="{28A0092B-C50C-407E-A947-70E740481C1C}">
+                    <a14:useLocalDpi xmlns:a14="http://schemas.microsoft.com/office/drawing/2010/main" val="0"/>
+                  </a:ext>
+                </a:extLst>
+              </a:blip>
+              <a:stretch>
+                <a:fillRect/>
+              </a:stretch>
+            </p:blipFill>
+            <p:spPr>
+              <a:xfrm>
+                <a:off x="4948340" y="-951731"/>
+                <a:ext cx="921590" cy="555788"/>
+              </a:xfrm>
+              <a:prstGeom prst="rect">
+                <a:avLst/>
+              </a:prstGeom>
+            </p:spPr>
+          </p:pic>
+        </p:grpSp>
+      </p:grpSp>
+      <p:grpSp>
+        <p:nvGrpSpPr>
+          <p:cNvPr id="19" name="Group 18">
+            <a:extLst>
+              <a:ext uri="{FF2B5EF4-FFF2-40B4-BE49-F238E27FC236}">
+                <a16:creationId xmlns:a16="http://schemas.microsoft.com/office/drawing/2014/main" id="{CB505DA5-96A6-95F2-7477-64D8DFD18F7E}"/>
+              </a:ext>
+            </a:extLst>
+          </p:cNvPr>
+          <p:cNvGrpSpPr/>
+          <p:nvPr/>
+        </p:nvGrpSpPr>
+        <p:grpSpPr>
+          <a:xfrm>
+            <a:off x="1609748" y="2007739"/>
+            <a:ext cx="1354821" cy="1354821"/>
+            <a:chOff x="9792033" y="3821823"/>
+            <a:chExt cx="962125" cy="962125"/>
+          </a:xfrm>
+        </p:grpSpPr>
+        <p:sp>
+          <p:nvSpPr>
+            <p:cNvPr id="20" name="Rectangle 19">
+              <a:extLst>
+                <a:ext uri="{FF2B5EF4-FFF2-40B4-BE49-F238E27FC236}">
+                  <a16:creationId xmlns:a16="http://schemas.microsoft.com/office/drawing/2014/main" id="{3B9FDD12-7969-CADE-1A68-7FFB7B7F486B}"/>
+                </a:ext>
+              </a:extLst>
+            </p:cNvPr>
+            <p:cNvSpPr/>
+            <p:nvPr/>
+          </p:nvSpPr>
+          <p:spPr>
+            <a:xfrm>
+              <a:off x="10000536" y="3906156"/>
+              <a:ext cx="647757" cy="737303"/>
+            </a:xfrm>
+            <a:prstGeom prst="rect">
+              <a:avLst/>
+            </a:prstGeom>
+            <a:solidFill>
+              <a:schemeClr val="accent3">
+                <a:lumMod val="95000"/>
+              </a:schemeClr>
+            </a:solidFill>
+            <a:ln>
+              <a:noFill/>
+            </a:ln>
+          </p:spPr>
+          <p:style>
+            <a:lnRef idx="2">
+              <a:schemeClr val="accent1">
+                <a:shade val="50000"/>
+              </a:schemeClr>
+            </a:lnRef>
+            <a:fillRef idx="1">
+              <a:schemeClr val="accent1"/>
+            </a:fillRef>
+            <a:effectRef idx="0">
+              <a:schemeClr val="accent1"/>
+            </a:effectRef>
+            <a:fontRef idx="minor">
+              <a:schemeClr val="lt1"/>
+            </a:fontRef>
+          </p:style>
+          <p:txBody>
+            <a:bodyPr rtlCol="0" anchor="ctr"/>
+            <a:lstStyle/>
+            <a:p>
+              <a:pPr marL="0" marR="0" lvl="0" indent="0" algn="ctr" defTabSz="457200" rtl="0" eaLnBrk="1" fontAlgn="auto" latinLnBrk="0" hangingPunct="1">
+                <a:lnSpc>
+                  <a:spcPct val="100000"/>
+                </a:lnSpc>
+                <a:spcBef>
+                  <a:spcPts val="0"/>
+                </a:spcBef>
+                <a:spcAft>
+                  <a:spcPts val="0"/>
+                </a:spcAft>
+                <a:buClrTx/>
+                <a:buSzTx/>
+                <a:buFontTx/>
+                <a:buNone/>
+                <a:tabLst/>
+                <a:defRPr/>
+              </a:pPr>
+              <a:endParaRPr kumimoji="0" lang="en-US" sz="1800" b="0" i="0" u="none" strike="noStrike" kern="1200" cap="none" spc="0" normalizeH="0" baseline="0" noProof="0">
+                <a:ln>
+                  <a:noFill/>
+                </a:ln>
+                <a:solidFill>
+                  <a:srgbClr val="000000"/>
+                </a:solidFill>
+                <a:effectLst/>
+                <a:uLnTx/>
+                <a:uFillTx/>
+                <a:latin typeface="Calibri" panose="020F0502020204030204"/>
+                <a:ea typeface="+mn-ea"/>
+                <a:cs typeface="+mn-cs"/>
+              </a:endParaRPr>
+            </a:p>
+          </p:txBody>
+        </p:sp>
+        <p:grpSp>
+          <p:nvGrpSpPr>
+            <p:cNvPr id="21" name="Group 20">
+              <a:extLst>
+                <a:ext uri="{FF2B5EF4-FFF2-40B4-BE49-F238E27FC236}">
+                  <a16:creationId xmlns:a16="http://schemas.microsoft.com/office/drawing/2014/main" id="{E9DCDEB2-9DF9-1B4A-B202-06471B15BEA7}"/>
+                </a:ext>
+              </a:extLst>
+            </p:cNvPr>
+            <p:cNvGrpSpPr/>
+            <p:nvPr/>
+          </p:nvGrpSpPr>
+          <p:grpSpPr>
+            <a:xfrm>
+              <a:off x="9792033" y="3821823"/>
+              <a:ext cx="962125" cy="962125"/>
+              <a:chOff x="4300668" y="-1299739"/>
+              <a:chExt cx="2827861" cy="2827862"/>
+            </a:xfrm>
+          </p:grpSpPr>
+          <p:pic>
+            <p:nvPicPr>
+              <p:cNvPr id="22" name="Graphic 21" descr="Paper outline">
+                <a:extLst>
+                  <a:ext uri="{FF2B5EF4-FFF2-40B4-BE49-F238E27FC236}">
+                    <a16:creationId xmlns:a16="http://schemas.microsoft.com/office/drawing/2014/main" id="{24C5D56E-D3B5-A29E-8E4A-22E38D70A309}"/>
+                  </a:ext>
+                </a:extLst>
+              </p:cNvPr>
+              <p:cNvPicPr>
+                <a:picLocks noChangeAspect="1"/>
+              </p:cNvPicPr>
+              <p:nvPr/>
+            </p:nvPicPr>
+            <p:blipFill>
+              <a:blip r:embed="rId3">
+                <a:extLst>
+                  <a:ext uri="{28A0092B-C50C-407E-A947-70E740481C1C}">
+                    <a14:useLocalDpi xmlns:a14="http://schemas.microsoft.com/office/drawing/2010/main" val="0"/>
+                  </a:ext>
+                  <a:ext uri="{96DAC541-7B7A-43D3-8B79-37D633B846F1}">
+                    <asvg:svgBlip xmlns:asvg="http://schemas.microsoft.com/office/drawing/2016/SVG/main" r:embed="rId4"/>
+                  </a:ext>
+                </a:extLst>
+              </a:blip>
+              <a:stretch>
+                <a:fillRect/>
+              </a:stretch>
+            </p:blipFill>
+            <p:spPr>
+              <a:xfrm>
+                <a:off x="4300668" y="-1299739"/>
+                <a:ext cx="2827861" cy="2827862"/>
+              </a:xfrm>
+              <a:prstGeom prst="rect">
+                <a:avLst/>
+              </a:prstGeom>
+            </p:spPr>
+          </p:pic>
+          <p:pic>
+            <p:nvPicPr>
+              <p:cNvPr id="23" name="Picture 22" descr="Logo&#10;&#10;Description automatically generated">
+                <a:extLst>
+                  <a:ext uri="{FF2B5EF4-FFF2-40B4-BE49-F238E27FC236}">
+                    <a16:creationId xmlns:a16="http://schemas.microsoft.com/office/drawing/2014/main" id="{A2F20B68-1E26-81D8-2F7B-46BFC877B864}"/>
+                  </a:ext>
+                </a:extLst>
+              </p:cNvPr>
+              <p:cNvPicPr>
+                <a:picLocks noChangeAspect="1"/>
+              </p:cNvPicPr>
+              <p:nvPr/>
+            </p:nvPicPr>
+            <p:blipFill>
+              <a:blip r:embed="rId5">
+                <a:extLst>
+                  <a:ext uri="{28A0092B-C50C-407E-A947-70E740481C1C}">
+                    <a14:useLocalDpi xmlns:a14="http://schemas.microsoft.com/office/drawing/2010/main" val="0"/>
+                  </a:ext>
+                </a:extLst>
+              </a:blip>
+              <a:stretch>
+                <a:fillRect/>
+              </a:stretch>
+            </p:blipFill>
+            <p:spPr>
+              <a:xfrm>
+                <a:off x="4948340" y="-951731"/>
+                <a:ext cx="921590" cy="555788"/>
+              </a:xfrm>
+              <a:prstGeom prst="rect">
+                <a:avLst/>
+              </a:prstGeom>
+            </p:spPr>
+          </p:pic>
+        </p:grpSp>
+      </p:grpSp>
+      <p:pic>
+        <p:nvPicPr>
+          <p:cNvPr id="25" name="Graphic 24" descr="Remote control with solid fill">
+            <a:extLst>
+              <a:ext uri="{FF2B5EF4-FFF2-40B4-BE49-F238E27FC236}">
+                <a16:creationId xmlns:a16="http://schemas.microsoft.com/office/drawing/2014/main" id="{443E965C-860F-85FC-600C-F006EBA1C06D}"/>
+              </a:ext>
+            </a:extLst>
+          </p:cNvPr>
+          <p:cNvPicPr>
+            <a:picLocks noChangeAspect="1"/>
+          </p:cNvPicPr>
+          <p:nvPr/>
+        </p:nvPicPr>
+        <p:blipFill>
+          <a:blip r:embed="rId6">
+            <a:extLst>
+              <a:ext uri="{96DAC541-7B7A-43D3-8B79-37D633B846F1}">
+                <asvg:svgBlip xmlns:asvg="http://schemas.microsoft.com/office/drawing/2016/SVG/main" r:embed="rId7"/>
+              </a:ext>
+            </a:extLst>
+          </a:blip>
+          <a:stretch>
+            <a:fillRect/>
+          </a:stretch>
+        </p:blipFill>
+        <p:spPr>
+          <a:xfrm>
+            <a:off x="8407156" y="2077269"/>
+            <a:ext cx="2686946" cy="2686946"/>
+          </a:xfrm>
+          <a:prstGeom prst="rect">
+            <a:avLst/>
+          </a:prstGeom>
+        </p:spPr>
+      </p:pic>
+      <p:pic>
+        <p:nvPicPr>
+          <p:cNvPr id="27" name="Graphic 26" descr="Cmd Terminal with solid fill">
+            <a:extLst>
+              <a:ext uri="{FF2B5EF4-FFF2-40B4-BE49-F238E27FC236}">
+                <a16:creationId xmlns:a16="http://schemas.microsoft.com/office/drawing/2014/main" id="{D5728D2F-4975-41EC-E154-C14C322DE7C1}"/>
+              </a:ext>
+            </a:extLst>
+          </p:cNvPr>
+          <p:cNvPicPr>
+            <a:picLocks noChangeAspect="1"/>
+          </p:cNvPicPr>
+          <p:nvPr/>
+        </p:nvPicPr>
+        <p:blipFill>
+          <a:blip r:embed="rId8">
+            <a:extLst>
+              <a:ext uri="{96DAC541-7B7A-43D3-8B79-37D633B846F1}">
+                <asvg:svgBlip xmlns:asvg="http://schemas.microsoft.com/office/drawing/2016/SVG/main" r:embed="rId9"/>
+              </a:ext>
+            </a:extLst>
+          </a:blip>
+          <a:stretch>
+            <a:fillRect/>
+          </a:stretch>
+        </p:blipFill>
+        <p:spPr>
+          <a:xfrm>
+            <a:off x="7454759" y="1961981"/>
+            <a:ext cx="1576184" cy="1576184"/>
+          </a:xfrm>
+          <a:prstGeom prst="rect">
+            <a:avLst/>
+          </a:prstGeom>
+        </p:spPr>
+      </p:pic>
+      <p:pic>
+        <p:nvPicPr>
+          <p:cNvPr id="29" name="Graphic 28" descr="Ui Ux with solid fill">
+            <a:extLst>
+              <a:ext uri="{FF2B5EF4-FFF2-40B4-BE49-F238E27FC236}">
+                <a16:creationId xmlns:a16="http://schemas.microsoft.com/office/drawing/2014/main" id="{705D016F-4AD9-9DCA-24BC-0C48B6326DEF}"/>
+              </a:ext>
+            </a:extLst>
+          </p:cNvPr>
+          <p:cNvPicPr>
+            <a:picLocks noChangeAspect="1"/>
+          </p:cNvPicPr>
+          <p:nvPr/>
+        </p:nvPicPr>
+        <p:blipFill>
+          <a:blip r:embed="rId10">
+            <a:extLst>
+              <a:ext uri="{96DAC541-7B7A-43D3-8B79-37D633B846F1}">
+                <asvg:svgBlip xmlns:asvg="http://schemas.microsoft.com/office/drawing/2016/SVG/main" r:embed="rId11"/>
+              </a:ext>
+            </a:extLst>
+          </a:blip>
+          <a:stretch>
+            <a:fillRect/>
+          </a:stretch>
+        </p:blipFill>
+        <p:spPr>
+          <a:xfrm>
+            <a:off x="7454759" y="3319836"/>
+            <a:ext cx="1576184" cy="1576184"/>
+          </a:xfrm>
+          <a:prstGeom prst="rect">
+            <a:avLst/>
+          </a:prstGeom>
+        </p:spPr>
+      </p:pic>
+      <p:sp>
+        <p:nvSpPr>
+          <p:cNvPr id="34" name="TextBox 33">
+            <a:extLst>
+              <a:ext uri="{FF2B5EF4-FFF2-40B4-BE49-F238E27FC236}">
+                <a16:creationId xmlns:a16="http://schemas.microsoft.com/office/drawing/2014/main" id="{B7C30226-691B-4D87-62A2-C65CBADC8393}"/>
+              </a:ext>
+            </a:extLst>
+          </p:cNvPr>
+          <p:cNvSpPr txBox="1"/>
+          <p:nvPr/>
+        </p:nvSpPr>
+        <p:spPr>
+          <a:xfrm>
+            <a:off x="4442824" y="5504989"/>
+            <a:ext cx="2820217" cy="707886"/>
+          </a:xfrm>
+          <a:prstGeom prst="rect">
+            <a:avLst/>
+          </a:prstGeom>
+          <a:noFill/>
+        </p:spPr>
+        <p:txBody>
+          <a:bodyPr wrap="square" rtlCol="0">
+            <a:spAutoFit/>
+          </a:bodyPr>
+          <a:lstStyle/>
+          <a:p>
+            <a:pPr marL="0" marR="0" lvl="0" indent="0" algn="ctr" defTabSz="457200" rtl="0" eaLnBrk="1" fontAlgn="auto" latinLnBrk="0" hangingPunct="1">
+              <a:lnSpc>
+                <a:spcPct val="100000"/>
+              </a:lnSpc>
+              <a:spcBef>
+                <a:spcPts val="0"/>
+              </a:spcBef>
+              <a:spcAft>
+                <a:spcPts val="0"/>
+              </a:spcAft>
+              <a:buClrTx/>
+              <a:buSzTx/>
+              <a:buFontTx/>
+              <a:buNone/>
+              <a:tabLst/>
+              <a:defRPr/>
+            </a:pPr>
+            <a:r>
+              <a:rPr kumimoji="0" lang="en-US" sz="4000" b="0" i="0" u="none" strike="noStrike" kern="1200" cap="none" spc="0" normalizeH="0" baseline="0" noProof="0" dirty="0">
+                <a:ln>
+                  <a:noFill/>
+                </a:ln>
+                <a:solidFill>
+                  <a:srgbClr val="0052A5"/>
+                </a:solidFill>
+                <a:effectLst/>
+                <a:uLnTx/>
+                <a:uFillTx/>
+                <a:latin typeface="Century Gothic" panose="020B0502020202020204" pitchFamily="34" charset="0"/>
+                <a:ea typeface="+mn-ea"/>
+                <a:cs typeface="+mn-cs"/>
+              </a:rPr>
+              <a:t>Consumer</a:t>
+            </a:r>
+          </a:p>
+        </p:txBody>
+      </p:sp>
+    </p:spTree>
+    <p:extLst>
+      <p:ext uri="{BB962C8B-B14F-4D97-AF65-F5344CB8AC3E}">
+        <p14:creationId xmlns:p14="http://schemas.microsoft.com/office/powerpoint/2010/main" val="3327559847"/>
+      </p:ext>
+    </p:extLst>
+  </p:cSld>
+  <p:clrMapOvr>
+    <a:masterClrMapping/>
+  </p:clrMapOvr>
+  <mc:AlternateContent xmlns:mc="http://schemas.openxmlformats.org/markup-compatibility/2006">
+    <mc:Choice xmlns:p159="http://schemas.microsoft.com/office/powerpoint/2015/09/main" Requires="p159">
+      <p:transition xmlns:p14="http://schemas.microsoft.com/office/powerpoint/2010/main" spd="slow" p14:dur="2000" advTm="9300">
+        <p159:morph option="byObject"/>
+      </p:transition>
+    </mc:Choice>
+    <mc:Fallback>
+      <p:transition spd="slow" advTm="9300">
+        <p:fade/>
+      </p:transition>
+    </mc:Fallback>
+  </mc:AlternateContent>
+</p:sld>
+</file>
+
+<file path=ppt/slides/slide8.xml><?xml version="1.0" encoding="utf-8"?>
 <p:sld xmlns:a="http://schemas.openxmlformats.org/drawingml/2006/main" xmlns:r="http://schemas.openxmlformats.org/officeDocument/2006/relationships" xmlns:p="http://schemas.openxmlformats.org/presentationml/2006/main">
   <p:cSld>
     <p:spTree>
@@ -26006,18 +27988,9 @@
   <p:clrMapOvr>
     <a:masterClrMapping/>
   </p:clrMapOvr>
-  <mc:AlternateContent xmlns:mc="http://schemas.openxmlformats.org/markup-compatibility/2006" xmlns:p14="http://schemas.microsoft.com/office/powerpoint/2010/main">
-    <mc:Choice Requires="p14">
-      <p:transition spd="med" p14:dur="700" advTm="18000">
-        <p:fade/>
-      </p:transition>
-    </mc:Choice>
-    <mc:Fallback xmlns="">
-      <p:transition spd="med" advTm="18000">
-        <p:fade/>
-      </p:transition>
-    </mc:Fallback>
-  </mc:AlternateContent>
+  <p:transition spd="slow" advTm="8000">
+    <p:fade/>
+  </p:transition>
   <p:timing>
     <p:tnLst>
       <p:par>
@@ -26177,7 +28150,7 @@
                                   <p:childTnLst>
                                     <p:animMotion origin="layout" path="M 1.45833E-6 -1.85185E-6 L -0.25 -1.85185E-6 " pathEditMode="relative" rAng="0" ptsTypes="AA">
                                       <p:cBhvr>
-                                        <p:cTn id="18" dur="2000" fill="hold"/>
+                                        <p:cTn id="18" dur="1000" fill="hold"/>
                                         <p:tgtEl>
                                           <p:spTgt spid="8"/>
                                         </p:tgtEl>
@@ -26197,7 +28170,7 @@
                         <p:par>
                           <p:cTn id="19" fill="hold">
                             <p:stCondLst>
-                              <p:cond delay="5750"/>
+                              <p:cond delay="4750"/>
                             </p:stCondLst>
                             <p:childTnLst>
                               <p:par>
@@ -26208,7 +28181,7 @@
                                   <p:childTnLst>
                                     <p:animMotion origin="layout" path="M 1.45833E-6 -4.44444E-6 L -0.25 -4.44444E-6 " pathEditMode="relative" rAng="0" ptsTypes="AA">
                                       <p:cBhvr>
-                                        <p:cTn id="21" dur="2000" fill="hold"/>
+                                        <p:cTn id="21" dur="1000" fill="hold"/>
                                         <p:tgtEl>
                                           <p:spTgt spid="11"/>
                                         </p:tgtEl>
@@ -26259,7 +28232,7 @@
 </p:sld>
 </file>
 
-<file path=ppt/slides/slide8.xml><?xml version="1.0" encoding="utf-8"?>
+<file path=ppt/slides/slide9.xml><?xml version="1.0" encoding="utf-8"?>
 <p:sld xmlns:a="http://schemas.openxmlformats.org/drawingml/2006/main" xmlns:r="http://schemas.openxmlformats.org/officeDocument/2006/relationships" xmlns:p="http://schemas.openxmlformats.org/presentationml/2006/main" show="0">
   <p:cSld>
     <p:spTree>
@@ -28061,84 +30034,6 @@
 </p:sld>
 </file>
 
-<file path=ppt/slides/slide9.xml><?xml version="1.0" encoding="utf-8"?>
-<p:sld xmlns:a="http://schemas.openxmlformats.org/drawingml/2006/main" xmlns:r="http://schemas.openxmlformats.org/officeDocument/2006/relationships" xmlns:p="http://schemas.openxmlformats.org/presentationml/2006/main" show="0">
-  <p:cSld>
-    <p:spTree>
-      <p:nvGrpSpPr>
-        <p:cNvPr id="1" name="">
-          <a:extLst>
-            <a:ext uri="{FF2B5EF4-FFF2-40B4-BE49-F238E27FC236}">
-              <a16:creationId xmlns:a16="http://schemas.microsoft.com/office/drawing/2014/main" id="{9A026289-7973-C344-7B7A-9B36AB44D295}"/>
-            </a:ext>
-          </a:extLst>
-        </p:cNvPr>
-        <p:cNvGrpSpPr/>
-        <p:nvPr/>
-      </p:nvGrpSpPr>
-      <p:grpSpPr>
-        <a:xfrm>
-          <a:off x="0" y="0"/>
-          <a:ext cx="0" cy="0"/>
-          <a:chOff x="0" y="0"/>
-          <a:chExt cx="0" cy="0"/>
-        </a:xfrm>
-      </p:grpSpPr>
-      <p:pic>
-        <p:nvPicPr>
-          <p:cNvPr id="12" name="Picture 11">
-            <a:extLst>
-              <a:ext uri="{FF2B5EF4-FFF2-40B4-BE49-F238E27FC236}">
-                <a16:creationId xmlns:a16="http://schemas.microsoft.com/office/drawing/2014/main" id="{6A1EA527-BAD7-ABC3-BE5F-33C6572D361C}"/>
-              </a:ext>
-            </a:extLst>
-          </p:cNvPr>
-          <p:cNvPicPr>
-            <a:picLocks noChangeAspect="1"/>
-          </p:cNvPicPr>
-          <p:nvPr/>
-        </p:nvPicPr>
-        <p:blipFill>
-          <a:blip r:embed="rId3"/>
-          <a:stretch>
-            <a:fillRect/>
-          </a:stretch>
-        </p:blipFill>
-        <p:spPr>
-          <a:xfrm>
-            <a:off x="798332" y="419894"/>
-            <a:ext cx="7082250" cy="6018211"/>
-          </a:xfrm>
-          <a:prstGeom prst="rect">
-            <a:avLst/>
-          </a:prstGeom>
-        </p:spPr>
-      </p:pic>
-    </p:spTree>
-    <p:extLst>
-      <p:ext uri="{BB962C8B-B14F-4D97-AF65-F5344CB8AC3E}">
-        <p14:creationId xmlns:p14="http://schemas.microsoft.com/office/powerpoint/2010/main" val="2261272579"/>
-      </p:ext>
-    </p:extLst>
-  </p:cSld>
-  <p:clrMapOvr>
-    <a:masterClrMapping/>
-  </p:clrMapOvr>
-  <mc:AlternateContent xmlns:mc="http://schemas.openxmlformats.org/markup-compatibility/2006" xmlns:p159="http://schemas.microsoft.com/office/powerpoint/2015/09/main">
-    <mc:Choice Requires="p159">
-      <p:transition xmlns:p14="http://schemas.microsoft.com/office/powerpoint/2010/main" spd="slow" p14:dur="2000">
-        <p159:morph option="byObject"/>
-      </p:transition>
-    </mc:Choice>
-    <mc:Fallback xmlns="">
-      <p:transition spd="slow">
-        <p:fade/>
-      </p:transition>
-    </mc:Fallback>
-  </mc:AlternateContent>
-</p:sld>
-</file>
-
 <file path=ppt/theme/theme1.xml><?xml version="1.0" encoding="utf-8"?>
 <a:theme xmlns:a="http://schemas.openxmlformats.org/drawingml/2006/main" name="Office Theme">
   <a:themeElements>
